--- a/BomberJuan.pptx
+++ b/BomberJuan.pptx
@@ -2,7 +2,7 @@
 <file path=ppt/presentation.xml><?xml version="1.0" encoding="utf-8"?>
 <p:presentation xmlns:a="http://schemas.openxmlformats.org/drawingml/2006/main" xmlns:r="http://schemas.openxmlformats.org/officeDocument/2006/relationships" xmlns:p="http://schemas.openxmlformats.org/presentationml/2006/main" saveSubsetFonts="1">
   <p:sldMasterIdLst>
-    <p:sldMasterId id="2147483648" r:id="rId1"/>
+    <p:sldMasterId id="2147483672" r:id="rId1"/>
   </p:sldMasterIdLst>
   <p:sldIdLst>
     <p:sldId id="256" r:id="rId2"/>
@@ -114,7 +114,7 @@
 </file>
 
 <file path=ppt/slideLayouts/slideLayout1.xml><?xml version="1.0" encoding="utf-8"?>
-<p:sldLayout xmlns:a="http://schemas.openxmlformats.org/drawingml/2006/main" xmlns:r="http://schemas.openxmlformats.org/officeDocument/2006/relationships" xmlns:p="http://schemas.openxmlformats.org/presentationml/2006/main" type="title" preserve="1">
+<p:sldLayout xmlns:a="http://schemas.openxmlformats.org/drawingml/2006/main" xmlns:r="http://schemas.openxmlformats.org/officeDocument/2006/relationships" xmlns:p="http://schemas.openxmlformats.org/presentationml/2006/main" showMasterSp="0" type="title" preserve="1">
   <p:cSld name="Title Slide">
     <p:spTree>
       <p:nvGrpSpPr>
@@ -142,19 +142,25 @@
         </p:nvSpPr>
         <p:spPr>
           <a:xfrm>
-            <a:off x="685800" y="2130425"/>
-            <a:ext cx="7772400" cy="1470025"/>
-          </a:xfrm>
-        </p:spPr>
-        <p:txBody>
-          <a:bodyPr/>
-          <a:lstStyle/>
+            <a:off x="4800600" y="4624668"/>
+            <a:ext cx="4038600" cy="933450"/>
+          </a:xfrm>
+        </p:spPr>
+        <p:txBody>
+          <a:bodyPr>
+            <a:normAutofit/>
+          </a:bodyPr>
+          <a:lstStyle>
+            <a:lvl1pPr>
+              <a:defRPr sz="2800"/>
+            </a:lvl1pPr>
+          </a:lstStyle>
           <a:p>
             <a:r>
               <a:rPr lang="en-US" smtClean="0"/>
               <a:t>Click to edit Master title style</a:t>
             </a:r>
-            <a:endParaRPr lang="en-US"/>
+            <a:endParaRPr/>
           </a:p>
         </p:txBody>
       </p:sp>
@@ -170,16 +176,21 @@
         </p:nvSpPr>
         <p:spPr>
           <a:xfrm>
-            <a:off x="1371600" y="3886200"/>
-            <a:ext cx="6400800" cy="1752600"/>
-          </a:xfrm>
-        </p:spPr>
-        <p:txBody>
-          <a:bodyPr/>
+            <a:off x="4800600" y="5562599"/>
+            <a:ext cx="4038600" cy="748553"/>
+          </a:xfrm>
+        </p:spPr>
+        <p:txBody>
+          <a:bodyPr>
+            <a:normAutofit/>
+          </a:bodyPr>
           <a:lstStyle>
-            <a:lvl1pPr marL="0" indent="0" algn="ctr">
-              <a:buNone/>
-              <a:defRPr>
+            <a:lvl1pPr marL="0" indent="0" algn="l">
+              <a:spcBef>
+                <a:spcPts val="300"/>
+              </a:spcBef>
+              <a:buNone/>
+              <a:defRPr sz="1400">
                 <a:solidFill>
                   <a:schemeClr val="tx1">
                     <a:tint val="75000"/>
@@ -273,7 +284,7 @@
               <a:rPr lang="en-US" smtClean="0"/>
               <a:t>Click to edit Master subtitle style</a:t>
             </a:r>
-            <a:endParaRPr lang="en-US"/>
+            <a:endParaRPr/>
           </a:p>
         </p:txBody>
       </p:sp>
@@ -287,14 +298,23 @@
             <p:ph type="dt" sz="half" idx="10"/>
           </p:nvPr>
         </p:nvSpPr>
-        <p:spPr/>
+        <p:spPr>
+          <a:xfrm>
+            <a:off x="4800600" y="6425640"/>
+            <a:ext cx="1232647" cy="365125"/>
+          </a:xfrm>
+        </p:spPr>
         <p:txBody>
           <a:bodyPr/>
-          <a:lstStyle/>
+          <a:lstStyle>
+            <a:lvl1pPr algn="l">
+              <a:defRPr/>
+            </a:lvl1pPr>
+          </a:lstStyle>
           <a:p>
             <a:fld id="{693979EF-4621-4273-AF5F-DF6C03C4E4E7}" type="datetimeFigureOut">
               <a:rPr lang="en-US" smtClean="0"/>
-              <a:t>5/4/2014</a:t>
+              <a:t>5/5/14</a:t>
             </a:fld>
             <a:endParaRPr lang="en-US"/>
           </a:p>
@@ -310,10 +330,19 @@
             <p:ph type="ftr" sz="quarter" idx="11"/>
           </p:nvPr>
         </p:nvSpPr>
-        <p:spPr/>
+        <p:spPr>
+          <a:xfrm>
+            <a:off x="6311153" y="6425640"/>
+            <a:ext cx="2617694" cy="365125"/>
+          </a:xfrm>
+        </p:spPr>
         <p:txBody>
           <a:bodyPr/>
-          <a:lstStyle/>
+          <a:lstStyle>
+            <a:lvl1pPr algn="r">
+              <a:defRPr/>
+            </a:lvl1pPr>
+          </a:lstStyle>
           <a:p>
             <a:endParaRPr lang="en-US"/>
           </a:p>
@@ -321,24 +350,274 @@
       </p:sp>
       <p:sp>
         <p:nvSpPr>
-          <p:cNvPr id="6" name="Slide Number Placeholder 5"/>
-          <p:cNvSpPr>
-            <a:spLocks noGrp="1"/>
-          </p:cNvSpPr>
-          <p:nvPr>
-            <p:ph type="sldNum" sz="quarter" idx="12"/>
-          </p:nvPr>
-        </p:nvSpPr>
-        <p:spPr/>
-        <p:txBody>
-          <a:bodyPr/>
-          <a:lstStyle/>
-          <a:p>
-            <a:fld id="{6661E4F3-BB0A-4D53-9B5E-4C9753BFE76D}" type="slidenum">
-              <a:rPr lang="en-US" smtClean="0"/>
-              <a:t>‹#›</a:t>
-            </a:fld>
-            <a:endParaRPr lang="en-US"/>
+          <p:cNvPr id="7" name="Rectangle 6"/>
+          <p:cNvSpPr/>
+          <p:nvPr/>
+        </p:nvSpPr>
+        <p:spPr>
+          <a:xfrm>
+            <a:off x="282575" y="228600"/>
+            <a:ext cx="4235450" cy="4187952"/>
+          </a:xfrm>
+          <a:prstGeom prst="rect">
+            <a:avLst/>
+          </a:prstGeom>
+          <a:solidFill>
+            <a:schemeClr val="accent1"/>
+          </a:solidFill>
+          <a:ln>
+            <a:noFill/>
+          </a:ln>
+        </p:spPr>
+        <p:style>
+          <a:lnRef idx="2">
+            <a:schemeClr val="accent1">
+              <a:shade val="50000"/>
+            </a:schemeClr>
+          </a:lnRef>
+          <a:fillRef idx="1">
+            <a:schemeClr val="accent1"/>
+          </a:fillRef>
+          <a:effectRef idx="0">
+            <a:schemeClr val="accent1"/>
+          </a:effectRef>
+          <a:fontRef idx="minor">
+            <a:schemeClr val="lt1"/>
+          </a:fontRef>
+        </p:style>
+        <p:txBody>
+          <a:bodyPr rtlCol="0" anchor="ctr"/>
+          <a:lstStyle/>
+          <a:p>
+            <a:pPr algn="ctr"/>
+            <a:endParaRPr/>
+          </a:p>
+        </p:txBody>
+      </p:sp>
+      <p:sp>
+        <p:nvSpPr>
+          <p:cNvPr id="8" name="Rectangle 7"/>
+          <p:cNvSpPr/>
+          <p:nvPr/>
+        </p:nvSpPr>
+        <p:spPr>
+          <a:xfrm>
+            <a:off x="6802438" y="228600"/>
+            <a:ext cx="2057400" cy="2039112"/>
+          </a:xfrm>
+          <a:prstGeom prst="rect">
+            <a:avLst/>
+          </a:prstGeom>
+          <a:solidFill>
+            <a:schemeClr val="accent3"/>
+          </a:solidFill>
+          <a:ln>
+            <a:noFill/>
+          </a:ln>
+        </p:spPr>
+        <p:style>
+          <a:lnRef idx="2">
+            <a:schemeClr val="accent1">
+              <a:shade val="50000"/>
+            </a:schemeClr>
+          </a:lnRef>
+          <a:fillRef idx="1">
+            <a:schemeClr val="accent1"/>
+          </a:fillRef>
+          <a:effectRef idx="0">
+            <a:schemeClr val="accent1"/>
+          </a:effectRef>
+          <a:fontRef idx="minor">
+            <a:schemeClr val="lt1"/>
+          </a:fontRef>
+        </p:style>
+        <p:txBody>
+          <a:bodyPr rtlCol="0" anchor="ctr"/>
+          <a:lstStyle/>
+          <a:p>
+            <a:pPr algn="ctr"/>
+            <a:endParaRPr/>
+          </a:p>
+        </p:txBody>
+      </p:sp>
+      <p:sp>
+        <p:nvSpPr>
+          <p:cNvPr id="10" name="Rectangle 9"/>
+          <p:cNvSpPr/>
+          <p:nvPr/>
+        </p:nvSpPr>
+        <p:spPr>
+          <a:xfrm>
+            <a:off x="4624388" y="2377440"/>
+            <a:ext cx="2057400" cy="2039112"/>
+          </a:xfrm>
+          <a:prstGeom prst="rect">
+            <a:avLst/>
+          </a:prstGeom>
+          <a:solidFill>
+            <a:schemeClr val="accent4"/>
+          </a:solidFill>
+          <a:ln>
+            <a:noFill/>
+          </a:ln>
+        </p:spPr>
+        <p:style>
+          <a:lnRef idx="2">
+            <a:schemeClr val="accent1">
+              <a:shade val="50000"/>
+            </a:schemeClr>
+          </a:lnRef>
+          <a:fillRef idx="1">
+            <a:schemeClr val="accent1"/>
+          </a:fillRef>
+          <a:effectRef idx="0">
+            <a:schemeClr val="accent1"/>
+          </a:effectRef>
+          <a:fontRef idx="minor">
+            <a:schemeClr val="lt1"/>
+          </a:fontRef>
+        </p:style>
+        <p:txBody>
+          <a:bodyPr rtlCol="0" anchor="ctr"/>
+          <a:lstStyle/>
+          <a:p>
+            <a:pPr marL="0" algn="ctr" defTabSz="914400" rtl="0" eaLnBrk="1" latinLnBrk="0" hangingPunct="1"/>
+            <a:endParaRPr sz="1800" kern="1200">
+              <a:solidFill>
+                <a:schemeClr val="lt1"/>
+              </a:solidFill>
+              <a:latin typeface="+mn-lt"/>
+              <a:ea typeface="+mn-ea"/>
+              <a:cs typeface="+mn-cs"/>
+            </a:endParaRPr>
+          </a:p>
+        </p:txBody>
+      </p:sp>
+      <p:sp>
+        <p:nvSpPr>
+          <p:cNvPr id="15" name="TextBox 14"/>
+          <p:cNvSpPr txBox="1"/>
+          <p:nvPr/>
+        </p:nvSpPr>
+        <p:spPr>
+          <a:xfrm>
+            <a:off x="424891" y="174812"/>
+            <a:ext cx="413309" cy="830997"/>
+          </a:xfrm>
+          <a:prstGeom prst="rect">
+            <a:avLst/>
+          </a:prstGeom>
+          <a:noFill/>
+        </p:spPr>
+        <p:txBody>
+          <a:bodyPr wrap="square" lIns="0" tIns="0" rIns="0" bIns="0" rtlCol="0">
+            <a:spAutoFit/>
+          </a:bodyPr>
+          <a:lstStyle/>
+          <a:p>
+            <a:r>
+              <a:rPr sz="5400" b="1">
+                <a:solidFill>
+                  <a:schemeClr val="accent1">
+                    <a:lumMod val="60000"/>
+                    <a:lumOff val="40000"/>
+                  </a:schemeClr>
+                </a:solidFill>
+              </a:rPr>
+              <a:t>+</a:t>
+            </a:r>
+          </a:p>
+        </p:txBody>
+      </p:sp>
+      <p:sp>
+        <p:nvSpPr>
+          <p:cNvPr id="11" name="Rectangle 10"/>
+          <p:cNvSpPr/>
+          <p:nvPr/>
+        </p:nvSpPr>
+        <p:spPr>
+          <a:xfrm>
+            <a:off x="4624388" y="228600"/>
+            <a:ext cx="2057400" cy="2039112"/>
+          </a:xfrm>
+          <a:prstGeom prst="rect">
+            <a:avLst/>
+          </a:prstGeom>
+          <a:solidFill>
+            <a:schemeClr val="accent6"/>
+          </a:solidFill>
+          <a:ln>
+            <a:noFill/>
+          </a:ln>
+        </p:spPr>
+        <p:style>
+          <a:lnRef idx="2">
+            <a:schemeClr val="accent1">
+              <a:shade val="50000"/>
+            </a:schemeClr>
+          </a:lnRef>
+          <a:fillRef idx="1">
+            <a:schemeClr val="accent1"/>
+          </a:fillRef>
+          <a:effectRef idx="0">
+            <a:schemeClr val="accent1"/>
+          </a:effectRef>
+          <a:fontRef idx="minor">
+            <a:schemeClr val="lt1"/>
+          </a:fontRef>
+        </p:style>
+        <p:txBody>
+          <a:bodyPr rtlCol="0" anchor="ctr"/>
+          <a:lstStyle/>
+          <a:p>
+            <a:pPr algn="ctr"/>
+            <a:endParaRPr/>
+          </a:p>
+        </p:txBody>
+      </p:sp>
+      <p:sp>
+        <p:nvSpPr>
+          <p:cNvPr id="12" name="Rectangle 11"/>
+          <p:cNvSpPr/>
+          <p:nvPr/>
+        </p:nvSpPr>
+        <p:spPr>
+          <a:xfrm>
+            <a:off x="6802438" y="2377440"/>
+            <a:ext cx="2057400" cy="2039112"/>
+          </a:xfrm>
+          <a:prstGeom prst="rect">
+            <a:avLst/>
+          </a:prstGeom>
+          <a:solidFill>
+            <a:schemeClr val="accent2"/>
+          </a:solidFill>
+          <a:ln>
+            <a:noFill/>
+          </a:ln>
+        </p:spPr>
+        <p:style>
+          <a:lnRef idx="2">
+            <a:schemeClr val="accent1">
+              <a:shade val="50000"/>
+            </a:schemeClr>
+          </a:lnRef>
+          <a:fillRef idx="1">
+            <a:schemeClr val="accent1"/>
+          </a:fillRef>
+          <a:effectRef idx="0">
+            <a:schemeClr val="accent1"/>
+          </a:effectRef>
+          <a:fontRef idx="minor">
+            <a:schemeClr val="lt1"/>
+          </a:fontRef>
+        </p:style>
+        <p:txBody>
+          <a:bodyPr rtlCol="0" anchor="ctr"/>
+          <a:lstStyle/>
+          <a:p>
+            <a:pPr algn="ctr"/>
+            <a:endParaRPr/>
           </a:p>
         </p:txBody>
       </p:sp>
@@ -351,7 +630,3305 @@
 </file>
 
 <file path=ppt/slideLayouts/slideLayout10.xml><?xml version="1.0" encoding="utf-8"?>
-<p:sldLayout xmlns:a="http://schemas.openxmlformats.org/drawingml/2006/main" xmlns:r="http://schemas.openxmlformats.org/officeDocument/2006/relationships" xmlns:p="http://schemas.openxmlformats.org/presentationml/2006/main" type="vertTx" preserve="1">
+<p:sldLayout xmlns:a="http://schemas.openxmlformats.org/drawingml/2006/main" xmlns:r="http://schemas.openxmlformats.org/officeDocument/2006/relationships" xmlns:p="http://schemas.openxmlformats.org/presentationml/2006/main" preserve="1">
+  <p:cSld name="4 Content">
+    <p:spTree>
+      <p:nvGrpSpPr>
+        <p:cNvPr id="1" name=""/>
+        <p:cNvGrpSpPr/>
+        <p:nvPr/>
+      </p:nvGrpSpPr>
+      <p:grpSpPr>
+        <a:xfrm>
+          <a:off x="0" y="0"/>
+          <a:ext cx="0" cy="0"/>
+          <a:chOff x="0" y="0"/>
+          <a:chExt cx="0" cy="0"/>
+        </a:xfrm>
+      </p:grpSpPr>
+      <p:sp>
+        <p:nvSpPr>
+          <p:cNvPr id="8" name="Rectangle 7"/>
+          <p:cNvSpPr/>
+          <p:nvPr/>
+        </p:nvSpPr>
+        <p:spPr>
+          <a:xfrm>
+            <a:off x="8166847" y="282574"/>
+            <a:ext cx="685800" cy="1600200"/>
+          </a:xfrm>
+          <a:prstGeom prst="rect">
+            <a:avLst/>
+          </a:prstGeom>
+          <a:solidFill>
+            <a:schemeClr val="accent1"/>
+          </a:solidFill>
+          <a:ln>
+            <a:noFill/>
+          </a:ln>
+        </p:spPr>
+        <p:style>
+          <a:lnRef idx="2">
+            <a:schemeClr val="accent1">
+              <a:shade val="50000"/>
+            </a:schemeClr>
+          </a:lnRef>
+          <a:fillRef idx="1">
+            <a:schemeClr val="accent1"/>
+          </a:fillRef>
+          <a:effectRef idx="0">
+            <a:schemeClr val="accent1"/>
+          </a:effectRef>
+          <a:fontRef idx="minor">
+            <a:schemeClr val="lt1"/>
+          </a:fontRef>
+        </p:style>
+        <p:txBody>
+          <a:bodyPr rtlCol="0" anchor="ctr"/>
+          <a:lstStyle/>
+          <a:p>
+            <a:pPr algn="ctr"/>
+            <a:endParaRPr/>
+          </a:p>
+        </p:txBody>
+      </p:sp>
+      <p:sp>
+        <p:nvSpPr>
+          <p:cNvPr id="10" name="TextBox 9"/>
+          <p:cNvSpPr txBox="1"/>
+          <p:nvPr/>
+        </p:nvSpPr>
+        <p:spPr>
+          <a:xfrm>
+            <a:off x="223185" y="228600"/>
+            <a:ext cx="260909" cy="553998"/>
+          </a:xfrm>
+          <a:prstGeom prst="rect">
+            <a:avLst/>
+          </a:prstGeom>
+          <a:noFill/>
+        </p:spPr>
+        <p:txBody>
+          <a:bodyPr wrap="square" lIns="0" tIns="0" rIns="0" bIns="0" rtlCol="0">
+            <a:spAutoFit/>
+          </a:bodyPr>
+          <a:lstStyle/>
+          <a:p>
+            <a:r>
+              <a:rPr sz="3600" b="1">
+                <a:solidFill>
+                  <a:schemeClr val="accent1">
+                    <a:lumMod val="60000"/>
+                    <a:lumOff val="40000"/>
+                  </a:schemeClr>
+                </a:solidFill>
+              </a:rPr>
+              <a:t>+</a:t>
+            </a:r>
+          </a:p>
+        </p:txBody>
+      </p:sp>
+      <p:sp>
+        <p:nvSpPr>
+          <p:cNvPr id="2" name="Title 1"/>
+          <p:cNvSpPr>
+            <a:spLocks noGrp="1"/>
+          </p:cNvSpPr>
+          <p:nvPr>
+            <p:ph type="title"/>
+          </p:nvPr>
+        </p:nvSpPr>
+        <p:spPr/>
+        <p:txBody>
+          <a:bodyPr/>
+          <a:lstStyle/>
+          <a:p>
+            <a:r>
+              <a:rPr lang="en-US" smtClean="0"/>
+              <a:t>Click to edit Master title style</a:t>
+            </a:r>
+            <a:endParaRPr/>
+          </a:p>
+        </p:txBody>
+      </p:sp>
+      <p:sp>
+        <p:nvSpPr>
+          <p:cNvPr id="5" name="Date Placeholder 4"/>
+          <p:cNvSpPr>
+            <a:spLocks noGrp="1"/>
+          </p:cNvSpPr>
+          <p:nvPr>
+            <p:ph type="dt" sz="half" idx="10"/>
+          </p:nvPr>
+        </p:nvSpPr>
+        <p:spPr/>
+        <p:txBody>
+          <a:bodyPr/>
+          <a:lstStyle/>
+          <a:p>
+            <a:fld id="{693979EF-4621-4273-AF5F-DF6C03C4E4E7}" type="datetimeFigureOut">
+              <a:rPr lang="en-US" smtClean="0"/>
+              <a:t>5/5/14</a:t>
+            </a:fld>
+            <a:endParaRPr lang="en-US"/>
+          </a:p>
+        </p:txBody>
+      </p:sp>
+      <p:sp>
+        <p:nvSpPr>
+          <p:cNvPr id="6" name="Footer Placeholder 5"/>
+          <p:cNvSpPr>
+            <a:spLocks noGrp="1"/>
+          </p:cNvSpPr>
+          <p:nvPr>
+            <p:ph type="ftr" sz="quarter" idx="11"/>
+          </p:nvPr>
+        </p:nvSpPr>
+        <p:spPr/>
+        <p:txBody>
+          <a:bodyPr/>
+          <a:lstStyle/>
+          <a:p>
+            <a:endParaRPr lang="en-US"/>
+          </a:p>
+        </p:txBody>
+      </p:sp>
+      <p:sp>
+        <p:nvSpPr>
+          <p:cNvPr id="7" name="Slide Number Placeholder 6"/>
+          <p:cNvSpPr>
+            <a:spLocks noGrp="1"/>
+          </p:cNvSpPr>
+          <p:nvPr>
+            <p:ph type="sldNum" sz="quarter" idx="12"/>
+          </p:nvPr>
+        </p:nvSpPr>
+        <p:spPr/>
+        <p:txBody>
+          <a:bodyPr/>
+          <a:lstStyle/>
+          <a:p>
+            <a:fld id="{6661E4F3-BB0A-4D53-9B5E-4C9753BFE76D}" type="slidenum">
+              <a:rPr lang="en-US" smtClean="0"/>
+              <a:t>‹#›</a:t>
+            </a:fld>
+            <a:endParaRPr lang="en-US"/>
+          </a:p>
+        </p:txBody>
+      </p:sp>
+      <p:sp>
+        <p:nvSpPr>
+          <p:cNvPr id="12" name="Content Placeholder 2"/>
+          <p:cNvSpPr>
+            <a:spLocks noGrp="1"/>
+          </p:cNvSpPr>
+          <p:nvPr>
+            <p:ph sz="half" idx="17"/>
+          </p:nvPr>
+        </p:nvSpPr>
+        <p:spPr>
+          <a:xfrm>
+            <a:off x="502920" y="1985963"/>
+            <a:ext cx="3657413" cy="1965960"/>
+          </a:xfrm>
+        </p:spPr>
+        <p:txBody>
+          <a:bodyPr>
+            <a:normAutofit/>
+          </a:bodyPr>
+          <a:lstStyle>
+            <a:lvl1pPr>
+              <a:defRPr sz="1800"/>
+            </a:lvl1pPr>
+            <a:lvl2pPr>
+              <a:defRPr sz="1800"/>
+            </a:lvl2pPr>
+            <a:lvl3pPr>
+              <a:defRPr sz="1800"/>
+            </a:lvl3pPr>
+            <a:lvl4pPr>
+              <a:defRPr sz="1800"/>
+            </a:lvl4pPr>
+            <a:lvl5pPr>
+              <a:defRPr sz="1800"/>
+            </a:lvl5pPr>
+            <a:lvl6pPr>
+              <a:defRPr sz="1800"/>
+            </a:lvl6pPr>
+            <a:lvl7pPr>
+              <a:defRPr sz="1800"/>
+            </a:lvl7pPr>
+            <a:lvl8pPr>
+              <a:defRPr sz="1800"/>
+            </a:lvl8pPr>
+            <a:lvl9pPr>
+              <a:defRPr sz="1800"/>
+            </a:lvl9pPr>
+          </a:lstStyle>
+          <a:p>
+            <a:pPr lvl="0"/>
+            <a:r>
+              <a:rPr lang="en-US" smtClean="0"/>
+              <a:t>Click to edit Master text styles</a:t>
+            </a:r>
+          </a:p>
+          <a:p>
+            <a:pPr lvl="1"/>
+            <a:r>
+              <a:rPr lang="en-US" smtClean="0"/>
+              <a:t>Second level</a:t>
+            </a:r>
+          </a:p>
+          <a:p>
+            <a:pPr lvl="2"/>
+            <a:r>
+              <a:rPr lang="en-US" smtClean="0"/>
+              <a:t>Third level</a:t>
+            </a:r>
+          </a:p>
+          <a:p>
+            <a:pPr lvl="3"/>
+            <a:r>
+              <a:rPr lang="en-US" smtClean="0"/>
+              <a:t>Fourth level</a:t>
+            </a:r>
+          </a:p>
+          <a:p>
+            <a:pPr lvl="4"/>
+            <a:r>
+              <a:rPr lang="en-US" smtClean="0"/>
+              <a:t>Fifth level</a:t>
+            </a:r>
+            <a:endParaRPr dirty="0"/>
+          </a:p>
+        </p:txBody>
+      </p:sp>
+      <p:sp>
+        <p:nvSpPr>
+          <p:cNvPr id="14" name="Content Placeholder 2"/>
+          <p:cNvSpPr>
+            <a:spLocks noGrp="1"/>
+          </p:cNvSpPr>
+          <p:nvPr>
+            <p:ph sz="half" idx="18"/>
+          </p:nvPr>
+        </p:nvSpPr>
+        <p:spPr>
+          <a:xfrm>
+            <a:off x="502920" y="4164965"/>
+            <a:ext cx="3657413" cy="1965960"/>
+          </a:xfrm>
+        </p:spPr>
+        <p:txBody>
+          <a:bodyPr>
+            <a:normAutofit/>
+          </a:bodyPr>
+          <a:lstStyle>
+            <a:lvl1pPr>
+              <a:defRPr sz="1800"/>
+            </a:lvl1pPr>
+            <a:lvl2pPr>
+              <a:defRPr sz="1800"/>
+            </a:lvl2pPr>
+            <a:lvl3pPr>
+              <a:defRPr sz="1800"/>
+            </a:lvl3pPr>
+            <a:lvl4pPr>
+              <a:defRPr sz="1800"/>
+            </a:lvl4pPr>
+            <a:lvl5pPr>
+              <a:defRPr sz="1800"/>
+            </a:lvl5pPr>
+            <a:lvl6pPr>
+              <a:defRPr sz="1800"/>
+            </a:lvl6pPr>
+            <a:lvl7pPr>
+              <a:defRPr sz="1800"/>
+            </a:lvl7pPr>
+            <a:lvl8pPr>
+              <a:defRPr sz="1800"/>
+            </a:lvl8pPr>
+            <a:lvl9pPr>
+              <a:defRPr sz="1800"/>
+            </a:lvl9pPr>
+          </a:lstStyle>
+          <a:p>
+            <a:pPr lvl="0"/>
+            <a:r>
+              <a:rPr lang="en-US" smtClean="0"/>
+              <a:t>Click to edit Master text styles</a:t>
+            </a:r>
+          </a:p>
+          <a:p>
+            <a:pPr lvl="1"/>
+            <a:r>
+              <a:rPr lang="en-US" smtClean="0"/>
+              <a:t>Second level</a:t>
+            </a:r>
+          </a:p>
+          <a:p>
+            <a:pPr lvl="2"/>
+            <a:r>
+              <a:rPr lang="en-US" smtClean="0"/>
+              <a:t>Third level</a:t>
+            </a:r>
+          </a:p>
+          <a:p>
+            <a:pPr lvl="3"/>
+            <a:r>
+              <a:rPr lang="en-US" smtClean="0"/>
+              <a:t>Fourth level</a:t>
+            </a:r>
+          </a:p>
+          <a:p>
+            <a:pPr lvl="4"/>
+            <a:r>
+              <a:rPr lang="en-US" smtClean="0"/>
+              <a:t>Fifth level</a:t>
+            </a:r>
+            <a:endParaRPr dirty="0"/>
+          </a:p>
+        </p:txBody>
+      </p:sp>
+      <p:sp>
+        <p:nvSpPr>
+          <p:cNvPr id="15" name="Content Placeholder 2"/>
+          <p:cNvSpPr>
+            <a:spLocks noGrp="1"/>
+          </p:cNvSpPr>
+          <p:nvPr>
+            <p:ph sz="half" idx="1"/>
+          </p:nvPr>
+        </p:nvSpPr>
+        <p:spPr>
+          <a:xfrm>
+            <a:off x="4410075" y="1985963"/>
+            <a:ext cx="3657600" cy="1965960"/>
+          </a:xfrm>
+        </p:spPr>
+        <p:txBody>
+          <a:bodyPr>
+            <a:normAutofit/>
+          </a:bodyPr>
+          <a:lstStyle>
+            <a:lvl1pPr>
+              <a:defRPr sz="1800"/>
+            </a:lvl1pPr>
+            <a:lvl2pPr>
+              <a:defRPr sz="1800"/>
+            </a:lvl2pPr>
+            <a:lvl3pPr>
+              <a:defRPr sz="1800"/>
+            </a:lvl3pPr>
+            <a:lvl4pPr>
+              <a:defRPr sz="1800"/>
+            </a:lvl4pPr>
+            <a:lvl5pPr>
+              <a:defRPr sz="1800"/>
+            </a:lvl5pPr>
+            <a:lvl6pPr>
+              <a:defRPr sz="1800"/>
+            </a:lvl6pPr>
+            <a:lvl7pPr>
+              <a:defRPr sz="1800"/>
+            </a:lvl7pPr>
+            <a:lvl8pPr>
+              <a:defRPr sz="1800"/>
+            </a:lvl8pPr>
+            <a:lvl9pPr>
+              <a:defRPr sz="1800"/>
+            </a:lvl9pPr>
+          </a:lstStyle>
+          <a:p>
+            <a:pPr lvl="0"/>
+            <a:r>
+              <a:rPr lang="en-US" smtClean="0"/>
+              <a:t>Click to edit Master text styles</a:t>
+            </a:r>
+          </a:p>
+          <a:p>
+            <a:pPr lvl="1"/>
+            <a:r>
+              <a:rPr lang="en-US" smtClean="0"/>
+              <a:t>Second level</a:t>
+            </a:r>
+          </a:p>
+          <a:p>
+            <a:pPr lvl="2"/>
+            <a:r>
+              <a:rPr lang="en-US" smtClean="0"/>
+              <a:t>Third level</a:t>
+            </a:r>
+          </a:p>
+          <a:p>
+            <a:pPr lvl="3"/>
+            <a:r>
+              <a:rPr lang="en-US" smtClean="0"/>
+              <a:t>Fourth level</a:t>
+            </a:r>
+          </a:p>
+          <a:p>
+            <a:pPr lvl="4"/>
+            <a:r>
+              <a:rPr lang="en-US" smtClean="0"/>
+              <a:t>Fifth level</a:t>
+            </a:r>
+            <a:endParaRPr dirty="0"/>
+          </a:p>
+        </p:txBody>
+      </p:sp>
+      <p:sp>
+        <p:nvSpPr>
+          <p:cNvPr id="16" name="Content Placeholder 2"/>
+          <p:cNvSpPr>
+            <a:spLocks noGrp="1"/>
+          </p:cNvSpPr>
+          <p:nvPr>
+            <p:ph sz="half" idx="16"/>
+          </p:nvPr>
+        </p:nvSpPr>
+        <p:spPr>
+          <a:xfrm>
+            <a:off x="4410075" y="4169664"/>
+            <a:ext cx="3657600" cy="1965960"/>
+          </a:xfrm>
+        </p:spPr>
+        <p:txBody>
+          <a:bodyPr>
+            <a:normAutofit/>
+          </a:bodyPr>
+          <a:lstStyle>
+            <a:lvl1pPr>
+              <a:defRPr sz="1800"/>
+            </a:lvl1pPr>
+            <a:lvl2pPr>
+              <a:defRPr sz="1800"/>
+            </a:lvl2pPr>
+            <a:lvl3pPr>
+              <a:defRPr sz="1800"/>
+            </a:lvl3pPr>
+            <a:lvl4pPr>
+              <a:defRPr sz="1800"/>
+            </a:lvl4pPr>
+            <a:lvl5pPr>
+              <a:defRPr sz="1800"/>
+            </a:lvl5pPr>
+            <a:lvl6pPr>
+              <a:defRPr sz="1800"/>
+            </a:lvl6pPr>
+            <a:lvl7pPr>
+              <a:defRPr sz="1800"/>
+            </a:lvl7pPr>
+            <a:lvl8pPr>
+              <a:defRPr sz="1800"/>
+            </a:lvl8pPr>
+            <a:lvl9pPr>
+              <a:defRPr sz="1800"/>
+            </a:lvl9pPr>
+          </a:lstStyle>
+          <a:p>
+            <a:pPr lvl="0"/>
+            <a:r>
+              <a:rPr lang="en-US" smtClean="0"/>
+              <a:t>Click to edit Master text styles</a:t>
+            </a:r>
+          </a:p>
+          <a:p>
+            <a:pPr lvl="1"/>
+            <a:r>
+              <a:rPr lang="en-US" smtClean="0"/>
+              <a:t>Second level</a:t>
+            </a:r>
+          </a:p>
+          <a:p>
+            <a:pPr lvl="2"/>
+            <a:r>
+              <a:rPr lang="en-US" smtClean="0"/>
+              <a:t>Third level</a:t>
+            </a:r>
+          </a:p>
+          <a:p>
+            <a:pPr lvl="3"/>
+            <a:r>
+              <a:rPr lang="en-US" smtClean="0"/>
+              <a:t>Fourth level</a:t>
+            </a:r>
+          </a:p>
+          <a:p>
+            <a:pPr lvl="4"/>
+            <a:r>
+              <a:rPr lang="en-US" smtClean="0"/>
+              <a:t>Fifth level</a:t>
+            </a:r>
+            <a:endParaRPr dirty="0"/>
+          </a:p>
+        </p:txBody>
+      </p:sp>
+    </p:spTree>
+  </p:cSld>
+  <p:clrMapOvr>
+    <a:masterClrMapping/>
+  </p:clrMapOvr>
+</p:sldLayout>
+</file>
+
+<file path=ppt/slideLayouts/slideLayout11.xml><?xml version="1.0" encoding="utf-8"?>
+<p:sldLayout xmlns:a="http://schemas.openxmlformats.org/drawingml/2006/main" xmlns:r="http://schemas.openxmlformats.org/officeDocument/2006/relationships" xmlns:p="http://schemas.openxmlformats.org/presentationml/2006/main" preserve="1">
+  <p:cSld name="Title Only">
+    <p:spTree>
+      <p:nvGrpSpPr>
+        <p:cNvPr id="1" name=""/>
+        <p:cNvGrpSpPr/>
+        <p:nvPr/>
+      </p:nvGrpSpPr>
+      <p:grpSpPr>
+        <a:xfrm>
+          <a:off x="0" y="0"/>
+          <a:ext cx="0" cy="0"/>
+          <a:chOff x="0" y="0"/>
+          <a:chExt cx="0" cy="0"/>
+        </a:xfrm>
+      </p:grpSpPr>
+      <p:sp>
+        <p:nvSpPr>
+          <p:cNvPr id="6" name="Rectangle 5"/>
+          <p:cNvSpPr/>
+          <p:nvPr/>
+        </p:nvSpPr>
+        <p:spPr>
+          <a:xfrm>
+            <a:off x="8166847" y="282574"/>
+            <a:ext cx="685800" cy="1600200"/>
+          </a:xfrm>
+          <a:prstGeom prst="rect">
+            <a:avLst/>
+          </a:prstGeom>
+          <a:solidFill>
+            <a:schemeClr val="accent1"/>
+          </a:solidFill>
+          <a:ln>
+            <a:noFill/>
+          </a:ln>
+        </p:spPr>
+        <p:style>
+          <a:lnRef idx="2">
+            <a:schemeClr val="accent1">
+              <a:shade val="50000"/>
+            </a:schemeClr>
+          </a:lnRef>
+          <a:fillRef idx="1">
+            <a:schemeClr val="accent1"/>
+          </a:fillRef>
+          <a:effectRef idx="0">
+            <a:schemeClr val="accent1"/>
+          </a:effectRef>
+          <a:fontRef idx="minor">
+            <a:schemeClr val="lt1"/>
+          </a:fontRef>
+        </p:style>
+        <p:txBody>
+          <a:bodyPr rtlCol="0" anchor="ctr"/>
+          <a:lstStyle/>
+          <a:p>
+            <a:pPr algn="ctr"/>
+            <a:endParaRPr/>
+          </a:p>
+        </p:txBody>
+      </p:sp>
+      <p:sp>
+        <p:nvSpPr>
+          <p:cNvPr id="8" name="TextBox 7"/>
+          <p:cNvSpPr txBox="1"/>
+          <p:nvPr/>
+        </p:nvSpPr>
+        <p:spPr>
+          <a:xfrm>
+            <a:off x="223185" y="228600"/>
+            <a:ext cx="260909" cy="553998"/>
+          </a:xfrm>
+          <a:prstGeom prst="rect">
+            <a:avLst/>
+          </a:prstGeom>
+          <a:noFill/>
+        </p:spPr>
+        <p:txBody>
+          <a:bodyPr wrap="square" lIns="0" tIns="0" rIns="0" bIns="0" rtlCol="0">
+            <a:spAutoFit/>
+          </a:bodyPr>
+          <a:lstStyle/>
+          <a:p>
+            <a:r>
+              <a:rPr sz="3600" b="1">
+                <a:solidFill>
+                  <a:schemeClr val="accent1">
+                    <a:lumMod val="60000"/>
+                    <a:lumOff val="40000"/>
+                  </a:schemeClr>
+                </a:solidFill>
+              </a:rPr>
+              <a:t>+</a:t>
+            </a:r>
+          </a:p>
+        </p:txBody>
+      </p:sp>
+      <p:sp>
+        <p:nvSpPr>
+          <p:cNvPr id="2" name="Title 1"/>
+          <p:cNvSpPr>
+            <a:spLocks noGrp="1"/>
+          </p:cNvSpPr>
+          <p:nvPr>
+            <p:ph type="title"/>
+          </p:nvPr>
+        </p:nvSpPr>
+        <p:spPr/>
+        <p:txBody>
+          <a:bodyPr/>
+          <a:lstStyle/>
+          <a:p>
+            <a:r>
+              <a:rPr lang="en-US" smtClean="0"/>
+              <a:t>Click to edit Master title style</a:t>
+            </a:r>
+            <a:endParaRPr/>
+          </a:p>
+        </p:txBody>
+      </p:sp>
+      <p:sp>
+        <p:nvSpPr>
+          <p:cNvPr id="3" name="Date Placeholder 2"/>
+          <p:cNvSpPr>
+            <a:spLocks noGrp="1"/>
+          </p:cNvSpPr>
+          <p:nvPr>
+            <p:ph type="dt" sz="half" idx="10"/>
+          </p:nvPr>
+        </p:nvSpPr>
+        <p:spPr/>
+        <p:txBody>
+          <a:bodyPr/>
+          <a:lstStyle/>
+          <a:p>
+            <a:fld id="{693979EF-4621-4273-AF5F-DF6C03C4E4E7}" type="datetimeFigureOut">
+              <a:rPr lang="en-US" smtClean="0"/>
+              <a:t>5/5/14</a:t>
+            </a:fld>
+            <a:endParaRPr lang="en-US"/>
+          </a:p>
+        </p:txBody>
+      </p:sp>
+      <p:sp>
+        <p:nvSpPr>
+          <p:cNvPr id="4" name="Footer Placeholder 3"/>
+          <p:cNvSpPr>
+            <a:spLocks noGrp="1"/>
+          </p:cNvSpPr>
+          <p:nvPr>
+            <p:ph type="ftr" sz="quarter" idx="11"/>
+          </p:nvPr>
+        </p:nvSpPr>
+        <p:spPr/>
+        <p:txBody>
+          <a:bodyPr/>
+          <a:lstStyle/>
+          <a:p>
+            <a:endParaRPr lang="en-US"/>
+          </a:p>
+        </p:txBody>
+      </p:sp>
+      <p:sp>
+        <p:nvSpPr>
+          <p:cNvPr id="5" name="Slide Number Placeholder 4"/>
+          <p:cNvSpPr>
+            <a:spLocks noGrp="1"/>
+          </p:cNvSpPr>
+          <p:nvPr>
+            <p:ph type="sldNum" sz="quarter" idx="12"/>
+          </p:nvPr>
+        </p:nvSpPr>
+        <p:spPr/>
+        <p:txBody>
+          <a:bodyPr/>
+          <a:lstStyle/>
+          <a:p>
+            <a:fld id="{6661E4F3-BB0A-4D53-9B5E-4C9753BFE76D}" type="slidenum">
+              <a:rPr lang="en-US" smtClean="0"/>
+              <a:t>‹#›</a:t>
+            </a:fld>
+            <a:endParaRPr lang="en-US"/>
+          </a:p>
+        </p:txBody>
+      </p:sp>
+    </p:spTree>
+  </p:cSld>
+  <p:clrMapOvr>
+    <a:masterClrMapping/>
+  </p:clrMapOvr>
+</p:sldLayout>
+</file>
+
+<file path=ppt/slideLayouts/slideLayout12.xml><?xml version="1.0" encoding="utf-8"?>
+<p:sldLayout xmlns:a="http://schemas.openxmlformats.org/drawingml/2006/main" xmlns:r="http://schemas.openxmlformats.org/officeDocument/2006/relationships" xmlns:p="http://schemas.openxmlformats.org/presentationml/2006/main" preserve="1">
+  <p:cSld name="Blank">
+    <p:spTree>
+      <p:nvGrpSpPr>
+        <p:cNvPr id="1" name=""/>
+        <p:cNvGrpSpPr/>
+        <p:nvPr/>
+      </p:nvGrpSpPr>
+      <p:grpSpPr>
+        <a:xfrm>
+          <a:off x="0" y="0"/>
+          <a:ext cx="0" cy="0"/>
+          <a:chOff x="0" y="0"/>
+          <a:chExt cx="0" cy="0"/>
+        </a:xfrm>
+      </p:grpSpPr>
+      <p:sp>
+        <p:nvSpPr>
+          <p:cNvPr id="5" name="Rectangle 4"/>
+          <p:cNvSpPr/>
+          <p:nvPr/>
+        </p:nvSpPr>
+        <p:spPr>
+          <a:xfrm>
+            <a:off x="8166847" y="282573"/>
+            <a:ext cx="685800" cy="302217"/>
+          </a:xfrm>
+          <a:prstGeom prst="rect">
+            <a:avLst/>
+          </a:prstGeom>
+          <a:solidFill>
+            <a:schemeClr val="accent1"/>
+          </a:solidFill>
+          <a:ln>
+            <a:noFill/>
+          </a:ln>
+        </p:spPr>
+        <p:style>
+          <a:lnRef idx="2">
+            <a:schemeClr val="accent1">
+              <a:shade val="50000"/>
+            </a:schemeClr>
+          </a:lnRef>
+          <a:fillRef idx="1">
+            <a:schemeClr val="accent1"/>
+          </a:fillRef>
+          <a:effectRef idx="0">
+            <a:schemeClr val="accent1"/>
+          </a:effectRef>
+          <a:fontRef idx="minor">
+            <a:schemeClr val="lt1"/>
+          </a:fontRef>
+        </p:style>
+        <p:txBody>
+          <a:bodyPr rtlCol="0" anchor="ctr"/>
+          <a:lstStyle/>
+          <a:p>
+            <a:pPr algn="ctr"/>
+            <a:endParaRPr/>
+          </a:p>
+        </p:txBody>
+      </p:sp>
+      <p:sp>
+        <p:nvSpPr>
+          <p:cNvPr id="2" name="Date Placeholder 1"/>
+          <p:cNvSpPr>
+            <a:spLocks noGrp="1"/>
+          </p:cNvSpPr>
+          <p:nvPr>
+            <p:ph type="dt" sz="half" idx="10"/>
+          </p:nvPr>
+        </p:nvSpPr>
+        <p:spPr/>
+        <p:txBody>
+          <a:bodyPr/>
+          <a:lstStyle/>
+          <a:p>
+            <a:fld id="{693979EF-4621-4273-AF5F-DF6C03C4E4E7}" type="datetimeFigureOut">
+              <a:rPr lang="en-US" smtClean="0"/>
+              <a:t>5/5/14</a:t>
+            </a:fld>
+            <a:endParaRPr lang="en-US"/>
+          </a:p>
+        </p:txBody>
+      </p:sp>
+      <p:sp>
+        <p:nvSpPr>
+          <p:cNvPr id="3" name="Footer Placeholder 2"/>
+          <p:cNvSpPr>
+            <a:spLocks noGrp="1"/>
+          </p:cNvSpPr>
+          <p:nvPr>
+            <p:ph type="ftr" sz="quarter" idx="11"/>
+          </p:nvPr>
+        </p:nvSpPr>
+        <p:spPr/>
+        <p:txBody>
+          <a:bodyPr/>
+          <a:lstStyle/>
+          <a:p>
+            <a:endParaRPr lang="en-US"/>
+          </a:p>
+        </p:txBody>
+      </p:sp>
+      <p:sp>
+        <p:nvSpPr>
+          <p:cNvPr id="4" name="Slide Number Placeholder 3"/>
+          <p:cNvSpPr>
+            <a:spLocks noGrp="1"/>
+          </p:cNvSpPr>
+          <p:nvPr>
+            <p:ph type="sldNum" sz="quarter" idx="12"/>
+          </p:nvPr>
+        </p:nvSpPr>
+        <p:spPr/>
+        <p:txBody>
+          <a:bodyPr/>
+          <a:lstStyle/>
+          <a:p>
+            <a:fld id="{6661E4F3-BB0A-4D53-9B5E-4C9753BFE76D}" type="slidenum">
+              <a:rPr lang="en-US" smtClean="0"/>
+              <a:t>‹#›</a:t>
+            </a:fld>
+            <a:endParaRPr lang="en-US"/>
+          </a:p>
+        </p:txBody>
+      </p:sp>
+    </p:spTree>
+  </p:cSld>
+  <p:clrMapOvr>
+    <a:masterClrMapping/>
+  </p:clrMapOvr>
+</p:sldLayout>
+</file>
+
+<file path=ppt/slideLayouts/slideLayout13.xml><?xml version="1.0" encoding="utf-8"?>
+<p:sldLayout xmlns:a="http://schemas.openxmlformats.org/drawingml/2006/main" xmlns:r="http://schemas.openxmlformats.org/officeDocument/2006/relationships" xmlns:p="http://schemas.openxmlformats.org/presentationml/2006/main" type="objTx" preserve="1">
+  <p:cSld name="Content with Caption">
+    <p:spTree>
+      <p:nvGrpSpPr>
+        <p:cNvPr id="1" name=""/>
+        <p:cNvGrpSpPr/>
+        <p:nvPr/>
+      </p:nvGrpSpPr>
+      <p:grpSpPr>
+        <a:xfrm>
+          <a:off x="0" y="0"/>
+          <a:ext cx="0" cy="0"/>
+          <a:chOff x="0" y="0"/>
+          <a:chExt cx="0" cy="0"/>
+        </a:xfrm>
+      </p:grpSpPr>
+      <p:sp>
+        <p:nvSpPr>
+          <p:cNvPr id="8" name="Rectangle 7"/>
+          <p:cNvSpPr/>
+          <p:nvPr/>
+        </p:nvSpPr>
+        <p:spPr>
+          <a:xfrm>
+            <a:off x="282575" y="228600"/>
+            <a:ext cx="3451225" cy="6345238"/>
+          </a:xfrm>
+          <a:prstGeom prst="rect">
+            <a:avLst/>
+          </a:prstGeom>
+          <a:solidFill>
+            <a:schemeClr val="accent1"/>
+          </a:solidFill>
+          <a:ln>
+            <a:noFill/>
+          </a:ln>
+        </p:spPr>
+        <p:style>
+          <a:lnRef idx="2">
+            <a:schemeClr val="accent1">
+              <a:shade val="50000"/>
+            </a:schemeClr>
+          </a:lnRef>
+          <a:fillRef idx="1">
+            <a:schemeClr val="accent1"/>
+          </a:fillRef>
+          <a:effectRef idx="0">
+            <a:schemeClr val="accent1"/>
+          </a:effectRef>
+          <a:fontRef idx="minor">
+            <a:schemeClr val="lt1"/>
+          </a:fontRef>
+        </p:style>
+        <p:txBody>
+          <a:bodyPr rtlCol="0" anchor="ctr"/>
+          <a:lstStyle/>
+          <a:p>
+            <a:pPr algn="ctr"/>
+            <a:endParaRPr/>
+          </a:p>
+        </p:txBody>
+      </p:sp>
+      <p:sp>
+        <p:nvSpPr>
+          <p:cNvPr id="2" name="Title 1"/>
+          <p:cNvSpPr>
+            <a:spLocks noGrp="1"/>
+          </p:cNvSpPr>
+          <p:nvPr>
+            <p:ph type="title"/>
+          </p:nvPr>
+        </p:nvSpPr>
+        <p:spPr>
+          <a:xfrm>
+            <a:off x="380555" y="2571750"/>
+            <a:ext cx="3255264" cy="1162050"/>
+          </a:xfrm>
+        </p:spPr>
+        <p:txBody>
+          <a:bodyPr anchor="b">
+            <a:normAutofit/>
+          </a:bodyPr>
+          <a:lstStyle>
+            <a:lvl1pPr algn="l">
+              <a:defRPr sz="2600" b="0">
+                <a:solidFill>
+                  <a:schemeClr val="bg1"/>
+                </a:solidFill>
+              </a:defRPr>
+            </a:lvl1pPr>
+          </a:lstStyle>
+          <a:p>
+            <a:r>
+              <a:rPr lang="en-US" smtClean="0"/>
+              <a:t>Click to edit Master title style</a:t>
+            </a:r>
+            <a:endParaRPr dirty="0"/>
+          </a:p>
+        </p:txBody>
+      </p:sp>
+      <p:sp>
+        <p:nvSpPr>
+          <p:cNvPr id="3" name="Content Placeholder 2"/>
+          <p:cNvSpPr>
+            <a:spLocks noGrp="1"/>
+          </p:cNvSpPr>
+          <p:nvPr>
+            <p:ph idx="1"/>
+          </p:nvPr>
+        </p:nvSpPr>
+        <p:spPr>
+          <a:xfrm>
+            <a:off x="4168775" y="273050"/>
+            <a:ext cx="4597399" cy="5853113"/>
+          </a:xfrm>
+        </p:spPr>
+        <p:txBody>
+          <a:bodyPr>
+            <a:normAutofit/>
+          </a:bodyPr>
+          <a:lstStyle>
+            <a:lvl1pPr>
+              <a:defRPr sz="1800"/>
+            </a:lvl1pPr>
+            <a:lvl2pPr>
+              <a:defRPr sz="1800"/>
+            </a:lvl2pPr>
+            <a:lvl3pPr>
+              <a:defRPr sz="1800"/>
+            </a:lvl3pPr>
+            <a:lvl4pPr>
+              <a:defRPr sz="1800"/>
+            </a:lvl4pPr>
+            <a:lvl5pPr>
+              <a:defRPr sz="1800"/>
+            </a:lvl5pPr>
+            <a:lvl6pPr>
+              <a:defRPr sz="2000"/>
+            </a:lvl6pPr>
+            <a:lvl7pPr>
+              <a:defRPr sz="2000"/>
+            </a:lvl7pPr>
+            <a:lvl8pPr>
+              <a:defRPr sz="2000"/>
+            </a:lvl8pPr>
+            <a:lvl9pPr>
+              <a:defRPr sz="2000"/>
+            </a:lvl9pPr>
+          </a:lstStyle>
+          <a:p>
+            <a:pPr lvl="0"/>
+            <a:r>
+              <a:rPr lang="en-US" smtClean="0"/>
+              <a:t>Click to edit Master text styles</a:t>
+            </a:r>
+          </a:p>
+          <a:p>
+            <a:pPr lvl="1"/>
+            <a:r>
+              <a:rPr lang="en-US" smtClean="0"/>
+              <a:t>Second level</a:t>
+            </a:r>
+          </a:p>
+          <a:p>
+            <a:pPr lvl="2"/>
+            <a:r>
+              <a:rPr lang="en-US" smtClean="0"/>
+              <a:t>Third level</a:t>
+            </a:r>
+          </a:p>
+          <a:p>
+            <a:pPr lvl="3"/>
+            <a:r>
+              <a:rPr lang="en-US" smtClean="0"/>
+              <a:t>Fourth level</a:t>
+            </a:r>
+          </a:p>
+          <a:p>
+            <a:pPr lvl="4"/>
+            <a:r>
+              <a:rPr lang="en-US" smtClean="0"/>
+              <a:t>Fifth level</a:t>
+            </a:r>
+            <a:endParaRPr dirty="0"/>
+          </a:p>
+        </p:txBody>
+      </p:sp>
+      <p:sp>
+        <p:nvSpPr>
+          <p:cNvPr id="4" name="Text Placeholder 3"/>
+          <p:cNvSpPr>
+            <a:spLocks noGrp="1"/>
+          </p:cNvSpPr>
+          <p:nvPr>
+            <p:ph type="body" sz="half" idx="2"/>
+          </p:nvPr>
+        </p:nvSpPr>
+        <p:spPr>
+          <a:xfrm>
+            <a:off x="381093" y="3733800"/>
+            <a:ext cx="3255264" cy="2392363"/>
+          </a:xfrm>
+        </p:spPr>
+        <p:txBody>
+          <a:bodyPr/>
+          <a:lstStyle>
+            <a:lvl1pPr marL="0" indent="0">
+              <a:spcBef>
+                <a:spcPts val="600"/>
+              </a:spcBef>
+              <a:buNone/>
+              <a:defRPr sz="1400">
+                <a:solidFill>
+                  <a:schemeClr val="bg1"/>
+                </a:solidFill>
+              </a:defRPr>
+            </a:lvl1pPr>
+            <a:lvl2pPr marL="457200" indent="0">
+              <a:buNone/>
+              <a:defRPr sz="1200"/>
+            </a:lvl2pPr>
+            <a:lvl3pPr marL="914400" indent="0">
+              <a:buNone/>
+              <a:defRPr sz="1000"/>
+            </a:lvl3pPr>
+            <a:lvl4pPr marL="1371600" indent="0">
+              <a:buNone/>
+              <a:defRPr sz="900"/>
+            </a:lvl4pPr>
+            <a:lvl5pPr marL="1828800" indent="0">
+              <a:buNone/>
+              <a:defRPr sz="900"/>
+            </a:lvl5pPr>
+            <a:lvl6pPr marL="2286000" indent="0">
+              <a:buNone/>
+              <a:defRPr sz="900"/>
+            </a:lvl6pPr>
+            <a:lvl7pPr marL="2743200" indent="0">
+              <a:buNone/>
+              <a:defRPr sz="900"/>
+            </a:lvl7pPr>
+            <a:lvl8pPr marL="3200400" indent="0">
+              <a:buNone/>
+              <a:defRPr sz="900"/>
+            </a:lvl8pPr>
+            <a:lvl9pPr marL="3657600" indent="0">
+              <a:buNone/>
+              <a:defRPr sz="900"/>
+            </a:lvl9pPr>
+          </a:lstStyle>
+          <a:p>
+            <a:pPr lvl="0"/>
+            <a:r>
+              <a:rPr lang="en-US" smtClean="0"/>
+              <a:t>Click to edit Master text styles</a:t>
+            </a:r>
+          </a:p>
+        </p:txBody>
+      </p:sp>
+      <p:sp>
+        <p:nvSpPr>
+          <p:cNvPr id="5" name="Date Placeholder 4"/>
+          <p:cNvSpPr>
+            <a:spLocks noGrp="1"/>
+          </p:cNvSpPr>
+          <p:nvPr>
+            <p:ph type="dt" sz="half" idx="10"/>
+          </p:nvPr>
+        </p:nvSpPr>
+        <p:spPr>
+          <a:xfrm>
+            <a:off x="7391399" y="6423585"/>
+            <a:ext cx="1537447" cy="365125"/>
+          </a:xfrm>
+        </p:spPr>
+        <p:txBody>
+          <a:bodyPr/>
+          <a:lstStyle/>
+          <a:p>
+            <a:fld id="{693979EF-4621-4273-AF5F-DF6C03C4E4E7}" type="datetimeFigureOut">
+              <a:rPr lang="en-US" smtClean="0"/>
+              <a:t>5/5/14</a:t>
+            </a:fld>
+            <a:endParaRPr lang="en-US"/>
+          </a:p>
+        </p:txBody>
+      </p:sp>
+      <p:sp>
+        <p:nvSpPr>
+          <p:cNvPr id="6" name="Footer Placeholder 5"/>
+          <p:cNvSpPr>
+            <a:spLocks noGrp="1"/>
+          </p:cNvSpPr>
+          <p:nvPr>
+            <p:ph type="ftr" sz="quarter" idx="11"/>
+          </p:nvPr>
+        </p:nvSpPr>
+        <p:spPr>
+          <a:xfrm>
+            <a:off x="3859305" y="6423585"/>
+            <a:ext cx="3316941" cy="365125"/>
+          </a:xfrm>
+        </p:spPr>
+        <p:txBody>
+          <a:bodyPr/>
+          <a:lstStyle/>
+          <a:p>
+            <a:endParaRPr lang="en-US"/>
+          </a:p>
+        </p:txBody>
+      </p:sp>
+      <p:sp>
+        <p:nvSpPr>
+          <p:cNvPr id="9" name="TextBox 8"/>
+          <p:cNvSpPr txBox="1"/>
+          <p:nvPr/>
+        </p:nvSpPr>
+        <p:spPr>
+          <a:xfrm>
+            <a:off x="424891" y="174812"/>
+            <a:ext cx="413309" cy="830997"/>
+          </a:xfrm>
+          <a:prstGeom prst="rect">
+            <a:avLst/>
+          </a:prstGeom>
+          <a:noFill/>
+        </p:spPr>
+        <p:txBody>
+          <a:bodyPr wrap="square" lIns="0" tIns="0" rIns="0" bIns="0" rtlCol="0">
+            <a:spAutoFit/>
+          </a:bodyPr>
+          <a:lstStyle/>
+          <a:p>
+            <a:r>
+              <a:rPr sz="5400" b="1">
+                <a:solidFill>
+                  <a:schemeClr val="accent1">
+                    <a:lumMod val="60000"/>
+                    <a:lumOff val="40000"/>
+                  </a:schemeClr>
+                </a:solidFill>
+              </a:rPr>
+              <a:t>+</a:t>
+            </a:r>
+          </a:p>
+        </p:txBody>
+      </p:sp>
+    </p:spTree>
+  </p:cSld>
+  <p:clrMapOvr>
+    <a:masterClrMapping/>
+  </p:clrMapOvr>
+</p:sldLayout>
+</file>
+
+<file path=ppt/slideLayouts/slideLayout14.xml><?xml version="1.0" encoding="utf-8"?>
+<p:sldLayout xmlns:a="http://schemas.openxmlformats.org/drawingml/2006/main" xmlns:r="http://schemas.openxmlformats.org/officeDocument/2006/relationships" xmlns:p="http://schemas.openxmlformats.org/presentationml/2006/main" type="picTx" preserve="1">
+  <p:cSld name="Picture with Caption">
+    <p:spTree>
+      <p:nvGrpSpPr>
+        <p:cNvPr id="1" name=""/>
+        <p:cNvGrpSpPr/>
+        <p:nvPr/>
+      </p:nvGrpSpPr>
+      <p:grpSpPr>
+        <a:xfrm>
+          <a:off x="0" y="0"/>
+          <a:ext cx="0" cy="0"/>
+          <a:chOff x="0" y="0"/>
+          <a:chExt cx="0" cy="0"/>
+        </a:xfrm>
+      </p:grpSpPr>
+      <p:sp>
+        <p:nvSpPr>
+          <p:cNvPr id="11" name="Rectangle 10"/>
+          <p:cNvSpPr/>
+          <p:nvPr/>
+        </p:nvSpPr>
+        <p:spPr>
+          <a:xfrm>
+            <a:off x="8166847" y="282573"/>
+            <a:ext cx="685800" cy="302217"/>
+          </a:xfrm>
+          <a:prstGeom prst="rect">
+            <a:avLst/>
+          </a:prstGeom>
+          <a:solidFill>
+            <a:schemeClr val="accent1"/>
+          </a:solidFill>
+          <a:ln>
+            <a:noFill/>
+          </a:ln>
+        </p:spPr>
+        <p:style>
+          <a:lnRef idx="2">
+            <a:schemeClr val="accent1">
+              <a:shade val="50000"/>
+            </a:schemeClr>
+          </a:lnRef>
+          <a:fillRef idx="1">
+            <a:schemeClr val="accent1"/>
+          </a:fillRef>
+          <a:effectRef idx="0">
+            <a:schemeClr val="accent1"/>
+          </a:effectRef>
+          <a:fontRef idx="minor">
+            <a:schemeClr val="lt1"/>
+          </a:fontRef>
+        </p:style>
+        <p:txBody>
+          <a:bodyPr rtlCol="0" anchor="ctr"/>
+          <a:lstStyle/>
+          <a:p>
+            <a:pPr algn="ctr"/>
+            <a:endParaRPr/>
+          </a:p>
+        </p:txBody>
+      </p:sp>
+      <p:sp>
+        <p:nvSpPr>
+          <p:cNvPr id="2" name="Title 1"/>
+          <p:cNvSpPr>
+            <a:spLocks noGrp="1"/>
+          </p:cNvSpPr>
+          <p:nvPr>
+            <p:ph type="title"/>
+          </p:nvPr>
+        </p:nvSpPr>
+        <p:spPr>
+          <a:xfrm>
+            <a:off x="4169404" y="3124200"/>
+            <a:ext cx="3898272" cy="871538"/>
+          </a:xfrm>
+        </p:spPr>
+        <p:txBody>
+          <a:bodyPr anchor="b">
+            <a:normAutofit/>
+          </a:bodyPr>
+          <a:lstStyle>
+            <a:lvl1pPr algn="l">
+              <a:defRPr sz="2600" b="0"/>
+            </a:lvl1pPr>
+          </a:lstStyle>
+          <a:p>
+            <a:r>
+              <a:rPr lang="en-US" smtClean="0"/>
+              <a:t>Click to edit Master title style</a:t>
+            </a:r>
+            <a:endParaRPr/>
+          </a:p>
+        </p:txBody>
+      </p:sp>
+      <p:sp>
+        <p:nvSpPr>
+          <p:cNvPr id="3" name="Picture Placeholder 2"/>
+          <p:cNvSpPr>
+            <a:spLocks noGrp="1"/>
+          </p:cNvSpPr>
+          <p:nvPr>
+            <p:ph type="pic" idx="1"/>
+          </p:nvPr>
+        </p:nvSpPr>
+        <p:spPr>
+          <a:xfrm>
+            <a:off x="277906" y="228600"/>
+            <a:ext cx="3460658" cy="6345238"/>
+          </a:xfrm>
+        </p:spPr>
+        <p:txBody>
+          <a:bodyPr/>
+          <a:lstStyle>
+            <a:lvl1pPr marL="0" indent="0">
+              <a:buNone/>
+              <a:defRPr sz="3200"/>
+            </a:lvl1pPr>
+            <a:lvl2pPr marL="457200" indent="0">
+              <a:buNone/>
+              <a:defRPr sz="2800"/>
+            </a:lvl2pPr>
+            <a:lvl3pPr marL="914400" indent="0">
+              <a:buNone/>
+              <a:defRPr sz="2400"/>
+            </a:lvl3pPr>
+            <a:lvl4pPr marL="1371600" indent="0">
+              <a:buNone/>
+              <a:defRPr sz="2000"/>
+            </a:lvl4pPr>
+            <a:lvl5pPr marL="1828800" indent="0">
+              <a:buNone/>
+              <a:defRPr sz="2000"/>
+            </a:lvl5pPr>
+            <a:lvl6pPr marL="2286000" indent="0">
+              <a:buNone/>
+              <a:defRPr sz="2000"/>
+            </a:lvl6pPr>
+            <a:lvl7pPr marL="2743200" indent="0">
+              <a:buNone/>
+              <a:defRPr sz="2000"/>
+            </a:lvl7pPr>
+            <a:lvl8pPr marL="3200400" indent="0">
+              <a:buNone/>
+              <a:defRPr sz="2000"/>
+            </a:lvl8pPr>
+            <a:lvl9pPr marL="3657600" indent="0">
+              <a:buNone/>
+              <a:defRPr sz="2000"/>
+            </a:lvl9pPr>
+          </a:lstStyle>
+          <a:p>
+            <a:r>
+              <a:rPr lang="en-US" smtClean="0"/>
+              <a:t>Drag picture to placeholder or click icon to add</a:t>
+            </a:r>
+            <a:endParaRPr/>
+          </a:p>
+        </p:txBody>
+      </p:sp>
+      <p:sp>
+        <p:nvSpPr>
+          <p:cNvPr id="4" name="Text Placeholder 3"/>
+          <p:cNvSpPr>
+            <a:spLocks noGrp="1"/>
+          </p:cNvSpPr>
+          <p:nvPr>
+            <p:ph type="body" sz="half" idx="2"/>
+          </p:nvPr>
+        </p:nvSpPr>
+        <p:spPr>
+          <a:xfrm>
+            <a:off x="4169404" y="3995737"/>
+            <a:ext cx="3898272" cy="2147888"/>
+          </a:xfrm>
+        </p:spPr>
+        <p:txBody>
+          <a:bodyPr/>
+          <a:lstStyle>
+            <a:lvl1pPr marL="0" indent="0">
+              <a:spcBef>
+                <a:spcPts val="600"/>
+              </a:spcBef>
+              <a:buNone/>
+              <a:defRPr sz="1400"/>
+            </a:lvl1pPr>
+            <a:lvl2pPr marL="457200" indent="0">
+              <a:buNone/>
+              <a:defRPr sz="1200"/>
+            </a:lvl2pPr>
+            <a:lvl3pPr marL="914400" indent="0">
+              <a:buNone/>
+              <a:defRPr sz="1000"/>
+            </a:lvl3pPr>
+            <a:lvl4pPr marL="1371600" indent="0">
+              <a:buNone/>
+              <a:defRPr sz="900"/>
+            </a:lvl4pPr>
+            <a:lvl5pPr marL="1828800" indent="0">
+              <a:buNone/>
+              <a:defRPr sz="900"/>
+            </a:lvl5pPr>
+            <a:lvl6pPr marL="2286000" indent="0">
+              <a:buNone/>
+              <a:defRPr sz="900"/>
+            </a:lvl6pPr>
+            <a:lvl7pPr marL="2743200" indent="0">
+              <a:buNone/>
+              <a:defRPr sz="900"/>
+            </a:lvl7pPr>
+            <a:lvl8pPr marL="3200400" indent="0">
+              <a:buNone/>
+              <a:defRPr sz="900"/>
+            </a:lvl8pPr>
+            <a:lvl9pPr marL="3657600" indent="0">
+              <a:buNone/>
+              <a:defRPr sz="900"/>
+            </a:lvl9pPr>
+          </a:lstStyle>
+          <a:p>
+            <a:pPr lvl="0"/>
+            <a:r>
+              <a:rPr lang="en-US" smtClean="0"/>
+              <a:t>Click to edit Master text styles</a:t>
+            </a:r>
+          </a:p>
+        </p:txBody>
+      </p:sp>
+      <p:sp>
+        <p:nvSpPr>
+          <p:cNvPr id="5" name="Date Placeholder 4"/>
+          <p:cNvSpPr>
+            <a:spLocks noGrp="1"/>
+          </p:cNvSpPr>
+          <p:nvPr>
+            <p:ph type="dt" sz="half" idx="10"/>
+          </p:nvPr>
+        </p:nvSpPr>
+        <p:spPr>
+          <a:xfrm>
+            <a:off x="7391399" y="6423585"/>
+            <a:ext cx="1537447" cy="365125"/>
+          </a:xfrm>
+        </p:spPr>
+        <p:txBody>
+          <a:bodyPr/>
+          <a:lstStyle/>
+          <a:p>
+            <a:fld id="{693979EF-4621-4273-AF5F-DF6C03C4E4E7}" type="datetimeFigureOut">
+              <a:rPr lang="en-US" smtClean="0"/>
+              <a:t>5/5/14</a:t>
+            </a:fld>
+            <a:endParaRPr lang="en-US"/>
+          </a:p>
+        </p:txBody>
+      </p:sp>
+      <p:sp>
+        <p:nvSpPr>
+          <p:cNvPr id="6" name="Footer Placeholder 5"/>
+          <p:cNvSpPr>
+            <a:spLocks noGrp="1"/>
+          </p:cNvSpPr>
+          <p:nvPr>
+            <p:ph type="ftr" sz="quarter" idx="11"/>
+          </p:nvPr>
+        </p:nvSpPr>
+        <p:spPr>
+          <a:xfrm>
+            <a:off x="4191000" y="6423585"/>
+            <a:ext cx="3005138" cy="365125"/>
+          </a:xfrm>
+        </p:spPr>
+        <p:txBody>
+          <a:bodyPr/>
+          <a:lstStyle/>
+          <a:p>
+            <a:endParaRPr lang="en-US"/>
+          </a:p>
+        </p:txBody>
+      </p:sp>
+      <p:sp>
+        <p:nvSpPr>
+          <p:cNvPr id="7" name="Slide Number Placeholder 6"/>
+          <p:cNvSpPr>
+            <a:spLocks noGrp="1"/>
+          </p:cNvSpPr>
+          <p:nvPr>
+            <p:ph type="sldNum" sz="quarter" idx="12"/>
+          </p:nvPr>
+        </p:nvSpPr>
+        <p:spPr/>
+        <p:txBody>
+          <a:bodyPr/>
+          <a:lstStyle/>
+          <a:p>
+            <a:fld id="{6661E4F3-BB0A-4D53-9B5E-4C9753BFE76D}" type="slidenum">
+              <a:rPr lang="en-US" smtClean="0"/>
+              <a:t>‹#›</a:t>
+            </a:fld>
+            <a:endParaRPr lang="en-US"/>
+          </a:p>
+        </p:txBody>
+      </p:sp>
+      <p:sp>
+        <p:nvSpPr>
+          <p:cNvPr id="10" name="TextBox 9"/>
+          <p:cNvSpPr txBox="1"/>
+          <p:nvPr/>
+        </p:nvSpPr>
+        <p:spPr>
+          <a:xfrm>
+            <a:off x="3990110" y="3370730"/>
+            <a:ext cx="220568" cy="369332"/>
+          </a:xfrm>
+          <a:prstGeom prst="rect">
+            <a:avLst/>
+          </a:prstGeom>
+          <a:noFill/>
+        </p:spPr>
+        <p:txBody>
+          <a:bodyPr wrap="square" lIns="0" tIns="0" rIns="0" bIns="0" rtlCol="0">
+            <a:spAutoFit/>
+          </a:bodyPr>
+          <a:lstStyle/>
+          <a:p>
+            <a:r>
+              <a:rPr sz="2400" b="1" baseline="0">
+                <a:solidFill>
+                  <a:schemeClr val="accent1">
+                    <a:lumMod val="60000"/>
+                    <a:lumOff val="40000"/>
+                  </a:schemeClr>
+                </a:solidFill>
+              </a:rPr>
+              <a:t>+ </a:t>
+            </a:r>
+          </a:p>
+        </p:txBody>
+      </p:sp>
+    </p:spTree>
+  </p:cSld>
+  <p:clrMapOvr>
+    <a:masterClrMapping/>
+  </p:clrMapOvr>
+</p:sldLayout>
+</file>
+
+<file path=ppt/slideLayouts/slideLayout15.xml><?xml version="1.0" encoding="utf-8"?>
+<p:sldLayout xmlns:a="http://schemas.openxmlformats.org/drawingml/2006/main" xmlns:r="http://schemas.openxmlformats.org/officeDocument/2006/relationships" xmlns:p="http://schemas.openxmlformats.org/presentationml/2006/main" type="picTx" preserve="1">
+  <p:cSld name="Picture above Caption">
+    <p:spTree>
+      <p:nvGrpSpPr>
+        <p:cNvPr id="1" name=""/>
+        <p:cNvGrpSpPr/>
+        <p:nvPr/>
+      </p:nvGrpSpPr>
+      <p:grpSpPr>
+        <a:xfrm>
+          <a:off x="0" y="0"/>
+          <a:ext cx="0" cy="0"/>
+          <a:chOff x="0" y="0"/>
+          <a:chExt cx="0" cy="0"/>
+        </a:xfrm>
+      </p:grpSpPr>
+      <p:sp>
+        <p:nvSpPr>
+          <p:cNvPr id="2" name="Title 1"/>
+          <p:cNvSpPr>
+            <a:spLocks noGrp="1"/>
+          </p:cNvSpPr>
+          <p:nvPr>
+            <p:ph type="title"/>
+          </p:nvPr>
+        </p:nvSpPr>
+        <p:spPr>
+          <a:xfrm>
+            <a:off x="506505" y="4424082"/>
+            <a:ext cx="6191157" cy="833718"/>
+          </a:xfrm>
+        </p:spPr>
+        <p:txBody>
+          <a:bodyPr anchor="b">
+            <a:normAutofit/>
+          </a:bodyPr>
+          <a:lstStyle>
+            <a:lvl1pPr algn="l">
+              <a:defRPr sz="2600" b="0"/>
+            </a:lvl1pPr>
+          </a:lstStyle>
+          <a:p>
+            <a:r>
+              <a:rPr lang="en-US" smtClean="0"/>
+              <a:t>Click to edit Master title style</a:t>
+            </a:r>
+            <a:endParaRPr/>
+          </a:p>
+        </p:txBody>
+      </p:sp>
+      <p:sp>
+        <p:nvSpPr>
+          <p:cNvPr id="3" name="Picture Placeholder 2"/>
+          <p:cNvSpPr>
+            <a:spLocks noGrp="1"/>
+          </p:cNvSpPr>
+          <p:nvPr>
+            <p:ph type="pic" idx="1"/>
+          </p:nvPr>
+        </p:nvSpPr>
+        <p:spPr>
+          <a:xfrm>
+            <a:off x="277905" y="228600"/>
+            <a:ext cx="6378389" cy="4187952"/>
+          </a:xfrm>
+        </p:spPr>
+        <p:txBody>
+          <a:bodyPr/>
+          <a:lstStyle>
+            <a:lvl1pPr marL="0" indent="0">
+              <a:buNone/>
+              <a:defRPr sz="3200"/>
+            </a:lvl1pPr>
+            <a:lvl2pPr marL="457200" indent="0">
+              <a:buNone/>
+              <a:defRPr sz="2800"/>
+            </a:lvl2pPr>
+            <a:lvl3pPr marL="914400" indent="0">
+              <a:buNone/>
+              <a:defRPr sz="2400"/>
+            </a:lvl3pPr>
+            <a:lvl4pPr marL="1371600" indent="0">
+              <a:buNone/>
+              <a:defRPr sz="2000"/>
+            </a:lvl4pPr>
+            <a:lvl5pPr marL="1828800" indent="0">
+              <a:buNone/>
+              <a:defRPr sz="2000"/>
+            </a:lvl5pPr>
+            <a:lvl6pPr marL="2286000" indent="0">
+              <a:buNone/>
+              <a:defRPr sz="2000"/>
+            </a:lvl6pPr>
+            <a:lvl7pPr marL="2743200" indent="0">
+              <a:buNone/>
+              <a:defRPr sz="2000"/>
+            </a:lvl7pPr>
+            <a:lvl8pPr marL="3200400" indent="0">
+              <a:buNone/>
+              <a:defRPr sz="2000"/>
+            </a:lvl8pPr>
+            <a:lvl9pPr marL="3657600" indent="0">
+              <a:buNone/>
+              <a:defRPr sz="2000"/>
+            </a:lvl9pPr>
+          </a:lstStyle>
+          <a:p>
+            <a:r>
+              <a:rPr lang="en-US" smtClean="0"/>
+              <a:t>Drag picture to placeholder or click icon to add</a:t>
+            </a:r>
+            <a:endParaRPr/>
+          </a:p>
+        </p:txBody>
+      </p:sp>
+      <p:sp>
+        <p:nvSpPr>
+          <p:cNvPr id="4" name="Text Placeholder 3"/>
+          <p:cNvSpPr>
+            <a:spLocks noGrp="1"/>
+          </p:cNvSpPr>
+          <p:nvPr>
+            <p:ph type="body" sz="half" idx="2"/>
+          </p:nvPr>
+        </p:nvSpPr>
+        <p:spPr>
+          <a:xfrm>
+            <a:off x="506505" y="5257799"/>
+            <a:ext cx="6191157" cy="885825"/>
+          </a:xfrm>
+        </p:spPr>
+        <p:txBody>
+          <a:bodyPr/>
+          <a:lstStyle>
+            <a:lvl1pPr marL="0" indent="0">
+              <a:spcBef>
+                <a:spcPts val="300"/>
+              </a:spcBef>
+              <a:buNone/>
+              <a:defRPr sz="1400"/>
+            </a:lvl1pPr>
+            <a:lvl2pPr marL="457200" indent="0">
+              <a:buNone/>
+              <a:defRPr sz="1200"/>
+            </a:lvl2pPr>
+            <a:lvl3pPr marL="914400" indent="0">
+              <a:buNone/>
+              <a:defRPr sz="1000"/>
+            </a:lvl3pPr>
+            <a:lvl4pPr marL="1371600" indent="0">
+              <a:buNone/>
+              <a:defRPr sz="900"/>
+            </a:lvl4pPr>
+            <a:lvl5pPr marL="1828800" indent="0">
+              <a:buNone/>
+              <a:defRPr sz="900"/>
+            </a:lvl5pPr>
+            <a:lvl6pPr marL="2286000" indent="0">
+              <a:buNone/>
+              <a:defRPr sz="900"/>
+            </a:lvl6pPr>
+            <a:lvl7pPr marL="2743200" indent="0">
+              <a:buNone/>
+              <a:defRPr sz="900"/>
+            </a:lvl7pPr>
+            <a:lvl8pPr marL="3200400" indent="0">
+              <a:buNone/>
+              <a:defRPr sz="900"/>
+            </a:lvl8pPr>
+            <a:lvl9pPr marL="3657600" indent="0">
+              <a:buNone/>
+              <a:defRPr sz="900"/>
+            </a:lvl9pPr>
+          </a:lstStyle>
+          <a:p>
+            <a:pPr lvl="0"/>
+            <a:r>
+              <a:rPr lang="en-US" smtClean="0"/>
+              <a:t>Click to edit Master text styles</a:t>
+            </a:r>
+          </a:p>
+        </p:txBody>
+      </p:sp>
+      <p:sp>
+        <p:nvSpPr>
+          <p:cNvPr id="5" name="Date Placeholder 4"/>
+          <p:cNvSpPr>
+            <a:spLocks noGrp="1"/>
+          </p:cNvSpPr>
+          <p:nvPr>
+            <p:ph type="dt" sz="half" idx="10"/>
+          </p:nvPr>
+        </p:nvSpPr>
+        <p:spPr/>
+        <p:txBody>
+          <a:bodyPr/>
+          <a:lstStyle/>
+          <a:p>
+            <a:fld id="{693979EF-4621-4273-AF5F-DF6C03C4E4E7}" type="datetimeFigureOut">
+              <a:rPr lang="en-US" smtClean="0"/>
+              <a:t>5/5/14</a:t>
+            </a:fld>
+            <a:endParaRPr lang="en-US"/>
+          </a:p>
+        </p:txBody>
+      </p:sp>
+      <p:sp>
+        <p:nvSpPr>
+          <p:cNvPr id="6" name="Footer Placeholder 5"/>
+          <p:cNvSpPr>
+            <a:spLocks noGrp="1"/>
+          </p:cNvSpPr>
+          <p:nvPr>
+            <p:ph type="ftr" sz="quarter" idx="11"/>
+          </p:nvPr>
+        </p:nvSpPr>
+        <p:spPr/>
+        <p:txBody>
+          <a:bodyPr/>
+          <a:lstStyle/>
+          <a:p>
+            <a:endParaRPr lang="en-US"/>
+          </a:p>
+        </p:txBody>
+      </p:sp>
+      <p:sp>
+        <p:nvSpPr>
+          <p:cNvPr id="7" name="Slide Number Placeholder 6"/>
+          <p:cNvSpPr>
+            <a:spLocks noGrp="1"/>
+          </p:cNvSpPr>
+          <p:nvPr>
+            <p:ph type="sldNum" sz="quarter" idx="12"/>
+          </p:nvPr>
+        </p:nvSpPr>
+        <p:spPr/>
+        <p:txBody>
+          <a:bodyPr/>
+          <a:lstStyle/>
+          <a:p>
+            <a:fld id="{6661E4F3-BB0A-4D53-9B5E-4C9753BFE76D}" type="slidenum">
+              <a:rPr lang="en-US" smtClean="0"/>
+              <a:t>‹#›</a:t>
+            </a:fld>
+            <a:endParaRPr lang="en-US"/>
+          </a:p>
+        </p:txBody>
+      </p:sp>
+      <p:sp>
+        <p:nvSpPr>
+          <p:cNvPr id="8" name="Rectangle 7"/>
+          <p:cNvSpPr/>
+          <p:nvPr/>
+        </p:nvSpPr>
+        <p:spPr>
+          <a:xfrm>
+            <a:off x="6802438" y="228600"/>
+            <a:ext cx="2057400" cy="2039112"/>
+          </a:xfrm>
+          <a:prstGeom prst="rect">
+            <a:avLst/>
+          </a:prstGeom>
+          <a:solidFill>
+            <a:schemeClr val="accent4"/>
+          </a:solidFill>
+          <a:ln>
+            <a:noFill/>
+          </a:ln>
+        </p:spPr>
+        <p:style>
+          <a:lnRef idx="2">
+            <a:schemeClr val="accent1">
+              <a:shade val="50000"/>
+            </a:schemeClr>
+          </a:lnRef>
+          <a:fillRef idx="1">
+            <a:schemeClr val="accent1"/>
+          </a:fillRef>
+          <a:effectRef idx="0">
+            <a:schemeClr val="accent1"/>
+          </a:effectRef>
+          <a:fontRef idx="minor">
+            <a:schemeClr val="lt1"/>
+          </a:fontRef>
+        </p:style>
+        <p:txBody>
+          <a:bodyPr rtlCol="0" anchor="ctr"/>
+          <a:lstStyle/>
+          <a:p>
+            <a:pPr algn="ctr"/>
+            <a:endParaRPr/>
+          </a:p>
+        </p:txBody>
+      </p:sp>
+      <p:sp>
+        <p:nvSpPr>
+          <p:cNvPr id="9" name="Rectangle 8"/>
+          <p:cNvSpPr/>
+          <p:nvPr/>
+        </p:nvSpPr>
+        <p:spPr>
+          <a:xfrm>
+            <a:off x="6802438" y="2377440"/>
+            <a:ext cx="2057400" cy="2039112"/>
+          </a:xfrm>
+          <a:prstGeom prst="rect">
+            <a:avLst/>
+          </a:prstGeom>
+          <a:solidFill>
+            <a:schemeClr val="accent1"/>
+          </a:solidFill>
+          <a:ln>
+            <a:noFill/>
+          </a:ln>
+        </p:spPr>
+        <p:style>
+          <a:lnRef idx="2">
+            <a:schemeClr val="accent1">
+              <a:shade val="50000"/>
+            </a:schemeClr>
+          </a:lnRef>
+          <a:fillRef idx="1">
+            <a:schemeClr val="accent1"/>
+          </a:fillRef>
+          <a:effectRef idx="0">
+            <a:schemeClr val="accent1"/>
+          </a:effectRef>
+          <a:fontRef idx="minor">
+            <a:schemeClr val="lt1"/>
+          </a:fontRef>
+        </p:style>
+        <p:txBody>
+          <a:bodyPr rtlCol="0" anchor="ctr"/>
+          <a:lstStyle/>
+          <a:p>
+            <a:pPr algn="ctr"/>
+            <a:endParaRPr/>
+          </a:p>
+        </p:txBody>
+      </p:sp>
+      <p:sp>
+        <p:nvSpPr>
+          <p:cNvPr id="10" name="TextBox 9"/>
+          <p:cNvSpPr txBox="1"/>
+          <p:nvPr/>
+        </p:nvSpPr>
+        <p:spPr>
+          <a:xfrm>
+            <a:off x="327212" y="4632792"/>
+            <a:ext cx="220568" cy="369332"/>
+          </a:xfrm>
+          <a:prstGeom prst="rect">
+            <a:avLst/>
+          </a:prstGeom>
+          <a:noFill/>
+        </p:spPr>
+        <p:txBody>
+          <a:bodyPr wrap="square" lIns="0" tIns="0" rIns="0" bIns="0" rtlCol="0">
+            <a:spAutoFit/>
+          </a:bodyPr>
+          <a:lstStyle/>
+          <a:p>
+            <a:r>
+              <a:rPr sz="2400" b="1" baseline="0">
+                <a:solidFill>
+                  <a:schemeClr val="accent1">
+                    <a:lumMod val="60000"/>
+                    <a:lumOff val="40000"/>
+                  </a:schemeClr>
+                </a:solidFill>
+              </a:rPr>
+              <a:t>+ </a:t>
+            </a:r>
+          </a:p>
+        </p:txBody>
+      </p:sp>
+    </p:spTree>
+  </p:cSld>
+  <p:clrMapOvr>
+    <a:masterClrMapping/>
+  </p:clrMapOvr>
+</p:sldLayout>
+</file>
+
+<file path=ppt/slideLayouts/slideLayout16.xml><?xml version="1.0" encoding="utf-8"?>
+<p:sldLayout xmlns:a="http://schemas.openxmlformats.org/drawingml/2006/main" xmlns:r="http://schemas.openxmlformats.org/officeDocument/2006/relationships" xmlns:p="http://schemas.openxmlformats.org/presentationml/2006/main" preserve="1">
+  <p:cSld name="2 Pictures with Caption">
+    <p:spTree>
+      <p:nvGrpSpPr>
+        <p:cNvPr id="1" name=""/>
+        <p:cNvGrpSpPr/>
+        <p:nvPr/>
+      </p:nvGrpSpPr>
+      <p:grpSpPr>
+        <a:xfrm>
+          <a:off x="0" y="0"/>
+          <a:ext cx="0" cy="0"/>
+          <a:chOff x="0" y="0"/>
+          <a:chExt cx="0" cy="0"/>
+        </a:xfrm>
+      </p:grpSpPr>
+      <p:sp>
+        <p:nvSpPr>
+          <p:cNvPr id="8" name="Rectangle 7"/>
+          <p:cNvSpPr/>
+          <p:nvPr/>
+        </p:nvSpPr>
+        <p:spPr>
+          <a:xfrm>
+            <a:off x="282574" y="228600"/>
+            <a:ext cx="6387167" cy="6345238"/>
+          </a:xfrm>
+          <a:prstGeom prst="rect">
+            <a:avLst/>
+          </a:prstGeom>
+          <a:solidFill>
+            <a:schemeClr val="accent1"/>
+          </a:solidFill>
+          <a:ln>
+            <a:noFill/>
+          </a:ln>
+        </p:spPr>
+        <p:style>
+          <a:lnRef idx="2">
+            <a:schemeClr val="accent1">
+              <a:shade val="50000"/>
+            </a:schemeClr>
+          </a:lnRef>
+          <a:fillRef idx="1">
+            <a:schemeClr val="accent1"/>
+          </a:fillRef>
+          <a:effectRef idx="0">
+            <a:schemeClr val="accent1"/>
+          </a:effectRef>
+          <a:fontRef idx="minor">
+            <a:schemeClr val="lt1"/>
+          </a:fontRef>
+        </p:style>
+        <p:txBody>
+          <a:bodyPr rtlCol="0" anchor="ctr"/>
+          <a:lstStyle/>
+          <a:p>
+            <a:pPr algn="ctr"/>
+            <a:endParaRPr/>
+          </a:p>
+        </p:txBody>
+      </p:sp>
+      <p:sp>
+        <p:nvSpPr>
+          <p:cNvPr id="2" name="Title 1"/>
+          <p:cNvSpPr>
+            <a:spLocks noGrp="1"/>
+          </p:cNvSpPr>
+          <p:nvPr>
+            <p:ph type="title"/>
+          </p:nvPr>
+        </p:nvSpPr>
+        <p:spPr>
+          <a:xfrm>
+            <a:off x="380554" y="2571750"/>
+            <a:ext cx="6181611" cy="1162050"/>
+          </a:xfrm>
+        </p:spPr>
+        <p:txBody>
+          <a:bodyPr anchor="b">
+            <a:normAutofit/>
+          </a:bodyPr>
+          <a:lstStyle>
+            <a:lvl1pPr algn="l">
+              <a:defRPr sz="2600" b="0">
+                <a:solidFill>
+                  <a:schemeClr val="bg1"/>
+                </a:solidFill>
+              </a:defRPr>
+            </a:lvl1pPr>
+          </a:lstStyle>
+          <a:p>
+            <a:r>
+              <a:rPr lang="en-US" smtClean="0"/>
+              <a:t>Click to edit Master title style</a:t>
+            </a:r>
+            <a:endParaRPr/>
+          </a:p>
+        </p:txBody>
+      </p:sp>
+      <p:sp>
+        <p:nvSpPr>
+          <p:cNvPr id="4" name="Text Placeholder 3"/>
+          <p:cNvSpPr>
+            <a:spLocks noGrp="1"/>
+          </p:cNvSpPr>
+          <p:nvPr>
+            <p:ph type="body" sz="half" idx="2"/>
+          </p:nvPr>
+        </p:nvSpPr>
+        <p:spPr>
+          <a:xfrm>
+            <a:off x="381094" y="3733800"/>
+            <a:ext cx="6179566" cy="2392363"/>
+          </a:xfrm>
+        </p:spPr>
+        <p:txBody>
+          <a:bodyPr/>
+          <a:lstStyle>
+            <a:lvl1pPr marL="0" indent="0">
+              <a:spcBef>
+                <a:spcPts val="600"/>
+              </a:spcBef>
+              <a:buNone/>
+              <a:defRPr sz="1400">
+                <a:solidFill>
+                  <a:schemeClr val="bg1"/>
+                </a:solidFill>
+              </a:defRPr>
+            </a:lvl1pPr>
+            <a:lvl2pPr marL="457200" indent="0">
+              <a:buNone/>
+              <a:defRPr sz="1200"/>
+            </a:lvl2pPr>
+            <a:lvl3pPr marL="914400" indent="0">
+              <a:buNone/>
+              <a:defRPr sz="1000"/>
+            </a:lvl3pPr>
+            <a:lvl4pPr marL="1371600" indent="0">
+              <a:buNone/>
+              <a:defRPr sz="900"/>
+            </a:lvl4pPr>
+            <a:lvl5pPr marL="1828800" indent="0">
+              <a:buNone/>
+              <a:defRPr sz="900"/>
+            </a:lvl5pPr>
+            <a:lvl6pPr marL="2286000" indent="0">
+              <a:buNone/>
+              <a:defRPr sz="900"/>
+            </a:lvl6pPr>
+            <a:lvl7pPr marL="2743200" indent="0">
+              <a:buNone/>
+              <a:defRPr sz="900"/>
+            </a:lvl7pPr>
+            <a:lvl8pPr marL="3200400" indent="0">
+              <a:buNone/>
+              <a:defRPr sz="900"/>
+            </a:lvl8pPr>
+            <a:lvl9pPr marL="3657600" indent="0">
+              <a:buNone/>
+              <a:defRPr sz="900"/>
+            </a:lvl9pPr>
+          </a:lstStyle>
+          <a:p>
+            <a:pPr lvl="0"/>
+            <a:r>
+              <a:rPr lang="en-US" smtClean="0"/>
+              <a:t>Click to edit Master text styles</a:t>
+            </a:r>
+          </a:p>
+        </p:txBody>
+      </p:sp>
+      <p:sp>
+        <p:nvSpPr>
+          <p:cNvPr id="5" name="Date Placeholder 4"/>
+          <p:cNvSpPr>
+            <a:spLocks noGrp="1"/>
+          </p:cNvSpPr>
+          <p:nvPr>
+            <p:ph type="dt" sz="half" idx="10"/>
+          </p:nvPr>
+        </p:nvSpPr>
+        <p:spPr>
+          <a:xfrm>
+            <a:off x="5212262" y="6235607"/>
+            <a:ext cx="1348398" cy="365125"/>
+          </a:xfrm>
+        </p:spPr>
+        <p:txBody>
+          <a:bodyPr/>
+          <a:lstStyle>
+            <a:lvl1pPr>
+              <a:defRPr>
+                <a:solidFill>
+                  <a:schemeClr val="bg1"/>
+                </a:solidFill>
+              </a:defRPr>
+            </a:lvl1pPr>
+          </a:lstStyle>
+          <a:p>
+            <a:fld id="{693979EF-4621-4273-AF5F-DF6C03C4E4E7}" type="datetimeFigureOut">
+              <a:rPr lang="en-US" smtClean="0"/>
+              <a:t>5/5/14</a:t>
+            </a:fld>
+            <a:endParaRPr lang="en-US"/>
+          </a:p>
+        </p:txBody>
+      </p:sp>
+      <p:sp>
+        <p:nvSpPr>
+          <p:cNvPr id="6" name="Footer Placeholder 5"/>
+          <p:cNvSpPr>
+            <a:spLocks noGrp="1"/>
+          </p:cNvSpPr>
+          <p:nvPr>
+            <p:ph type="ftr" sz="quarter" idx="11"/>
+          </p:nvPr>
+        </p:nvSpPr>
+        <p:spPr>
+          <a:xfrm>
+            <a:off x="381095" y="6235607"/>
+            <a:ext cx="4648105" cy="365125"/>
+          </a:xfrm>
+        </p:spPr>
+        <p:txBody>
+          <a:bodyPr/>
+          <a:lstStyle>
+            <a:lvl1pPr>
+              <a:defRPr>
+                <a:solidFill>
+                  <a:schemeClr val="bg1"/>
+                </a:solidFill>
+              </a:defRPr>
+            </a:lvl1pPr>
+          </a:lstStyle>
+          <a:p>
+            <a:endParaRPr lang="en-US"/>
+          </a:p>
+        </p:txBody>
+      </p:sp>
+      <p:sp>
+        <p:nvSpPr>
+          <p:cNvPr id="7" name="Slide Number Placeholder 6"/>
+          <p:cNvSpPr>
+            <a:spLocks noGrp="1"/>
+          </p:cNvSpPr>
+          <p:nvPr>
+            <p:ph type="sldNum" sz="quarter" idx="12"/>
+          </p:nvPr>
+        </p:nvSpPr>
+        <p:spPr/>
+        <p:txBody>
+          <a:bodyPr/>
+          <a:lstStyle/>
+          <a:p>
+            <a:fld id="{6661E4F3-BB0A-4D53-9B5E-4C9753BFE76D}" type="slidenum">
+              <a:rPr lang="en-US" smtClean="0"/>
+              <a:t>‹#›</a:t>
+            </a:fld>
+            <a:endParaRPr lang="en-US"/>
+          </a:p>
+        </p:txBody>
+      </p:sp>
+      <p:sp>
+        <p:nvSpPr>
+          <p:cNvPr id="9" name="TextBox 8"/>
+          <p:cNvSpPr txBox="1"/>
+          <p:nvPr/>
+        </p:nvSpPr>
+        <p:spPr>
+          <a:xfrm>
+            <a:off x="424891" y="174812"/>
+            <a:ext cx="413309" cy="830997"/>
+          </a:xfrm>
+          <a:prstGeom prst="rect">
+            <a:avLst/>
+          </a:prstGeom>
+          <a:noFill/>
+        </p:spPr>
+        <p:txBody>
+          <a:bodyPr wrap="square" lIns="0" tIns="0" rIns="0" bIns="0" rtlCol="0">
+            <a:spAutoFit/>
+          </a:bodyPr>
+          <a:lstStyle/>
+          <a:p>
+            <a:r>
+              <a:rPr sz="5400" b="1">
+                <a:solidFill>
+                  <a:schemeClr val="accent1">
+                    <a:lumMod val="60000"/>
+                    <a:lumOff val="40000"/>
+                  </a:schemeClr>
+                </a:solidFill>
+              </a:rPr>
+              <a:t>+</a:t>
+            </a:r>
+          </a:p>
+        </p:txBody>
+      </p:sp>
+      <p:sp>
+        <p:nvSpPr>
+          <p:cNvPr id="10" name="Rectangle 9"/>
+          <p:cNvSpPr/>
+          <p:nvPr/>
+        </p:nvSpPr>
+        <p:spPr>
+          <a:xfrm>
+            <a:off x="6802438" y="228600"/>
+            <a:ext cx="2057400" cy="2039112"/>
+          </a:xfrm>
+          <a:prstGeom prst="rect">
+            <a:avLst/>
+          </a:prstGeom>
+          <a:solidFill>
+            <a:schemeClr val="accent3"/>
+          </a:solidFill>
+          <a:ln>
+            <a:noFill/>
+          </a:ln>
+        </p:spPr>
+        <p:style>
+          <a:lnRef idx="2">
+            <a:schemeClr val="accent1">
+              <a:shade val="50000"/>
+            </a:schemeClr>
+          </a:lnRef>
+          <a:fillRef idx="1">
+            <a:schemeClr val="accent1"/>
+          </a:fillRef>
+          <a:effectRef idx="0">
+            <a:schemeClr val="accent1"/>
+          </a:effectRef>
+          <a:fontRef idx="minor">
+            <a:schemeClr val="lt1"/>
+          </a:fontRef>
+        </p:style>
+        <p:txBody>
+          <a:bodyPr rtlCol="0" anchor="ctr"/>
+          <a:lstStyle/>
+          <a:p>
+            <a:pPr algn="ctr"/>
+            <a:endParaRPr/>
+          </a:p>
+        </p:txBody>
+      </p:sp>
+      <p:sp>
+        <p:nvSpPr>
+          <p:cNvPr id="12" name="Picture Placeholder 12"/>
+          <p:cNvSpPr>
+            <a:spLocks noGrp="1"/>
+          </p:cNvSpPr>
+          <p:nvPr>
+            <p:ph type="pic" sz="quarter" idx="13"/>
+          </p:nvPr>
+        </p:nvSpPr>
+        <p:spPr>
+          <a:xfrm>
+            <a:off x="6802438" y="2374940"/>
+            <a:ext cx="2057400" cy="2039112"/>
+          </a:xfrm>
+        </p:spPr>
+        <p:txBody>
+          <a:bodyPr/>
+          <a:lstStyle>
+            <a:lvl1pPr>
+              <a:buNone/>
+              <a:defRPr/>
+            </a:lvl1pPr>
+          </a:lstStyle>
+          <a:p>
+            <a:r>
+              <a:rPr lang="en-US" smtClean="0"/>
+              <a:t>Drag picture to placeholder or click icon to add</a:t>
+            </a:r>
+            <a:endParaRPr/>
+          </a:p>
+        </p:txBody>
+      </p:sp>
+      <p:sp>
+        <p:nvSpPr>
+          <p:cNvPr id="13" name="Picture Placeholder 12"/>
+          <p:cNvSpPr>
+            <a:spLocks noGrp="1"/>
+          </p:cNvSpPr>
+          <p:nvPr>
+            <p:ph type="pic" sz="quarter" idx="14"/>
+          </p:nvPr>
+        </p:nvSpPr>
+        <p:spPr>
+          <a:xfrm>
+            <a:off x="6802438" y="4535424"/>
+            <a:ext cx="2057400" cy="2039112"/>
+          </a:xfrm>
+        </p:spPr>
+        <p:txBody>
+          <a:bodyPr/>
+          <a:lstStyle>
+            <a:lvl1pPr>
+              <a:buNone/>
+              <a:defRPr/>
+            </a:lvl1pPr>
+          </a:lstStyle>
+          <a:p>
+            <a:r>
+              <a:rPr lang="en-US" smtClean="0"/>
+              <a:t>Drag picture to placeholder or click icon to add</a:t>
+            </a:r>
+            <a:endParaRPr/>
+          </a:p>
+        </p:txBody>
+      </p:sp>
+    </p:spTree>
+  </p:cSld>
+  <p:clrMapOvr>
+    <a:masterClrMapping/>
+  </p:clrMapOvr>
+</p:sldLayout>
+</file>
+
+<file path=ppt/slideLayouts/slideLayout17.xml><?xml version="1.0" encoding="utf-8"?>
+<p:sldLayout xmlns:a="http://schemas.openxmlformats.org/drawingml/2006/main" xmlns:r="http://schemas.openxmlformats.org/officeDocument/2006/relationships" xmlns:p="http://schemas.openxmlformats.org/presentationml/2006/main" preserve="1">
+  <p:cSld name="3 Pictures with Caption">
+    <p:spTree>
+      <p:nvGrpSpPr>
+        <p:cNvPr id="1" name=""/>
+        <p:cNvGrpSpPr/>
+        <p:nvPr/>
+      </p:nvGrpSpPr>
+      <p:grpSpPr>
+        <a:xfrm>
+          <a:off x="0" y="0"/>
+          <a:ext cx="0" cy="0"/>
+          <a:chOff x="0" y="0"/>
+          <a:chExt cx="0" cy="0"/>
+        </a:xfrm>
+      </p:grpSpPr>
+      <p:sp>
+        <p:nvSpPr>
+          <p:cNvPr id="8" name="Rectangle 7"/>
+          <p:cNvSpPr/>
+          <p:nvPr/>
+        </p:nvSpPr>
+        <p:spPr>
+          <a:xfrm>
+            <a:off x="282575" y="228600"/>
+            <a:ext cx="4235450" cy="6345238"/>
+          </a:xfrm>
+          <a:prstGeom prst="rect">
+            <a:avLst/>
+          </a:prstGeom>
+          <a:solidFill>
+            <a:schemeClr val="accent1"/>
+          </a:solidFill>
+          <a:ln>
+            <a:noFill/>
+          </a:ln>
+        </p:spPr>
+        <p:style>
+          <a:lnRef idx="2">
+            <a:schemeClr val="accent1">
+              <a:shade val="50000"/>
+            </a:schemeClr>
+          </a:lnRef>
+          <a:fillRef idx="1">
+            <a:schemeClr val="accent1"/>
+          </a:fillRef>
+          <a:effectRef idx="0">
+            <a:schemeClr val="accent1"/>
+          </a:effectRef>
+          <a:fontRef idx="minor">
+            <a:schemeClr val="lt1"/>
+          </a:fontRef>
+        </p:style>
+        <p:txBody>
+          <a:bodyPr rtlCol="0" anchor="ctr"/>
+          <a:lstStyle/>
+          <a:p>
+            <a:pPr algn="ctr"/>
+            <a:endParaRPr/>
+          </a:p>
+        </p:txBody>
+      </p:sp>
+      <p:sp>
+        <p:nvSpPr>
+          <p:cNvPr id="2" name="Title 1"/>
+          <p:cNvSpPr>
+            <a:spLocks noGrp="1"/>
+          </p:cNvSpPr>
+          <p:nvPr>
+            <p:ph type="title"/>
+          </p:nvPr>
+        </p:nvSpPr>
+        <p:spPr>
+          <a:xfrm>
+            <a:off x="380554" y="2571750"/>
+            <a:ext cx="4016633" cy="1162050"/>
+          </a:xfrm>
+        </p:spPr>
+        <p:txBody>
+          <a:bodyPr anchor="b">
+            <a:normAutofit/>
+          </a:bodyPr>
+          <a:lstStyle>
+            <a:lvl1pPr algn="l">
+              <a:defRPr sz="2600" b="0">
+                <a:solidFill>
+                  <a:schemeClr val="bg1"/>
+                </a:solidFill>
+              </a:defRPr>
+            </a:lvl1pPr>
+          </a:lstStyle>
+          <a:p>
+            <a:r>
+              <a:rPr lang="en-US" smtClean="0"/>
+              <a:t>Click to edit Master title style</a:t>
+            </a:r>
+            <a:endParaRPr/>
+          </a:p>
+        </p:txBody>
+      </p:sp>
+      <p:sp>
+        <p:nvSpPr>
+          <p:cNvPr id="4" name="Text Placeholder 3"/>
+          <p:cNvSpPr>
+            <a:spLocks noGrp="1"/>
+          </p:cNvSpPr>
+          <p:nvPr>
+            <p:ph type="body" sz="half" idx="2"/>
+          </p:nvPr>
+        </p:nvSpPr>
+        <p:spPr>
+          <a:xfrm>
+            <a:off x="381094" y="3733800"/>
+            <a:ext cx="4015304" cy="2392363"/>
+          </a:xfrm>
+        </p:spPr>
+        <p:txBody>
+          <a:bodyPr/>
+          <a:lstStyle>
+            <a:lvl1pPr marL="0" indent="0">
+              <a:spcBef>
+                <a:spcPts val="600"/>
+              </a:spcBef>
+              <a:buNone/>
+              <a:defRPr sz="1400">
+                <a:solidFill>
+                  <a:schemeClr val="bg1"/>
+                </a:solidFill>
+              </a:defRPr>
+            </a:lvl1pPr>
+            <a:lvl2pPr marL="457200" indent="0">
+              <a:buNone/>
+              <a:defRPr sz="1200"/>
+            </a:lvl2pPr>
+            <a:lvl3pPr marL="914400" indent="0">
+              <a:buNone/>
+              <a:defRPr sz="1000"/>
+            </a:lvl3pPr>
+            <a:lvl4pPr marL="1371600" indent="0">
+              <a:buNone/>
+              <a:defRPr sz="900"/>
+            </a:lvl4pPr>
+            <a:lvl5pPr marL="1828800" indent="0">
+              <a:buNone/>
+              <a:defRPr sz="900"/>
+            </a:lvl5pPr>
+            <a:lvl6pPr marL="2286000" indent="0">
+              <a:buNone/>
+              <a:defRPr sz="900"/>
+            </a:lvl6pPr>
+            <a:lvl7pPr marL="2743200" indent="0">
+              <a:buNone/>
+              <a:defRPr sz="900"/>
+            </a:lvl7pPr>
+            <a:lvl8pPr marL="3200400" indent="0">
+              <a:buNone/>
+              <a:defRPr sz="900"/>
+            </a:lvl8pPr>
+            <a:lvl9pPr marL="3657600" indent="0">
+              <a:buNone/>
+              <a:defRPr sz="900"/>
+            </a:lvl9pPr>
+          </a:lstStyle>
+          <a:p>
+            <a:pPr lvl="0"/>
+            <a:r>
+              <a:rPr lang="en-US" smtClean="0"/>
+              <a:t>Click to edit Master text styles</a:t>
+            </a:r>
+          </a:p>
+        </p:txBody>
+      </p:sp>
+      <p:sp>
+        <p:nvSpPr>
+          <p:cNvPr id="5" name="Date Placeholder 4"/>
+          <p:cNvSpPr>
+            <a:spLocks noGrp="1"/>
+          </p:cNvSpPr>
+          <p:nvPr>
+            <p:ph type="dt" sz="half" idx="10"/>
+          </p:nvPr>
+        </p:nvSpPr>
+        <p:spPr>
+          <a:xfrm>
+            <a:off x="3048000" y="6235607"/>
+            <a:ext cx="1348398" cy="365125"/>
+          </a:xfrm>
+        </p:spPr>
+        <p:txBody>
+          <a:bodyPr/>
+          <a:lstStyle>
+            <a:lvl1pPr>
+              <a:defRPr>
+                <a:solidFill>
+                  <a:schemeClr val="bg1"/>
+                </a:solidFill>
+              </a:defRPr>
+            </a:lvl1pPr>
+          </a:lstStyle>
+          <a:p>
+            <a:fld id="{693979EF-4621-4273-AF5F-DF6C03C4E4E7}" type="datetimeFigureOut">
+              <a:rPr lang="en-US" smtClean="0"/>
+              <a:t>5/5/14</a:t>
+            </a:fld>
+            <a:endParaRPr lang="en-US"/>
+          </a:p>
+        </p:txBody>
+      </p:sp>
+      <p:sp>
+        <p:nvSpPr>
+          <p:cNvPr id="6" name="Footer Placeholder 5"/>
+          <p:cNvSpPr>
+            <a:spLocks noGrp="1"/>
+          </p:cNvSpPr>
+          <p:nvPr>
+            <p:ph type="ftr" sz="quarter" idx="11"/>
+          </p:nvPr>
+        </p:nvSpPr>
+        <p:spPr>
+          <a:xfrm>
+            <a:off x="381095" y="6235607"/>
+            <a:ext cx="2590705" cy="365125"/>
+          </a:xfrm>
+        </p:spPr>
+        <p:txBody>
+          <a:bodyPr/>
+          <a:lstStyle>
+            <a:lvl1pPr>
+              <a:defRPr>
+                <a:solidFill>
+                  <a:schemeClr val="bg1"/>
+                </a:solidFill>
+              </a:defRPr>
+            </a:lvl1pPr>
+          </a:lstStyle>
+          <a:p>
+            <a:endParaRPr lang="en-US"/>
+          </a:p>
+        </p:txBody>
+      </p:sp>
+      <p:sp>
+        <p:nvSpPr>
+          <p:cNvPr id="7" name="Slide Number Placeholder 6"/>
+          <p:cNvSpPr>
+            <a:spLocks noGrp="1"/>
+          </p:cNvSpPr>
+          <p:nvPr>
+            <p:ph type="sldNum" sz="quarter" idx="12"/>
+          </p:nvPr>
+        </p:nvSpPr>
+        <p:spPr/>
+        <p:txBody>
+          <a:bodyPr/>
+          <a:lstStyle/>
+          <a:p>
+            <a:fld id="{6661E4F3-BB0A-4D53-9B5E-4C9753BFE76D}" type="slidenum">
+              <a:rPr lang="en-US" smtClean="0"/>
+              <a:t>‹#›</a:t>
+            </a:fld>
+            <a:endParaRPr lang="en-US"/>
+          </a:p>
+        </p:txBody>
+      </p:sp>
+      <p:sp>
+        <p:nvSpPr>
+          <p:cNvPr id="9" name="TextBox 8"/>
+          <p:cNvSpPr txBox="1"/>
+          <p:nvPr/>
+        </p:nvSpPr>
+        <p:spPr>
+          <a:xfrm>
+            <a:off x="424891" y="174812"/>
+            <a:ext cx="413309" cy="830997"/>
+          </a:xfrm>
+          <a:prstGeom prst="rect">
+            <a:avLst/>
+          </a:prstGeom>
+          <a:noFill/>
+        </p:spPr>
+        <p:txBody>
+          <a:bodyPr wrap="square" lIns="0" tIns="0" rIns="0" bIns="0" rtlCol="0">
+            <a:spAutoFit/>
+          </a:bodyPr>
+          <a:lstStyle/>
+          <a:p>
+            <a:r>
+              <a:rPr sz="5400" b="1">
+                <a:solidFill>
+                  <a:schemeClr val="accent1">
+                    <a:lumMod val="60000"/>
+                    <a:lumOff val="40000"/>
+                  </a:schemeClr>
+                </a:solidFill>
+              </a:rPr>
+              <a:t>+</a:t>
+            </a:r>
+          </a:p>
+        </p:txBody>
+      </p:sp>
+      <p:sp>
+        <p:nvSpPr>
+          <p:cNvPr id="10" name="Rectangle 9"/>
+          <p:cNvSpPr/>
+          <p:nvPr/>
+        </p:nvSpPr>
+        <p:spPr>
+          <a:xfrm>
+            <a:off x="6802438" y="228600"/>
+            <a:ext cx="2057400" cy="2039112"/>
+          </a:xfrm>
+          <a:prstGeom prst="rect">
+            <a:avLst/>
+          </a:prstGeom>
+          <a:solidFill>
+            <a:schemeClr val="accent3"/>
+          </a:solidFill>
+          <a:ln>
+            <a:noFill/>
+          </a:ln>
+        </p:spPr>
+        <p:style>
+          <a:lnRef idx="2">
+            <a:schemeClr val="accent1">
+              <a:shade val="50000"/>
+            </a:schemeClr>
+          </a:lnRef>
+          <a:fillRef idx="1">
+            <a:schemeClr val="accent1"/>
+          </a:fillRef>
+          <a:effectRef idx="0">
+            <a:schemeClr val="accent1"/>
+          </a:effectRef>
+          <a:fontRef idx="minor">
+            <a:schemeClr val="lt1"/>
+          </a:fontRef>
+        </p:style>
+        <p:txBody>
+          <a:bodyPr rtlCol="0" anchor="ctr"/>
+          <a:lstStyle/>
+          <a:p>
+            <a:pPr algn="ctr"/>
+            <a:endParaRPr/>
+          </a:p>
+        </p:txBody>
+      </p:sp>
+      <p:sp>
+        <p:nvSpPr>
+          <p:cNvPr id="11" name="Rectangle 10"/>
+          <p:cNvSpPr/>
+          <p:nvPr/>
+        </p:nvSpPr>
+        <p:spPr>
+          <a:xfrm>
+            <a:off x="4624388" y="4534726"/>
+            <a:ext cx="2057400" cy="2039112"/>
+          </a:xfrm>
+          <a:prstGeom prst="rect">
+            <a:avLst/>
+          </a:prstGeom>
+          <a:solidFill>
+            <a:schemeClr val="accent4"/>
+          </a:solidFill>
+          <a:ln>
+            <a:noFill/>
+          </a:ln>
+        </p:spPr>
+        <p:style>
+          <a:lnRef idx="2">
+            <a:schemeClr val="accent1">
+              <a:shade val="50000"/>
+            </a:schemeClr>
+          </a:lnRef>
+          <a:fillRef idx="1">
+            <a:schemeClr val="accent1"/>
+          </a:fillRef>
+          <a:effectRef idx="0">
+            <a:schemeClr val="accent1"/>
+          </a:effectRef>
+          <a:fontRef idx="minor">
+            <a:schemeClr val="lt1"/>
+          </a:fontRef>
+        </p:style>
+        <p:txBody>
+          <a:bodyPr rtlCol="0" anchor="ctr"/>
+          <a:lstStyle/>
+          <a:p>
+            <a:pPr algn="ctr"/>
+            <a:endParaRPr/>
+          </a:p>
+        </p:txBody>
+      </p:sp>
+      <p:sp>
+        <p:nvSpPr>
+          <p:cNvPr id="12" name="Picture Placeholder 12"/>
+          <p:cNvSpPr>
+            <a:spLocks noGrp="1"/>
+          </p:cNvSpPr>
+          <p:nvPr>
+            <p:ph type="pic" sz="quarter" idx="13"/>
+          </p:nvPr>
+        </p:nvSpPr>
+        <p:spPr>
+          <a:xfrm>
+            <a:off x="4624388" y="228600"/>
+            <a:ext cx="2057400" cy="2039112"/>
+          </a:xfrm>
+        </p:spPr>
+        <p:txBody>
+          <a:bodyPr/>
+          <a:lstStyle>
+            <a:lvl1pPr>
+              <a:buNone/>
+              <a:defRPr/>
+            </a:lvl1pPr>
+          </a:lstStyle>
+          <a:p>
+            <a:r>
+              <a:rPr lang="en-US" smtClean="0"/>
+              <a:t>Drag picture to placeholder or click icon to add</a:t>
+            </a:r>
+            <a:endParaRPr/>
+          </a:p>
+        </p:txBody>
+      </p:sp>
+      <p:sp>
+        <p:nvSpPr>
+          <p:cNvPr id="13" name="Picture Placeholder 12"/>
+          <p:cNvSpPr>
+            <a:spLocks noGrp="1"/>
+          </p:cNvSpPr>
+          <p:nvPr>
+            <p:ph type="pic" sz="quarter" idx="14"/>
+          </p:nvPr>
+        </p:nvSpPr>
+        <p:spPr>
+          <a:xfrm>
+            <a:off x="4624388" y="2381663"/>
+            <a:ext cx="2057400" cy="2039112"/>
+          </a:xfrm>
+        </p:spPr>
+        <p:txBody>
+          <a:bodyPr/>
+          <a:lstStyle>
+            <a:lvl1pPr>
+              <a:buNone/>
+              <a:defRPr/>
+            </a:lvl1pPr>
+          </a:lstStyle>
+          <a:p>
+            <a:r>
+              <a:rPr lang="en-US" smtClean="0"/>
+              <a:t>Drag picture to placeholder or click icon to add</a:t>
+            </a:r>
+            <a:endParaRPr/>
+          </a:p>
+        </p:txBody>
+      </p:sp>
+      <p:sp>
+        <p:nvSpPr>
+          <p:cNvPr id="14" name="Picture Placeholder 12"/>
+          <p:cNvSpPr>
+            <a:spLocks noGrp="1"/>
+          </p:cNvSpPr>
+          <p:nvPr>
+            <p:ph type="pic" sz="quarter" idx="15"/>
+          </p:nvPr>
+        </p:nvSpPr>
+        <p:spPr>
+          <a:xfrm>
+            <a:off x="6803136" y="2381662"/>
+            <a:ext cx="2057400" cy="4187952"/>
+          </a:xfrm>
+        </p:spPr>
+        <p:txBody>
+          <a:bodyPr/>
+          <a:lstStyle>
+            <a:lvl1pPr>
+              <a:buNone/>
+              <a:defRPr/>
+            </a:lvl1pPr>
+          </a:lstStyle>
+          <a:p>
+            <a:r>
+              <a:rPr lang="en-US" smtClean="0"/>
+              <a:t>Drag picture to placeholder or click icon to add</a:t>
+            </a:r>
+            <a:endParaRPr/>
+          </a:p>
+        </p:txBody>
+      </p:sp>
+    </p:spTree>
+  </p:cSld>
+  <p:clrMapOvr>
+    <a:masterClrMapping/>
+  </p:clrMapOvr>
+</p:sldLayout>
+</file>
+
+<file path=ppt/slideLayouts/slideLayout18.xml><?xml version="1.0" encoding="utf-8"?>
+<p:sldLayout xmlns:a="http://schemas.openxmlformats.org/drawingml/2006/main" xmlns:r="http://schemas.openxmlformats.org/officeDocument/2006/relationships" xmlns:p="http://schemas.openxmlformats.org/presentationml/2006/main" preserve="1">
+  <p:cSld name="3 Pictures with Caption, Alt.">
+    <p:spTree>
+      <p:nvGrpSpPr>
+        <p:cNvPr id="1" name=""/>
+        <p:cNvGrpSpPr/>
+        <p:nvPr/>
+      </p:nvGrpSpPr>
+      <p:grpSpPr>
+        <a:xfrm>
+          <a:off x="0" y="0"/>
+          <a:ext cx="0" cy="0"/>
+          <a:chOff x="0" y="0"/>
+          <a:chExt cx="0" cy="0"/>
+        </a:xfrm>
+      </p:grpSpPr>
+      <p:sp>
+        <p:nvSpPr>
+          <p:cNvPr id="11" name="Rectangle 10"/>
+          <p:cNvSpPr/>
+          <p:nvPr/>
+        </p:nvSpPr>
+        <p:spPr>
+          <a:xfrm>
+            <a:off x="8166847" y="282573"/>
+            <a:ext cx="685800" cy="302217"/>
+          </a:xfrm>
+          <a:prstGeom prst="rect">
+            <a:avLst/>
+          </a:prstGeom>
+          <a:solidFill>
+            <a:schemeClr val="accent1"/>
+          </a:solidFill>
+          <a:ln>
+            <a:noFill/>
+          </a:ln>
+        </p:spPr>
+        <p:style>
+          <a:lnRef idx="2">
+            <a:schemeClr val="accent1">
+              <a:shade val="50000"/>
+            </a:schemeClr>
+          </a:lnRef>
+          <a:fillRef idx="1">
+            <a:schemeClr val="accent1"/>
+          </a:fillRef>
+          <a:effectRef idx="0">
+            <a:schemeClr val="accent1"/>
+          </a:effectRef>
+          <a:fontRef idx="minor">
+            <a:schemeClr val="lt1"/>
+          </a:fontRef>
+        </p:style>
+        <p:txBody>
+          <a:bodyPr rtlCol="0" anchor="ctr"/>
+          <a:lstStyle/>
+          <a:p>
+            <a:pPr algn="ctr"/>
+            <a:endParaRPr/>
+          </a:p>
+        </p:txBody>
+      </p:sp>
+      <p:sp>
+        <p:nvSpPr>
+          <p:cNvPr id="2" name="Title 1"/>
+          <p:cNvSpPr>
+            <a:spLocks noGrp="1"/>
+          </p:cNvSpPr>
+          <p:nvPr>
+            <p:ph type="title"/>
+          </p:nvPr>
+        </p:nvSpPr>
+        <p:spPr>
+          <a:xfrm>
+            <a:off x="4953000" y="3124200"/>
+            <a:ext cx="3108960" cy="871538"/>
+          </a:xfrm>
+        </p:spPr>
+        <p:txBody>
+          <a:bodyPr anchor="b">
+            <a:normAutofit/>
+          </a:bodyPr>
+          <a:lstStyle>
+            <a:lvl1pPr algn="l">
+              <a:defRPr sz="2600" b="0"/>
+            </a:lvl1pPr>
+          </a:lstStyle>
+          <a:p>
+            <a:r>
+              <a:rPr lang="en-US" smtClean="0"/>
+              <a:t>Click to edit Master title style</a:t>
+            </a:r>
+            <a:endParaRPr/>
+          </a:p>
+        </p:txBody>
+      </p:sp>
+      <p:sp>
+        <p:nvSpPr>
+          <p:cNvPr id="3" name="Picture Placeholder 2"/>
+          <p:cNvSpPr>
+            <a:spLocks noGrp="1"/>
+          </p:cNvSpPr>
+          <p:nvPr>
+            <p:ph type="pic" idx="1"/>
+          </p:nvPr>
+        </p:nvSpPr>
+        <p:spPr>
+          <a:xfrm>
+            <a:off x="277905" y="2365248"/>
+            <a:ext cx="4240119" cy="4187952"/>
+          </a:xfrm>
+        </p:spPr>
+        <p:txBody>
+          <a:bodyPr/>
+          <a:lstStyle>
+            <a:lvl1pPr marL="0" indent="0">
+              <a:buNone/>
+              <a:defRPr sz="3200"/>
+            </a:lvl1pPr>
+            <a:lvl2pPr marL="457200" indent="0">
+              <a:buNone/>
+              <a:defRPr sz="2800"/>
+            </a:lvl2pPr>
+            <a:lvl3pPr marL="914400" indent="0">
+              <a:buNone/>
+              <a:defRPr sz="2400"/>
+            </a:lvl3pPr>
+            <a:lvl4pPr marL="1371600" indent="0">
+              <a:buNone/>
+              <a:defRPr sz="2000"/>
+            </a:lvl4pPr>
+            <a:lvl5pPr marL="1828800" indent="0">
+              <a:buNone/>
+              <a:defRPr sz="2000"/>
+            </a:lvl5pPr>
+            <a:lvl6pPr marL="2286000" indent="0">
+              <a:buNone/>
+              <a:defRPr sz="2000"/>
+            </a:lvl6pPr>
+            <a:lvl7pPr marL="2743200" indent="0">
+              <a:buNone/>
+              <a:defRPr sz="2000"/>
+            </a:lvl7pPr>
+            <a:lvl8pPr marL="3200400" indent="0">
+              <a:buNone/>
+              <a:defRPr sz="2000"/>
+            </a:lvl8pPr>
+            <a:lvl9pPr marL="3657600" indent="0">
+              <a:buNone/>
+              <a:defRPr sz="2000"/>
+            </a:lvl9pPr>
+          </a:lstStyle>
+          <a:p>
+            <a:r>
+              <a:rPr lang="en-US" smtClean="0"/>
+              <a:t>Drag picture to placeholder or click icon to add</a:t>
+            </a:r>
+            <a:endParaRPr/>
+          </a:p>
+        </p:txBody>
+      </p:sp>
+      <p:sp>
+        <p:nvSpPr>
+          <p:cNvPr id="4" name="Text Placeholder 3"/>
+          <p:cNvSpPr>
+            <a:spLocks noGrp="1"/>
+          </p:cNvSpPr>
+          <p:nvPr>
+            <p:ph type="body" sz="half" idx="2"/>
+          </p:nvPr>
+        </p:nvSpPr>
+        <p:spPr>
+          <a:xfrm>
+            <a:off x="4953000" y="3995737"/>
+            <a:ext cx="3108960" cy="2147888"/>
+          </a:xfrm>
+        </p:spPr>
+        <p:txBody>
+          <a:bodyPr/>
+          <a:lstStyle>
+            <a:lvl1pPr marL="0" indent="0">
+              <a:spcBef>
+                <a:spcPts val="600"/>
+              </a:spcBef>
+              <a:buNone/>
+              <a:defRPr sz="1400"/>
+            </a:lvl1pPr>
+            <a:lvl2pPr marL="457200" indent="0">
+              <a:buNone/>
+              <a:defRPr sz="1200"/>
+            </a:lvl2pPr>
+            <a:lvl3pPr marL="914400" indent="0">
+              <a:buNone/>
+              <a:defRPr sz="1000"/>
+            </a:lvl3pPr>
+            <a:lvl4pPr marL="1371600" indent="0">
+              <a:buNone/>
+              <a:defRPr sz="900"/>
+            </a:lvl4pPr>
+            <a:lvl5pPr marL="1828800" indent="0">
+              <a:buNone/>
+              <a:defRPr sz="900"/>
+            </a:lvl5pPr>
+            <a:lvl6pPr marL="2286000" indent="0">
+              <a:buNone/>
+              <a:defRPr sz="900"/>
+            </a:lvl6pPr>
+            <a:lvl7pPr marL="2743200" indent="0">
+              <a:buNone/>
+              <a:defRPr sz="900"/>
+            </a:lvl7pPr>
+            <a:lvl8pPr marL="3200400" indent="0">
+              <a:buNone/>
+              <a:defRPr sz="900"/>
+            </a:lvl8pPr>
+            <a:lvl9pPr marL="3657600" indent="0">
+              <a:buNone/>
+              <a:defRPr sz="900"/>
+            </a:lvl9pPr>
+          </a:lstStyle>
+          <a:p>
+            <a:pPr lvl="0"/>
+            <a:r>
+              <a:rPr lang="en-US" smtClean="0"/>
+              <a:t>Click to edit Master text styles</a:t>
+            </a:r>
+          </a:p>
+        </p:txBody>
+      </p:sp>
+      <p:sp>
+        <p:nvSpPr>
+          <p:cNvPr id="5" name="Date Placeholder 4"/>
+          <p:cNvSpPr>
+            <a:spLocks noGrp="1"/>
+          </p:cNvSpPr>
+          <p:nvPr>
+            <p:ph type="dt" sz="half" idx="10"/>
+          </p:nvPr>
+        </p:nvSpPr>
+        <p:spPr>
+          <a:xfrm>
+            <a:off x="7391399" y="6423585"/>
+            <a:ext cx="1537447" cy="365125"/>
+          </a:xfrm>
+        </p:spPr>
+        <p:txBody>
+          <a:bodyPr/>
+          <a:lstStyle/>
+          <a:p>
+            <a:fld id="{693979EF-4621-4273-AF5F-DF6C03C4E4E7}" type="datetimeFigureOut">
+              <a:rPr lang="en-US" smtClean="0"/>
+              <a:t>5/5/14</a:t>
+            </a:fld>
+            <a:endParaRPr lang="en-US"/>
+          </a:p>
+        </p:txBody>
+      </p:sp>
+      <p:sp>
+        <p:nvSpPr>
+          <p:cNvPr id="6" name="Footer Placeholder 5"/>
+          <p:cNvSpPr>
+            <a:spLocks noGrp="1"/>
+          </p:cNvSpPr>
+          <p:nvPr>
+            <p:ph type="ftr" sz="quarter" idx="11"/>
+          </p:nvPr>
+        </p:nvSpPr>
+        <p:spPr>
+          <a:xfrm>
+            <a:off x="4191000" y="6423585"/>
+            <a:ext cx="3005138" cy="365125"/>
+          </a:xfrm>
+        </p:spPr>
+        <p:txBody>
+          <a:bodyPr/>
+          <a:lstStyle/>
+          <a:p>
+            <a:endParaRPr lang="en-US"/>
+          </a:p>
+        </p:txBody>
+      </p:sp>
+      <p:sp>
+        <p:nvSpPr>
+          <p:cNvPr id="7" name="Slide Number Placeholder 6"/>
+          <p:cNvSpPr>
+            <a:spLocks noGrp="1"/>
+          </p:cNvSpPr>
+          <p:nvPr>
+            <p:ph type="sldNum" sz="quarter" idx="12"/>
+          </p:nvPr>
+        </p:nvSpPr>
+        <p:spPr/>
+        <p:txBody>
+          <a:bodyPr/>
+          <a:lstStyle/>
+          <a:p>
+            <a:fld id="{6661E4F3-BB0A-4D53-9B5E-4C9753BFE76D}" type="slidenum">
+              <a:rPr lang="en-US" smtClean="0"/>
+              <a:t>‹#›</a:t>
+            </a:fld>
+            <a:endParaRPr lang="en-US"/>
+          </a:p>
+        </p:txBody>
+      </p:sp>
+      <p:sp>
+        <p:nvSpPr>
+          <p:cNvPr id="10" name="TextBox 9"/>
+          <p:cNvSpPr txBox="1"/>
+          <p:nvPr/>
+        </p:nvSpPr>
+        <p:spPr>
+          <a:xfrm>
+            <a:off x="4750361" y="3370730"/>
+            <a:ext cx="220568" cy="369332"/>
+          </a:xfrm>
+          <a:prstGeom prst="rect">
+            <a:avLst/>
+          </a:prstGeom>
+          <a:noFill/>
+        </p:spPr>
+        <p:txBody>
+          <a:bodyPr wrap="square" lIns="0" tIns="0" rIns="0" bIns="0" rtlCol="0">
+            <a:spAutoFit/>
+          </a:bodyPr>
+          <a:lstStyle/>
+          <a:p>
+            <a:r>
+              <a:rPr sz="2400" b="1" baseline="0">
+                <a:solidFill>
+                  <a:schemeClr val="accent1">
+                    <a:lumMod val="60000"/>
+                    <a:lumOff val="40000"/>
+                  </a:schemeClr>
+                </a:solidFill>
+              </a:rPr>
+              <a:t>+ </a:t>
+            </a:r>
+          </a:p>
+        </p:txBody>
+      </p:sp>
+      <p:sp>
+        <p:nvSpPr>
+          <p:cNvPr id="14" name="Picture Placeholder 12"/>
+          <p:cNvSpPr>
+            <a:spLocks noGrp="1"/>
+          </p:cNvSpPr>
+          <p:nvPr>
+            <p:ph type="pic" sz="quarter" idx="13"/>
+          </p:nvPr>
+        </p:nvSpPr>
+        <p:spPr>
+          <a:xfrm>
+            <a:off x="277905" y="228600"/>
+            <a:ext cx="2057400" cy="2039112"/>
+          </a:xfrm>
+        </p:spPr>
+        <p:txBody>
+          <a:bodyPr/>
+          <a:lstStyle>
+            <a:lvl1pPr>
+              <a:buNone/>
+              <a:defRPr/>
+            </a:lvl1pPr>
+          </a:lstStyle>
+          <a:p>
+            <a:r>
+              <a:rPr lang="en-US" smtClean="0"/>
+              <a:t>Drag picture to placeholder or click icon to add</a:t>
+            </a:r>
+            <a:endParaRPr/>
+          </a:p>
+        </p:txBody>
+      </p:sp>
+      <p:sp>
+        <p:nvSpPr>
+          <p:cNvPr id="15" name="Picture Placeholder 12"/>
+          <p:cNvSpPr>
+            <a:spLocks noGrp="1"/>
+          </p:cNvSpPr>
+          <p:nvPr>
+            <p:ph type="pic" sz="quarter" idx="14"/>
+          </p:nvPr>
+        </p:nvSpPr>
+        <p:spPr>
+          <a:xfrm>
+            <a:off x="2460625" y="228600"/>
+            <a:ext cx="2057400" cy="2039112"/>
+          </a:xfrm>
+        </p:spPr>
+        <p:txBody>
+          <a:bodyPr/>
+          <a:lstStyle>
+            <a:lvl1pPr>
+              <a:buNone/>
+              <a:defRPr/>
+            </a:lvl1pPr>
+          </a:lstStyle>
+          <a:p>
+            <a:r>
+              <a:rPr lang="en-US" smtClean="0"/>
+              <a:t>Drag picture to placeholder or click icon to add</a:t>
+            </a:r>
+            <a:endParaRPr/>
+          </a:p>
+        </p:txBody>
+      </p:sp>
+    </p:spTree>
+  </p:cSld>
+  <p:clrMapOvr>
+    <a:masterClrMapping/>
+  </p:clrMapOvr>
+</p:sldLayout>
+</file>
+
+<file path=ppt/slideLayouts/slideLayout19.xml><?xml version="1.0" encoding="utf-8"?>
+<p:sldLayout xmlns:a="http://schemas.openxmlformats.org/drawingml/2006/main" xmlns:r="http://schemas.openxmlformats.org/officeDocument/2006/relationships" xmlns:p="http://schemas.openxmlformats.org/presentationml/2006/main" preserve="1">
   <p:cSld name="Title and Vertical Text">
     <p:spTree>
       <p:nvGrpSpPr>
@@ -369,6 +3946,88 @@
       </p:grpSpPr>
       <p:sp>
         <p:nvSpPr>
+          <p:cNvPr id="7" name="Rectangle 6"/>
+          <p:cNvSpPr/>
+          <p:nvPr/>
+        </p:nvSpPr>
+        <p:spPr>
+          <a:xfrm>
+            <a:off x="8166847" y="282574"/>
+            <a:ext cx="685800" cy="1600200"/>
+          </a:xfrm>
+          <a:prstGeom prst="rect">
+            <a:avLst/>
+          </a:prstGeom>
+          <a:solidFill>
+            <a:schemeClr val="accent1"/>
+          </a:solidFill>
+          <a:ln>
+            <a:noFill/>
+          </a:ln>
+        </p:spPr>
+        <p:style>
+          <a:lnRef idx="2">
+            <a:schemeClr val="accent1">
+              <a:shade val="50000"/>
+            </a:schemeClr>
+          </a:lnRef>
+          <a:fillRef idx="1">
+            <a:schemeClr val="accent1"/>
+          </a:fillRef>
+          <a:effectRef idx="0">
+            <a:schemeClr val="accent1"/>
+          </a:effectRef>
+          <a:fontRef idx="minor">
+            <a:schemeClr val="lt1"/>
+          </a:fontRef>
+        </p:style>
+        <p:txBody>
+          <a:bodyPr rtlCol="0" anchor="ctr"/>
+          <a:lstStyle/>
+          <a:p>
+            <a:pPr algn="ctr"/>
+            <a:endParaRPr/>
+          </a:p>
+        </p:txBody>
+      </p:sp>
+      <p:sp>
+        <p:nvSpPr>
+          <p:cNvPr id="9" name="TextBox 8"/>
+          <p:cNvSpPr txBox="1"/>
+          <p:nvPr/>
+        </p:nvSpPr>
+        <p:spPr>
+          <a:xfrm>
+            <a:off x="223185" y="228600"/>
+            <a:ext cx="260909" cy="553998"/>
+          </a:xfrm>
+          <a:prstGeom prst="rect">
+            <a:avLst/>
+          </a:prstGeom>
+          <a:noFill/>
+        </p:spPr>
+        <p:txBody>
+          <a:bodyPr wrap="square" lIns="0" tIns="0" rIns="0" bIns="0" rtlCol="0">
+            <a:spAutoFit/>
+          </a:bodyPr>
+          <a:lstStyle/>
+          <a:p>
+            <a:r>
+              <a:rPr sz="3600" b="1">
+                <a:solidFill>
+                  <a:schemeClr val="accent1">
+                    <a:lumMod val="60000"/>
+                    <a:lumOff val="40000"/>
+                  </a:schemeClr>
+                </a:solidFill>
+              </a:rPr>
+              <a:t>+</a:t>
+            </a:r>
+          </a:p>
+        </p:txBody>
+      </p:sp>
+      <p:sp>
+        <p:nvSpPr>
           <p:cNvPr id="2" name="Title 1"/>
           <p:cNvSpPr>
             <a:spLocks noGrp="1"/>
@@ -386,7 +4045,7 @@
               <a:rPr lang="en-US" smtClean="0"/>
               <a:t>Click to edit Master title style</a:t>
             </a:r>
-            <a:endParaRPr lang="en-US"/>
+            <a:endParaRPr/>
           </a:p>
         </p:txBody>
       </p:sp>
@@ -403,7 +4062,11 @@
         <p:spPr/>
         <p:txBody>
           <a:bodyPr vert="eaVert"/>
-          <a:lstStyle/>
+          <a:lstStyle>
+            <a:lvl5pPr>
+              <a:defRPr/>
+            </a:lvl5pPr>
+          </a:lstStyle>
           <a:p>
             <a:pPr lvl="0"/>
             <a:r>
@@ -438,7 +4101,7 @@
               <a:rPr lang="en-US" smtClean="0"/>
               <a:t>Fifth level</a:t>
             </a:r>
-            <a:endParaRPr lang="en-US"/>
+            <a:endParaRPr dirty="0"/>
           </a:p>
         </p:txBody>
       </p:sp>
@@ -459,7 +4122,7 @@
           <a:p>
             <a:fld id="{693979EF-4621-4273-AF5F-DF6C03C4E4E7}" type="datetimeFigureOut">
               <a:rPr lang="en-US" smtClean="0"/>
-              <a:t>5/4/2014</a:t>
+              <a:t>5/5/14</a:t>
             </a:fld>
             <a:endParaRPr lang="en-US"/>
           </a:p>
@@ -515,8 +4178,305 @@
 </p:sldLayout>
 </file>
 
-<file path=ppt/slideLayouts/slideLayout11.xml><?xml version="1.0" encoding="utf-8"?>
-<p:sldLayout xmlns:a="http://schemas.openxmlformats.org/drawingml/2006/main" xmlns:r="http://schemas.openxmlformats.org/officeDocument/2006/relationships" xmlns:p="http://schemas.openxmlformats.org/presentationml/2006/main" type="vertTitleAndTx" preserve="1">
+<file path=ppt/slideLayouts/slideLayout2.xml><?xml version="1.0" encoding="utf-8"?>
+<p:sldLayout xmlns:a="http://schemas.openxmlformats.org/drawingml/2006/main" xmlns:r="http://schemas.openxmlformats.org/officeDocument/2006/relationships" xmlns:p="http://schemas.openxmlformats.org/presentationml/2006/main" preserve="1">
+  <p:cSld name="Title and Content">
+    <p:spTree>
+      <p:nvGrpSpPr>
+        <p:cNvPr id="1" name=""/>
+        <p:cNvGrpSpPr/>
+        <p:nvPr/>
+      </p:nvGrpSpPr>
+      <p:grpSpPr>
+        <a:xfrm>
+          <a:off x="0" y="0"/>
+          <a:ext cx="0" cy="0"/>
+          <a:chOff x="0" y="0"/>
+          <a:chExt cx="0" cy="0"/>
+        </a:xfrm>
+      </p:grpSpPr>
+      <p:sp>
+        <p:nvSpPr>
+          <p:cNvPr id="7" name="Rectangle 6"/>
+          <p:cNvSpPr/>
+          <p:nvPr/>
+        </p:nvSpPr>
+        <p:spPr>
+          <a:xfrm>
+            <a:off x="8210550" y="282574"/>
+            <a:ext cx="642097" cy="1600200"/>
+          </a:xfrm>
+          <a:prstGeom prst="rect">
+            <a:avLst/>
+          </a:prstGeom>
+          <a:solidFill>
+            <a:schemeClr val="accent1"/>
+          </a:solidFill>
+          <a:ln>
+            <a:noFill/>
+          </a:ln>
+        </p:spPr>
+        <p:style>
+          <a:lnRef idx="2">
+            <a:schemeClr val="accent1">
+              <a:shade val="50000"/>
+            </a:schemeClr>
+          </a:lnRef>
+          <a:fillRef idx="1">
+            <a:schemeClr val="accent1"/>
+          </a:fillRef>
+          <a:effectRef idx="0">
+            <a:schemeClr val="accent1"/>
+          </a:effectRef>
+          <a:fontRef idx="minor">
+            <a:schemeClr val="lt1"/>
+          </a:fontRef>
+        </p:style>
+        <p:txBody>
+          <a:bodyPr rtlCol="0" anchor="ctr"/>
+          <a:lstStyle/>
+          <a:p>
+            <a:pPr algn="ctr"/>
+            <a:endParaRPr/>
+          </a:p>
+        </p:txBody>
+      </p:sp>
+      <p:sp>
+        <p:nvSpPr>
+          <p:cNvPr id="2" name="Title 1"/>
+          <p:cNvSpPr>
+            <a:spLocks noGrp="1"/>
+          </p:cNvSpPr>
+          <p:nvPr>
+            <p:ph type="title"/>
+          </p:nvPr>
+        </p:nvSpPr>
+        <p:spPr/>
+        <p:txBody>
+          <a:bodyPr/>
+          <a:lstStyle/>
+          <a:p>
+            <a:r>
+              <a:rPr lang="en-US" smtClean="0"/>
+              <a:t>Click to edit Master title style</a:t>
+            </a:r>
+            <a:endParaRPr/>
+          </a:p>
+        </p:txBody>
+      </p:sp>
+      <p:sp>
+        <p:nvSpPr>
+          <p:cNvPr id="3" name="Content Placeholder 2"/>
+          <p:cNvSpPr>
+            <a:spLocks noGrp="1"/>
+          </p:cNvSpPr>
+          <p:nvPr>
+            <p:ph idx="1"/>
+          </p:nvPr>
+        </p:nvSpPr>
+        <p:spPr/>
+        <p:txBody>
+          <a:bodyPr/>
+          <a:lstStyle>
+            <a:lvl5pPr>
+              <a:defRPr/>
+            </a:lvl5pPr>
+          </a:lstStyle>
+          <a:p>
+            <a:pPr lvl="0"/>
+            <a:r>
+              <a:rPr lang="en-US" smtClean="0"/>
+              <a:t>Click to edit Master text styles</a:t>
+            </a:r>
+          </a:p>
+          <a:p>
+            <a:pPr lvl="1"/>
+            <a:r>
+              <a:rPr lang="en-US" smtClean="0"/>
+              <a:t>Second level</a:t>
+            </a:r>
+          </a:p>
+          <a:p>
+            <a:pPr lvl="2"/>
+            <a:r>
+              <a:rPr lang="en-US" smtClean="0"/>
+              <a:t>Third level</a:t>
+            </a:r>
+          </a:p>
+          <a:p>
+            <a:pPr lvl="3"/>
+            <a:r>
+              <a:rPr lang="en-US" smtClean="0"/>
+              <a:t>Fourth level</a:t>
+            </a:r>
+          </a:p>
+          <a:p>
+            <a:pPr lvl="4"/>
+            <a:r>
+              <a:rPr lang="en-US" smtClean="0"/>
+              <a:t>Fifth level</a:t>
+            </a:r>
+            <a:endParaRPr dirty="0"/>
+          </a:p>
+        </p:txBody>
+      </p:sp>
+      <p:sp>
+        <p:nvSpPr>
+          <p:cNvPr id="4" name="Date Placeholder 3"/>
+          <p:cNvSpPr>
+            <a:spLocks noGrp="1"/>
+          </p:cNvSpPr>
+          <p:nvPr>
+            <p:ph type="dt" sz="half" idx="10"/>
+          </p:nvPr>
+        </p:nvSpPr>
+        <p:spPr/>
+        <p:txBody>
+          <a:bodyPr/>
+          <a:lstStyle/>
+          <a:p>
+            <a:fld id="{693979EF-4621-4273-AF5F-DF6C03C4E4E7}" type="datetimeFigureOut">
+              <a:rPr lang="en-US" smtClean="0"/>
+              <a:t>5/5/14</a:t>
+            </a:fld>
+            <a:endParaRPr lang="en-US"/>
+          </a:p>
+        </p:txBody>
+      </p:sp>
+      <p:sp>
+        <p:nvSpPr>
+          <p:cNvPr id="5" name="Footer Placeholder 4"/>
+          <p:cNvSpPr>
+            <a:spLocks noGrp="1"/>
+          </p:cNvSpPr>
+          <p:nvPr>
+            <p:ph type="ftr" sz="quarter" idx="11"/>
+          </p:nvPr>
+        </p:nvSpPr>
+        <p:spPr/>
+        <p:txBody>
+          <a:bodyPr/>
+          <a:lstStyle/>
+          <a:p>
+            <a:endParaRPr lang="en-US"/>
+          </a:p>
+        </p:txBody>
+      </p:sp>
+      <p:sp>
+        <p:nvSpPr>
+          <p:cNvPr id="6" name="Slide Number Placeholder 5"/>
+          <p:cNvSpPr>
+            <a:spLocks noGrp="1"/>
+          </p:cNvSpPr>
+          <p:nvPr>
+            <p:ph type="sldNum" sz="quarter" idx="12"/>
+          </p:nvPr>
+        </p:nvSpPr>
+        <p:spPr/>
+        <p:txBody>
+          <a:bodyPr/>
+          <a:lstStyle/>
+          <a:p>
+            <a:fld id="{6661E4F3-BB0A-4D53-9B5E-4C9753BFE76D}" type="slidenum">
+              <a:rPr lang="en-US" smtClean="0"/>
+              <a:t>‹#›</a:t>
+            </a:fld>
+            <a:endParaRPr lang="en-US"/>
+          </a:p>
+        </p:txBody>
+      </p:sp>
+      <p:sp>
+        <p:nvSpPr>
+          <p:cNvPr id="9" name="TextBox 8"/>
+          <p:cNvSpPr txBox="1"/>
+          <p:nvPr/>
+        </p:nvSpPr>
+        <p:spPr>
+          <a:xfrm>
+            <a:off x="223185" y="228600"/>
+            <a:ext cx="260909" cy="553998"/>
+          </a:xfrm>
+          <a:prstGeom prst="rect">
+            <a:avLst/>
+          </a:prstGeom>
+          <a:noFill/>
+        </p:spPr>
+        <p:txBody>
+          <a:bodyPr wrap="square" lIns="0" tIns="0" rIns="0" bIns="0" rtlCol="0">
+            <a:spAutoFit/>
+          </a:bodyPr>
+          <a:lstStyle/>
+          <a:p>
+            <a:r>
+              <a:rPr sz="3600" b="1">
+                <a:solidFill>
+                  <a:schemeClr val="accent1">
+                    <a:lumMod val="60000"/>
+                    <a:lumOff val="40000"/>
+                  </a:schemeClr>
+                </a:solidFill>
+              </a:rPr>
+              <a:t>+</a:t>
+            </a:r>
+          </a:p>
+        </p:txBody>
+      </p:sp>
+      <p:sp>
+        <p:nvSpPr>
+          <p:cNvPr id="10" name="Rectangle 9"/>
+          <p:cNvSpPr/>
+          <p:nvPr/>
+        </p:nvSpPr>
+        <p:spPr>
+          <a:xfrm>
+            <a:off x="8068235" y="282574"/>
+            <a:ext cx="91440" cy="1600200"/>
+          </a:xfrm>
+          <a:prstGeom prst="rect">
+            <a:avLst/>
+          </a:prstGeom>
+          <a:solidFill>
+            <a:schemeClr val="accent3"/>
+          </a:solidFill>
+          <a:ln>
+            <a:noFill/>
+          </a:ln>
+        </p:spPr>
+        <p:style>
+          <a:lnRef idx="2">
+            <a:schemeClr val="accent1">
+              <a:shade val="50000"/>
+            </a:schemeClr>
+          </a:lnRef>
+          <a:fillRef idx="1">
+            <a:schemeClr val="accent1"/>
+          </a:fillRef>
+          <a:effectRef idx="0">
+            <a:schemeClr val="accent1"/>
+          </a:effectRef>
+          <a:fontRef idx="minor">
+            <a:schemeClr val="lt1"/>
+          </a:fontRef>
+        </p:style>
+        <p:txBody>
+          <a:bodyPr rtlCol="0" anchor="ctr"/>
+          <a:lstStyle/>
+          <a:p>
+            <a:pPr algn="ctr"/>
+            <a:endParaRPr/>
+          </a:p>
+        </p:txBody>
+      </p:sp>
+    </p:spTree>
+  </p:cSld>
+  <p:clrMapOvr>
+    <a:masterClrMapping/>
+  </p:clrMapOvr>
+</p:sldLayout>
+</file>
+
+<file path=ppt/slideLayouts/slideLayout20.xml><?xml version="1.0" encoding="utf-8"?>
+<p:sldLayout xmlns:a="http://schemas.openxmlformats.org/drawingml/2006/main" xmlns:r="http://schemas.openxmlformats.org/officeDocument/2006/relationships" xmlns:p="http://schemas.openxmlformats.org/presentationml/2006/main" preserve="1">
   <p:cSld name="Vertical Title and Text">
     <p:spTree>
       <p:nvGrpSpPr>
@@ -534,6 +4494,52 @@
       </p:grpSpPr>
       <p:sp>
         <p:nvSpPr>
+          <p:cNvPr id="10" name="Rectangle 9"/>
+          <p:cNvSpPr/>
+          <p:nvPr/>
+        </p:nvSpPr>
+        <p:spPr>
+          <a:xfrm>
+            <a:off x="8166847" y="282573"/>
+            <a:ext cx="685800" cy="302217"/>
+          </a:xfrm>
+          <a:prstGeom prst="rect">
+            <a:avLst/>
+          </a:prstGeom>
+          <a:solidFill>
+            <a:schemeClr val="accent1"/>
+          </a:solidFill>
+          <a:ln>
+            <a:noFill/>
+          </a:ln>
+        </p:spPr>
+        <p:style>
+          <a:lnRef idx="2">
+            <a:schemeClr val="accent1">
+              <a:shade val="50000"/>
+            </a:schemeClr>
+          </a:lnRef>
+          <a:fillRef idx="1">
+            <a:schemeClr val="accent1"/>
+          </a:fillRef>
+          <a:effectRef idx="0">
+            <a:schemeClr val="accent1"/>
+          </a:effectRef>
+          <a:fontRef idx="minor">
+            <a:schemeClr val="lt1"/>
+          </a:fontRef>
+        </p:style>
+        <p:txBody>
+          <a:bodyPr rtlCol="0" anchor="ctr"/>
+          <a:lstStyle/>
+          <a:p>
+            <a:pPr algn="ctr"/>
+            <a:endParaRPr/>
+          </a:p>
+        </p:txBody>
+      </p:sp>
+      <p:sp>
+        <p:nvSpPr>
           <p:cNvPr id="2" name="Vertical Title 1"/>
           <p:cNvSpPr>
             <a:spLocks noGrp="1"/>
@@ -544,41 +4550,45 @@
         </p:nvSpPr>
         <p:spPr>
           <a:xfrm>
-            <a:off x="6629400" y="274638"/>
-            <a:ext cx="2057400" cy="5851525"/>
+            <a:off x="7995772" y="954742"/>
+            <a:ext cx="681318" cy="5171422"/>
+          </a:xfrm>
+        </p:spPr>
+        <p:txBody>
+          <a:bodyPr vert="eaVert" anchor="t" anchorCtr="0"/>
+          <a:lstStyle/>
+          <a:p>
+            <a:r>
+              <a:rPr lang="en-US" smtClean="0"/>
+              <a:t>Click to edit Master title style</a:t>
+            </a:r>
+            <a:endParaRPr/>
+          </a:p>
+        </p:txBody>
+      </p:sp>
+      <p:sp>
+        <p:nvSpPr>
+          <p:cNvPr id="3" name="Vertical Text Placeholder 2"/>
+          <p:cNvSpPr>
+            <a:spLocks noGrp="1"/>
+          </p:cNvSpPr>
+          <p:nvPr>
+            <p:ph type="body" orient="vert" idx="1"/>
+          </p:nvPr>
+        </p:nvSpPr>
+        <p:spPr>
+          <a:xfrm>
+            <a:off x="457200" y="958756"/>
+            <a:ext cx="6858000" cy="5184869"/>
           </a:xfrm>
         </p:spPr>
         <p:txBody>
           <a:bodyPr vert="eaVert"/>
-          <a:lstStyle/>
-          <a:p>
-            <a:r>
-              <a:rPr lang="en-US" smtClean="0"/>
-              <a:t>Click to edit Master title style</a:t>
-            </a:r>
-            <a:endParaRPr lang="en-US"/>
-          </a:p>
-        </p:txBody>
-      </p:sp>
-      <p:sp>
-        <p:nvSpPr>
-          <p:cNvPr id="3" name="Vertical Text Placeholder 2"/>
-          <p:cNvSpPr>
-            <a:spLocks noGrp="1"/>
-          </p:cNvSpPr>
-          <p:nvPr>
-            <p:ph type="body" orient="vert" idx="1"/>
-          </p:nvPr>
-        </p:nvSpPr>
-        <p:spPr>
-          <a:xfrm>
-            <a:off x="457200" y="274638"/>
-            <a:ext cx="6019800" cy="5851525"/>
-          </a:xfrm>
-        </p:spPr>
-        <p:txBody>
-          <a:bodyPr vert="eaVert"/>
-          <a:lstStyle/>
+          <a:lstStyle>
+            <a:lvl5pPr>
+              <a:defRPr/>
+            </a:lvl5pPr>
+          </a:lstStyle>
           <a:p>
             <a:pPr lvl="0"/>
             <a:r>
@@ -613,7 +4623,7 @@
               <a:rPr lang="en-US" smtClean="0"/>
               <a:t>Fifth level</a:t>
             </a:r>
-            <a:endParaRPr lang="en-US"/>
+            <a:endParaRPr dirty="0"/>
           </a:p>
         </p:txBody>
       </p:sp>
@@ -634,7 +4644,7 @@
           <a:p>
             <a:fld id="{693979EF-4621-4273-AF5F-DF6C03C4E4E7}" type="datetimeFigureOut">
               <a:rPr lang="en-US" smtClean="0"/>
-              <a:t>5/4/2014</a:t>
+              <a:t>5/5/14</a:t>
             </a:fld>
             <a:endParaRPr lang="en-US"/>
           </a:p>
@@ -679,6 +4689,42 @@
               <a:t>‹#›</a:t>
             </a:fld>
             <a:endParaRPr lang="en-US"/>
+          </a:p>
+        </p:txBody>
+      </p:sp>
+      <p:sp>
+        <p:nvSpPr>
+          <p:cNvPr id="9" name="TextBox 8"/>
+          <p:cNvSpPr txBox="1"/>
+          <p:nvPr/>
+        </p:nvSpPr>
+        <p:spPr>
+          <a:xfrm rot="16200000">
+            <a:off x="8593111" y="561668"/>
+            <a:ext cx="260909" cy="553998"/>
+          </a:xfrm>
+          <a:prstGeom prst="rect">
+            <a:avLst/>
+          </a:prstGeom>
+          <a:noFill/>
+        </p:spPr>
+        <p:txBody>
+          <a:bodyPr wrap="square" lIns="0" tIns="0" rIns="0" bIns="0" rtlCol="0">
+            <a:spAutoFit/>
+          </a:bodyPr>
+          <a:lstStyle/>
+          <a:p>
+            <a:r>
+              <a:rPr sz="3600" b="1">
+                <a:solidFill>
+                  <a:schemeClr val="accent1">
+                    <a:lumMod val="60000"/>
+                    <a:lumOff val="40000"/>
+                  </a:schemeClr>
+                </a:solidFill>
+              </a:rPr>
+              <a:t>+</a:t>
+            </a:r>
           </a:p>
         </p:txBody>
       </p:sp>
@@ -690,9 +4736,9 @@
 </p:sldLayout>
 </file>
 
-<file path=ppt/slideLayouts/slideLayout2.xml><?xml version="1.0" encoding="utf-8"?>
-<p:sldLayout xmlns:a="http://schemas.openxmlformats.org/drawingml/2006/main" xmlns:r="http://schemas.openxmlformats.org/officeDocument/2006/relationships" xmlns:p="http://schemas.openxmlformats.org/presentationml/2006/main" type="obj" preserve="1">
-  <p:cSld name="Title and Content">
+<file path=ppt/slideLayouts/slideLayout3.xml><?xml version="1.0" encoding="utf-8"?>
+<p:sldLayout xmlns:a="http://schemas.openxmlformats.org/drawingml/2006/main" xmlns:r="http://schemas.openxmlformats.org/officeDocument/2006/relationships" xmlns:p="http://schemas.openxmlformats.org/presentationml/2006/main" preserve="1">
+  <p:cSld name="Title and Content, Alt.">
     <p:spTree>
       <p:nvGrpSpPr>
         <p:cNvPr id="1" name=""/>
@@ -709,6 +4755,52 @@
       </p:grpSpPr>
       <p:sp>
         <p:nvSpPr>
+          <p:cNvPr id="7" name="Rectangle 6"/>
+          <p:cNvSpPr/>
+          <p:nvPr/>
+        </p:nvSpPr>
+        <p:spPr>
+          <a:xfrm>
+            <a:off x="8166847" y="282574"/>
+            <a:ext cx="685800" cy="1600200"/>
+          </a:xfrm>
+          <a:prstGeom prst="rect">
+            <a:avLst/>
+          </a:prstGeom>
+          <a:solidFill>
+            <a:schemeClr val="accent1"/>
+          </a:solidFill>
+          <a:ln>
+            <a:noFill/>
+          </a:ln>
+        </p:spPr>
+        <p:style>
+          <a:lnRef idx="2">
+            <a:schemeClr val="accent1">
+              <a:shade val="50000"/>
+            </a:schemeClr>
+          </a:lnRef>
+          <a:fillRef idx="1">
+            <a:schemeClr val="accent1"/>
+          </a:fillRef>
+          <a:effectRef idx="0">
+            <a:schemeClr val="accent1"/>
+          </a:effectRef>
+          <a:fontRef idx="minor">
+            <a:schemeClr val="lt1"/>
+          </a:fontRef>
+        </p:style>
+        <p:txBody>
+          <a:bodyPr rtlCol="0" anchor="ctr"/>
+          <a:lstStyle/>
+          <a:p>
+            <a:pPr algn="ctr"/>
+            <a:endParaRPr/>
+          </a:p>
+        </p:txBody>
+      </p:sp>
+      <p:sp>
+        <p:nvSpPr>
           <p:cNvPr id="2" name="Title 1"/>
           <p:cNvSpPr>
             <a:spLocks noGrp="1"/>
@@ -717,27 +4809,88 @@
             <p:ph type="title"/>
           </p:nvPr>
         </p:nvSpPr>
+        <p:spPr>
+          <a:xfrm>
+            <a:off x="498474" y="134471"/>
+            <a:ext cx="7556313" cy="995082"/>
+          </a:xfrm>
+        </p:spPr>
+        <p:txBody>
+          <a:bodyPr anchor="b" anchorCtr="0"/>
+          <a:lstStyle/>
+          <a:p>
+            <a:r>
+              <a:rPr lang="en-US" smtClean="0"/>
+              <a:t>Click to edit Master title style</a:t>
+            </a:r>
+            <a:endParaRPr/>
+          </a:p>
+        </p:txBody>
+      </p:sp>
+      <p:sp>
+        <p:nvSpPr>
+          <p:cNvPr id="3" name="Content Placeholder 2"/>
+          <p:cNvSpPr>
+            <a:spLocks noGrp="1"/>
+          </p:cNvSpPr>
+          <p:nvPr>
+            <p:ph idx="1"/>
+          </p:nvPr>
+        </p:nvSpPr>
         <p:spPr/>
         <p:txBody>
           <a:bodyPr/>
-          <a:lstStyle/>
-          <a:p>
-            <a:r>
-              <a:rPr lang="en-US" smtClean="0"/>
-              <a:t>Click to edit Master title style</a:t>
-            </a:r>
-            <a:endParaRPr lang="en-US"/>
-          </a:p>
-        </p:txBody>
-      </p:sp>
-      <p:sp>
-        <p:nvSpPr>
-          <p:cNvPr id="3" name="Content Placeholder 2"/>
-          <p:cNvSpPr>
-            <a:spLocks noGrp="1"/>
-          </p:cNvSpPr>
-          <p:nvPr>
-            <p:ph idx="1"/>
+          <a:lstStyle>
+            <a:lvl5pPr>
+              <a:defRPr/>
+            </a:lvl5pPr>
+          </a:lstStyle>
+          <a:p>
+            <a:pPr lvl="0"/>
+            <a:r>
+              <a:rPr lang="en-US" smtClean="0"/>
+              <a:t>Click to edit Master text styles</a:t>
+            </a:r>
+          </a:p>
+          <a:p>
+            <a:pPr lvl="1"/>
+            <a:r>
+              <a:rPr lang="en-US" smtClean="0"/>
+              <a:t>Second level</a:t>
+            </a:r>
+          </a:p>
+          <a:p>
+            <a:pPr lvl="2"/>
+            <a:r>
+              <a:rPr lang="en-US" smtClean="0"/>
+              <a:t>Third level</a:t>
+            </a:r>
+          </a:p>
+          <a:p>
+            <a:pPr lvl="3"/>
+            <a:r>
+              <a:rPr lang="en-US" smtClean="0"/>
+              <a:t>Fourth level</a:t>
+            </a:r>
+          </a:p>
+          <a:p>
+            <a:pPr lvl="4"/>
+            <a:r>
+              <a:rPr lang="en-US" smtClean="0"/>
+              <a:t>Fifth level</a:t>
+            </a:r>
+            <a:endParaRPr dirty="0"/>
+          </a:p>
+        </p:txBody>
+      </p:sp>
+      <p:sp>
+        <p:nvSpPr>
+          <p:cNvPr id="4" name="Date Placeholder 3"/>
+          <p:cNvSpPr>
+            <a:spLocks noGrp="1"/>
+          </p:cNvSpPr>
+          <p:nvPr>
+            <p:ph type="dt" sz="half" idx="10"/>
           </p:nvPr>
         </p:nvSpPr>
         <p:spPr/>
@@ -745,61 +4898,9 @@
           <a:bodyPr/>
           <a:lstStyle/>
           <a:p>
-            <a:pPr lvl="0"/>
-            <a:r>
-              <a:rPr lang="en-US" smtClean="0"/>
-              <a:t>Click to edit Master text styles</a:t>
-            </a:r>
-          </a:p>
-          <a:p>
-            <a:pPr lvl="1"/>
-            <a:r>
-              <a:rPr lang="en-US" smtClean="0"/>
-              <a:t>Second level</a:t>
-            </a:r>
-          </a:p>
-          <a:p>
-            <a:pPr lvl="2"/>
-            <a:r>
-              <a:rPr lang="en-US" smtClean="0"/>
-              <a:t>Third level</a:t>
-            </a:r>
-          </a:p>
-          <a:p>
-            <a:pPr lvl="3"/>
-            <a:r>
-              <a:rPr lang="en-US" smtClean="0"/>
-              <a:t>Fourth level</a:t>
-            </a:r>
-          </a:p>
-          <a:p>
-            <a:pPr lvl="4"/>
-            <a:r>
-              <a:rPr lang="en-US" smtClean="0"/>
-              <a:t>Fifth level</a:t>
-            </a:r>
-            <a:endParaRPr lang="en-US"/>
-          </a:p>
-        </p:txBody>
-      </p:sp>
-      <p:sp>
-        <p:nvSpPr>
-          <p:cNvPr id="4" name="Date Placeholder 3"/>
-          <p:cNvSpPr>
-            <a:spLocks noGrp="1"/>
-          </p:cNvSpPr>
-          <p:nvPr>
-            <p:ph type="dt" sz="half" idx="10"/>
-          </p:nvPr>
-        </p:nvSpPr>
-        <p:spPr/>
-        <p:txBody>
-          <a:bodyPr/>
-          <a:lstStyle/>
-          <a:p>
             <a:fld id="{693979EF-4621-4273-AF5F-DF6C03C4E4E7}" type="datetimeFigureOut">
               <a:rPr lang="en-US" smtClean="0"/>
-              <a:t>5/4/2014</a:t>
+              <a:t>5/5/14</a:t>
             </a:fld>
             <a:endParaRPr lang="en-US"/>
           </a:p>
@@ -844,6 +4945,138 @@
               <a:t>‹#›</a:t>
             </a:fld>
             <a:endParaRPr lang="en-US"/>
+          </a:p>
+        </p:txBody>
+      </p:sp>
+      <p:sp>
+        <p:nvSpPr>
+          <p:cNvPr id="9" name="TextBox 8"/>
+          <p:cNvSpPr txBox="1"/>
+          <p:nvPr/>
+        </p:nvSpPr>
+        <p:spPr>
+          <a:xfrm>
+            <a:off x="223185" y="228600"/>
+            <a:ext cx="260909" cy="553998"/>
+          </a:xfrm>
+          <a:prstGeom prst="rect">
+            <a:avLst/>
+          </a:prstGeom>
+          <a:noFill/>
+        </p:spPr>
+        <p:txBody>
+          <a:bodyPr wrap="square" lIns="0" tIns="0" rIns="0" bIns="0" rtlCol="0">
+            <a:spAutoFit/>
+          </a:bodyPr>
+          <a:lstStyle/>
+          <a:p>
+            <a:r>
+              <a:rPr sz="3600" b="1">
+                <a:solidFill>
+                  <a:schemeClr val="accent1">
+                    <a:lumMod val="60000"/>
+                    <a:lumOff val="40000"/>
+                  </a:schemeClr>
+                </a:solidFill>
+              </a:rPr>
+              <a:t>+</a:t>
+            </a:r>
+          </a:p>
+        </p:txBody>
+      </p:sp>
+      <p:sp>
+        <p:nvSpPr>
+          <p:cNvPr id="10" name="Text Placeholder 3"/>
+          <p:cNvSpPr>
+            <a:spLocks noGrp="1"/>
+          </p:cNvSpPr>
+          <p:nvPr>
+            <p:ph type="body" sz="half" idx="2"/>
+          </p:nvPr>
+        </p:nvSpPr>
+        <p:spPr>
+          <a:xfrm>
+            <a:off x="498518" y="1129553"/>
+            <a:ext cx="7558960" cy="774700"/>
+          </a:xfrm>
+        </p:spPr>
+        <p:txBody>
+          <a:bodyPr vert="horz" lIns="91440" tIns="45720" rIns="91440" bIns="45720" rtlCol="0" anchor="t" anchorCtr="0">
+            <a:noAutofit/>
+          </a:bodyPr>
+          <a:lstStyle>
+            <a:lvl1pPr marL="0" indent="0">
+              <a:buNone/>
+              <a:defRPr kumimoji="0" sz="2400" b="0" i="0" u="none" strike="noStrike" kern="1200" cap="none" spc="0" normalizeH="0" baseline="0">
+                <a:ln>
+                  <a:noFill/>
+                </a:ln>
+                <a:solidFill>
+                  <a:schemeClr val="accent3"/>
+                </a:solidFill>
+                <a:effectLst/>
+                <a:uLnTx/>
+                <a:uFillTx/>
+                <a:latin typeface="+mj-lt"/>
+                <a:ea typeface="+mj-ea"/>
+                <a:cs typeface="+mj-cs"/>
+              </a:defRPr>
+            </a:lvl1pPr>
+            <a:lvl2pPr marL="457200" indent="0">
+              <a:buNone/>
+              <a:defRPr sz="1200"/>
+            </a:lvl2pPr>
+            <a:lvl3pPr marL="914400" indent="0">
+              <a:buNone/>
+              <a:defRPr sz="1000"/>
+            </a:lvl3pPr>
+            <a:lvl4pPr marL="1371600" indent="0">
+              <a:buNone/>
+              <a:defRPr sz="900"/>
+            </a:lvl4pPr>
+            <a:lvl5pPr marL="1828800" indent="0">
+              <a:buNone/>
+              <a:defRPr sz="900"/>
+            </a:lvl5pPr>
+            <a:lvl6pPr marL="2286000" indent="0">
+              <a:buNone/>
+              <a:defRPr sz="900"/>
+            </a:lvl6pPr>
+            <a:lvl7pPr marL="2743200" indent="0">
+              <a:buNone/>
+              <a:defRPr sz="900"/>
+            </a:lvl7pPr>
+            <a:lvl8pPr marL="3200400" indent="0">
+              <a:buNone/>
+              <a:defRPr sz="900"/>
+            </a:lvl8pPr>
+            <a:lvl9pPr marL="3657600" indent="0">
+              <a:buNone/>
+              <a:defRPr sz="900"/>
+            </a:lvl9pPr>
+          </a:lstStyle>
+          <a:p>
+            <a:pPr marL="0" marR="0" lvl="0" indent="0" algn="l" defTabSz="914400" rtl="0" eaLnBrk="1" fontAlgn="auto" latinLnBrk="0" hangingPunct="1">
+              <a:lnSpc>
+                <a:spcPct val="100000"/>
+              </a:lnSpc>
+              <a:spcBef>
+                <a:spcPct val="0"/>
+              </a:spcBef>
+              <a:spcAft>
+                <a:spcPts val="0"/>
+              </a:spcAft>
+              <a:buClrTx/>
+              <a:buSzTx/>
+              <a:buFontTx/>
+              <a:buNone/>
+              <a:tabLst/>
+              <a:defRPr/>
+            </a:pPr>
+            <a:r>
+              <a:rPr lang="en-US" smtClean="0"/>
+              <a:t>Click to edit Master text styles</a:t>
+            </a:r>
           </a:p>
         </p:txBody>
       </p:sp>
@@ -855,7 +5088,544 @@
 </p:sldLayout>
 </file>
 
-<file path=ppt/slideLayouts/slideLayout3.xml><?xml version="1.0" encoding="utf-8"?>
+<file path=ppt/slideLayouts/slideLayout4.xml><?xml version="1.0" encoding="utf-8"?>
+<p:sldLayout xmlns:a="http://schemas.openxmlformats.org/drawingml/2006/main" xmlns:r="http://schemas.openxmlformats.org/officeDocument/2006/relationships" xmlns:p="http://schemas.openxmlformats.org/presentationml/2006/main" preserve="1">
+  <p:cSld name="Title Slide with 2 Pictures">
+    <p:spTree>
+      <p:nvGrpSpPr>
+        <p:cNvPr id="1" name=""/>
+        <p:cNvGrpSpPr/>
+        <p:nvPr/>
+      </p:nvGrpSpPr>
+      <p:grpSpPr>
+        <a:xfrm>
+          <a:off x="0" y="0"/>
+          <a:ext cx="0" cy="0"/>
+          <a:chOff x="0" y="0"/>
+          <a:chExt cx="0" cy="0"/>
+        </a:xfrm>
+      </p:grpSpPr>
+      <p:sp>
+        <p:nvSpPr>
+          <p:cNvPr id="2" name="Title 1"/>
+          <p:cNvSpPr>
+            <a:spLocks noGrp="1"/>
+          </p:cNvSpPr>
+          <p:nvPr>
+            <p:ph type="ctrTitle"/>
+          </p:nvPr>
+        </p:nvSpPr>
+        <p:spPr>
+          <a:xfrm>
+            <a:off x="4800600" y="4624668"/>
+            <a:ext cx="4038600" cy="933450"/>
+          </a:xfrm>
+        </p:spPr>
+        <p:txBody>
+          <a:bodyPr>
+            <a:normAutofit/>
+          </a:bodyPr>
+          <a:lstStyle>
+            <a:lvl1pPr>
+              <a:defRPr sz="2800"/>
+            </a:lvl1pPr>
+          </a:lstStyle>
+          <a:p>
+            <a:r>
+              <a:rPr lang="en-US" smtClean="0"/>
+              <a:t>Click to edit Master title style</a:t>
+            </a:r>
+            <a:endParaRPr/>
+          </a:p>
+        </p:txBody>
+      </p:sp>
+      <p:sp>
+        <p:nvSpPr>
+          <p:cNvPr id="3" name="Subtitle 2"/>
+          <p:cNvSpPr>
+            <a:spLocks noGrp="1"/>
+          </p:cNvSpPr>
+          <p:nvPr>
+            <p:ph type="subTitle" idx="1"/>
+          </p:nvPr>
+        </p:nvSpPr>
+        <p:spPr>
+          <a:xfrm>
+            <a:off x="4800600" y="5562599"/>
+            <a:ext cx="4038600" cy="748553"/>
+          </a:xfrm>
+        </p:spPr>
+        <p:txBody>
+          <a:bodyPr>
+            <a:normAutofit/>
+          </a:bodyPr>
+          <a:lstStyle>
+            <a:lvl1pPr marL="0" indent="0" algn="l">
+              <a:spcBef>
+                <a:spcPts val="300"/>
+              </a:spcBef>
+              <a:buNone/>
+              <a:defRPr sz="1400">
+                <a:solidFill>
+                  <a:schemeClr val="tx1">
+                    <a:tint val="75000"/>
+                  </a:schemeClr>
+                </a:solidFill>
+              </a:defRPr>
+            </a:lvl1pPr>
+            <a:lvl2pPr marL="457200" indent="0" algn="ctr">
+              <a:buNone/>
+              <a:defRPr>
+                <a:solidFill>
+                  <a:schemeClr val="tx1">
+                    <a:tint val="75000"/>
+                  </a:schemeClr>
+                </a:solidFill>
+              </a:defRPr>
+            </a:lvl2pPr>
+            <a:lvl3pPr marL="914400" indent="0" algn="ctr">
+              <a:buNone/>
+              <a:defRPr>
+                <a:solidFill>
+                  <a:schemeClr val="tx1">
+                    <a:tint val="75000"/>
+                  </a:schemeClr>
+                </a:solidFill>
+              </a:defRPr>
+            </a:lvl3pPr>
+            <a:lvl4pPr marL="1371600" indent="0" algn="ctr">
+              <a:buNone/>
+              <a:defRPr>
+                <a:solidFill>
+                  <a:schemeClr val="tx1">
+                    <a:tint val="75000"/>
+                  </a:schemeClr>
+                </a:solidFill>
+              </a:defRPr>
+            </a:lvl4pPr>
+            <a:lvl5pPr marL="1828800" indent="0" algn="ctr">
+              <a:buNone/>
+              <a:defRPr>
+                <a:solidFill>
+                  <a:schemeClr val="tx1">
+                    <a:tint val="75000"/>
+                  </a:schemeClr>
+                </a:solidFill>
+              </a:defRPr>
+            </a:lvl5pPr>
+            <a:lvl6pPr marL="2286000" indent="0" algn="ctr">
+              <a:buNone/>
+              <a:defRPr>
+                <a:solidFill>
+                  <a:schemeClr val="tx1">
+                    <a:tint val="75000"/>
+                  </a:schemeClr>
+                </a:solidFill>
+              </a:defRPr>
+            </a:lvl6pPr>
+            <a:lvl7pPr marL="2743200" indent="0" algn="ctr">
+              <a:buNone/>
+              <a:defRPr>
+                <a:solidFill>
+                  <a:schemeClr val="tx1">
+                    <a:tint val="75000"/>
+                  </a:schemeClr>
+                </a:solidFill>
+              </a:defRPr>
+            </a:lvl7pPr>
+            <a:lvl8pPr marL="3200400" indent="0" algn="ctr">
+              <a:buNone/>
+              <a:defRPr>
+                <a:solidFill>
+                  <a:schemeClr val="tx1">
+                    <a:tint val="75000"/>
+                  </a:schemeClr>
+                </a:solidFill>
+              </a:defRPr>
+            </a:lvl8pPr>
+            <a:lvl9pPr marL="3657600" indent="0" algn="ctr">
+              <a:buNone/>
+              <a:defRPr>
+                <a:solidFill>
+                  <a:schemeClr val="tx1">
+                    <a:tint val="75000"/>
+                  </a:schemeClr>
+                </a:solidFill>
+              </a:defRPr>
+            </a:lvl9pPr>
+          </a:lstStyle>
+          <a:p>
+            <a:r>
+              <a:rPr lang="en-US" smtClean="0"/>
+              <a:t>Click to edit Master subtitle style</a:t>
+            </a:r>
+            <a:endParaRPr dirty="0"/>
+          </a:p>
+        </p:txBody>
+      </p:sp>
+      <p:sp>
+        <p:nvSpPr>
+          <p:cNvPr id="4" name="Date Placeholder 3"/>
+          <p:cNvSpPr>
+            <a:spLocks noGrp="1"/>
+          </p:cNvSpPr>
+          <p:nvPr>
+            <p:ph type="dt" sz="half" idx="10"/>
+          </p:nvPr>
+        </p:nvSpPr>
+        <p:spPr>
+          <a:xfrm>
+            <a:off x="4800600" y="6425640"/>
+            <a:ext cx="1232647" cy="365125"/>
+          </a:xfrm>
+        </p:spPr>
+        <p:txBody>
+          <a:bodyPr/>
+          <a:lstStyle>
+            <a:lvl1pPr algn="l">
+              <a:defRPr/>
+            </a:lvl1pPr>
+          </a:lstStyle>
+          <a:p>
+            <a:fld id="{693979EF-4621-4273-AF5F-DF6C03C4E4E7}" type="datetimeFigureOut">
+              <a:rPr lang="en-US" smtClean="0"/>
+              <a:t>5/5/14</a:t>
+            </a:fld>
+            <a:endParaRPr lang="en-US"/>
+          </a:p>
+        </p:txBody>
+      </p:sp>
+      <p:sp>
+        <p:nvSpPr>
+          <p:cNvPr id="5" name="Footer Placeholder 4"/>
+          <p:cNvSpPr>
+            <a:spLocks noGrp="1"/>
+          </p:cNvSpPr>
+          <p:nvPr>
+            <p:ph type="ftr" sz="quarter" idx="11"/>
+          </p:nvPr>
+        </p:nvSpPr>
+        <p:spPr>
+          <a:xfrm>
+            <a:off x="6311153" y="6425640"/>
+            <a:ext cx="2617694" cy="365125"/>
+          </a:xfrm>
+        </p:spPr>
+        <p:txBody>
+          <a:bodyPr/>
+          <a:lstStyle>
+            <a:lvl1pPr algn="r">
+              <a:defRPr/>
+            </a:lvl1pPr>
+          </a:lstStyle>
+          <a:p>
+            <a:endParaRPr lang="en-US"/>
+          </a:p>
+        </p:txBody>
+      </p:sp>
+      <p:sp>
+        <p:nvSpPr>
+          <p:cNvPr id="7" name="Rectangle 6"/>
+          <p:cNvSpPr/>
+          <p:nvPr/>
+        </p:nvSpPr>
+        <p:spPr>
+          <a:xfrm>
+            <a:off x="282575" y="228600"/>
+            <a:ext cx="4235450" cy="4187952"/>
+          </a:xfrm>
+          <a:prstGeom prst="rect">
+            <a:avLst/>
+          </a:prstGeom>
+          <a:solidFill>
+            <a:schemeClr val="accent1"/>
+          </a:solidFill>
+          <a:ln>
+            <a:noFill/>
+          </a:ln>
+        </p:spPr>
+        <p:style>
+          <a:lnRef idx="2">
+            <a:schemeClr val="accent1">
+              <a:shade val="50000"/>
+            </a:schemeClr>
+          </a:lnRef>
+          <a:fillRef idx="1">
+            <a:schemeClr val="accent1"/>
+          </a:fillRef>
+          <a:effectRef idx="0">
+            <a:schemeClr val="accent1"/>
+          </a:effectRef>
+          <a:fontRef idx="minor">
+            <a:schemeClr val="lt1"/>
+          </a:fontRef>
+        </p:style>
+        <p:txBody>
+          <a:bodyPr rtlCol="0" anchor="ctr"/>
+          <a:lstStyle/>
+          <a:p>
+            <a:pPr algn="ctr"/>
+            <a:endParaRPr/>
+          </a:p>
+        </p:txBody>
+      </p:sp>
+      <p:sp>
+        <p:nvSpPr>
+          <p:cNvPr id="8" name="Rectangle 7"/>
+          <p:cNvSpPr/>
+          <p:nvPr/>
+        </p:nvSpPr>
+        <p:spPr>
+          <a:xfrm>
+            <a:off x="6802438" y="228600"/>
+            <a:ext cx="2057400" cy="2039112"/>
+          </a:xfrm>
+          <a:prstGeom prst="rect">
+            <a:avLst/>
+          </a:prstGeom>
+          <a:solidFill>
+            <a:schemeClr val="accent3"/>
+          </a:solidFill>
+          <a:ln>
+            <a:noFill/>
+          </a:ln>
+        </p:spPr>
+        <p:style>
+          <a:lnRef idx="2">
+            <a:schemeClr val="accent1">
+              <a:shade val="50000"/>
+            </a:schemeClr>
+          </a:lnRef>
+          <a:fillRef idx="1">
+            <a:schemeClr val="accent1"/>
+          </a:fillRef>
+          <a:effectRef idx="0">
+            <a:schemeClr val="accent1"/>
+          </a:effectRef>
+          <a:fontRef idx="minor">
+            <a:schemeClr val="lt1"/>
+          </a:fontRef>
+        </p:style>
+        <p:txBody>
+          <a:bodyPr rtlCol="0" anchor="ctr"/>
+          <a:lstStyle/>
+          <a:p>
+            <a:pPr algn="ctr"/>
+            <a:endParaRPr/>
+          </a:p>
+        </p:txBody>
+      </p:sp>
+      <p:sp>
+        <p:nvSpPr>
+          <p:cNvPr id="10" name="Rectangle 9"/>
+          <p:cNvSpPr/>
+          <p:nvPr/>
+        </p:nvSpPr>
+        <p:spPr>
+          <a:xfrm>
+            <a:off x="4624388" y="2377440"/>
+            <a:ext cx="2057400" cy="2039112"/>
+          </a:xfrm>
+          <a:prstGeom prst="rect">
+            <a:avLst/>
+          </a:prstGeom>
+          <a:solidFill>
+            <a:schemeClr val="accent4"/>
+          </a:solidFill>
+          <a:ln>
+            <a:noFill/>
+          </a:ln>
+        </p:spPr>
+        <p:style>
+          <a:lnRef idx="2">
+            <a:schemeClr val="accent1">
+              <a:shade val="50000"/>
+            </a:schemeClr>
+          </a:lnRef>
+          <a:fillRef idx="1">
+            <a:schemeClr val="accent1"/>
+          </a:fillRef>
+          <a:effectRef idx="0">
+            <a:schemeClr val="accent1"/>
+          </a:effectRef>
+          <a:fontRef idx="minor">
+            <a:schemeClr val="lt1"/>
+          </a:fontRef>
+        </p:style>
+        <p:txBody>
+          <a:bodyPr rtlCol="0" anchor="ctr"/>
+          <a:lstStyle/>
+          <a:p>
+            <a:pPr algn="ctr"/>
+            <a:endParaRPr/>
+          </a:p>
+        </p:txBody>
+      </p:sp>
+      <p:sp>
+        <p:nvSpPr>
+          <p:cNvPr id="13" name="Picture Placeholder 12"/>
+          <p:cNvSpPr>
+            <a:spLocks noGrp="1"/>
+          </p:cNvSpPr>
+          <p:nvPr>
+            <p:ph type="pic" sz="quarter" idx="12"/>
+          </p:nvPr>
+        </p:nvSpPr>
+        <p:spPr>
+          <a:xfrm>
+            <a:off x="4624388" y="228600"/>
+            <a:ext cx="2057400" cy="2039112"/>
+          </a:xfrm>
+        </p:spPr>
+        <p:txBody>
+          <a:bodyPr/>
+          <a:lstStyle>
+            <a:lvl1pPr>
+              <a:buNone/>
+              <a:defRPr/>
+            </a:lvl1pPr>
+          </a:lstStyle>
+          <a:p>
+            <a:r>
+              <a:rPr lang="en-US" smtClean="0"/>
+              <a:t>Drag picture to placeholder or click icon to add</a:t>
+            </a:r>
+            <a:endParaRPr/>
+          </a:p>
+        </p:txBody>
+      </p:sp>
+      <p:sp>
+        <p:nvSpPr>
+          <p:cNvPr id="14" name="Picture Placeholder 12"/>
+          <p:cNvSpPr>
+            <a:spLocks noGrp="1"/>
+          </p:cNvSpPr>
+          <p:nvPr>
+            <p:ph type="pic" sz="quarter" idx="13"/>
+          </p:nvPr>
+        </p:nvSpPr>
+        <p:spPr>
+          <a:xfrm>
+            <a:off x="6802438" y="2377440"/>
+            <a:ext cx="2057400" cy="2039112"/>
+          </a:xfrm>
+        </p:spPr>
+        <p:txBody>
+          <a:bodyPr/>
+          <a:lstStyle>
+            <a:lvl1pPr>
+              <a:buNone/>
+              <a:defRPr/>
+            </a:lvl1pPr>
+          </a:lstStyle>
+          <a:p>
+            <a:r>
+              <a:rPr lang="en-US" smtClean="0"/>
+              <a:t>Drag picture to placeholder or click icon to add</a:t>
+            </a:r>
+            <a:endParaRPr/>
+          </a:p>
+        </p:txBody>
+      </p:sp>
+      <p:sp>
+        <p:nvSpPr>
+          <p:cNvPr id="16" name="Text Placeholder 3"/>
+          <p:cNvSpPr>
+            <a:spLocks noGrp="1"/>
+          </p:cNvSpPr>
+          <p:nvPr>
+            <p:ph type="body" sz="half" idx="2"/>
+          </p:nvPr>
+        </p:nvSpPr>
+        <p:spPr>
+          <a:xfrm>
+            <a:off x="857250" y="1779494"/>
+            <a:ext cx="3086100" cy="2040905"/>
+          </a:xfrm>
+        </p:spPr>
+        <p:txBody>
+          <a:bodyPr lIns="45720" tIns="45720" rIns="45720" anchor="t">
+            <a:noAutofit/>
+          </a:bodyPr>
+          <a:lstStyle>
+            <a:lvl1pPr marL="0" indent="0" algn="ctr">
+              <a:spcBef>
+                <a:spcPts val="600"/>
+              </a:spcBef>
+              <a:buNone/>
+              <a:defRPr sz="4600">
+                <a:solidFill>
+                  <a:schemeClr val="bg1"/>
+                </a:solidFill>
+              </a:defRPr>
+            </a:lvl1pPr>
+            <a:lvl2pPr>
+              <a:defRPr sz="1200"/>
+            </a:lvl2pPr>
+            <a:lvl3pPr>
+              <a:defRPr sz="1000"/>
+            </a:lvl3pPr>
+            <a:lvl4pPr>
+              <a:defRPr sz="900"/>
+            </a:lvl4pPr>
+            <a:lvl5pPr>
+              <a:defRPr sz="900"/>
+            </a:lvl5pPr>
+          </a:lstStyle>
+          <a:p>
+            <a:pPr lvl="0" eaLnBrk="1" latinLnBrk="0" hangingPunct="1"/>
+            <a:r>
+              <a:rPr kumimoji="0" lang="en-US" smtClean="0"/>
+              <a:t>Click to edit Master text styles</a:t>
+            </a:r>
+          </a:p>
+        </p:txBody>
+      </p:sp>
+      <p:sp>
+        <p:nvSpPr>
+          <p:cNvPr id="15" name="TextBox 14"/>
+          <p:cNvSpPr txBox="1"/>
+          <p:nvPr/>
+        </p:nvSpPr>
+        <p:spPr>
+          <a:xfrm>
+            <a:off x="424891" y="174812"/>
+            <a:ext cx="413309" cy="830997"/>
+          </a:xfrm>
+          <a:prstGeom prst="rect">
+            <a:avLst/>
+          </a:prstGeom>
+          <a:noFill/>
+        </p:spPr>
+        <p:txBody>
+          <a:bodyPr wrap="square" lIns="0" tIns="0" rIns="0" bIns="0" rtlCol="0">
+            <a:spAutoFit/>
+          </a:bodyPr>
+          <a:lstStyle/>
+          <a:p>
+            <a:r>
+              <a:rPr sz="5400" b="1">
+                <a:solidFill>
+                  <a:schemeClr val="accent1">
+                    <a:lumMod val="60000"/>
+                    <a:lumOff val="40000"/>
+                  </a:schemeClr>
+                </a:solidFill>
+              </a:rPr>
+              <a:t>+</a:t>
+            </a:r>
+          </a:p>
+        </p:txBody>
+      </p:sp>
+    </p:spTree>
+  </p:cSld>
+  <p:clrMapOvr>
+    <a:masterClrMapping/>
+  </p:clrMapOvr>
+</p:sldLayout>
+</file>
+
+<file path=ppt/slideLayouts/slideLayout5.xml><?xml version="1.0" encoding="utf-8"?>
 <p:sldLayout xmlns:a="http://schemas.openxmlformats.org/drawingml/2006/main" xmlns:r="http://schemas.openxmlformats.org/officeDocument/2006/relationships" xmlns:p="http://schemas.openxmlformats.org/presentationml/2006/main" type="secHead" preserve="1">
   <p:cSld name="Section Header">
     <p:spTree>
@@ -874,6 +5644,52 @@
       </p:grpSpPr>
       <p:sp>
         <p:nvSpPr>
+          <p:cNvPr id="7" name="Rectangle 6"/>
+          <p:cNvSpPr/>
+          <p:nvPr/>
+        </p:nvSpPr>
+        <p:spPr>
+          <a:xfrm>
+            <a:off x="658907" y="228600"/>
+            <a:ext cx="8200930" cy="6345238"/>
+          </a:xfrm>
+          <a:prstGeom prst="rect">
+            <a:avLst/>
+          </a:prstGeom>
+          <a:solidFill>
+            <a:schemeClr val="accent1"/>
+          </a:solidFill>
+          <a:ln>
+            <a:noFill/>
+          </a:ln>
+        </p:spPr>
+        <p:style>
+          <a:lnRef idx="2">
+            <a:schemeClr val="accent1">
+              <a:shade val="50000"/>
+            </a:schemeClr>
+          </a:lnRef>
+          <a:fillRef idx="1">
+            <a:schemeClr val="accent1"/>
+          </a:fillRef>
+          <a:effectRef idx="0">
+            <a:schemeClr val="accent1"/>
+          </a:effectRef>
+          <a:fontRef idx="minor">
+            <a:schemeClr val="lt1"/>
+          </a:fontRef>
+        </p:style>
+        <p:txBody>
+          <a:bodyPr rtlCol="0" anchor="ctr"/>
+          <a:lstStyle/>
+          <a:p>
+            <a:pPr algn="ctr"/>
+            <a:endParaRPr/>
+          </a:p>
+        </p:txBody>
+      </p:sp>
+      <p:sp>
+        <p:nvSpPr>
           <p:cNvPr id="2" name="Title 1"/>
           <p:cNvSpPr>
             <a:spLocks noGrp="1"/>
@@ -884,15 +5700,21 @@
         </p:nvSpPr>
         <p:spPr>
           <a:xfrm>
-            <a:off x="722313" y="4406900"/>
-            <a:ext cx="7772400" cy="1362075"/>
-          </a:xfrm>
-        </p:spPr>
-        <p:txBody>
-          <a:bodyPr anchor="t"/>
+            <a:off x="2286000" y="3124200"/>
+            <a:ext cx="5638800" cy="1362075"/>
+          </a:xfrm>
+        </p:spPr>
+        <p:txBody>
+          <a:bodyPr anchor="b" anchorCtr="0">
+            <a:normAutofit/>
+          </a:bodyPr>
           <a:lstStyle>
             <a:lvl1pPr algn="l">
-              <a:defRPr sz="4000" b="1" cap="all"/>
+              <a:defRPr sz="3200" b="0" cap="none" baseline="0">
+                <a:solidFill>
+                  <a:schemeClr val="bg1"/>
+                </a:solidFill>
+              </a:defRPr>
             </a:lvl1pPr>
           </a:lstStyle>
           <a:p>
@@ -900,7 +5722,7 @@
               <a:rPr lang="en-US" smtClean="0"/>
               <a:t>Click to edit Master title style</a:t>
             </a:r>
-            <a:endParaRPr lang="en-US"/>
+            <a:endParaRPr/>
           </a:p>
         </p:txBody>
       </p:sp>
@@ -916,20 +5738,23 @@
         </p:nvSpPr>
         <p:spPr>
           <a:xfrm>
-            <a:off x="722313" y="2906713"/>
-            <a:ext cx="7772400" cy="1500187"/>
-          </a:xfrm>
-        </p:spPr>
-        <p:txBody>
-          <a:bodyPr anchor="b"/>
+            <a:off x="2286000" y="4495800"/>
+            <a:ext cx="5638800" cy="1500187"/>
+          </a:xfrm>
+        </p:spPr>
+        <p:txBody>
+          <a:bodyPr anchor="t" anchorCtr="0">
+            <a:normAutofit/>
+          </a:bodyPr>
           <a:lstStyle>
             <a:lvl1pPr marL="0" indent="0">
-              <a:buNone/>
-              <a:defRPr sz="2000">
+              <a:spcBef>
+                <a:spcPts val="300"/>
+              </a:spcBef>
+              <a:buNone/>
+              <a:defRPr sz="1400" cap="none" baseline="0">
                 <a:solidFill>
-                  <a:schemeClr val="tx1">
-                    <a:tint val="75000"/>
-                  </a:schemeClr>
+                  <a:schemeClr val="bg1"/>
                 </a:solidFill>
               </a:defRPr>
             </a:lvl1pPr>
@@ -1033,14 +5858,27 @@
             <p:ph type="dt" sz="half" idx="10"/>
           </p:nvPr>
         </p:nvSpPr>
-        <p:spPr/>
+        <p:spPr>
+          <a:xfrm>
+            <a:off x="658906" y="6248774"/>
+            <a:ext cx="1474694" cy="365125"/>
+          </a:xfrm>
+        </p:spPr>
         <p:txBody>
           <a:bodyPr/>
-          <a:lstStyle/>
+          <a:lstStyle>
+            <a:lvl1pPr algn="l">
+              <a:defRPr>
+                <a:solidFill>
+                  <a:schemeClr val="bg1"/>
+                </a:solidFill>
+              </a:defRPr>
+            </a:lvl1pPr>
+          </a:lstStyle>
           <a:p>
             <a:fld id="{693979EF-4621-4273-AF5F-DF6C03C4E4E7}" type="datetimeFigureOut">
               <a:rPr lang="en-US" smtClean="0"/>
-              <a:t>5/4/2014</a:t>
+              <a:t>5/5/14</a:t>
             </a:fld>
             <a:endParaRPr lang="en-US"/>
           </a:p>
@@ -1056,10 +5894,23 @@
             <p:ph type="ftr" sz="quarter" idx="11"/>
           </p:nvPr>
         </p:nvSpPr>
-        <p:spPr/>
+        <p:spPr>
+          <a:xfrm>
+            <a:off x="2286000" y="6248774"/>
+            <a:ext cx="5638800" cy="365125"/>
+          </a:xfrm>
+        </p:spPr>
         <p:txBody>
           <a:bodyPr/>
-          <a:lstStyle/>
+          <a:lstStyle>
+            <a:lvl1pPr>
+              <a:defRPr>
+                <a:solidFill>
+                  <a:schemeClr val="bg1"/>
+                </a:solidFill>
+              </a:defRPr>
+            </a:lvl1pPr>
+          </a:lstStyle>
           <a:p>
             <a:endParaRPr lang="en-US"/>
           </a:p>
@@ -1075,7 +5926,12 @@
             <p:ph type="sldNum" sz="quarter" idx="12"/>
           </p:nvPr>
         </p:nvSpPr>
-        <p:spPr/>
+        <p:spPr>
+          <a:xfrm>
+            <a:off x="8305800" y="6248774"/>
+            <a:ext cx="554038" cy="365125"/>
+          </a:xfrm>
+        </p:spPr>
         <p:txBody>
           <a:bodyPr/>
           <a:lstStyle/>
@@ -1085,6 +5941,88 @@
               <a:t>‹#›</a:t>
             </a:fld>
             <a:endParaRPr lang="en-US"/>
+          </a:p>
+        </p:txBody>
+      </p:sp>
+      <p:sp>
+        <p:nvSpPr>
+          <p:cNvPr id="8" name="TextBox 7"/>
+          <p:cNvSpPr txBox="1"/>
+          <p:nvPr/>
+        </p:nvSpPr>
+        <p:spPr>
+          <a:xfrm>
+            <a:off x="2003612" y="3110754"/>
+            <a:ext cx="260909" cy="615553"/>
+          </a:xfrm>
+          <a:prstGeom prst="rect">
+            <a:avLst/>
+          </a:prstGeom>
+          <a:noFill/>
+        </p:spPr>
+        <p:txBody>
+          <a:bodyPr wrap="square" lIns="0" tIns="0" rIns="0" bIns="0" rtlCol="0">
+            <a:spAutoFit/>
+          </a:bodyPr>
+          <a:lstStyle/>
+          <a:p>
+            <a:r>
+              <a:rPr sz="4000" b="1">
+                <a:solidFill>
+                  <a:schemeClr val="accent1">
+                    <a:lumMod val="60000"/>
+                    <a:lumOff val="40000"/>
+                  </a:schemeClr>
+                </a:solidFill>
+              </a:rPr>
+              <a:t>+</a:t>
+            </a:r>
+          </a:p>
+        </p:txBody>
+      </p:sp>
+      <p:sp>
+        <p:nvSpPr>
+          <p:cNvPr id="9" name="Rectangle 8"/>
+          <p:cNvSpPr/>
+          <p:nvPr/>
+        </p:nvSpPr>
+        <p:spPr>
+          <a:xfrm>
+            <a:off x="285750" y="228600"/>
+            <a:ext cx="212725" cy="6345238"/>
+          </a:xfrm>
+          <a:prstGeom prst="rect">
+            <a:avLst/>
+          </a:prstGeom>
+          <a:solidFill>
+            <a:schemeClr val="accent4"/>
+          </a:solidFill>
+          <a:ln>
+            <a:noFill/>
+          </a:ln>
+        </p:spPr>
+        <p:style>
+          <a:lnRef idx="2">
+            <a:schemeClr val="accent1">
+              <a:shade val="50000"/>
+            </a:schemeClr>
+          </a:lnRef>
+          <a:fillRef idx="1">
+            <a:schemeClr val="accent1"/>
+          </a:fillRef>
+          <a:effectRef idx="0">
+            <a:schemeClr val="accent1"/>
+          </a:effectRef>
+          <a:fontRef idx="minor">
+            <a:schemeClr val="lt1"/>
+          </a:fontRef>
+        </p:style>
+        <p:txBody>
+          <a:bodyPr rtlCol="0" anchor="ctr"/>
+          <a:lstStyle/>
+          <a:p>
+            <a:pPr algn="ctr"/>
+            <a:endParaRPr/>
           </a:p>
         </p:txBody>
       </p:sp>
@@ -1096,8 +6034,8 @@
 </p:sldLayout>
 </file>
 
-<file path=ppt/slideLayouts/slideLayout4.xml><?xml version="1.0" encoding="utf-8"?>
-<p:sldLayout xmlns:a="http://schemas.openxmlformats.org/drawingml/2006/main" xmlns:r="http://schemas.openxmlformats.org/officeDocument/2006/relationships" xmlns:p="http://schemas.openxmlformats.org/presentationml/2006/main" type="twoObj" preserve="1">
+<file path=ppt/slideLayouts/slideLayout6.xml><?xml version="1.0" encoding="utf-8"?>
+<p:sldLayout xmlns:a="http://schemas.openxmlformats.org/drawingml/2006/main" xmlns:r="http://schemas.openxmlformats.org/officeDocument/2006/relationships" xmlns:p="http://schemas.openxmlformats.org/presentationml/2006/main" preserve="1">
   <p:cSld name="Two Content">
     <p:spTree>
       <p:nvGrpSpPr>
@@ -1115,6 +6053,134 @@
       </p:grpSpPr>
       <p:sp>
         <p:nvSpPr>
+          <p:cNvPr id="11" name="Rectangle 10"/>
+          <p:cNvSpPr/>
+          <p:nvPr/>
+        </p:nvSpPr>
+        <p:spPr>
+          <a:xfrm>
+            <a:off x="8210550" y="282574"/>
+            <a:ext cx="642097" cy="1600200"/>
+          </a:xfrm>
+          <a:prstGeom prst="rect">
+            <a:avLst/>
+          </a:prstGeom>
+          <a:solidFill>
+            <a:schemeClr val="accent1"/>
+          </a:solidFill>
+          <a:ln>
+            <a:noFill/>
+          </a:ln>
+        </p:spPr>
+        <p:style>
+          <a:lnRef idx="2">
+            <a:schemeClr val="accent1">
+              <a:shade val="50000"/>
+            </a:schemeClr>
+          </a:lnRef>
+          <a:fillRef idx="1">
+            <a:schemeClr val="accent1"/>
+          </a:fillRef>
+          <a:effectRef idx="0">
+            <a:schemeClr val="accent1"/>
+          </a:effectRef>
+          <a:fontRef idx="minor">
+            <a:schemeClr val="lt1"/>
+          </a:fontRef>
+        </p:style>
+        <p:txBody>
+          <a:bodyPr rtlCol="0" anchor="ctr"/>
+          <a:lstStyle/>
+          <a:p>
+            <a:pPr algn="ctr"/>
+            <a:endParaRPr/>
+          </a:p>
+        </p:txBody>
+      </p:sp>
+      <p:sp>
+        <p:nvSpPr>
+          <p:cNvPr id="12" name="Rectangle 11"/>
+          <p:cNvSpPr/>
+          <p:nvPr/>
+        </p:nvSpPr>
+        <p:spPr>
+          <a:xfrm>
+            <a:off x="8068235" y="282574"/>
+            <a:ext cx="91440" cy="1600200"/>
+          </a:xfrm>
+          <a:prstGeom prst="rect">
+            <a:avLst/>
+          </a:prstGeom>
+          <a:solidFill>
+            <a:schemeClr val="accent3"/>
+          </a:solidFill>
+          <a:ln>
+            <a:noFill/>
+          </a:ln>
+        </p:spPr>
+        <p:style>
+          <a:lnRef idx="2">
+            <a:schemeClr val="accent1">
+              <a:shade val="50000"/>
+            </a:schemeClr>
+          </a:lnRef>
+          <a:fillRef idx="1">
+            <a:schemeClr val="accent1"/>
+          </a:fillRef>
+          <a:effectRef idx="0">
+            <a:schemeClr val="accent1"/>
+          </a:effectRef>
+          <a:fontRef idx="minor">
+            <a:schemeClr val="lt1"/>
+          </a:fontRef>
+        </p:style>
+        <p:txBody>
+          <a:bodyPr rtlCol="0" anchor="ctr"/>
+          <a:lstStyle/>
+          <a:p>
+            <a:pPr algn="ctr"/>
+            <a:endParaRPr/>
+          </a:p>
+        </p:txBody>
+      </p:sp>
+      <p:sp>
+        <p:nvSpPr>
+          <p:cNvPr id="10" name="TextBox 9"/>
+          <p:cNvSpPr txBox="1"/>
+          <p:nvPr/>
+        </p:nvSpPr>
+        <p:spPr>
+          <a:xfrm>
+            <a:off x="223185" y="228600"/>
+            <a:ext cx="260909" cy="553998"/>
+          </a:xfrm>
+          <a:prstGeom prst="rect">
+            <a:avLst/>
+          </a:prstGeom>
+          <a:noFill/>
+        </p:spPr>
+        <p:txBody>
+          <a:bodyPr wrap="square" lIns="0" tIns="0" rIns="0" bIns="0" rtlCol="0">
+            <a:spAutoFit/>
+          </a:bodyPr>
+          <a:lstStyle/>
+          <a:p>
+            <a:r>
+              <a:rPr sz="3600" b="1">
+                <a:solidFill>
+                  <a:schemeClr val="accent1">
+                    <a:lumMod val="60000"/>
+                    <a:lumOff val="40000"/>
+                  </a:schemeClr>
+                </a:solidFill>
+              </a:rPr>
+              <a:t>+</a:t>
+            </a:r>
+          </a:p>
+        </p:txBody>
+      </p:sp>
+      <p:sp>
+        <p:nvSpPr>
           <p:cNvPr id="2" name="Title 1"/>
           <p:cNvSpPr>
             <a:spLocks noGrp="1"/>
@@ -1132,7 +6198,7 @@
               <a:rPr lang="en-US" smtClean="0"/>
               <a:t>Click to edit Master title style</a:t>
             </a:r>
-            <a:endParaRPr lang="en-US"/>
+            <a:endParaRPr/>
           </a:p>
         </p:txBody>
       </p:sp>
@@ -1148,21 +6214,23 @@
         </p:nvSpPr>
         <p:spPr>
           <a:xfrm>
-            <a:off x="457200" y="1600200"/>
-            <a:ext cx="4038600" cy="4525963"/>
-          </a:xfrm>
-        </p:spPr>
-        <p:txBody>
-          <a:bodyPr/>
+            <a:off x="498518" y="1985963"/>
+            <a:ext cx="3657600" cy="4140200"/>
+          </a:xfrm>
+        </p:spPr>
+        <p:txBody>
+          <a:bodyPr>
+            <a:normAutofit/>
+          </a:bodyPr>
           <a:lstStyle>
             <a:lvl1pPr>
-              <a:defRPr sz="2800"/>
+              <a:defRPr sz="1800"/>
             </a:lvl1pPr>
             <a:lvl2pPr>
-              <a:defRPr sz="2400"/>
+              <a:defRPr sz="1800"/>
             </a:lvl2pPr>
             <a:lvl3pPr>
-              <a:defRPr sz="2000"/>
+              <a:defRPr sz="1800"/>
             </a:lvl3pPr>
             <a:lvl4pPr>
               <a:defRPr sz="1800"/>
@@ -1217,7 +6285,7 @@
               <a:rPr lang="en-US" smtClean="0"/>
               <a:t>Fifth level</a:t>
             </a:r>
-            <a:endParaRPr lang="en-US"/>
+            <a:endParaRPr dirty="0"/>
           </a:p>
         </p:txBody>
       </p:sp>
@@ -1233,21 +6301,23 @@
         </p:nvSpPr>
         <p:spPr>
           <a:xfrm>
-            <a:off x="4648200" y="1600200"/>
-            <a:ext cx="4038600" cy="4525963"/>
-          </a:xfrm>
-        </p:spPr>
-        <p:txBody>
-          <a:bodyPr/>
+            <a:off x="4399878" y="1985963"/>
+            <a:ext cx="3657600" cy="4140200"/>
+          </a:xfrm>
+        </p:spPr>
+        <p:txBody>
+          <a:bodyPr>
+            <a:normAutofit/>
+          </a:bodyPr>
           <a:lstStyle>
             <a:lvl1pPr>
-              <a:defRPr sz="2800"/>
+              <a:defRPr sz="1800"/>
             </a:lvl1pPr>
             <a:lvl2pPr>
-              <a:defRPr sz="2400"/>
+              <a:defRPr sz="1800"/>
             </a:lvl2pPr>
             <a:lvl3pPr>
-              <a:defRPr sz="2000"/>
+              <a:defRPr sz="1800"/>
             </a:lvl3pPr>
             <a:lvl4pPr>
               <a:defRPr sz="1800"/>
@@ -1302,7 +6372,7 @@
               <a:rPr lang="en-US" smtClean="0"/>
               <a:t>Fifth level</a:t>
             </a:r>
-            <a:endParaRPr lang="en-US"/>
+            <a:endParaRPr dirty="0"/>
           </a:p>
         </p:txBody>
       </p:sp>
@@ -1323,7 +6393,7 @@
           <a:p>
             <a:fld id="{693979EF-4621-4273-AF5F-DF6C03C4E4E7}" type="datetimeFigureOut">
               <a:rPr lang="en-US" smtClean="0"/>
-              <a:t>5/4/2014</a:t>
+              <a:t>5/5/14</a:t>
             </a:fld>
             <a:endParaRPr lang="en-US"/>
           </a:p>
@@ -1379,8 +6449,8 @@
 </p:sldLayout>
 </file>
 
-<file path=ppt/slideLayouts/slideLayout5.xml><?xml version="1.0" encoding="utf-8"?>
-<p:sldLayout xmlns:a="http://schemas.openxmlformats.org/drawingml/2006/main" xmlns:r="http://schemas.openxmlformats.org/officeDocument/2006/relationships" xmlns:p="http://schemas.openxmlformats.org/presentationml/2006/main" type="twoTxTwoObj" preserve="1">
+<file path=ppt/slideLayouts/slideLayout7.xml><?xml version="1.0" encoding="utf-8"?>
+<p:sldLayout xmlns:a="http://schemas.openxmlformats.org/drawingml/2006/main" xmlns:r="http://schemas.openxmlformats.org/officeDocument/2006/relationships" xmlns:p="http://schemas.openxmlformats.org/presentationml/2006/main" preserve="1">
   <p:cSld name="Comparison">
     <p:spTree>
       <p:nvGrpSpPr>
@@ -1398,6 +6468,88 @@
       </p:grpSpPr>
       <p:sp>
         <p:nvSpPr>
+          <p:cNvPr id="10" name="Rectangle 9"/>
+          <p:cNvSpPr/>
+          <p:nvPr/>
+        </p:nvSpPr>
+        <p:spPr>
+          <a:xfrm>
+            <a:off x="8166847" y="282574"/>
+            <a:ext cx="685800" cy="1600200"/>
+          </a:xfrm>
+          <a:prstGeom prst="rect">
+            <a:avLst/>
+          </a:prstGeom>
+          <a:solidFill>
+            <a:schemeClr val="accent1"/>
+          </a:solidFill>
+          <a:ln>
+            <a:noFill/>
+          </a:ln>
+        </p:spPr>
+        <p:style>
+          <a:lnRef idx="2">
+            <a:schemeClr val="accent1">
+              <a:shade val="50000"/>
+            </a:schemeClr>
+          </a:lnRef>
+          <a:fillRef idx="1">
+            <a:schemeClr val="accent1"/>
+          </a:fillRef>
+          <a:effectRef idx="0">
+            <a:schemeClr val="accent1"/>
+          </a:effectRef>
+          <a:fontRef idx="minor">
+            <a:schemeClr val="lt1"/>
+          </a:fontRef>
+        </p:style>
+        <p:txBody>
+          <a:bodyPr rtlCol="0" anchor="ctr"/>
+          <a:lstStyle/>
+          <a:p>
+            <a:pPr algn="ctr"/>
+            <a:endParaRPr/>
+          </a:p>
+        </p:txBody>
+      </p:sp>
+      <p:sp>
+        <p:nvSpPr>
+          <p:cNvPr id="12" name="TextBox 11"/>
+          <p:cNvSpPr txBox="1"/>
+          <p:nvPr/>
+        </p:nvSpPr>
+        <p:spPr>
+          <a:xfrm>
+            <a:off x="223185" y="228600"/>
+            <a:ext cx="260909" cy="553998"/>
+          </a:xfrm>
+          <a:prstGeom prst="rect">
+            <a:avLst/>
+          </a:prstGeom>
+          <a:noFill/>
+        </p:spPr>
+        <p:txBody>
+          <a:bodyPr wrap="square" lIns="0" tIns="0" rIns="0" bIns="0" rtlCol="0">
+            <a:spAutoFit/>
+          </a:bodyPr>
+          <a:lstStyle/>
+          <a:p>
+            <a:r>
+              <a:rPr sz="3600" b="1">
+                <a:solidFill>
+                  <a:schemeClr val="accent1">
+                    <a:lumMod val="60000"/>
+                    <a:lumOff val="40000"/>
+                  </a:schemeClr>
+                </a:solidFill>
+              </a:rPr>
+              <a:t>+</a:t>
+            </a:r>
+          </a:p>
+        </p:txBody>
+      </p:sp>
+      <p:sp>
+        <p:nvSpPr>
           <p:cNvPr id="2" name="Title 1"/>
           <p:cNvSpPr>
             <a:spLocks noGrp="1"/>
@@ -1419,72 +6571,7 @@
               <a:rPr lang="en-US" smtClean="0"/>
               <a:t>Click to edit Master title style</a:t>
             </a:r>
-            <a:endParaRPr lang="en-US"/>
-          </a:p>
-        </p:txBody>
-      </p:sp>
-      <p:sp>
-        <p:nvSpPr>
-          <p:cNvPr id="3" name="Text Placeholder 2"/>
-          <p:cNvSpPr>
-            <a:spLocks noGrp="1"/>
-          </p:cNvSpPr>
-          <p:nvPr>
-            <p:ph type="body" idx="1"/>
-          </p:nvPr>
-        </p:nvSpPr>
-        <p:spPr>
-          <a:xfrm>
-            <a:off x="457200" y="1535113"/>
-            <a:ext cx="4040188" cy="639762"/>
-          </a:xfrm>
-        </p:spPr>
-        <p:txBody>
-          <a:bodyPr anchor="b"/>
-          <a:lstStyle>
-            <a:lvl1pPr marL="0" indent="0">
-              <a:buNone/>
-              <a:defRPr sz="2400" b="1"/>
-            </a:lvl1pPr>
-            <a:lvl2pPr marL="457200" indent="0">
-              <a:buNone/>
-              <a:defRPr sz="2000" b="1"/>
-            </a:lvl2pPr>
-            <a:lvl3pPr marL="914400" indent="0">
-              <a:buNone/>
-              <a:defRPr sz="1800" b="1"/>
-            </a:lvl3pPr>
-            <a:lvl4pPr marL="1371600" indent="0">
-              <a:buNone/>
-              <a:defRPr sz="1600" b="1"/>
-            </a:lvl4pPr>
-            <a:lvl5pPr marL="1828800" indent="0">
-              <a:buNone/>
-              <a:defRPr sz="1600" b="1"/>
-            </a:lvl5pPr>
-            <a:lvl6pPr marL="2286000" indent="0">
-              <a:buNone/>
-              <a:defRPr sz="1600" b="1"/>
-            </a:lvl6pPr>
-            <a:lvl7pPr marL="2743200" indent="0">
-              <a:buNone/>
-              <a:defRPr sz="1600" b="1"/>
-            </a:lvl7pPr>
-            <a:lvl8pPr marL="3200400" indent="0">
-              <a:buNone/>
-              <a:defRPr sz="1600" b="1"/>
-            </a:lvl8pPr>
-            <a:lvl9pPr marL="3657600" indent="0">
-              <a:buNone/>
-              <a:defRPr sz="1600" b="1"/>
-            </a:lvl9pPr>
-          </a:lstStyle>
-          <a:p>
-            <a:pPr lvl="0"/>
-            <a:r>
-              <a:rPr lang="en-US" smtClean="0"/>
-              <a:t>Click to edit Master text styles</a:t>
-            </a:r>
+            <a:endParaRPr/>
           </a:p>
         </p:txBody>
       </p:sp>
@@ -1500,27 +6587,29 @@
         </p:nvSpPr>
         <p:spPr>
           <a:xfrm>
-            <a:off x="457200" y="2174875"/>
-            <a:ext cx="4040188" cy="3951288"/>
-          </a:xfrm>
-        </p:spPr>
-        <p:txBody>
-          <a:bodyPr/>
+            <a:off x="497541" y="2447365"/>
+            <a:ext cx="3657600" cy="3678797"/>
+          </a:xfrm>
+        </p:spPr>
+        <p:txBody>
+          <a:bodyPr>
+            <a:normAutofit/>
+          </a:bodyPr>
           <a:lstStyle>
             <a:lvl1pPr>
-              <a:defRPr sz="2400"/>
+              <a:defRPr sz="1800"/>
             </a:lvl1pPr>
             <a:lvl2pPr>
-              <a:defRPr sz="2000"/>
+              <a:defRPr sz="1800"/>
             </a:lvl2pPr>
             <a:lvl3pPr>
               <a:defRPr sz="1800"/>
             </a:lvl3pPr>
             <a:lvl4pPr>
-              <a:defRPr sz="1600"/>
+              <a:defRPr sz="1800"/>
             </a:lvl4pPr>
             <a:lvl5pPr>
-              <a:defRPr sz="1600"/>
+              <a:defRPr sz="1800"/>
             </a:lvl5pPr>
             <a:lvl6pPr>
               <a:defRPr sz="1600"/>
@@ -1569,72 +6658,7 @@
               <a:rPr lang="en-US" smtClean="0"/>
               <a:t>Fifth level</a:t>
             </a:r>
-            <a:endParaRPr lang="en-US"/>
-          </a:p>
-        </p:txBody>
-      </p:sp>
-      <p:sp>
-        <p:nvSpPr>
-          <p:cNvPr id="5" name="Text Placeholder 4"/>
-          <p:cNvSpPr>
-            <a:spLocks noGrp="1"/>
-          </p:cNvSpPr>
-          <p:nvPr>
-            <p:ph type="body" sz="quarter" idx="3"/>
-          </p:nvPr>
-        </p:nvSpPr>
-        <p:spPr>
-          <a:xfrm>
-            <a:off x="4645025" y="1535113"/>
-            <a:ext cx="4041775" cy="639762"/>
-          </a:xfrm>
-        </p:spPr>
-        <p:txBody>
-          <a:bodyPr anchor="b"/>
-          <a:lstStyle>
-            <a:lvl1pPr marL="0" indent="0">
-              <a:buNone/>
-              <a:defRPr sz="2400" b="1"/>
-            </a:lvl1pPr>
-            <a:lvl2pPr marL="457200" indent="0">
-              <a:buNone/>
-              <a:defRPr sz="2000" b="1"/>
-            </a:lvl2pPr>
-            <a:lvl3pPr marL="914400" indent="0">
-              <a:buNone/>
-              <a:defRPr sz="1800" b="1"/>
-            </a:lvl3pPr>
-            <a:lvl4pPr marL="1371600" indent="0">
-              <a:buNone/>
-              <a:defRPr sz="1600" b="1"/>
-            </a:lvl4pPr>
-            <a:lvl5pPr marL="1828800" indent="0">
-              <a:buNone/>
-              <a:defRPr sz="1600" b="1"/>
-            </a:lvl5pPr>
-            <a:lvl6pPr marL="2286000" indent="0">
-              <a:buNone/>
-              <a:defRPr sz="1600" b="1"/>
-            </a:lvl6pPr>
-            <a:lvl7pPr marL="2743200" indent="0">
-              <a:buNone/>
-              <a:defRPr sz="1600" b="1"/>
-            </a:lvl7pPr>
-            <a:lvl8pPr marL="3200400" indent="0">
-              <a:buNone/>
-              <a:defRPr sz="1600" b="1"/>
-            </a:lvl8pPr>
-            <a:lvl9pPr marL="3657600" indent="0">
-              <a:buNone/>
-              <a:defRPr sz="1600" b="1"/>
-            </a:lvl9pPr>
-          </a:lstStyle>
-          <a:p>
-            <a:pPr lvl="0"/>
-            <a:r>
-              <a:rPr lang="en-US" smtClean="0"/>
-              <a:t>Click to edit Master text styles</a:t>
-            </a:r>
+            <a:endParaRPr dirty="0"/>
           </a:p>
         </p:txBody>
       </p:sp>
@@ -1650,27 +6674,29 @@
         </p:nvSpPr>
         <p:spPr>
           <a:xfrm>
-            <a:off x="4645025" y="2174875"/>
-            <a:ext cx="4041775" cy="3951288"/>
-          </a:xfrm>
-        </p:spPr>
-        <p:txBody>
-          <a:bodyPr/>
+            <a:off x="4399878" y="2447365"/>
+            <a:ext cx="3657600" cy="3678797"/>
+          </a:xfrm>
+        </p:spPr>
+        <p:txBody>
+          <a:bodyPr>
+            <a:normAutofit/>
+          </a:bodyPr>
           <a:lstStyle>
             <a:lvl1pPr>
-              <a:defRPr sz="2400"/>
+              <a:defRPr sz="1800"/>
             </a:lvl1pPr>
             <a:lvl2pPr>
-              <a:defRPr sz="2000"/>
+              <a:defRPr sz="1800"/>
             </a:lvl2pPr>
             <a:lvl3pPr>
               <a:defRPr sz="1800"/>
             </a:lvl3pPr>
             <a:lvl4pPr>
-              <a:defRPr sz="1600"/>
+              <a:defRPr sz="1800"/>
             </a:lvl4pPr>
             <a:lvl5pPr>
-              <a:defRPr sz="1600"/>
+              <a:defRPr sz="1800"/>
             </a:lvl5pPr>
             <a:lvl6pPr>
               <a:defRPr sz="1600"/>
@@ -1719,7 +6745,7 @@
               <a:rPr lang="en-US" smtClean="0"/>
               <a:t>Fifth level</a:t>
             </a:r>
-            <a:endParaRPr lang="en-US"/>
+            <a:endParaRPr dirty="0"/>
           </a:p>
         </p:txBody>
       </p:sp>
@@ -1740,7 +6766,7 @@
           <a:p>
             <a:fld id="{693979EF-4621-4273-AF5F-DF6C03C4E4E7}" type="datetimeFigureOut">
               <a:rPr lang="en-US" smtClean="0"/>
-              <a:t>5/4/2014</a:t>
+              <a:t>5/5/14</a:t>
             </a:fld>
             <a:endParaRPr lang="en-US"/>
           </a:p>
@@ -1785,6 +6811,169 @@
               <a:t>‹#›</a:t>
             </a:fld>
             <a:endParaRPr lang="en-US"/>
+          </a:p>
+        </p:txBody>
+      </p:sp>
+      <p:sp>
+        <p:nvSpPr>
+          <p:cNvPr id="3" name="Text Placeholder 2"/>
+          <p:cNvSpPr>
+            <a:spLocks noGrp="1"/>
+          </p:cNvSpPr>
+          <p:nvPr>
+            <p:ph type="body" idx="1"/>
+          </p:nvPr>
+        </p:nvSpPr>
+        <p:spPr>
+          <a:xfrm>
+            <a:off x="497541" y="2070847"/>
+            <a:ext cx="3657600" cy="322729"/>
+          </a:xfrm>
+          <a:prstGeom prst="rect">
+            <a:avLst/>
+          </a:prstGeom>
+          <a:solidFill>
+            <a:schemeClr val="accent3"/>
+          </a:solidFill>
+        </p:spPr>
+        <p:txBody>
+          <a:bodyPr tIns="0" bIns="0" anchor="ctr" anchorCtr="0">
+            <a:noAutofit/>
+          </a:bodyPr>
+          <a:lstStyle>
+            <a:lvl1pPr marL="0" indent="0" algn="ctr">
+              <a:spcBef>
+                <a:spcPts val="0"/>
+              </a:spcBef>
+              <a:buNone/>
+              <a:defRPr sz="1800" b="0">
+                <a:solidFill>
+                  <a:schemeClr val="bg1"/>
+                </a:solidFill>
+              </a:defRPr>
+            </a:lvl1pPr>
+            <a:lvl2pPr marL="457200" indent="0">
+              <a:buNone/>
+              <a:defRPr sz="2000" b="1"/>
+            </a:lvl2pPr>
+            <a:lvl3pPr marL="914400" indent="0">
+              <a:buNone/>
+              <a:defRPr sz="1800" b="1"/>
+            </a:lvl3pPr>
+            <a:lvl4pPr marL="1371600" indent="0">
+              <a:buNone/>
+              <a:defRPr sz="1600" b="1"/>
+            </a:lvl4pPr>
+            <a:lvl5pPr marL="1828800" indent="0">
+              <a:buNone/>
+              <a:defRPr sz="1600" b="1"/>
+            </a:lvl5pPr>
+            <a:lvl6pPr marL="2286000" indent="0">
+              <a:buNone/>
+              <a:defRPr sz="1600" b="1"/>
+            </a:lvl6pPr>
+            <a:lvl7pPr marL="2743200" indent="0">
+              <a:buNone/>
+              <a:defRPr sz="1600" b="1"/>
+            </a:lvl7pPr>
+            <a:lvl8pPr marL="3200400" indent="0">
+              <a:buNone/>
+              <a:defRPr sz="1600" b="1"/>
+            </a:lvl8pPr>
+            <a:lvl9pPr marL="3657600" indent="0">
+              <a:buNone/>
+              <a:defRPr sz="1600" b="1"/>
+            </a:lvl9pPr>
+          </a:lstStyle>
+          <a:p>
+            <a:pPr lvl="0"/>
+            <a:r>
+              <a:rPr lang="en-US" smtClean="0"/>
+              <a:t>Click to edit Master text styles</a:t>
+            </a:r>
+          </a:p>
+        </p:txBody>
+      </p:sp>
+      <p:sp>
+        <p:nvSpPr>
+          <p:cNvPr id="5" name="Text Placeholder 4"/>
+          <p:cNvSpPr>
+            <a:spLocks noGrp="1"/>
+          </p:cNvSpPr>
+          <p:nvPr>
+            <p:ph type="body" sz="quarter" idx="3"/>
+          </p:nvPr>
+        </p:nvSpPr>
+        <p:spPr>
+          <a:xfrm>
+            <a:off x="4399878" y="2070847"/>
+            <a:ext cx="3657600" cy="322729"/>
+          </a:xfrm>
+          <a:prstGeom prst="rect">
+            <a:avLst/>
+          </a:prstGeom>
+          <a:solidFill>
+            <a:schemeClr val="accent3">
+              <a:lumMod val="60000"/>
+              <a:lumOff val="40000"/>
+            </a:schemeClr>
+          </a:solidFill>
+        </p:spPr>
+        <p:txBody>
+          <a:bodyPr tIns="0" bIns="0" anchor="ctr" anchorCtr="0">
+            <a:noAutofit/>
+          </a:bodyPr>
+          <a:lstStyle>
+            <a:lvl1pPr marL="0" indent="0" algn="ctr">
+              <a:spcBef>
+                <a:spcPts val="0"/>
+              </a:spcBef>
+              <a:buNone/>
+              <a:defRPr sz="1800" b="0">
+                <a:solidFill>
+                  <a:schemeClr val="bg1"/>
+                </a:solidFill>
+              </a:defRPr>
+            </a:lvl1pPr>
+            <a:lvl2pPr marL="457200" indent="0">
+              <a:buNone/>
+              <a:defRPr sz="2000" b="1"/>
+            </a:lvl2pPr>
+            <a:lvl3pPr marL="914400" indent="0">
+              <a:buNone/>
+              <a:defRPr sz="1800" b="1"/>
+            </a:lvl3pPr>
+            <a:lvl4pPr marL="1371600" indent="0">
+              <a:buNone/>
+              <a:defRPr sz="1600" b="1"/>
+            </a:lvl4pPr>
+            <a:lvl5pPr marL="1828800" indent="0">
+              <a:buNone/>
+              <a:defRPr sz="1600" b="1"/>
+            </a:lvl5pPr>
+            <a:lvl6pPr marL="2286000" indent="0">
+              <a:buNone/>
+              <a:defRPr sz="1600" b="1"/>
+            </a:lvl6pPr>
+            <a:lvl7pPr marL="2743200" indent="0">
+              <a:buNone/>
+              <a:defRPr sz="1600" b="1"/>
+            </a:lvl7pPr>
+            <a:lvl8pPr marL="3200400" indent="0">
+              <a:buNone/>
+              <a:defRPr sz="1600" b="1"/>
+            </a:lvl8pPr>
+            <a:lvl9pPr marL="3657600" indent="0">
+              <a:buNone/>
+              <a:defRPr sz="1600" b="1"/>
+            </a:lvl9pPr>
+          </a:lstStyle>
+          <a:p>
+            <a:pPr lvl="0"/>
+            <a:r>
+              <a:rPr lang="en-US" smtClean="0"/>
+              <a:t>Click to edit Master text styles</a:t>
+            </a:r>
           </a:p>
         </p:txBody>
       </p:sp>
@@ -1796,9 +6985,9 @@
 </p:sldLayout>
 </file>
 
-<file path=ppt/slideLayouts/slideLayout6.xml><?xml version="1.0" encoding="utf-8"?>
-<p:sldLayout xmlns:a="http://schemas.openxmlformats.org/drawingml/2006/main" xmlns:r="http://schemas.openxmlformats.org/officeDocument/2006/relationships" xmlns:p="http://schemas.openxmlformats.org/presentationml/2006/main" type="titleOnly" preserve="1">
-  <p:cSld name="Title Only">
+<file path=ppt/slideLayouts/slideLayout8.xml><?xml version="1.0" encoding="utf-8"?>
+<p:sldLayout xmlns:a="http://schemas.openxmlformats.org/drawingml/2006/main" xmlns:r="http://schemas.openxmlformats.org/officeDocument/2006/relationships" xmlns:p="http://schemas.openxmlformats.org/presentationml/2006/main" preserve="1">
+  <p:cSld name="2 Content, Top and Bottom">
     <p:spTree>
       <p:nvGrpSpPr>
         <p:cNvPr id="1" name=""/>
@@ -1815,6 +7004,42 @@
       </p:grpSpPr>
       <p:sp>
         <p:nvSpPr>
+          <p:cNvPr id="10" name="TextBox 9"/>
+          <p:cNvSpPr txBox="1"/>
+          <p:nvPr/>
+        </p:nvSpPr>
+        <p:spPr>
+          <a:xfrm>
+            <a:off x="223185" y="228600"/>
+            <a:ext cx="260909" cy="553998"/>
+          </a:xfrm>
+          <a:prstGeom prst="rect">
+            <a:avLst/>
+          </a:prstGeom>
+          <a:noFill/>
+        </p:spPr>
+        <p:txBody>
+          <a:bodyPr wrap="square" lIns="0" tIns="0" rIns="0" bIns="0" rtlCol="0">
+            <a:spAutoFit/>
+          </a:bodyPr>
+          <a:lstStyle/>
+          <a:p>
+            <a:r>
+              <a:rPr sz="3600" b="1">
+                <a:solidFill>
+                  <a:schemeClr val="accent1">
+                    <a:lumMod val="60000"/>
+                    <a:lumOff val="40000"/>
+                  </a:schemeClr>
+                </a:solidFill>
+              </a:rPr>
+              <a:t>+</a:t>
+            </a:r>
+          </a:p>
+        </p:txBody>
+      </p:sp>
+      <p:sp>
+        <p:nvSpPr>
           <p:cNvPr id="2" name="Title 1"/>
           <p:cNvSpPr>
             <a:spLocks noGrp="1"/>
@@ -1832,13 +7057,100 @@
               <a:rPr lang="en-US" smtClean="0"/>
               <a:t>Click to edit Master title style</a:t>
             </a:r>
-            <a:endParaRPr lang="en-US"/>
-          </a:p>
-        </p:txBody>
-      </p:sp>
-      <p:sp>
-        <p:nvSpPr>
-          <p:cNvPr id="3" name="Date Placeholder 2"/>
+            <a:endParaRPr/>
+          </a:p>
+        </p:txBody>
+      </p:sp>
+      <p:sp>
+        <p:nvSpPr>
+          <p:cNvPr id="3" name="Content Placeholder 2"/>
+          <p:cNvSpPr>
+            <a:spLocks noGrp="1"/>
+          </p:cNvSpPr>
+          <p:nvPr>
+            <p:ph sz="half" idx="1"/>
+          </p:nvPr>
+        </p:nvSpPr>
+        <p:spPr>
+          <a:xfrm>
+            <a:off x="498517" y="1985963"/>
+            <a:ext cx="7569157" cy="1965960"/>
+          </a:xfrm>
+        </p:spPr>
+        <p:txBody>
+          <a:bodyPr>
+            <a:normAutofit/>
+          </a:bodyPr>
+          <a:lstStyle>
+            <a:lvl1pPr>
+              <a:defRPr sz="1800"/>
+            </a:lvl1pPr>
+            <a:lvl2pPr>
+              <a:defRPr sz="1800"/>
+            </a:lvl2pPr>
+            <a:lvl3pPr>
+              <a:defRPr sz="1800"/>
+            </a:lvl3pPr>
+            <a:lvl4pPr>
+              <a:defRPr sz="1800"/>
+            </a:lvl4pPr>
+            <a:lvl5pPr>
+              <a:defRPr sz="1800"/>
+            </a:lvl5pPr>
+            <a:lvl6pPr>
+              <a:defRPr sz="1800"/>
+            </a:lvl6pPr>
+            <a:lvl7pPr>
+              <a:defRPr sz="1800"/>
+            </a:lvl7pPr>
+            <a:lvl8pPr>
+              <a:defRPr sz="1800"/>
+            </a:lvl8pPr>
+            <a:lvl9pPr>
+              <a:defRPr sz="1800"/>
+            </a:lvl9pPr>
+          </a:lstStyle>
+          <a:p>
+            <a:pPr lvl="0"/>
+            <a:r>
+              <a:rPr lang="en-US" smtClean="0"/>
+              <a:t>Click to edit Master text styles</a:t>
+            </a:r>
+          </a:p>
+          <a:p>
+            <a:pPr lvl="1"/>
+            <a:r>
+              <a:rPr lang="en-US" smtClean="0"/>
+              <a:t>Second level</a:t>
+            </a:r>
+          </a:p>
+          <a:p>
+            <a:pPr lvl="2"/>
+            <a:r>
+              <a:rPr lang="en-US" smtClean="0"/>
+              <a:t>Third level</a:t>
+            </a:r>
+          </a:p>
+          <a:p>
+            <a:pPr lvl="3"/>
+            <a:r>
+              <a:rPr lang="en-US" smtClean="0"/>
+              <a:t>Fourth level</a:t>
+            </a:r>
+          </a:p>
+          <a:p>
+            <a:pPr lvl="4"/>
+            <a:r>
+              <a:rPr lang="en-US" smtClean="0"/>
+              <a:t>Fifth level</a:t>
+            </a:r>
+            <a:endParaRPr dirty="0"/>
+          </a:p>
+        </p:txBody>
+      </p:sp>
+      <p:sp>
+        <p:nvSpPr>
+          <p:cNvPr id="5" name="Date Placeholder 4"/>
           <p:cNvSpPr>
             <a:spLocks noGrp="1"/>
           </p:cNvSpPr>
@@ -1853,7 +7165,7 @@
           <a:p>
             <a:fld id="{693979EF-4621-4273-AF5F-DF6C03C4E4E7}" type="datetimeFigureOut">
               <a:rPr lang="en-US" smtClean="0"/>
-              <a:t>5/4/2014</a:t>
+              <a:t>5/5/14</a:t>
             </a:fld>
             <a:endParaRPr lang="en-US"/>
           </a:p>
@@ -1861,7 +7173,7 @@
       </p:sp>
       <p:sp>
         <p:nvSpPr>
-          <p:cNvPr id="4" name="Footer Placeholder 3"/>
+          <p:cNvPr id="6" name="Footer Placeholder 5"/>
           <p:cNvSpPr>
             <a:spLocks noGrp="1"/>
           </p:cNvSpPr>
@@ -1880,7 +7192,140 @@
       </p:sp>
       <p:sp>
         <p:nvSpPr>
-          <p:cNvPr id="5" name="Slide Number Placeholder 4"/>
+          <p:cNvPr id="13" name="Content Placeholder 2"/>
+          <p:cNvSpPr>
+            <a:spLocks noGrp="1"/>
+          </p:cNvSpPr>
+          <p:nvPr>
+            <p:ph sz="half" idx="14"/>
+          </p:nvPr>
+        </p:nvSpPr>
+        <p:spPr>
+          <a:xfrm>
+            <a:off x="498517" y="4164965"/>
+            <a:ext cx="7569157" cy="1965960"/>
+          </a:xfrm>
+        </p:spPr>
+        <p:txBody>
+          <a:bodyPr>
+            <a:normAutofit/>
+          </a:bodyPr>
+          <a:lstStyle>
+            <a:lvl1pPr>
+              <a:defRPr sz="1800"/>
+            </a:lvl1pPr>
+            <a:lvl2pPr>
+              <a:defRPr sz="1800"/>
+            </a:lvl2pPr>
+            <a:lvl3pPr>
+              <a:defRPr sz="1800"/>
+            </a:lvl3pPr>
+            <a:lvl4pPr>
+              <a:defRPr sz="1800"/>
+            </a:lvl4pPr>
+            <a:lvl5pPr>
+              <a:defRPr sz="1800"/>
+            </a:lvl5pPr>
+            <a:lvl6pPr>
+              <a:defRPr sz="1800"/>
+            </a:lvl6pPr>
+            <a:lvl7pPr>
+              <a:defRPr sz="1800"/>
+            </a:lvl7pPr>
+            <a:lvl8pPr>
+              <a:defRPr sz="1800"/>
+            </a:lvl8pPr>
+            <a:lvl9pPr>
+              <a:defRPr sz="1800"/>
+            </a:lvl9pPr>
+          </a:lstStyle>
+          <a:p>
+            <a:pPr lvl="0"/>
+            <a:r>
+              <a:rPr lang="en-US" smtClean="0"/>
+              <a:t>Click to edit Master text styles</a:t>
+            </a:r>
+          </a:p>
+          <a:p>
+            <a:pPr lvl="1"/>
+            <a:r>
+              <a:rPr lang="en-US" smtClean="0"/>
+              <a:t>Second level</a:t>
+            </a:r>
+          </a:p>
+          <a:p>
+            <a:pPr lvl="2"/>
+            <a:r>
+              <a:rPr lang="en-US" smtClean="0"/>
+              <a:t>Third level</a:t>
+            </a:r>
+          </a:p>
+          <a:p>
+            <a:pPr lvl="3"/>
+            <a:r>
+              <a:rPr lang="en-US" smtClean="0"/>
+              <a:t>Fourth level</a:t>
+            </a:r>
+          </a:p>
+          <a:p>
+            <a:pPr lvl="4"/>
+            <a:r>
+              <a:rPr lang="en-US" smtClean="0"/>
+              <a:t>Fifth level</a:t>
+            </a:r>
+            <a:endParaRPr dirty="0"/>
+          </a:p>
+        </p:txBody>
+      </p:sp>
+      <p:sp>
+        <p:nvSpPr>
+          <p:cNvPr id="14" name="Rectangle 13"/>
+          <p:cNvSpPr/>
+          <p:nvPr/>
+        </p:nvSpPr>
+        <p:spPr>
+          <a:xfrm>
+            <a:off x="8166847" y="282574"/>
+            <a:ext cx="685800" cy="1600200"/>
+          </a:xfrm>
+          <a:prstGeom prst="rect">
+            <a:avLst/>
+          </a:prstGeom>
+          <a:solidFill>
+            <a:schemeClr val="accent1"/>
+          </a:solidFill>
+          <a:ln>
+            <a:noFill/>
+          </a:ln>
+        </p:spPr>
+        <p:style>
+          <a:lnRef idx="2">
+            <a:schemeClr val="accent1">
+              <a:shade val="50000"/>
+            </a:schemeClr>
+          </a:lnRef>
+          <a:fillRef idx="1">
+            <a:schemeClr val="accent1"/>
+          </a:fillRef>
+          <a:effectRef idx="0">
+            <a:schemeClr val="accent1"/>
+          </a:effectRef>
+          <a:fontRef idx="minor">
+            <a:schemeClr val="lt1"/>
+          </a:fontRef>
+        </p:style>
+        <p:txBody>
+          <a:bodyPr rtlCol="0" anchor="ctr"/>
+          <a:lstStyle/>
+          <a:p>
+            <a:pPr algn="ctr"/>
+            <a:endParaRPr/>
+          </a:p>
+        </p:txBody>
+      </p:sp>
+      <p:sp>
+        <p:nvSpPr>
+          <p:cNvPr id="15" name="Slide Number Placeholder 6"/>
           <p:cNvSpPr>
             <a:spLocks noGrp="1"/>
           </p:cNvSpPr>
@@ -1888,7 +7333,12 @@
             <p:ph type="sldNum" sz="quarter" idx="12"/>
           </p:nvPr>
         </p:nvSpPr>
-        <p:spPr/>
+        <p:spPr>
+          <a:xfrm>
+            <a:off x="8305800" y="242234"/>
+            <a:ext cx="554038" cy="365125"/>
+          </a:xfrm>
+        </p:spPr>
         <p:txBody>
           <a:bodyPr/>
           <a:lstStyle/>
@@ -1909,9 +7359,9 @@
 </p:sldLayout>
 </file>
 
-<file path=ppt/slideLayouts/slideLayout7.xml><?xml version="1.0" encoding="utf-8"?>
-<p:sldLayout xmlns:a="http://schemas.openxmlformats.org/drawingml/2006/main" xmlns:r="http://schemas.openxmlformats.org/officeDocument/2006/relationships" xmlns:p="http://schemas.openxmlformats.org/presentationml/2006/main" type="blank" preserve="1">
-  <p:cSld name="Blank">
+<file path=ppt/slideLayouts/slideLayout9.xml><?xml version="1.0" encoding="utf-8"?>
+<p:sldLayout xmlns:a="http://schemas.openxmlformats.org/drawingml/2006/main" xmlns:r="http://schemas.openxmlformats.org/officeDocument/2006/relationships" xmlns:p="http://schemas.openxmlformats.org/presentationml/2006/main" preserve="1">
+  <p:cSld name="3 Content">
     <p:spTree>
       <p:nvGrpSpPr>
         <p:cNvPr id="1" name=""/>
@@ -1928,7 +7378,199 @@
       </p:grpSpPr>
       <p:sp>
         <p:nvSpPr>
-          <p:cNvPr id="2" name="Date Placeholder 1"/>
+          <p:cNvPr id="8" name="Rectangle 7"/>
+          <p:cNvSpPr/>
+          <p:nvPr/>
+        </p:nvSpPr>
+        <p:spPr>
+          <a:xfrm>
+            <a:off x="8166847" y="282574"/>
+            <a:ext cx="685800" cy="1600200"/>
+          </a:xfrm>
+          <a:prstGeom prst="rect">
+            <a:avLst/>
+          </a:prstGeom>
+          <a:solidFill>
+            <a:schemeClr val="accent1"/>
+          </a:solidFill>
+          <a:ln>
+            <a:noFill/>
+          </a:ln>
+        </p:spPr>
+        <p:style>
+          <a:lnRef idx="2">
+            <a:schemeClr val="accent1">
+              <a:shade val="50000"/>
+            </a:schemeClr>
+          </a:lnRef>
+          <a:fillRef idx="1">
+            <a:schemeClr val="accent1"/>
+          </a:fillRef>
+          <a:effectRef idx="0">
+            <a:schemeClr val="accent1"/>
+          </a:effectRef>
+          <a:fontRef idx="minor">
+            <a:schemeClr val="lt1"/>
+          </a:fontRef>
+        </p:style>
+        <p:txBody>
+          <a:bodyPr rtlCol="0" anchor="ctr"/>
+          <a:lstStyle/>
+          <a:p>
+            <a:pPr algn="ctr"/>
+            <a:endParaRPr/>
+          </a:p>
+        </p:txBody>
+      </p:sp>
+      <p:sp>
+        <p:nvSpPr>
+          <p:cNvPr id="10" name="TextBox 9"/>
+          <p:cNvSpPr txBox="1"/>
+          <p:nvPr/>
+        </p:nvSpPr>
+        <p:spPr>
+          <a:xfrm>
+            <a:off x="223185" y="228600"/>
+            <a:ext cx="260909" cy="553998"/>
+          </a:xfrm>
+          <a:prstGeom prst="rect">
+            <a:avLst/>
+          </a:prstGeom>
+          <a:noFill/>
+        </p:spPr>
+        <p:txBody>
+          <a:bodyPr wrap="square" lIns="0" tIns="0" rIns="0" bIns="0" rtlCol="0">
+            <a:spAutoFit/>
+          </a:bodyPr>
+          <a:lstStyle/>
+          <a:p>
+            <a:r>
+              <a:rPr sz="3600" b="1">
+                <a:solidFill>
+                  <a:schemeClr val="accent1">
+                    <a:lumMod val="60000"/>
+                    <a:lumOff val="40000"/>
+                  </a:schemeClr>
+                </a:solidFill>
+              </a:rPr>
+              <a:t>+</a:t>
+            </a:r>
+          </a:p>
+        </p:txBody>
+      </p:sp>
+      <p:sp>
+        <p:nvSpPr>
+          <p:cNvPr id="2" name="Title 1"/>
+          <p:cNvSpPr>
+            <a:spLocks noGrp="1"/>
+          </p:cNvSpPr>
+          <p:nvPr>
+            <p:ph type="title"/>
+          </p:nvPr>
+        </p:nvSpPr>
+        <p:spPr/>
+        <p:txBody>
+          <a:bodyPr/>
+          <a:lstStyle/>
+          <a:p>
+            <a:r>
+              <a:rPr lang="en-US" smtClean="0"/>
+              <a:t>Click to edit Master title style</a:t>
+            </a:r>
+            <a:endParaRPr/>
+          </a:p>
+        </p:txBody>
+      </p:sp>
+      <p:sp>
+        <p:nvSpPr>
+          <p:cNvPr id="3" name="Content Placeholder 2"/>
+          <p:cNvSpPr>
+            <a:spLocks noGrp="1"/>
+          </p:cNvSpPr>
+          <p:nvPr>
+            <p:ph sz="half" idx="1"/>
+          </p:nvPr>
+        </p:nvSpPr>
+        <p:spPr>
+          <a:xfrm>
+            <a:off x="4410075" y="1985963"/>
+            <a:ext cx="3657600" cy="1965960"/>
+          </a:xfrm>
+        </p:spPr>
+        <p:txBody>
+          <a:bodyPr>
+            <a:normAutofit/>
+          </a:bodyPr>
+          <a:lstStyle>
+            <a:lvl1pPr>
+              <a:defRPr sz="1800"/>
+            </a:lvl1pPr>
+            <a:lvl2pPr>
+              <a:defRPr sz="1800"/>
+            </a:lvl2pPr>
+            <a:lvl3pPr>
+              <a:defRPr sz="1800"/>
+            </a:lvl3pPr>
+            <a:lvl4pPr>
+              <a:defRPr sz="1800"/>
+            </a:lvl4pPr>
+            <a:lvl5pPr>
+              <a:defRPr sz="1800"/>
+            </a:lvl5pPr>
+            <a:lvl6pPr>
+              <a:defRPr sz="1800"/>
+            </a:lvl6pPr>
+            <a:lvl7pPr>
+              <a:defRPr sz="1800"/>
+            </a:lvl7pPr>
+            <a:lvl8pPr>
+              <a:defRPr sz="1800"/>
+            </a:lvl8pPr>
+            <a:lvl9pPr>
+              <a:defRPr sz="1800"/>
+            </a:lvl9pPr>
+          </a:lstStyle>
+          <a:p>
+            <a:pPr lvl="0"/>
+            <a:r>
+              <a:rPr lang="en-US" smtClean="0"/>
+              <a:t>Click to edit Master text styles</a:t>
+            </a:r>
+          </a:p>
+          <a:p>
+            <a:pPr lvl="1"/>
+            <a:r>
+              <a:rPr lang="en-US" smtClean="0"/>
+              <a:t>Second level</a:t>
+            </a:r>
+          </a:p>
+          <a:p>
+            <a:pPr lvl="2"/>
+            <a:r>
+              <a:rPr lang="en-US" smtClean="0"/>
+              <a:t>Third level</a:t>
+            </a:r>
+          </a:p>
+          <a:p>
+            <a:pPr lvl="3"/>
+            <a:r>
+              <a:rPr lang="en-US" smtClean="0"/>
+              <a:t>Fourth level</a:t>
+            </a:r>
+          </a:p>
+          <a:p>
+            <a:pPr lvl="4"/>
+            <a:r>
+              <a:rPr lang="en-US" smtClean="0"/>
+              <a:t>Fifth level</a:t>
+            </a:r>
+            <a:endParaRPr dirty="0"/>
+          </a:p>
+        </p:txBody>
+      </p:sp>
+      <p:sp>
+        <p:nvSpPr>
+          <p:cNvPr id="5" name="Date Placeholder 4"/>
           <p:cNvSpPr>
             <a:spLocks noGrp="1"/>
           </p:cNvSpPr>
@@ -1943,7 +7585,7 @@
           <a:p>
             <a:fld id="{693979EF-4621-4273-AF5F-DF6C03C4E4E7}" type="datetimeFigureOut">
               <a:rPr lang="en-US" smtClean="0"/>
-              <a:t>5/4/2014</a:t>
+              <a:t>5/5/14</a:t>
             </a:fld>
             <a:endParaRPr lang="en-US"/>
           </a:p>
@@ -1951,7 +7593,7 @@
       </p:sp>
       <p:sp>
         <p:nvSpPr>
-          <p:cNvPr id="3" name="Footer Placeholder 2"/>
+          <p:cNvPr id="6" name="Footer Placeholder 5"/>
           <p:cNvSpPr>
             <a:spLocks noGrp="1"/>
           </p:cNvSpPr>
@@ -1970,7 +7612,7 @@
       </p:sp>
       <p:sp>
         <p:nvSpPr>
-          <p:cNvPr id="4" name="Slide Number Placeholder 3"/>
+          <p:cNvPr id="7" name="Slide Number Placeholder 6"/>
           <p:cNvSpPr>
             <a:spLocks noGrp="1"/>
           </p:cNvSpPr>
@@ -1991,108 +7633,53 @@
           </a:p>
         </p:txBody>
       </p:sp>
-    </p:spTree>
-  </p:cSld>
-  <p:clrMapOvr>
-    <a:masterClrMapping/>
-  </p:clrMapOvr>
-</p:sldLayout>
-</file>
-
-<file path=ppt/slideLayouts/slideLayout8.xml><?xml version="1.0" encoding="utf-8"?>
-<p:sldLayout xmlns:a="http://schemas.openxmlformats.org/drawingml/2006/main" xmlns:r="http://schemas.openxmlformats.org/officeDocument/2006/relationships" xmlns:p="http://schemas.openxmlformats.org/presentationml/2006/main" type="objTx" preserve="1">
-  <p:cSld name="Content with Caption">
-    <p:spTree>
-      <p:nvGrpSpPr>
-        <p:cNvPr id="1" name=""/>
-        <p:cNvGrpSpPr/>
-        <p:nvPr/>
-      </p:nvGrpSpPr>
-      <p:grpSpPr>
-        <a:xfrm>
-          <a:off x="0" y="0"/>
-          <a:ext cx="0" cy="0"/>
-          <a:chOff x="0" y="0"/>
-          <a:chExt cx="0" cy="0"/>
-        </a:xfrm>
-      </p:grpSpPr>
-      <p:sp>
-        <p:nvSpPr>
-          <p:cNvPr id="2" name="Title 1"/>
-          <p:cNvSpPr>
-            <a:spLocks noGrp="1"/>
-          </p:cNvSpPr>
-          <p:nvPr>
-            <p:ph type="title"/>
-          </p:nvPr>
-        </p:nvSpPr>
-        <p:spPr>
-          <a:xfrm>
-            <a:off x="457200" y="273050"/>
-            <a:ext cx="3008313" cy="1162050"/>
-          </a:xfrm>
-        </p:spPr>
-        <p:txBody>
-          <a:bodyPr anchor="b"/>
-          <a:lstStyle>
-            <a:lvl1pPr algn="l">
-              <a:defRPr sz="2000" b="1"/>
-            </a:lvl1pPr>
-          </a:lstStyle>
-          <a:p>
-            <a:r>
-              <a:rPr lang="en-US" smtClean="0"/>
-              <a:t>Click to edit Master title style</a:t>
-            </a:r>
-            <a:endParaRPr lang="en-US"/>
-          </a:p>
-        </p:txBody>
-      </p:sp>
-      <p:sp>
-        <p:nvSpPr>
-          <p:cNvPr id="3" name="Content Placeholder 2"/>
-          <p:cNvSpPr>
-            <a:spLocks noGrp="1"/>
-          </p:cNvSpPr>
-          <p:nvPr>
-            <p:ph idx="1"/>
-          </p:nvPr>
-        </p:nvSpPr>
-        <p:spPr>
-          <a:xfrm>
-            <a:off x="3575050" y="273050"/>
-            <a:ext cx="5111750" cy="5853113"/>
-          </a:xfrm>
-        </p:spPr>
-        <p:txBody>
-          <a:bodyPr/>
+      <p:sp>
+        <p:nvSpPr>
+          <p:cNvPr id="11" name="Content Placeholder 2"/>
+          <p:cNvSpPr>
+            <a:spLocks noGrp="1"/>
+          </p:cNvSpPr>
+          <p:nvPr>
+            <p:ph sz="half" idx="15"/>
+          </p:nvPr>
+        </p:nvSpPr>
+        <p:spPr>
+          <a:xfrm>
+            <a:off x="498518" y="1985963"/>
+            <a:ext cx="3657600" cy="4140200"/>
+          </a:xfrm>
+        </p:spPr>
+        <p:txBody>
+          <a:bodyPr>
+            <a:normAutofit/>
+          </a:bodyPr>
           <a:lstStyle>
             <a:lvl1pPr>
-              <a:defRPr sz="3200"/>
+              <a:defRPr sz="1800"/>
             </a:lvl1pPr>
             <a:lvl2pPr>
-              <a:defRPr sz="2800"/>
+              <a:defRPr sz="1800"/>
             </a:lvl2pPr>
             <a:lvl3pPr>
-              <a:defRPr sz="2400"/>
+              <a:defRPr sz="1800"/>
             </a:lvl3pPr>
             <a:lvl4pPr>
-              <a:defRPr sz="2000"/>
+              <a:defRPr sz="1800"/>
             </a:lvl4pPr>
             <a:lvl5pPr>
-              <a:defRPr sz="2000"/>
+              <a:defRPr sz="1800"/>
             </a:lvl5pPr>
             <a:lvl6pPr>
-              <a:defRPr sz="2000"/>
+              <a:defRPr sz="1800"/>
             </a:lvl6pPr>
             <a:lvl7pPr>
-              <a:defRPr sz="2000"/>
+              <a:defRPr sz="1800"/>
             </a:lvl7pPr>
             <a:lvl8pPr>
-              <a:defRPr sz="2000"/>
+              <a:defRPr sz="1800"/>
             </a:lvl8pPr>
             <a:lvl9pPr>
-              <a:defRPr sz="2000"/>
+              <a:defRPr sz="1800"/>
             </a:lvl9pPr>
           </a:lstStyle>
           <a:p>
@@ -2129,64 +7716,57 @@
               <a:rPr lang="en-US" smtClean="0"/>
               <a:t>Fifth level</a:t>
             </a:r>
-            <a:endParaRPr lang="en-US"/>
-          </a:p>
-        </p:txBody>
-      </p:sp>
-      <p:sp>
-        <p:nvSpPr>
-          <p:cNvPr id="4" name="Text Placeholder 3"/>
-          <p:cNvSpPr>
-            <a:spLocks noGrp="1"/>
-          </p:cNvSpPr>
-          <p:nvPr>
-            <p:ph type="body" sz="half" idx="2"/>
-          </p:nvPr>
-        </p:nvSpPr>
-        <p:spPr>
-          <a:xfrm>
-            <a:off x="457200" y="1435100"/>
-            <a:ext cx="3008313" cy="4691063"/>
-          </a:xfrm>
-        </p:spPr>
-        <p:txBody>
-          <a:bodyPr/>
+            <a:endParaRPr dirty="0"/>
+          </a:p>
+        </p:txBody>
+      </p:sp>
+      <p:sp>
+        <p:nvSpPr>
+          <p:cNvPr id="13" name="Content Placeholder 2"/>
+          <p:cNvSpPr>
+            <a:spLocks noGrp="1"/>
+          </p:cNvSpPr>
+          <p:nvPr>
+            <p:ph sz="half" idx="16"/>
+          </p:nvPr>
+        </p:nvSpPr>
+        <p:spPr>
+          <a:xfrm>
+            <a:off x="4410075" y="4169664"/>
+            <a:ext cx="3657600" cy="1965960"/>
+          </a:xfrm>
+        </p:spPr>
+        <p:txBody>
+          <a:bodyPr>
+            <a:normAutofit/>
+          </a:bodyPr>
           <a:lstStyle>
-            <a:lvl1pPr marL="0" indent="0">
-              <a:buNone/>
-              <a:defRPr sz="1400"/>
+            <a:lvl1pPr>
+              <a:defRPr sz="1800"/>
             </a:lvl1pPr>
-            <a:lvl2pPr marL="457200" indent="0">
-              <a:buNone/>
-              <a:defRPr sz="1200"/>
+            <a:lvl2pPr>
+              <a:defRPr sz="1800"/>
             </a:lvl2pPr>
-            <a:lvl3pPr marL="914400" indent="0">
-              <a:buNone/>
-              <a:defRPr sz="1000"/>
+            <a:lvl3pPr>
+              <a:defRPr sz="1800"/>
             </a:lvl3pPr>
-            <a:lvl4pPr marL="1371600" indent="0">
-              <a:buNone/>
-              <a:defRPr sz="900"/>
+            <a:lvl4pPr>
+              <a:defRPr sz="1800"/>
             </a:lvl4pPr>
-            <a:lvl5pPr marL="1828800" indent="0">
-              <a:buNone/>
-              <a:defRPr sz="900"/>
+            <a:lvl5pPr>
+              <a:defRPr sz="1800"/>
             </a:lvl5pPr>
-            <a:lvl6pPr marL="2286000" indent="0">
-              <a:buNone/>
-              <a:defRPr sz="900"/>
+            <a:lvl6pPr>
+              <a:defRPr sz="1800"/>
             </a:lvl6pPr>
-            <a:lvl7pPr marL="2743200" indent="0">
-              <a:buNone/>
-              <a:defRPr sz="900"/>
+            <a:lvl7pPr>
+              <a:defRPr sz="1800"/>
             </a:lvl7pPr>
-            <a:lvl8pPr marL="3200400" indent="0">
-              <a:buNone/>
-              <a:defRPr sz="900"/>
+            <a:lvl8pPr>
+              <a:defRPr sz="1800"/>
             </a:lvl8pPr>
-            <a:lvl9pPr marL="3657600" indent="0">
-              <a:buNone/>
-              <a:defRPr sz="900"/>
+            <a:lvl9pPr>
+              <a:defRPr sz="1800"/>
             </a:lvl9pPr>
           </a:lstStyle>
           <a:p>
@@ -2196,318 +7776,34 @@
               <a:t>Click to edit Master text styles</a:t>
             </a:r>
           </a:p>
-        </p:txBody>
-      </p:sp>
-      <p:sp>
-        <p:nvSpPr>
-          <p:cNvPr id="5" name="Date Placeholder 4"/>
-          <p:cNvSpPr>
-            <a:spLocks noGrp="1"/>
-          </p:cNvSpPr>
-          <p:nvPr>
-            <p:ph type="dt" sz="half" idx="10"/>
-          </p:nvPr>
-        </p:nvSpPr>
-        <p:spPr/>
-        <p:txBody>
-          <a:bodyPr/>
-          <a:lstStyle/>
-          <a:p>
-            <a:fld id="{693979EF-4621-4273-AF5F-DF6C03C4E4E7}" type="datetimeFigureOut">
-              <a:rPr lang="en-US" smtClean="0"/>
-              <a:t>5/4/2014</a:t>
-            </a:fld>
-            <a:endParaRPr lang="en-US"/>
-          </a:p>
-        </p:txBody>
-      </p:sp>
-      <p:sp>
-        <p:nvSpPr>
-          <p:cNvPr id="6" name="Footer Placeholder 5"/>
-          <p:cNvSpPr>
-            <a:spLocks noGrp="1"/>
-          </p:cNvSpPr>
-          <p:nvPr>
-            <p:ph type="ftr" sz="quarter" idx="11"/>
-          </p:nvPr>
-        </p:nvSpPr>
-        <p:spPr/>
-        <p:txBody>
-          <a:bodyPr/>
-          <a:lstStyle/>
-          <a:p>
-            <a:endParaRPr lang="en-US"/>
-          </a:p>
-        </p:txBody>
-      </p:sp>
-      <p:sp>
-        <p:nvSpPr>
-          <p:cNvPr id="7" name="Slide Number Placeholder 6"/>
-          <p:cNvSpPr>
-            <a:spLocks noGrp="1"/>
-          </p:cNvSpPr>
-          <p:nvPr>
-            <p:ph type="sldNum" sz="quarter" idx="12"/>
-          </p:nvPr>
-        </p:nvSpPr>
-        <p:spPr/>
-        <p:txBody>
-          <a:bodyPr/>
-          <a:lstStyle/>
-          <a:p>
-            <a:fld id="{6661E4F3-BB0A-4D53-9B5E-4C9753BFE76D}" type="slidenum">
-              <a:rPr lang="en-US" smtClean="0"/>
-              <a:t>‹#›</a:t>
-            </a:fld>
-            <a:endParaRPr lang="en-US"/>
-          </a:p>
-        </p:txBody>
-      </p:sp>
-    </p:spTree>
-  </p:cSld>
-  <p:clrMapOvr>
-    <a:masterClrMapping/>
-  </p:clrMapOvr>
-</p:sldLayout>
-</file>
-
-<file path=ppt/slideLayouts/slideLayout9.xml><?xml version="1.0" encoding="utf-8"?>
-<p:sldLayout xmlns:a="http://schemas.openxmlformats.org/drawingml/2006/main" xmlns:r="http://schemas.openxmlformats.org/officeDocument/2006/relationships" xmlns:p="http://schemas.openxmlformats.org/presentationml/2006/main" type="picTx" preserve="1">
-  <p:cSld name="Picture with Caption">
-    <p:spTree>
-      <p:nvGrpSpPr>
-        <p:cNvPr id="1" name=""/>
-        <p:cNvGrpSpPr/>
-        <p:nvPr/>
-      </p:nvGrpSpPr>
-      <p:grpSpPr>
-        <a:xfrm>
-          <a:off x="0" y="0"/>
-          <a:ext cx="0" cy="0"/>
-          <a:chOff x="0" y="0"/>
-          <a:chExt cx="0" cy="0"/>
-        </a:xfrm>
-      </p:grpSpPr>
-      <p:sp>
-        <p:nvSpPr>
-          <p:cNvPr id="2" name="Title 1"/>
-          <p:cNvSpPr>
-            <a:spLocks noGrp="1"/>
-          </p:cNvSpPr>
-          <p:nvPr>
-            <p:ph type="title"/>
-          </p:nvPr>
-        </p:nvSpPr>
-        <p:spPr>
-          <a:xfrm>
-            <a:off x="1792288" y="4800600"/>
-            <a:ext cx="5486400" cy="566738"/>
-          </a:xfrm>
-        </p:spPr>
-        <p:txBody>
-          <a:bodyPr anchor="b"/>
-          <a:lstStyle>
-            <a:lvl1pPr algn="l">
-              <a:defRPr sz="2000" b="1"/>
-            </a:lvl1pPr>
-          </a:lstStyle>
-          <a:p>
-            <a:r>
-              <a:rPr lang="en-US" smtClean="0"/>
-              <a:t>Click to edit Master title style</a:t>
-            </a:r>
-            <a:endParaRPr lang="en-US"/>
-          </a:p>
-        </p:txBody>
-      </p:sp>
-      <p:sp>
-        <p:nvSpPr>
-          <p:cNvPr id="3" name="Picture Placeholder 2"/>
-          <p:cNvSpPr>
-            <a:spLocks noGrp="1"/>
-          </p:cNvSpPr>
-          <p:nvPr>
-            <p:ph type="pic" idx="1"/>
-          </p:nvPr>
-        </p:nvSpPr>
-        <p:spPr>
-          <a:xfrm>
-            <a:off x="1792288" y="612775"/>
-            <a:ext cx="5486400" cy="4114800"/>
-          </a:xfrm>
-        </p:spPr>
-        <p:txBody>
-          <a:bodyPr/>
-          <a:lstStyle>
-            <a:lvl1pPr marL="0" indent="0">
-              <a:buNone/>
-              <a:defRPr sz="3200"/>
-            </a:lvl1pPr>
-            <a:lvl2pPr marL="457200" indent="0">
-              <a:buNone/>
-              <a:defRPr sz="2800"/>
-            </a:lvl2pPr>
-            <a:lvl3pPr marL="914400" indent="0">
-              <a:buNone/>
-              <a:defRPr sz="2400"/>
-            </a:lvl3pPr>
-            <a:lvl4pPr marL="1371600" indent="0">
-              <a:buNone/>
-              <a:defRPr sz="2000"/>
-            </a:lvl4pPr>
-            <a:lvl5pPr marL="1828800" indent="0">
-              <a:buNone/>
-              <a:defRPr sz="2000"/>
-            </a:lvl5pPr>
-            <a:lvl6pPr marL="2286000" indent="0">
-              <a:buNone/>
-              <a:defRPr sz="2000"/>
-            </a:lvl6pPr>
-            <a:lvl7pPr marL="2743200" indent="0">
-              <a:buNone/>
-              <a:defRPr sz="2000"/>
-            </a:lvl7pPr>
-            <a:lvl8pPr marL="3200400" indent="0">
-              <a:buNone/>
-              <a:defRPr sz="2000"/>
-            </a:lvl8pPr>
-            <a:lvl9pPr marL="3657600" indent="0">
-              <a:buNone/>
-              <a:defRPr sz="2000"/>
-            </a:lvl9pPr>
-          </a:lstStyle>
-          <a:p>
-            <a:endParaRPr lang="en-US"/>
-          </a:p>
-        </p:txBody>
-      </p:sp>
-      <p:sp>
-        <p:nvSpPr>
-          <p:cNvPr id="4" name="Text Placeholder 3"/>
-          <p:cNvSpPr>
-            <a:spLocks noGrp="1"/>
-          </p:cNvSpPr>
-          <p:nvPr>
-            <p:ph type="body" sz="half" idx="2"/>
-          </p:nvPr>
-        </p:nvSpPr>
-        <p:spPr>
-          <a:xfrm>
-            <a:off x="1792288" y="5367338"/>
-            <a:ext cx="5486400" cy="804862"/>
-          </a:xfrm>
-        </p:spPr>
-        <p:txBody>
-          <a:bodyPr/>
-          <a:lstStyle>
-            <a:lvl1pPr marL="0" indent="0">
-              <a:buNone/>
-              <a:defRPr sz="1400"/>
-            </a:lvl1pPr>
-            <a:lvl2pPr marL="457200" indent="0">
-              <a:buNone/>
-              <a:defRPr sz="1200"/>
-            </a:lvl2pPr>
-            <a:lvl3pPr marL="914400" indent="0">
-              <a:buNone/>
-              <a:defRPr sz="1000"/>
-            </a:lvl3pPr>
-            <a:lvl4pPr marL="1371600" indent="0">
-              <a:buNone/>
-              <a:defRPr sz="900"/>
-            </a:lvl4pPr>
-            <a:lvl5pPr marL="1828800" indent="0">
-              <a:buNone/>
-              <a:defRPr sz="900"/>
-            </a:lvl5pPr>
-            <a:lvl6pPr marL="2286000" indent="0">
-              <a:buNone/>
-              <a:defRPr sz="900"/>
-            </a:lvl6pPr>
-            <a:lvl7pPr marL="2743200" indent="0">
-              <a:buNone/>
-              <a:defRPr sz="900"/>
-            </a:lvl7pPr>
-            <a:lvl8pPr marL="3200400" indent="0">
-              <a:buNone/>
-              <a:defRPr sz="900"/>
-            </a:lvl8pPr>
-            <a:lvl9pPr marL="3657600" indent="0">
-              <a:buNone/>
-              <a:defRPr sz="900"/>
-            </a:lvl9pPr>
-          </a:lstStyle>
-          <a:p>
-            <a:pPr lvl="0"/>
-            <a:r>
-              <a:rPr lang="en-US" smtClean="0"/>
-              <a:t>Click to edit Master text styles</a:t>
-            </a:r>
-          </a:p>
-        </p:txBody>
-      </p:sp>
-      <p:sp>
-        <p:nvSpPr>
-          <p:cNvPr id="5" name="Date Placeholder 4"/>
-          <p:cNvSpPr>
-            <a:spLocks noGrp="1"/>
-          </p:cNvSpPr>
-          <p:nvPr>
-            <p:ph type="dt" sz="half" idx="10"/>
-          </p:nvPr>
-        </p:nvSpPr>
-        <p:spPr/>
-        <p:txBody>
-          <a:bodyPr/>
-          <a:lstStyle/>
-          <a:p>
-            <a:fld id="{693979EF-4621-4273-AF5F-DF6C03C4E4E7}" type="datetimeFigureOut">
-              <a:rPr lang="en-US" smtClean="0"/>
-              <a:t>5/4/2014</a:t>
-            </a:fld>
-            <a:endParaRPr lang="en-US"/>
-          </a:p>
-        </p:txBody>
-      </p:sp>
-      <p:sp>
-        <p:nvSpPr>
-          <p:cNvPr id="6" name="Footer Placeholder 5"/>
-          <p:cNvSpPr>
-            <a:spLocks noGrp="1"/>
-          </p:cNvSpPr>
-          <p:nvPr>
-            <p:ph type="ftr" sz="quarter" idx="11"/>
-          </p:nvPr>
-        </p:nvSpPr>
-        <p:spPr/>
-        <p:txBody>
-          <a:bodyPr/>
-          <a:lstStyle/>
-          <a:p>
-            <a:endParaRPr lang="en-US"/>
-          </a:p>
-        </p:txBody>
-      </p:sp>
-      <p:sp>
-        <p:nvSpPr>
-          <p:cNvPr id="7" name="Slide Number Placeholder 6"/>
-          <p:cNvSpPr>
-            <a:spLocks noGrp="1"/>
-          </p:cNvSpPr>
-          <p:nvPr>
-            <p:ph type="sldNum" sz="quarter" idx="12"/>
-          </p:nvPr>
-        </p:nvSpPr>
-        <p:spPr/>
-        <p:txBody>
-          <a:bodyPr/>
-          <a:lstStyle/>
-          <a:p>
-            <a:fld id="{6661E4F3-BB0A-4D53-9B5E-4C9753BFE76D}" type="slidenum">
-              <a:rPr lang="en-US" smtClean="0"/>
-              <a:t>‹#›</a:t>
-            </a:fld>
-            <a:endParaRPr lang="en-US"/>
+          <a:p>
+            <a:pPr lvl="1"/>
+            <a:r>
+              <a:rPr lang="en-US" smtClean="0"/>
+              <a:t>Second level</a:t>
+            </a:r>
+          </a:p>
+          <a:p>
+            <a:pPr lvl="2"/>
+            <a:r>
+              <a:rPr lang="en-US" smtClean="0"/>
+              <a:t>Third level</a:t>
+            </a:r>
+          </a:p>
+          <a:p>
+            <a:pPr lvl="3"/>
+            <a:r>
+              <a:rPr lang="en-US" smtClean="0"/>
+              <a:t>Fourth level</a:t>
+            </a:r>
+          </a:p>
+          <a:p>
+            <a:pPr lvl="4"/>
+            <a:r>
+              <a:rPr lang="en-US" smtClean="0"/>
+              <a:t>Fifth level</a:t>
+            </a:r>
+            <a:endParaRPr dirty="0"/>
           </a:p>
         </p:txBody>
       </p:sp>
@@ -2553,16 +7849,16 @@
         </p:nvSpPr>
         <p:spPr>
           <a:xfrm>
-            <a:off x="457200" y="274638"/>
-            <a:ext cx="8229600" cy="1143000"/>
+            <a:off x="498474" y="484094"/>
+            <a:ext cx="7556313" cy="1116106"/>
           </a:xfrm>
           <a:prstGeom prst="rect">
             <a:avLst/>
           </a:prstGeom>
         </p:spPr>
         <p:txBody>
-          <a:bodyPr vert="horz" lIns="91440" tIns="45720" rIns="91440" bIns="45720" rtlCol="0" anchor="ctr">
-            <a:normAutofit/>
+          <a:bodyPr vert="horz" lIns="91440" tIns="45720" rIns="91440" bIns="45720" rtlCol="0" anchor="t" anchorCtr="0">
+            <a:noAutofit/>
           </a:bodyPr>
           <a:lstStyle/>
           <a:p>
@@ -2570,7 +7866,7 @@
               <a:rPr lang="en-US" smtClean="0"/>
               <a:t>Click to edit Master title style</a:t>
             </a:r>
-            <a:endParaRPr lang="en-US"/>
+            <a:endParaRPr/>
           </a:p>
         </p:txBody>
       </p:sp>
@@ -2586,8 +7882,8 @@
         </p:nvSpPr>
         <p:spPr>
           <a:xfrm>
-            <a:off x="457200" y="1600200"/>
-            <a:ext cx="8229600" cy="4525963"/>
+            <a:off x="498474" y="1981200"/>
+            <a:ext cx="7556313" cy="4144963"/>
           </a:xfrm>
           <a:prstGeom prst="rect">
             <a:avLst/>
@@ -2632,7 +7928,7 @@
               <a:rPr lang="en-US" smtClean="0"/>
               <a:t>Fifth level</a:t>
             </a:r>
-            <a:endParaRPr lang="en-US"/>
+            <a:endParaRPr dirty="0"/>
           </a:p>
         </p:txBody>
       </p:sp>
@@ -2648,7 +7944,7 @@
         </p:nvSpPr>
         <p:spPr>
           <a:xfrm>
-            <a:off x="457200" y="6356350"/>
+            <a:off x="6795247" y="6423585"/>
             <a:ext cx="2133600" cy="365125"/>
           </a:xfrm>
           <a:prstGeom prst="rect">
@@ -2658,11 +7954,12 @@
         <p:txBody>
           <a:bodyPr vert="horz" lIns="91440" tIns="45720" rIns="91440" bIns="45720" rtlCol="0" anchor="ctr"/>
           <a:lstStyle>
-            <a:lvl1pPr algn="l">
-              <a:defRPr sz="1200">
+            <a:lvl1pPr algn="r">
+              <a:defRPr sz="1100">
                 <a:solidFill>
                   <a:schemeClr val="tx1">
-                    <a:tint val="75000"/>
+                    <a:lumMod val="65000"/>
+                    <a:lumOff val="35000"/>
                   </a:schemeClr>
                 </a:solidFill>
               </a:defRPr>
@@ -2671,7 +7968,7 @@
           <a:p>
             <a:fld id="{693979EF-4621-4273-AF5F-DF6C03C4E4E7}" type="datetimeFigureOut">
               <a:rPr lang="en-US" smtClean="0"/>
-              <a:t>5/4/2014</a:t>
+              <a:t>5/5/14</a:t>
             </a:fld>
             <a:endParaRPr lang="en-US"/>
           </a:p>
@@ -2689,8 +7986,8 @@
         </p:nvSpPr>
         <p:spPr>
           <a:xfrm>
-            <a:off x="3124200" y="6356350"/>
-            <a:ext cx="2895600" cy="365125"/>
+            <a:off x="201706" y="6423585"/>
+            <a:ext cx="6122894" cy="365125"/>
           </a:xfrm>
           <a:prstGeom prst="rect">
             <a:avLst/>
@@ -2699,11 +7996,12 @@
         <p:txBody>
           <a:bodyPr vert="horz" lIns="91440" tIns="45720" rIns="91440" bIns="45720" rtlCol="0" anchor="ctr"/>
           <a:lstStyle>
-            <a:lvl1pPr algn="ctr">
-              <a:defRPr sz="1200">
+            <a:lvl1pPr algn="l">
+              <a:defRPr sz="1100">
                 <a:solidFill>
                   <a:schemeClr val="tx1">
-                    <a:tint val="75000"/>
+                    <a:lumMod val="65000"/>
+                    <a:lumOff val="35000"/>
                   </a:schemeClr>
                 </a:solidFill>
               </a:defRPr>
@@ -2726,8 +8024,8 @@
         </p:nvSpPr>
         <p:spPr>
           <a:xfrm>
-            <a:off x="6553200" y="6356350"/>
-            <a:ext cx="2133600" cy="365125"/>
+            <a:off x="8305800" y="242234"/>
+            <a:ext cx="554038" cy="365125"/>
           </a:xfrm>
           <a:prstGeom prst="rect">
             <a:avLst/>
@@ -2737,11 +8035,9 @@
           <a:bodyPr vert="horz" lIns="91440" tIns="45720" rIns="91440" bIns="45720" rtlCol="0" anchor="ctr"/>
           <a:lstStyle>
             <a:lvl1pPr algn="r">
-              <a:defRPr sz="1200">
+              <a:defRPr sz="1400">
                 <a:solidFill>
-                  <a:schemeClr val="tx1">
-                    <a:tint val="75000"/>
-                  </a:schemeClr>
+                  <a:schemeClr val="bg1"/>
                 </a:solidFill>
               </a:defRPr>
             </a:lvl1pPr>
@@ -2759,28 +8055,37 @@
   </p:cSld>
   <p:clrMap bg1="lt1" tx1="dk1" bg2="lt2" tx2="dk2" accent1="accent1" accent2="accent2" accent3="accent3" accent4="accent4" accent5="accent5" accent6="accent6" hlink="hlink" folHlink="folHlink"/>
   <p:sldLayoutIdLst>
-    <p:sldLayoutId id="2147483649" r:id="rId1"/>
-    <p:sldLayoutId id="2147483650" r:id="rId2"/>
-    <p:sldLayoutId id="2147483651" r:id="rId3"/>
-    <p:sldLayoutId id="2147483652" r:id="rId4"/>
-    <p:sldLayoutId id="2147483653" r:id="rId5"/>
-    <p:sldLayoutId id="2147483654" r:id="rId6"/>
-    <p:sldLayoutId id="2147483655" r:id="rId7"/>
-    <p:sldLayoutId id="2147483656" r:id="rId8"/>
-    <p:sldLayoutId id="2147483657" r:id="rId9"/>
-    <p:sldLayoutId id="2147483658" r:id="rId10"/>
-    <p:sldLayoutId id="2147483659" r:id="rId11"/>
+    <p:sldLayoutId id="2147483673" r:id="rId1"/>
+    <p:sldLayoutId id="2147483674" r:id="rId2"/>
+    <p:sldLayoutId id="2147483675" r:id="rId3"/>
+    <p:sldLayoutId id="2147483676" r:id="rId4"/>
+    <p:sldLayoutId id="2147483677" r:id="rId5"/>
+    <p:sldLayoutId id="2147483678" r:id="rId6"/>
+    <p:sldLayoutId id="2147483679" r:id="rId7"/>
+    <p:sldLayoutId id="2147483680" r:id="rId8"/>
+    <p:sldLayoutId id="2147483681" r:id="rId9"/>
+    <p:sldLayoutId id="2147483682" r:id="rId10"/>
+    <p:sldLayoutId id="2147483683" r:id="rId11"/>
+    <p:sldLayoutId id="2147483684" r:id="rId12"/>
+    <p:sldLayoutId id="2147483685" r:id="rId13"/>
+    <p:sldLayoutId id="2147483686" r:id="rId14"/>
+    <p:sldLayoutId id="2147483687" r:id="rId15"/>
+    <p:sldLayoutId id="2147483688" r:id="rId16"/>
+    <p:sldLayoutId id="2147483689" r:id="rId17"/>
+    <p:sldLayoutId id="2147483690" r:id="rId18"/>
+    <p:sldLayoutId id="2147483691" r:id="rId19"/>
+    <p:sldLayoutId id="2147483692" r:id="rId20"/>
   </p:sldLayoutIdLst>
   <p:txStyles>
     <p:titleStyle>
-      <a:lvl1pPr algn="ctr" defTabSz="914400" rtl="0" eaLnBrk="1" latinLnBrk="0" hangingPunct="1">
+      <a:lvl1pPr algn="l" defTabSz="914400" rtl="0" eaLnBrk="1" latinLnBrk="0" hangingPunct="1">
         <a:spcBef>
           <a:spcPct val="0"/>
         </a:spcBef>
         <a:buNone/>
-        <a:defRPr sz="4400" kern="1200">
+        <a:defRPr sz="3600" b="0" kern="1200">
           <a:solidFill>
-            <a:schemeClr val="tx1"/>
+            <a:schemeClr val="accent1"/>
           </a:solidFill>
           <a:latin typeface="+mj-lt"/>
           <a:ea typeface="+mj-ea"/>
@@ -2789,135 +8094,210 @@
       </a:lvl1pPr>
     </p:titleStyle>
     <p:bodyStyle>
-      <a:lvl1pPr marL="342900" indent="-342900" algn="l" defTabSz="914400" rtl="0" eaLnBrk="1" latinLnBrk="0" hangingPunct="1">
+      <a:lvl1pPr marL="228600" indent="-228600" algn="l" defTabSz="914400" rtl="0" eaLnBrk="1" latinLnBrk="0" hangingPunct="1">
         <a:spcBef>
-          <a:spcPct val="20000"/>
+          <a:spcPts val="2000"/>
         </a:spcBef>
-        <a:buFont typeface="Arial" pitchFamily="34" charset="0"/>
-        <a:buChar char="•"/>
-        <a:defRPr sz="3200" kern="1200">
+        <a:buClr>
+          <a:schemeClr val="accent1"/>
+        </a:buClr>
+        <a:buSzPct val="75000"/>
+        <a:buFont typeface="Wingdings" pitchFamily="2" charset="2"/>
+        <a:buChar char="n"/>
+        <a:defRPr sz="2000" kern="1200">
           <a:solidFill>
-            <a:schemeClr val="tx1"/>
+            <a:schemeClr val="tx1">
+              <a:lumMod val="65000"/>
+              <a:lumOff val="35000"/>
+            </a:schemeClr>
           </a:solidFill>
           <a:latin typeface="+mn-lt"/>
           <a:ea typeface="+mn-ea"/>
           <a:cs typeface="+mn-cs"/>
         </a:defRPr>
       </a:lvl1pPr>
-      <a:lvl2pPr marL="742950" indent="-285750" algn="l" defTabSz="914400" rtl="0" eaLnBrk="1" latinLnBrk="0" hangingPunct="1">
+      <a:lvl2pPr marL="457200" indent="-228600" algn="l" defTabSz="914400" rtl="0" eaLnBrk="1" latinLnBrk="0" hangingPunct="1">
         <a:spcBef>
-          <a:spcPct val="20000"/>
+          <a:spcPts val="600"/>
         </a:spcBef>
-        <a:buFont typeface="Arial" pitchFamily="34" charset="0"/>
-        <a:buChar char="–"/>
-        <a:defRPr sz="2800" kern="1200">
+        <a:buClr>
+          <a:schemeClr val="accent1">
+            <a:lumMod val="60000"/>
+            <a:lumOff val="40000"/>
+          </a:schemeClr>
+        </a:buClr>
+        <a:buSzPct val="75000"/>
+        <a:buFont typeface="Wingdings" pitchFamily="2" charset="2"/>
+        <a:buChar char="n"/>
+        <a:defRPr sz="1800" kern="1200">
           <a:solidFill>
-            <a:schemeClr val="tx1"/>
+            <a:schemeClr val="tx1">
+              <a:lumMod val="65000"/>
+              <a:lumOff val="35000"/>
+            </a:schemeClr>
           </a:solidFill>
           <a:latin typeface="+mn-lt"/>
           <a:ea typeface="+mn-ea"/>
           <a:cs typeface="+mn-cs"/>
         </a:defRPr>
       </a:lvl2pPr>
-      <a:lvl3pPr marL="1143000" indent="-228600" algn="l" defTabSz="914400" rtl="0" eaLnBrk="1" latinLnBrk="0" hangingPunct="1">
+      <a:lvl3pPr marL="685800" indent="-228600" algn="l" defTabSz="914400" rtl="0" eaLnBrk="1" latinLnBrk="0" hangingPunct="1">
         <a:spcBef>
-          <a:spcPct val="20000"/>
+          <a:spcPts val="600"/>
         </a:spcBef>
-        <a:buFont typeface="Arial" pitchFamily="34" charset="0"/>
-        <a:buChar char="•"/>
-        <a:defRPr sz="2400" kern="1200">
+        <a:buClr>
+          <a:schemeClr val="accent1"/>
+        </a:buClr>
+        <a:buSzPct val="75000"/>
+        <a:buFont typeface="Wingdings" pitchFamily="2" charset="2"/>
+        <a:buChar char="n"/>
+        <a:defRPr sz="1800" kern="1200">
           <a:solidFill>
-            <a:schemeClr val="tx1"/>
+            <a:schemeClr val="tx1">
+              <a:lumMod val="65000"/>
+              <a:lumOff val="35000"/>
+            </a:schemeClr>
           </a:solidFill>
           <a:latin typeface="+mn-lt"/>
           <a:ea typeface="+mn-ea"/>
           <a:cs typeface="+mn-cs"/>
         </a:defRPr>
       </a:lvl3pPr>
-      <a:lvl4pPr marL="1600200" indent="-228600" algn="l" defTabSz="914400" rtl="0" eaLnBrk="1" latinLnBrk="0" hangingPunct="1">
+      <a:lvl4pPr marL="914400" indent="-228600" algn="l" defTabSz="914400" rtl="0" eaLnBrk="1" latinLnBrk="0" hangingPunct="1">
         <a:spcBef>
-          <a:spcPct val="20000"/>
+          <a:spcPts val="600"/>
         </a:spcBef>
-        <a:buFont typeface="Arial" pitchFamily="34" charset="0"/>
-        <a:buChar char="–"/>
-        <a:defRPr sz="2000" kern="1200">
+        <a:buClr>
+          <a:schemeClr val="accent1">
+            <a:lumMod val="60000"/>
+            <a:lumOff val="40000"/>
+          </a:schemeClr>
+        </a:buClr>
+        <a:buSzPct val="75000"/>
+        <a:buFont typeface="Wingdings" pitchFamily="2" charset="2"/>
+        <a:buChar char="n"/>
+        <a:defRPr sz="1800" kern="1200">
           <a:solidFill>
-            <a:schemeClr val="tx1"/>
+            <a:schemeClr val="tx1">
+              <a:lumMod val="65000"/>
+              <a:lumOff val="35000"/>
+            </a:schemeClr>
           </a:solidFill>
           <a:latin typeface="+mn-lt"/>
           <a:ea typeface="+mn-ea"/>
           <a:cs typeface="+mn-cs"/>
         </a:defRPr>
       </a:lvl4pPr>
-      <a:lvl5pPr marL="2057400" indent="-228600" algn="l" defTabSz="914400" rtl="0" eaLnBrk="1" latinLnBrk="0" hangingPunct="1">
+      <a:lvl5pPr marL="1143000" indent="-228600" algn="l" defTabSz="914400" rtl="0" eaLnBrk="1" latinLnBrk="0" hangingPunct="1">
         <a:spcBef>
-          <a:spcPct val="20000"/>
+          <a:spcPts val="600"/>
         </a:spcBef>
-        <a:buFont typeface="Arial" pitchFamily="34" charset="0"/>
-        <a:buChar char="»"/>
-        <a:defRPr sz="2000" kern="1200">
+        <a:buClr>
+          <a:schemeClr val="accent1"/>
+        </a:buClr>
+        <a:buSzPct val="75000"/>
+        <a:buFont typeface="Wingdings" pitchFamily="2" charset="2"/>
+        <a:buChar char="n"/>
+        <a:defRPr sz="1800" kern="1200">
           <a:solidFill>
-            <a:schemeClr val="tx1"/>
+            <a:schemeClr val="tx1">
+              <a:lumMod val="65000"/>
+              <a:lumOff val="35000"/>
+            </a:schemeClr>
           </a:solidFill>
           <a:latin typeface="+mn-lt"/>
           <a:ea typeface="+mn-ea"/>
           <a:cs typeface="+mn-cs"/>
         </a:defRPr>
       </a:lvl5pPr>
-      <a:lvl6pPr marL="2514600" indent="-228600" algn="l" defTabSz="914400" rtl="0" eaLnBrk="1" latinLnBrk="0" hangingPunct="1">
+      <a:lvl6pPr marL="1377950" indent="-228600" algn="l" defTabSz="914400" rtl="0" eaLnBrk="1" latinLnBrk="0" hangingPunct="1">
         <a:spcBef>
           <a:spcPct val="20000"/>
         </a:spcBef>
-        <a:buFont typeface="Arial" pitchFamily="34" charset="0"/>
-        <a:buChar char="•"/>
-        <a:defRPr sz="2000" kern="1200">
+        <a:buClr>
+          <a:schemeClr val="accent1">
+            <a:lumMod val="60000"/>
+            <a:lumOff val="40000"/>
+          </a:schemeClr>
+        </a:buClr>
+        <a:buSzPct val="75000"/>
+        <a:buFont typeface="Wingdings" pitchFamily="2" charset="2"/>
+        <a:buChar char=""/>
+        <a:defRPr lang="en-US" sz="1800" kern="1200" dirty="0" smtClean="0">
           <a:solidFill>
-            <a:schemeClr val="tx1"/>
+            <a:schemeClr val="tx1">
+              <a:lumMod val="65000"/>
+              <a:lumOff val="35000"/>
+            </a:schemeClr>
           </a:solidFill>
           <a:latin typeface="+mn-lt"/>
           <a:ea typeface="+mn-ea"/>
           <a:cs typeface="+mn-cs"/>
         </a:defRPr>
       </a:lvl6pPr>
-      <a:lvl7pPr marL="2971800" indent="-228600" algn="l" defTabSz="914400" rtl="0" eaLnBrk="1" latinLnBrk="0" hangingPunct="1">
+      <a:lvl7pPr marL="1603375" indent="-228600" algn="l" defTabSz="914400" rtl="0" eaLnBrk="1" latinLnBrk="0" hangingPunct="1">
         <a:spcBef>
           <a:spcPct val="20000"/>
         </a:spcBef>
-        <a:buFont typeface="Arial" pitchFamily="34" charset="0"/>
-        <a:buChar char="•"/>
-        <a:defRPr sz="2000" kern="1200">
+        <a:buClr>
+          <a:schemeClr val="accent1"/>
+        </a:buClr>
+        <a:buSzPct val="75000"/>
+        <a:buFont typeface="Wingdings" pitchFamily="2" charset="2"/>
+        <a:buChar char=""/>
+        <a:defRPr lang="en-US" sz="1800" kern="1200" baseline="0" dirty="0" smtClean="0">
           <a:solidFill>
-            <a:schemeClr val="tx1"/>
+            <a:schemeClr val="tx1">
+              <a:lumMod val="65000"/>
+              <a:lumOff val="35000"/>
+            </a:schemeClr>
           </a:solidFill>
           <a:latin typeface="+mn-lt"/>
           <a:ea typeface="+mn-ea"/>
           <a:cs typeface="+mn-cs"/>
         </a:defRPr>
       </a:lvl7pPr>
-      <a:lvl8pPr marL="3429000" indent="-228600" algn="l" defTabSz="914400" rtl="0" eaLnBrk="1" latinLnBrk="0" hangingPunct="1">
+      <a:lvl8pPr marL="1830388" indent="-228600" algn="l" defTabSz="914400" rtl="0" eaLnBrk="1" latinLnBrk="0" hangingPunct="1">
         <a:spcBef>
           <a:spcPct val="20000"/>
         </a:spcBef>
-        <a:buFont typeface="Arial" pitchFamily="34" charset="0"/>
-        <a:buChar char="•"/>
-        <a:defRPr sz="2000" kern="1200">
+        <a:buClr>
+          <a:schemeClr val="accent1">
+            <a:lumMod val="60000"/>
+            <a:lumOff val="40000"/>
+          </a:schemeClr>
+        </a:buClr>
+        <a:buSzPct val="75000"/>
+        <a:buFont typeface="Wingdings" pitchFamily="2" charset="2"/>
+        <a:buChar char=""/>
+        <a:defRPr lang="en-US" sz="1800" kern="1200" baseline="0" dirty="0" smtClean="0">
           <a:solidFill>
-            <a:schemeClr val="tx1"/>
+            <a:schemeClr val="tx1">
+              <a:lumMod val="65000"/>
+              <a:lumOff val="35000"/>
+            </a:schemeClr>
           </a:solidFill>
           <a:latin typeface="+mn-lt"/>
           <a:ea typeface="+mn-ea"/>
           <a:cs typeface="+mn-cs"/>
         </a:defRPr>
       </a:lvl8pPr>
-      <a:lvl9pPr marL="3886200" indent="-228600" algn="l" defTabSz="914400" rtl="0" eaLnBrk="1" latinLnBrk="0" hangingPunct="1">
+      <a:lvl9pPr marL="2057400" indent="-228600" algn="l" defTabSz="914400" rtl="0" eaLnBrk="1" latinLnBrk="0" hangingPunct="1">
         <a:spcBef>
           <a:spcPct val="20000"/>
         </a:spcBef>
-        <a:buFont typeface="Arial" pitchFamily="34" charset="0"/>
-        <a:buChar char="•"/>
-        <a:defRPr sz="2000" kern="1200">
+        <a:buClr>
+          <a:schemeClr val="accent1"/>
+        </a:buClr>
+        <a:buSzPct val="75000"/>
+        <a:buFont typeface="Wingdings" pitchFamily="2" charset="2"/>
+        <a:buChar char=""/>
+        <a:defRPr lang="en-US" sz="1800" kern="1200" baseline="0" dirty="0">
           <a:solidFill>
-            <a:schemeClr val="tx1"/>
+            <a:schemeClr val="tx1">
+              <a:lumMod val="65000"/>
+              <a:lumOff val="35000"/>
+            </a:schemeClr>
           </a:solidFill>
           <a:latin typeface="+mn-lt"/>
           <a:ea typeface="+mn-ea"/>
@@ -2927,7 +8307,7 @@
     </p:bodyStyle>
     <p:otherStyle>
       <a:defPPr>
-        <a:defRPr lang="en-US"/>
+        <a:defRPr/>
       </a:defPPr>
       <a:lvl1pPr marL="0" algn="l" defTabSz="914400" rtl="0" eaLnBrk="1" latinLnBrk="0" hangingPunct="1">
         <a:defRPr sz="1800" kern="1200">
@@ -3053,7 +8433,9 @@
         </p:nvSpPr>
         <p:spPr/>
         <p:txBody>
-          <a:bodyPr/>
+          <a:bodyPr>
+            <a:normAutofit fontScale="90000"/>
+          </a:bodyPr>
           <a:lstStyle/>
           <a:p>
             <a:r>
@@ -3139,7 +8521,7 @@
           <a:lstStyle/>
           <a:p>
             <a:r>
-              <a:rPr lang="en-US" dirty="0" err="1" smtClean="0"/>
+              <a:rPr lang="en-US" sz="4400" dirty="0" err="1" smtClean="0"/>
               <a:t>ToC</a:t>
             </a:r>
             <a:endParaRPr lang="en-US" dirty="0"/>
@@ -3253,7 +8635,7 @@
           <a:lstStyle/>
           <a:p>
             <a:r>
-              <a:rPr lang="en-US" dirty="0" smtClean="0"/>
+              <a:rPr lang="en-US" sz="4400" dirty="0" smtClean="0"/>
               <a:t>Requirements</a:t>
             </a:r>
             <a:endParaRPr lang="en-US" dirty="0"/>
@@ -3336,10 +8718,10 @@
           <a:lstStyle/>
           <a:p>
             <a:r>
-              <a:rPr lang="en-US" dirty="0" smtClean="0"/>
+              <a:rPr lang="en-US" sz="4400" dirty="0" smtClean="0"/>
               <a:t>Top-Down Design</a:t>
             </a:r>
-            <a:endParaRPr lang="en-US" dirty="0"/>
+            <a:endParaRPr lang="en-US" sz="4400" dirty="0"/>
           </a:p>
         </p:txBody>
       </p:sp>
@@ -3425,10 +8807,10 @@
           <a:lstStyle/>
           <a:p>
             <a:r>
-              <a:rPr lang="en-US" dirty="0" smtClean="0"/>
+              <a:rPr lang="en-US" sz="4400" dirty="0" smtClean="0"/>
               <a:t>Object Oriented Programming</a:t>
             </a:r>
-            <a:endParaRPr lang="en-US" dirty="0"/>
+            <a:endParaRPr lang="en-US" sz="4400" dirty="0"/>
           </a:p>
         </p:txBody>
       </p:sp>
@@ -3442,10 +8824,15 @@
             <p:ph idx="1"/>
           </p:nvPr>
         </p:nvSpPr>
-        <p:spPr/>
+        <p:spPr>
+          <a:xfrm>
+            <a:off x="457200" y="2209800"/>
+            <a:ext cx="4149726" cy="4144963"/>
+          </a:xfrm>
+        </p:spPr>
         <p:txBody>
           <a:bodyPr>
-            <a:normAutofit fontScale="85000" lnSpcReduction="20000"/>
+            <a:normAutofit/>
           </a:bodyPr>
           <a:lstStyle/>
           <a:p>
@@ -3484,9 +8871,249 @@
             <a:pPr lvl="1"/>
             <a:r>
               <a:rPr lang="en-US" dirty="0" smtClean="0"/>
-              <a:t>Contains movement and updates</a:t>
-            </a:r>
-          </a:p>
+              <a:t>Contains movement and </a:t>
+            </a:r>
+            <a:r>
+              <a:rPr lang="en-US" dirty="0" smtClean="0"/>
+              <a:t>updates</a:t>
+            </a:r>
+            <a:endParaRPr lang="en-US" dirty="0" smtClean="0"/>
+          </a:p>
+        </p:txBody>
+      </p:sp>
+      <p:sp>
+        <p:nvSpPr>
+          <p:cNvPr id="6" name="Content Placeholder 2"/>
+          <p:cNvSpPr txBox="1">
+            <a:spLocks/>
+          </p:cNvSpPr>
+          <p:nvPr/>
+        </p:nvSpPr>
+        <p:spPr>
+          <a:xfrm>
+            <a:off x="4800600" y="2209800"/>
+            <a:ext cx="4149726" cy="4144963"/>
+          </a:xfrm>
+          <a:prstGeom prst="rect">
+            <a:avLst/>
+          </a:prstGeom>
+        </p:spPr>
+        <p:txBody>
+          <a:bodyPr vert="horz" lIns="91440" tIns="45720" rIns="91440" bIns="45720" rtlCol="0">
+            <a:normAutofit/>
+          </a:bodyPr>
+          <a:lstStyle>
+            <a:lvl1pPr marL="228600" indent="-228600" algn="l" defTabSz="914400" rtl="0" eaLnBrk="1" latinLnBrk="0" hangingPunct="1">
+              <a:spcBef>
+                <a:spcPts val="2000"/>
+              </a:spcBef>
+              <a:buClr>
+                <a:schemeClr val="accent1"/>
+              </a:buClr>
+              <a:buSzPct val="75000"/>
+              <a:buFont typeface="Wingdings" pitchFamily="2" charset="2"/>
+              <a:buChar char="n"/>
+              <a:defRPr sz="2000" kern="1200">
+                <a:solidFill>
+                  <a:schemeClr val="tx1">
+                    <a:lumMod val="65000"/>
+                    <a:lumOff val="35000"/>
+                  </a:schemeClr>
+                </a:solidFill>
+                <a:latin typeface="+mn-lt"/>
+                <a:ea typeface="+mn-ea"/>
+                <a:cs typeface="+mn-cs"/>
+              </a:defRPr>
+            </a:lvl1pPr>
+            <a:lvl2pPr marL="457200" indent="-228600" algn="l" defTabSz="914400" rtl="0" eaLnBrk="1" latinLnBrk="0" hangingPunct="1">
+              <a:spcBef>
+                <a:spcPts val="600"/>
+              </a:spcBef>
+              <a:buClr>
+                <a:schemeClr val="accent1">
+                  <a:lumMod val="60000"/>
+                  <a:lumOff val="40000"/>
+                </a:schemeClr>
+              </a:buClr>
+              <a:buSzPct val="75000"/>
+              <a:buFont typeface="Wingdings" pitchFamily="2" charset="2"/>
+              <a:buChar char="n"/>
+              <a:defRPr sz="1800" kern="1200">
+                <a:solidFill>
+                  <a:schemeClr val="tx1">
+                    <a:lumMod val="65000"/>
+                    <a:lumOff val="35000"/>
+                  </a:schemeClr>
+                </a:solidFill>
+                <a:latin typeface="+mn-lt"/>
+                <a:ea typeface="+mn-ea"/>
+                <a:cs typeface="+mn-cs"/>
+              </a:defRPr>
+            </a:lvl2pPr>
+            <a:lvl3pPr marL="685800" indent="-228600" algn="l" defTabSz="914400" rtl="0" eaLnBrk="1" latinLnBrk="0" hangingPunct="1">
+              <a:spcBef>
+                <a:spcPts val="600"/>
+              </a:spcBef>
+              <a:buClr>
+                <a:schemeClr val="accent1"/>
+              </a:buClr>
+              <a:buSzPct val="75000"/>
+              <a:buFont typeface="Wingdings" pitchFamily="2" charset="2"/>
+              <a:buChar char="n"/>
+              <a:defRPr sz="1800" kern="1200">
+                <a:solidFill>
+                  <a:schemeClr val="tx1">
+                    <a:lumMod val="65000"/>
+                    <a:lumOff val="35000"/>
+                  </a:schemeClr>
+                </a:solidFill>
+                <a:latin typeface="+mn-lt"/>
+                <a:ea typeface="+mn-ea"/>
+                <a:cs typeface="+mn-cs"/>
+              </a:defRPr>
+            </a:lvl3pPr>
+            <a:lvl4pPr marL="914400" indent="-228600" algn="l" defTabSz="914400" rtl="0" eaLnBrk="1" latinLnBrk="0" hangingPunct="1">
+              <a:spcBef>
+                <a:spcPts val="600"/>
+              </a:spcBef>
+              <a:buClr>
+                <a:schemeClr val="accent1">
+                  <a:lumMod val="60000"/>
+                  <a:lumOff val="40000"/>
+                </a:schemeClr>
+              </a:buClr>
+              <a:buSzPct val="75000"/>
+              <a:buFont typeface="Wingdings" pitchFamily="2" charset="2"/>
+              <a:buChar char="n"/>
+              <a:defRPr sz="1800" kern="1200">
+                <a:solidFill>
+                  <a:schemeClr val="tx1">
+                    <a:lumMod val="65000"/>
+                    <a:lumOff val="35000"/>
+                  </a:schemeClr>
+                </a:solidFill>
+                <a:latin typeface="+mn-lt"/>
+                <a:ea typeface="+mn-ea"/>
+                <a:cs typeface="+mn-cs"/>
+              </a:defRPr>
+            </a:lvl4pPr>
+            <a:lvl5pPr marL="1143000" indent="-228600" algn="l" defTabSz="914400" rtl="0" eaLnBrk="1" latinLnBrk="0" hangingPunct="1">
+              <a:spcBef>
+                <a:spcPts val="600"/>
+              </a:spcBef>
+              <a:buClr>
+                <a:schemeClr val="accent1"/>
+              </a:buClr>
+              <a:buSzPct val="75000"/>
+              <a:buFont typeface="Wingdings" pitchFamily="2" charset="2"/>
+              <a:buChar char="n"/>
+              <a:defRPr sz="1800" kern="1200">
+                <a:solidFill>
+                  <a:schemeClr val="tx1">
+                    <a:lumMod val="65000"/>
+                    <a:lumOff val="35000"/>
+                  </a:schemeClr>
+                </a:solidFill>
+                <a:latin typeface="+mn-lt"/>
+                <a:ea typeface="+mn-ea"/>
+                <a:cs typeface="+mn-cs"/>
+              </a:defRPr>
+            </a:lvl5pPr>
+            <a:lvl6pPr marL="1377950" indent="-228600" algn="l" defTabSz="914400" rtl="0" eaLnBrk="1" latinLnBrk="0" hangingPunct="1">
+              <a:spcBef>
+                <a:spcPct val="20000"/>
+              </a:spcBef>
+              <a:buClr>
+                <a:schemeClr val="accent1">
+                  <a:lumMod val="60000"/>
+                  <a:lumOff val="40000"/>
+                </a:schemeClr>
+              </a:buClr>
+              <a:buSzPct val="75000"/>
+              <a:buFont typeface="Wingdings" pitchFamily="2" charset="2"/>
+              <a:buChar char=""/>
+              <a:defRPr lang="en-US" sz="1800" kern="1200" dirty="0" smtClean="0">
+                <a:solidFill>
+                  <a:schemeClr val="tx1">
+                    <a:lumMod val="65000"/>
+                    <a:lumOff val="35000"/>
+                  </a:schemeClr>
+                </a:solidFill>
+                <a:latin typeface="+mn-lt"/>
+                <a:ea typeface="+mn-ea"/>
+                <a:cs typeface="+mn-cs"/>
+              </a:defRPr>
+            </a:lvl6pPr>
+            <a:lvl7pPr marL="1603375" indent="-228600" algn="l" defTabSz="914400" rtl="0" eaLnBrk="1" latinLnBrk="0" hangingPunct="1">
+              <a:spcBef>
+                <a:spcPct val="20000"/>
+              </a:spcBef>
+              <a:buClr>
+                <a:schemeClr val="accent1"/>
+              </a:buClr>
+              <a:buSzPct val="75000"/>
+              <a:buFont typeface="Wingdings" pitchFamily="2" charset="2"/>
+              <a:buChar char=""/>
+              <a:defRPr lang="en-US" sz="1800" kern="1200" baseline="0" dirty="0" smtClean="0">
+                <a:solidFill>
+                  <a:schemeClr val="tx1">
+                    <a:lumMod val="65000"/>
+                    <a:lumOff val="35000"/>
+                  </a:schemeClr>
+                </a:solidFill>
+                <a:latin typeface="+mn-lt"/>
+                <a:ea typeface="+mn-ea"/>
+                <a:cs typeface="+mn-cs"/>
+              </a:defRPr>
+            </a:lvl7pPr>
+            <a:lvl8pPr marL="1830388" indent="-228600" algn="l" defTabSz="914400" rtl="0" eaLnBrk="1" latinLnBrk="0" hangingPunct="1">
+              <a:spcBef>
+                <a:spcPct val="20000"/>
+              </a:spcBef>
+              <a:buClr>
+                <a:schemeClr val="accent1">
+                  <a:lumMod val="60000"/>
+                  <a:lumOff val="40000"/>
+                </a:schemeClr>
+              </a:buClr>
+              <a:buSzPct val="75000"/>
+              <a:buFont typeface="Wingdings" pitchFamily="2" charset="2"/>
+              <a:buChar char=""/>
+              <a:defRPr lang="en-US" sz="1800" kern="1200" baseline="0" dirty="0" smtClean="0">
+                <a:solidFill>
+                  <a:schemeClr val="tx1">
+                    <a:lumMod val="65000"/>
+                    <a:lumOff val="35000"/>
+                  </a:schemeClr>
+                </a:solidFill>
+                <a:latin typeface="+mn-lt"/>
+                <a:ea typeface="+mn-ea"/>
+                <a:cs typeface="+mn-cs"/>
+              </a:defRPr>
+            </a:lvl8pPr>
+            <a:lvl9pPr marL="2057400" indent="-228600" algn="l" defTabSz="914400" rtl="0" eaLnBrk="1" latinLnBrk="0" hangingPunct="1">
+              <a:spcBef>
+                <a:spcPct val="20000"/>
+              </a:spcBef>
+              <a:buClr>
+                <a:schemeClr val="accent1"/>
+              </a:buClr>
+              <a:buSzPct val="75000"/>
+              <a:buFont typeface="Wingdings" pitchFamily="2" charset="2"/>
+              <a:buChar char=""/>
+              <a:defRPr lang="en-US" sz="1800" kern="1200" baseline="0" dirty="0">
+                <a:solidFill>
+                  <a:schemeClr val="tx1">
+                    <a:lumMod val="65000"/>
+                    <a:lumOff val="35000"/>
+                  </a:schemeClr>
+                </a:solidFill>
+                <a:latin typeface="+mn-lt"/>
+                <a:ea typeface="+mn-ea"/>
+                <a:cs typeface="+mn-cs"/>
+              </a:defRPr>
+            </a:lvl9pPr>
+          </a:lstStyle>
           <a:p>
             <a:r>
               <a:rPr lang="en-US" dirty="0" smtClean="0"/>
@@ -3564,10 +9191,10 @@
           <a:lstStyle/>
           <a:p>
             <a:r>
-              <a:rPr lang="en-US" dirty="0" smtClean="0"/>
+              <a:rPr lang="en-US" sz="4400" dirty="0" smtClean="0"/>
               <a:t>Algorithm</a:t>
             </a:r>
-            <a:endParaRPr lang="en-US" dirty="0"/>
+            <a:endParaRPr lang="en-US" sz="4400" dirty="0"/>
           </a:p>
         </p:txBody>
       </p:sp>
@@ -3587,7 +9214,7 @@
           <a:lstStyle/>
           <a:p>
             <a:r>
-              <a:rPr lang="en-US" dirty="0" smtClean="0"/>
+              <a:rPr lang="en-US" sz="2800" dirty="0" smtClean="0"/>
               <a:t>Collision</a:t>
             </a:r>
           </a:p>
@@ -3597,7 +9224,7 @@
               <a:buAutoNum type="arabicPeriod"/>
             </a:pPr>
             <a:r>
-              <a:rPr lang="en-US" dirty="0" smtClean="0"/>
+              <a:rPr lang="en-US" sz="2400" dirty="0" smtClean="0"/>
               <a:t>When key is pressed, direction is passed</a:t>
             </a:r>
           </a:p>
@@ -3607,7 +9234,7 @@
               <a:buAutoNum type="arabicPeriod"/>
             </a:pPr>
             <a:r>
-              <a:rPr lang="en-US" dirty="0" smtClean="0"/>
+              <a:rPr lang="en-US" sz="2400" dirty="0" smtClean="0"/>
               <a:t>Level collision is checked with direction variable</a:t>
             </a:r>
           </a:p>
@@ -3617,7 +9244,7 @@
               <a:buAutoNum type="arabicPeriod"/>
             </a:pPr>
             <a:r>
-              <a:rPr lang="en-US" dirty="0" smtClean="0"/>
+              <a:rPr lang="en-US" sz="2400" dirty="0" smtClean="0"/>
               <a:t>Character collision is checked with direction variable</a:t>
             </a:r>
           </a:p>
@@ -3627,7 +9254,7 @@
               <a:buAutoNum type="arabicPeriod"/>
             </a:pPr>
             <a:r>
-              <a:rPr lang="en-US" dirty="0" smtClean="0"/>
+              <a:rPr lang="en-US" sz="2400" dirty="0" smtClean="0"/>
               <a:t>If collision is found, no movement happens</a:t>
             </a:r>
           </a:p>
@@ -3637,7 +9264,7 @@
               <a:buAutoNum type="arabicPeriod"/>
             </a:pPr>
             <a:r>
-              <a:rPr lang="en-US" dirty="0" smtClean="0"/>
+              <a:rPr lang="en-US" sz="2400" dirty="0" smtClean="0"/>
               <a:t>If collision is not found, movement happens corresponding movement variable</a:t>
             </a:r>
           </a:p>
@@ -3684,7 +9311,7 @@
           <a:lstStyle/>
           <a:p>
             <a:r>
-              <a:rPr lang="en-US" dirty="0" smtClean="0"/>
+              <a:rPr lang="en-US" sz="4400" dirty="0" smtClean="0"/>
               <a:t>Maintenance</a:t>
             </a:r>
             <a:endParaRPr lang="en-US" dirty="0"/>
@@ -3725,7 +9352,7 @@
           </a:p>
           <a:p>
             <a:r>
-              <a:rPr lang="en-US" smtClean="0"/>
+              <a:rPr lang="en-US" dirty="0" smtClean="0"/>
               <a:t>More levels</a:t>
             </a:r>
             <a:endParaRPr lang="en-US" dirty="0"/>
@@ -3741,9 +9368,9 @@
 </file>
 
 <file path=ppt/theme/theme1.xml><?xml version="1.0" encoding="utf-8"?>
-<a:theme xmlns:a="http://schemas.openxmlformats.org/drawingml/2006/main" name="Office Theme">
+<a:theme xmlns:a="http://schemas.openxmlformats.org/drawingml/2006/main" name="Advantage">
   <a:themeElements>
-    <a:clrScheme name="Office">
+    <a:clrScheme name="Advantage">
       <a:dk1>
         <a:sysClr val="windowText" lastClr="000000"/>
       </a:dk1>
@@ -3751,107 +9378,55 @@
         <a:sysClr val="window" lastClr="FFFFFF"/>
       </a:lt1>
       <a:dk2>
-        <a:srgbClr val="1F497D"/>
+        <a:srgbClr val="2B142D"/>
       </a:dk2>
       <a:lt2>
-        <a:srgbClr val="EEECE1"/>
+        <a:srgbClr val="C3AFCC"/>
       </a:lt2>
       <a:accent1>
-        <a:srgbClr val="4F81BD"/>
+        <a:srgbClr val="663366"/>
       </a:accent1>
       <a:accent2>
-        <a:srgbClr val="C0504D"/>
+        <a:srgbClr val="330F42"/>
       </a:accent2>
       <a:accent3>
-        <a:srgbClr val="9BBB59"/>
+        <a:srgbClr val="666699"/>
       </a:accent3>
       <a:accent4>
-        <a:srgbClr val="8064A2"/>
+        <a:srgbClr val="999966"/>
       </a:accent4>
       <a:accent5>
-        <a:srgbClr val="4BACC6"/>
+        <a:srgbClr val="F7901E"/>
       </a:accent5>
       <a:accent6>
-        <a:srgbClr val="F79646"/>
+        <a:srgbClr val="A3A101"/>
       </a:accent6>
       <a:hlink>
-        <a:srgbClr val="0000FF"/>
+        <a:srgbClr val="BC5FBC"/>
       </a:hlink>
       <a:folHlink>
-        <a:srgbClr val="800080"/>
+        <a:srgbClr val="9775A7"/>
       </a:folHlink>
     </a:clrScheme>
-    <a:fontScheme name="Office">
+    <a:fontScheme name="Advantage">
       <a:majorFont>
-        <a:latin typeface="Calibri"/>
+        <a:latin typeface="Rockwell"/>
         <a:ea typeface=""/>
         <a:cs typeface=""/>
-        <a:font script="Jpan" typeface="ＭＳ Ｐゴシック"/>
-        <a:font script="Hang" typeface="맑은 고딕"/>
+        <a:font script="Jpan" typeface="ＭＳ ゴシック"/>
         <a:font script="Hans" typeface="宋体"/>
         <a:font script="Hant" typeface="新細明體"/>
-        <a:font script="Arab" typeface="Times New Roman"/>
-        <a:font script="Hebr" typeface="Times New Roman"/>
-        <a:font script="Thai" typeface="Angsana New"/>
-        <a:font script="Ethi" typeface="Nyala"/>
-        <a:font script="Beng" typeface="Vrinda"/>
-        <a:font script="Gujr" typeface="Shruti"/>
-        <a:font script="Khmr" typeface="MoolBoran"/>
-        <a:font script="Knda" typeface="Tunga"/>
-        <a:font script="Guru" typeface="Raavi"/>
-        <a:font script="Cans" typeface="Euphemia"/>
-        <a:font script="Cher" typeface="Plantagenet Cherokee"/>
-        <a:font script="Yiii" typeface="Microsoft Yi Baiti"/>
-        <a:font script="Tibt" typeface="Microsoft Himalaya"/>
-        <a:font script="Thaa" typeface="MV Boli"/>
-        <a:font script="Deva" typeface="Mangal"/>
-        <a:font script="Telu" typeface="Gautami"/>
-        <a:font script="Taml" typeface="Latha"/>
-        <a:font script="Syrc" typeface="Estrangelo Edessa"/>
-        <a:font script="Orya" typeface="Kalinga"/>
-        <a:font script="Mlym" typeface="Kartika"/>
-        <a:font script="Laoo" typeface="DokChampa"/>
-        <a:font script="Sinh" typeface="Iskoola Pota"/>
-        <a:font script="Mong" typeface="Mongolian Baiti"/>
-        <a:font script="Viet" typeface="Times New Roman"/>
-        <a:font script="Uigh" typeface="Microsoft Uighur"/>
       </a:majorFont>
       <a:minorFont>
-        <a:latin typeface="Calibri"/>
+        <a:latin typeface="Rockwell"/>
         <a:ea typeface=""/>
         <a:cs typeface=""/>
-        <a:font script="Jpan" typeface="ＭＳ Ｐゴシック"/>
-        <a:font script="Hang" typeface="맑은 고딕"/>
+        <a:font script="Jpan" typeface="ＭＳ ゴシック"/>
         <a:font script="Hans" typeface="宋体"/>
         <a:font script="Hant" typeface="新細明體"/>
-        <a:font script="Arab" typeface="Arial"/>
-        <a:font script="Hebr" typeface="Arial"/>
-        <a:font script="Thai" typeface="Cordia New"/>
-        <a:font script="Ethi" typeface="Nyala"/>
-        <a:font script="Beng" typeface="Vrinda"/>
-        <a:font script="Gujr" typeface="Shruti"/>
-        <a:font script="Khmr" typeface="DaunPenh"/>
-        <a:font script="Knda" typeface="Tunga"/>
-        <a:font script="Guru" typeface="Raavi"/>
-        <a:font script="Cans" typeface="Euphemia"/>
-        <a:font script="Cher" typeface="Plantagenet Cherokee"/>
-        <a:font script="Yiii" typeface="Microsoft Yi Baiti"/>
-        <a:font script="Tibt" typeface="Microsoft Himalaya"/>
-        <a:font script="Thaa" typeface="MV Boli"/>
-        <a:font script="Deva" typeface="Mangal"/>
-        <a:font script="Telu" typeface="Gautami"/>
-        <a:font script="Taml" typeface="Latha"/>
-        <a:font script="Syrc" typeface="Estrangelo Edessa"/>
-        <a:font script="Orya" typeface="Kalinga"/>
-        <a:font script="Mlym" typeface="Kartika"/>
-        <a:font script="Laoo" typeface="DokChampa"/>
-        <a:font script="Sinh" typeface="Iskoola Pota"/>
-        <a:font script="Mong" typeface="Mongolian Baiti"/>
-        <a:font script="Viet" typeface="Arial"/>
-        <a:font script="Uigh" typeface="Microsoft Uighur"/>
       </a:minorFont>
     </a:fontScheme>
-    <a:fmtScheme name="Office">
+    <a:fmtScheme name="Advantage">
       <a:fillStyleLst>
         <a:solidFill>
           <a:schemeClr val="phClr"/>
@@ -3860,51 +9435,50 @@
           <a:gsLst>
             <a:gs pos="0">
               <a:schemeClr val="phClr">
-                <a:tint val="50000"/>
-                <a:satMod val="300000"/>
-              </a:schemeClr>
-            </a:gs>
-            <a:gs pos="35000">
-              <a:schemeClr val="phClr">
-                <a:tint val="37000"/>
-                <a:satMod val="300000"/>
+                <a:tint val="100000"/>
+                <a:shade val="40000"/>
+                <a:alpha val="100000"/>
+                <a:satMod val="150000"/>
+                <a:lumMod val="100000"/>
               </a:schemeClr>
             </a:gs>
             <a:gs pos="100000">
               <a:schemeClr val="phClr">
-                <a:tint val="15000"/>
-                <a:satMod val="350000"/>
+                <a:tint val="70000"/>
+                <a:shade val="100000"/>
+                <a:alpha val="100000"/>
+                <a:satMod val="200000"/>
+                <a:lumMod val="100000"/>
               </a:schemeClr>
             </a:gs>
           </a:gsLst>
-          <a:lin ang="16200000" scaled="1"/>
+          <a:lin ang="6000000" scaled="1"/>
         </a:gradFill>
         <a:gradFill rotWithShape="1">
           <a:gsLst>
             <a:gs pos="0">
               <a:schemeClr val="phClr">
-                <a:shade val="51000"/>
-                <a:satMod val="130000"/>
-              </a:schemeClr>
-            </a:gs>
-            <a:gs pos="80000">
-              <a:schemeClr val="phClr">
-                <a:shade val="93000"/>
-                <a:satMod val="130000"/>
+                <a:shade val="40000"/>
+                <a:alpha val="100000"/>
+                <a:satMod val="150000"/>
+                <a:lumMod val="100000"/>
               </a:schemeClr>
             </a:gs>
             <a:gs pos="100000">
               <a:schemeClr val="phClr">
-                <a:shade val="94000"/>
-                <a:satMod val="135000"/>
+                <a:tint val="70000"/>
+                <a:shade val="100000"/>
+                <a:alpha val="100000"/>
+                <a:satMod val="200000"/>
+                <a:lumMod val="100000"/>
               </a:schemeClr>
             </a:gs>
           </a:gsLst>
-          <a:lin ang="16200000" scaled="0"/>
+          <a:lin ang="5400000" scaled="1"/>
         </a:gradFill>
       </a:fillStyleLst>
       <a:lnStyleLst>
-        <a:ln w="9525" cap="flat" cmpd="sng" algn="ctr">
+        <a:ln w="12700" cap="flat" cmpd="sng" algn="ctr">
           <a:solidFill>
             <a:schemeClr val="phClr">
               <a:shade val="95000"/>
@@ -3928,41 +9502,34 @@
       </a:lnStyleLst>
       <a:effectStyleLst>
         <a:effectStyle>
+          <a:effectLst/>
+        </a:effectStyle>
+        <a:effectStyle>
           <a:effectLst>
-            <a:outerShdw blurRad="40000" dist="20000" dir="5400000" rotWithShape="0">
-              <a:srgbClr val="000000">
-                <a:alpha val="38000"/>
+            <a:innerShdw blurRad="50800" dist="25400" dir="13500000">
+              <a:srgbClr val="FFFFFF">
+                <a:alpha val="75000"/>
+              </a:srgbClr>
+            </a:innerShdw>
+            <a:outerShdw blurRad="63500" dist="25400" dir="5400000" rotWithShape="0">
+              <a:srgbClr val="808080">
+                <a:alpha val="75000"/>
               </a:srgbClr>
             </a:outerShdw>
           </a:effectLst>
         </a:effectStyle>
         <a:effectStyle>
-          <a:effectLst>
-            <a:outerShdw blurRad="40000" dist="23000" dir="5400000" rotWithShape="0">
-              <a:srgbClr val="000000">
-                <a:alpha val="35000"/>
-              </a:srgbClr>
-            </a:outerShdw>
-          </a:effectLst>
-        </a:effectStyle>
-        <a:effectStyle>
-          <a:effectLst>
-            <a:outerShdw blurRad="40000" dist="23000" dir="5400000" rotWithShape="0">
-              <a:srgbClr val="000000">
-                <a:alpha val="35000"/>
-              </a:srgbClr>
-            </a:outerShdw>
-          </a:effectLst>
+          <a:effectLst/>
           <a:scene3d>
             <a:camera prst="orthographicFront">
               <a:rot lat="0" lon="0" rev="0"/>
             </a:camera>
-            <a:lightRig rig="threePt" dir="t">
-              <a:rot lat="0" lon="0" rev="1200000"/>
+            <a:lightRig rig="twoPt" dir="tl">
+              <a:rot lat="0" lon="0" rev="4500000"/>
             </a:lightRig>
           </a:scene3d>
           <a:sp3d>
-            <a:bevelT w="63500" h="25400"/>
+            <a:bevelT w="63500" h="50800"/>
           </a:sp3d>
         </a:effectStyle>
       </a:effectStyleLst>
@@ -3975,7 +9542,7 @@
             <a:gs pos="0">
               <a:schemeClr val="phClr">
                 <a:tint val="40000"/>
-                <a:satMod val="350000"/>
+                <a:satMod val="150000"/>
               </a:schemeClr>
             </a:gs>
             <a:gs pos="40000">
@@ -4018,7 +9585,50 @@
       </a:bgFillStyleLst>
     </a:fmtScheme>
   </a:themeElements>
-  <a:objectDefaults/>
+  <a:objectDefaults>
+    <a:spDef>
+      <a:spPr/>
+      <a:bodyPr rtlCol="0" anchor="ctr"/>
+      <a:lstStyle>
+        <a:defPPr algn="ctr">
+          <a:defRPr/>
+        </a:defPPr>
+      </a:lstStyle>
+      <a:style>
+        <a:lnRef idx="1">
+          <a:schemeClr val="accent1"/>
+        </a:lnRef>
+        <a:fillRef idx="3">
+          <a:schemeClr val="accent1"/>
+        </a:fillRef>
+        <a:effectRef idx="2">
+          <a:schemeClr val="accent1"/>
+        </a:effectRef>
+        <a:fontRef idx="minor">
+          <a:schemeClr val="lt1"/>
+        </a:fontRef>
+      </a:style>
+    </a:spDef>
+    <a:lnDef>
+      <a:spPr/>
+      <a:bodyPr/>
+      <a:lstStyle/>
+      <a:style>
+        <a:lnRef idx="2">
+          <a:schemeClr val="accent1"/>
+        </a:lnRef>
+        <a:fillRef idx="0">
+          <a:schemeClr val="accent1"/>
+        </a:fillRef>
+        <a:effectRef idx="1">
+          <a:schemeClr val="accent1"/>
+        </a:effectRef>
+        <a:fontRef idx="minor">
+          <a:schemeClr val="tx1"/>
+        </a:fontRef>
+      </a:style>
+    </a:lnDef>
+  </a:objectDefaults>
   <a:extraClrSchemeLst/>
 </a:theme>
 </file>
--- a/BomberJuan.pptx
+++ b/BomberJuan.pptx
@@ -8,10 +8,13 @@
     <p:sldId id="256" r:id="rId2"/>
     <p:sldId id="257" r:id="rId3"/>
     <p:sldId id="258" r:id="rId4"/>
-    <p:sldId id="259" r:id="rId5"/>
-    <p:sldId id="260" r:id="rId6"/>
-    <p:sldId id="261" r:id="rId7"/>
-    <p:sldId id="262" r:id="rId8"/>
+    <p:sldId id="264" r:id="rId5"/>
+    <p:sldId id="263" r:id="rId6"/>
+    <p:sldId id="259" r:id="rId7"/>
+    <p:sldId id="260" r:id="rId8"/>
+    <p:sldId id="265" r:id="rId9"/>
+    <p:sldId id="261" r:id="rId10"/>
+    <p:sldId id="262" r:id="rId11"/>
   </p:sldIdLst>
   <p:sldSz cx="9144000" cy="6858000" type="screen4x3"/>
   <p:notesSz cx="6858000" cy="9144000"/>
@@ -314,7 +317,7 @@
           <a:p>
             <a:fld id="{693979EF-4621-4273-AF5F-DF6C03C4E4E7}" type="datetimeFigureOut">
               <a:rPr lang="en-US" smtClean="0"/>
-              <a:t>5/5/14</a:t>
+              <a:t>5/6/14</a:t>
             </a:fld>
             <a:endParaRPr lang="en-US"/>
           </a:p>
@@ -768,7 +771,7 @@
           <a:p>
             <a:fld id="{693979EF-4621-4273-AF5F-DF6C03C4E4E7}" type="datetimeFigureOut">
               <a:rPr lang="en-US" smtClean="0"/>
-              <a:t>5/5/14</a:t>
+              <a:t>5/6/14</a:t>
             </a:fld>
             <a:endParaRPr lang="en-US"/>
           </a:p>
@@ -1311,7 +1314,7 @@
           <a:p>
             <a:fld id="{693979EF-4621-4273-AF5F-DF6C03C4E4E7}" type="datetimeFigureOut">
               <a:rPr lang="en-US" smtClean="0"/>
-              <a:t>5/5/14</a:t>
+              <a:t>5/6/14</a:t>
             </a:fld>
             <a:endParaRPr lang="en-US"/>
           </a:p>
@@ -1447,7 +1450,7 @@
           <a:p>
             <a:fld id="{693979EF-4621-4273-AF5F-DF6C03C4E4E7}" type="datetimeFigureOut">
               <a:rPr lang="en-US" smtClean="0"/>
-              <a:t>5/5/14</a:t>
+              <a:t>5/6/14</a:t>
             </a:fld>
             <a:endParaRPr lang="en-US"/>
           </a:p>
@@ -1785,7 +1788,7 @@
           <a:p>
             <a:fld id="{693979EF-4621-4273-AF5F-DF6C03C4E4E7}" type="datetimeFigureOut">
               <a:rPr lang="en-US" smtClean="0"/>
-              <a:t>5/5/14</a:t>
+              <a:t>5/6/14</a:t>
             </a:fld>
             <a:endParaRPr lang="en-US"/>
           </a:p>
@@ -2111,7 +2114,7 @@
           <a:p>
             <a:fld id="{693979EF-4621-4273-AF5F-DF6C03C4E4E7}" type="datetimeFigureOut">
               <a:rPr lang="en-US" smtClean="0"/>
-              <a:t>5/5/14</a:t>
+              <a:t>5/6/14</a:t>
             </a:fld>
             <a:endParaRPr lang="en-US"/>
           </a:p>
@@ -2409,7 +2412,7 @@
           <a:p>
             <a:fld id="{693979EF-4621-4273-AF5F-DF6C03C4E4E7}" type="datetimeFigureOut">
               <a:rPr lang="en-US" smtClean="0"/>
-              <a:t>5/5/14</a:t>
+              <a:t>5/6/14</a:t>
             </a:fld>
             <a:endParaRPr lang="en-US"/>
           </a:p>
@@ -2796,7 +2799,7 @@
           <a:p>
             <a:fld id="{693979EF-4621-4273-AF5F-DF6C03C4E4E7}" type="datetimeFigureOut">
               <a:rPr lang="en-US" smtClean="0"/>
-              <a:t>5/5/14</a:t>
+              <a:t>5/6/14</a:t>
             </a:fld>
             <a:endParaRPr lang="en-US"/>
           </a:p>
@@ -3216,7 +3219,7 @@
           <a:p>
             <a:fld id="{693979EF-4621-4273-AF5F-DF6C03C4E4E7}" type="datetimeFigureOut">
               <a:rPr lang="en-US" smtClean="0"/>
-              <a:t>5/5/14</a:t>
+              <a:t>5/6/14</a:t>
             </a:fld>
             <a:endParaRPr lang="en-US"/>
           </a:p>
@@ -3764,7 +3767,7 @@
           <a:p>
             <a:fld id="{693979EF-4621-4273-AF5F-DF6C03C4E4E7}" type="datetimeFigureOut">
               <a:rPr lang="en-US" smtClean="0"/>
-              <a:t>5/5/14</a:t>
+              <a:t>5/6/14</a:t>
             </a:fld>
             <a:endParaRPr lang="en-US"/>
           </a:p>
@@ -4122,7 +4125,7 @@
           <a:p>
             <a:fld id="{693979EF-4621-4273-AF5F-DF6C03C4E4E7}" type="datetimeFigureOut">
               <a:rPr lang="en-US" smtClean="0"/>
-              <a:t>5/5/14</a:t>
+              <a:t>5/6/14</a:t>
             </a:fld>
             <a:endParaRPr lang="en-US"/>
           </a:p>
@@ -4337,7 +4340,7 @@
           <a:p>
             <a:fld id="{693979EF-4621-4273-AF5F-DF6C03C4E4E7}" type="datetimeFigureOut">
               <a:rPr lang="en-US" smtClean="0"/>
-              <a:t>5/5/14</a:t>
+              <a:t>5/6/14</a:t>
             </a:fld>
             <a:endParaRPr lang="en-US"/>
           </a:p>
@@ -4644,7 +4647,7 @@
           <a:p>
             <a:fld id="{693979EF-4621-4273-AF5F-DF6C03C4E4E7}" type="datetimeFigureOut">
               <a:rPr lang="en-US" smtClean="0"/>
-              <a:t>5/5/14</a:t>
+              <a:t>5/6/14</a:t>
             </a:fld>
             <a:endParaRPr lang="en-US"/>
           </a:p>
@@ -4900,7 +4903,7 @@
           <a:p>
             <a:fld id="{693979EF-4621-4273-AF5F-DF6C03C4E4E7}" type="datetimeFigureOut">
               <a:rPr lang="en-US" smtClean="0"/>
-              <a:t>5/5/14</a:t>
+              <a:t>5/6/14</a:t>
             </a:fld>
             <a:endParaRPr lang="en-US"/>
           </a:p>
@@ -5289,7 +5292,7 @@
           <a:p>
             <a:fld id="{693979EF-4621-4273-AF5F-DF6C03C4E4E7}" type="datetimeFigureOut">
               <a:rPr lang="en-US" smtClean="0"/>
-              <a:t>5/5/14</a:t>
+              <a:t>5/6/14</a:t>
             </a:fld>
             <a:endParaRPr lang="en-US"/>
           </a:p>
@@ -5878,7 +5881,7 @@
           <a:p>
             <a:fld id="{693979EF-4621-4273-AF5F-DF6C03C4E4E7}" type="datetimeFigureOut">
               <a:rPr lang="en-US" smtClean="0"/>
-              <a:t>5/5/14</a:t>
+              <a:t>5/6/14</a:t>
             </a:fld>
             <a:endParaRPr lang="en-US"/>
           </a:p>
@@ -6393,7 +6396,7 @@
           <a:p>
             <a:fld id="{693979EF-4621-4273-AF5F-DF6C03C4E4E7}" type="datetimeFigureOut">
               <a:rPr lang="en-US" smtClean="0"/>
-              <a:t>5/5/14</a:t>
+              <a:t>5/6/14</a:t>
             </a:fld>
             <a:endParaRPr lang="en-US"/>
           </a:p>
@@ -6766,7 +6769,7 @@
           <a:p>
             <a:fld id="{693979EF-4621-4273-AF5F-DF6C03C4E4E7}" type="datetimeFigureOut">
               <a:rPr lang="en-US" smtClean="0"/>
-              <a:t>5/5/14</a:t>
+              <a:t>5/6/14</a:t>
             </a:fld>
             <a:endParaRPr lang="en-US"/>
           </a:p>
@@ -7165,7 +7168,7 @@
           <a:p>
             <a:fld id="{693979EF-4621-4273-AF5F-DF6C03C4E4E7}" type="datetimeFigureOut">
               <a:rPr lang="en-US" smtClean="0"/>
-              <a:t>5/5/14</a:t>
+              <a:t>5/6/14</a:t>
             </a:fld>
             <a:endParaRPr lang="en-US"/>
           </a:p>
@@ -7585,7 +7588,7 @@
           <a:p>
             <a:fld id="{693979EF-4621-4273-AF5F-DF6C03C4E4E7}" type="datetimeFigureOut">
               <a:rPr lang="en-US" smtClean="0"/>
-              <a:t>5/5/14</a:t>
+              <a:t>5/6/14</a:t>
             </a:fld>
             <a:endParaRPr lang="en-US"/>
           </a:p>
@@ -7968,7 +7971,7 @@
           <a:p>
             <a:fld id="{693979EF-4621-4273-AF5F-DF6C03C4E4E7}" type="datetimeFigureOut">
               <a:rPr lang="en-US" smtClean="0"/>
-              <a:t>5/5/14</a:t>
+              <a:t>5/6/14</a:t>
             </a:fld>
             <a:endParaRPr lang="en-US"/>
           </a:p>
@@ -8488,6 +8491,100 @@
 </p:sld>
 </file>
 
+<file path=ppt/slides/slide10.xml><?xml version="1.0" encoding="utf-8"?>
+<p:sld xmlns:a="http://schemas.openxmlformats.org/drawingml/2006/main" xmlns:r="http://schemas.openxmlformats.org/officeDocument/2006/relationships" xmlns:p="http://schemas.openxmlformats.org/presentationml/2006/main">
+  <p:cSld>
+    <p:spTree>
+      <p:nvGrpSpPr>
+        <p:cNvPr id="1" name=""/>
+        <p:cNvGrpSpPr/>
+        <p:nvPr/>
+      </p:nvGrpSpPr>
+      <p:grpSpPr>
+        <a:xfrm>
+          <a:off x="0" y="0"/>
+          <a:ext cx="0" cy="0"/>
+          <a:chOff x="0" y="0"/>
+          <a:chExt cx="0" cy="0"/>
+        </a:xfrm>
+      </p:grpSpPr>
+      <p:sp>
+        <p:nvSpPr>
+          <p:cNvPr id="2" name="Title 1"/>
+          <p:cNvSpPr>
+            <a:spLocks noGrp="1"/>
+          </p:cNvSpPr>
+          <p:nvPr>
+            <p:ph type="title"/>
+          </p:nvPr>
+        </p:nvSpPr>
+        <p:spPr/>
+        <p:txBody>
+          <a:bodyPr/>
+          <a:lstStyle/>
+          <a:p>
+            <a:r>
+              <a:rPr lang="en-US" sz="4000" dirty="0" smtClean="0"/>
+              <a:t>Maintenance</a:t>
+            </a:r>
+            <a:endParaRPr lang="en-US" sz="3200" dirty="0"/>
+          </a:p>
+        </p:txBody>
+      </p:sp>
+      <p:sp>
+        <p:nvSpPr>
+          <p:cNvPr id="3" name="Content Placeholder 2"/>
+          <p:cNvSpPr>
+            <a:spLocks noGrp="1"/>
+          </p:cNvSpPr>
+          <p:nvPr>
+            <p:ph idx="1"/>
+          </p:nvPr>
+        </p:nvSpPr>
+        <p:spPr/>
+        <p:txBody>
+          <a:bodyPr/>
+          <a:lstStyle/>
+          <a:p>
+            <a:r>
+              <a:rPr lang="en-US" dirty="0" smtClean="0"/>
+              <a:t>Upgrades that player </a:t>
+            </a:r>
+            <a:r>
+              <a:rPr lang="en-US" smtClean="0"/>
+              <a:t>is able to pick up</a:t>
+            </a:r>
+            <a:endParaRPr lang="en-US" dirty="0" smtClean="0"/>
+          </a:p>
+          <a:p>
+            <a:r>
+              <a:rPr lang="en-US" dirty="0" smtClean="0"/>
+              <a:t>Game start screen</a:t>
+            </a:r>
+          </a:p>
+          <a:p>
+            <a:r>
+              <a:rPr lang="en-US" dirty="0" smtClean="0"/>
+              <a:t>Game over screen</a:t>
+            </a:r>
+          </a:p>
+          <a:p>
+            <a:r>
+              <a:rPr lang="en-US" dirty="0" smtClean="0"/>
+              <a:t>More levels</a:t>
+            </a:r>
+            <a:endParaRPr lang="en-US" dirty="0"/>
+          </a:p>
+        </p:txBody>
+      </p:sp>
+    </p:spTree>
+  </p:cSld>
+  <p:clrMapOvr>
+    <a:masterClrMapping/>
+  </p:clrMapOvr>
+</p:sld>
+</file>
+
 <file path=ppt/slides/slide2.xml><?xml version="1.0" encoding="utf-8"?>
 <p:sld xmlns:a="http://schemas.openxmlformats.org/drawingml/2006/main" xmlns:r="http://schemas.openxmlformats.org/officeDocument/2006/relationships" xmlns:p="http://schemas.openxmlformats.org/presentationml/2006/main">
   <p:cSld>
@@ -8521,7 +8618,7 @@
           <a:lstStyle/>
           <a:p>
             <a:r>
-              <a:rPr lang="en-US" sz="4400" dirty="0" err="1" smtClean="0"/>
+              <a:rPr lang="en-US" sz="4000" dirty="0" err="1" smtClean="0"/>
               <a:t>ToC</a:t>
             </a:r>
             <a:endParaRPr lang="en-US" dirty="0"/>
@@ -8635,7 +8732,7 @@
           <a:lstStyle/>
           <a:p>
             <a:r>
-              <a:rPr lang="en-US" sz="4400" dirty="0" smtClean="0"/>
+              <a:rPr lang="en-US" sz="4000" dirty="0" smtClean="0"/>
               <a:t>Requirements</a:t>
             </a:r>
             <a:endParaRPr lang="en-US" dirty="0"/>
@@ -8652,31 +8749,60 @@
             <p:ph idx="1"/>
           </p:nvPr>
         </p:nvSpPr>
-        <p:spPr/>
-        <p:txBody>
-          <a:bodyPr/>
-          <a:lstStyle/>
-          <a:p>
-            <a:r>
-              <a:rPr lang="en-US" dirty="0" smtClean="0"/>
-              <a:t>When player hits designated movement keys, the player moves accordingly or collides</a:t>
-            </a:r>
-          </a:p>
-          <a:p>
-            <a:r>
-              <a:rPr lang="en-US" dirty="0" smtClean="0"/>
-              <a:t>When player hit designated bomb keys, a bomb is dropped on their location of the map</a:t>
-            </a:r>
-          </a:p>
-          <a:p>
-            <a:r>
-              <a:rPr lang="en-US" dirty="0" smtClean="0"/>
-              <a:t>When bomb explodes, players in the bomb’s radius are destroyed and game is reset</a:t>
-            </a:r>
-            <a:endParaRPr lang="en-US" dirty="0"/>
-          </a:p>
-        </p:txBody>
-      </p:sp>
+        <p:spPr>
+          <a:xfrm>
+            <a:off x="228600" y="2438400"/>
+            <a:ext cx="4149726" cy="3230563"/>
+          </a:xfrm>
+        </p:spPr>
+        <p:txBody>
+          <a:bodyPr>
+            <a:normAutofit/>
+          </a:bodyPr>
+          <a:lstStyle/>
+          <a:p>
+            <a:r>
+              <a:rPr lang="en-US" sz="2800" dirty="0" smtClean="0"/>
+              <a:t>When player hits designated movement keys, the player moves accordingly or </a:t>
+            </a:r>
+            <a:r>
+              <a:rPr lang="en-US" sz="2800" dirty="0" smtClean="0"/>
+              <a:t>collides</a:t>
+            </a:r>
+            <a:endParaRPr lang="en-US" sz="2800" dirty="0" smtClean="0"/>
+          </a:p>
+        </p:txBody>
+      </p:sp>
+      <p:pic>
+        <p:nvPicPr>
+          <p:cNvPr id="4" name="Picture 3" descr="Screen Shot 2014-05-06 at 1.46.16 PM.png"/>
+          <p:cNvPicPr>
+            <a:picLocks noChangeAspect="1"/>
+          </p:cNvPicPr>
+          <p:nvPr/>
+        </p:nvPicPr>
+        <p:blipFill>
+          <a:blip r:embed="rId2">
+            <a:extLst>
+              <a:ext uri="{28A0092B-C50C-407E-A947-70E740481C1C}">
+                <a14:useLocalDpi xmlns:a14="http://schemas.microsoft.com/office/drawing/2010/main" val="0"/>
+              </a:ext>
+            </a:extLst>
+          </a:blip>
+          <a:stretch>
+            <a:fillRect/>
+          </a:stretch>
+        </p:blipFill>
+        <p:spPr>
+          <a:xfrm>
+            <a:off x="4572000" y="2209800"/>
+            <a:ext cx="4105490" cy="4253031"/>
+          </a:xfrm>
+          <a:prstGeom prst="rect">
+            <a:avLst/>
+          </a:prstGeom>
+        </p:spPr>
+      </p:pic>
     </p:spTree>
   </p:cSld>
   <p:clrMapOvr>
@@ -8718,10 +8844,17 @@
           <a:lstStyle/>
           <a:p>
             <a:r>
-              <a:rPr lang="en-US" sz="4400" dirty="0" smtClean="0"/>
-              <a:t>Top-Down Design</a:t>
-            </a:r>
-            <a:endParaRPr lang="en-US" sz="4400" dirty="0"/>
+              <a:rPr lang="en-US" sz="4000" dirty="0" smtClean="0"/>
+              <a:t>Requirements</a:t>
+            </a:r>
+            <a:br>
+              <a:rPr lang="en-US" sz="4000" dirty="0" smtClean="0"/>
+            </a:br>
+            <a:r>
+              <a:rPr lang="en-US" sz="4000" dirty="0" smtClean="0"/>
+              <a:t>…continued</a:t>
+            </a:r>
+            <a:endParaRPr lang="en-US" sz="4000" dirty="0"/>
           </a:p>
         </p:txBody>
       </p:sp>
@@ -8735,38 +8868,74 @@
             <p:ph idx="1"/>
           </p:nvPr>
         </p:nvSpPr>
-        <p:spPr/>
-        <p:txBody>
-          <a:bodyPr/>
-          <a:lstStyle/>
-          <a:p>
-            <a:r>
-              <a:rPr lang="en-US" dirty="0" smtClean="0"/>
-              <a:t>Start up the game</a:t>
-            </a:r>
-          </a:p>
-          <a:p>
-            <a:r>
-              <a:rPr lang="en-US" dirty="0" smtClean="0"/>
-              <a:t>Window is called from Game2 file</a:t>
-            </a:r>
-          </a:p>
-          <a:p>
-            <a:r>
-              <a:rPr lang="en-US" dirty="0" smtClean="0"/>
-              <a:t>Images are loaded and placed on screen</a:t>
-            </a:r>
-          </a:p>
-          <a:p>
-            <a:r>
-              <a:rPr lang="en-US" dirty="0" smtClean="0"/>
-              <a:t>Screen with all the images(map, character) are displayed</a:t>
-            </a:r>
-            <a:endParaRPr lang="en-US" dirty="0"/>
-          </a:p>
-        </p:txBody>
-      </p:sp>
+        <p:spPr>
+          <a:xfrm>
+            <a:off x="457200" y="2590800"/>
+            <a:ext cx="3387726" cy="4144963"/>
+          </a:xfrm>
+        </p:spPr>
+        <p:txBody>
+          <a:bodyPr>
+            <a:normAutofit/>
+          </a:bodyPr>
+          <a:lstStyle/>
+          <a:p>
+            <a:r>
+              <a:rPr lang="en-US" sz="2800" dirty="0"/>
+              <a:t>When player </a:t>
+            </a:r>
+            <a:r>
+              <a:rPr lang="en-US" sz="2800" dirty="0" smtClean="0"/>
+              <a:t>hits </a:t>
+            </a:r>
+            <a:r>
+              <a:rPr lang="en-US" sz="2800" dirty="0"/>
+              <a:t>designated bomb keys, a bomb is dropped on their location of the </a:t>
+            </a:r>
+            <a:r>
+              <a:rPr lang="en-US" sz="2800" dirty="0" smtClean="0"/>
+              <a:t>map</a:t>
+            </a:r>
+            <a:endParaRPr lang="en-US" sz="2800" dirty="0"/>
+          </a:p>
+        </p:txBody>
+      </p:sp>
+      <p:pic>
+        <p:nvPicPr>
+          <p:cNvPr id="5" name="Picture 4" descr="Screen Shot 2014-05-06 at 1.50.20 PM.png"/>
+          <p:cNvPicPr>
+            <a:picLocks noChangeAspect="1"/>
+          </p:cNvPicPr>
+          <p:nvPr/>
+        </p:nvPicPr>
+        <p:blipFill>
+          <a:blip r:embed="rId2">
+            <a:extLst>
+              <a:ext uri="{28A0092B-C50C-407E-A947-70E740481C1C}">
+                <a14:useLocalDpi xmlns:a14="http://schemas.microsoft.com/office/drawing/2010/main" val="0"/>
+              </a:ext>
+            </a:extLst>
+          </a:blip>
+          <a:stretch>
+            <a:fillRect/>
+          </a:stretch>
+        </p:blipFill>
+        <p:spPr>
+          <a:xfrm>
+            <a:off x="4343400" y="2133600"/>
+            <a:ext cx="4267200" cy="4420553"/>
+          </a:xfrm>
+          <a:prstGeom prst="rect">
+            <a:avLst/>
+          </a:prstGeom>
+        </p:spPr>
+      </p:pic>
     </p:spTree>
+    <p:extLst>
+      <p:ext uri="{BB962C8B-B14F-4D97-AF65-F5344CB8AC3E}">
+        <p14:creationId xmlns:p14="http://schemas.microsoft.com/office/powerpoint/2010/main" val="720054615"/>
+      </p:ext>
+    </p:extLst>
   </p:cSld>
   <p:clrMapOvr>
     <a:masterClrMapping/>
@@ -8807,10 +8976,17 @@
           <a:lstStyle/>
           <a:p>
             <a:r>
-              <a:rPr lang="en-US" sz="4400" dirty="0" smtClean="0"/>
-              <a:t>Object Oriented Programming</a:t>
-            </a:r>
-            <a:endParaRPr lang="en-US" sz="4400" dirty="0"/>
+              <a:rPr lang="en-US" sz="4000" dirty="0" smtClean="0"/>
+              <a:t>Requirements </a:t>
+            </a:r>
+            <a:br>
+              <a:rPr lang="en-US" sz="4000" dirty="0" smtClean="0"/>
+            </a:br>
+            <a:r>
+              <a:rPr lang="en-US" sz="4000" dirty="0" smtClean="0"/>
+              <a:t>…continued</a:t>
+            </a:r>
+            <a:endParaRPr lang="en-US" sz="4000" dirty="0"/>
           </a:p>
         </p:txBody>
       </p:sp>
@@ -8826,10 +9002,121 @@
         </p:nvSpPr>
         <p:spPr>
           <a:xfrm>
-            <a:off x="457200" y="2209800"/>
-            <a:ext cx="4149726" cy="4144963"/>
-          </a:xfrm>
-        </p:spPr>
+            <a:off x="533400" y="2971800"/>
+            <a:ext cx="4073526" cy="4144963"/>
+          </a:xfrm>
+        </p:spPr>
+        <p:txBody>
+          <a:bodyPr/>
+          <a:lstStyle/>
+          <a:p>
+            <a:r>
+              <a:rPr lang="en-US" sz="2800" dirty="0"/>
+              <a:t>When bomb explodes, players in the bomb’s radius are destroyed and game is reset</a:t>
+            </a:r>
+          </a:p>
+          <a:p>
+            <a:pPr marL="0" indent="0">
+              <a:buNone/>
+            </a:pPr>
+            <a:endParaRPr lang="en-US" dirty="0"/>
+          </a:p>
+        </p:txBody>
+      </p:sp>
+      <p:pic>
+        <p:nvPicPr>
+          <p:cNvPr id="4" name="Picture 3" descr="BombermanDown_02.png"/>
+          <p:cNvPicPr>
+            <a:picLocks noChangeAspect="1"/>
+          </p:cNvPicPr>
+          <p:nvPr/>
+        </p:nvPicPr>
+        <p:blipFill>
+          <a:blip r:embed="rId2">
+            <a:extLst>
+              <a:ext uri="{28A0092B-C50C-407E-A947-70E740481C1C}">
+                <a14:useLocalDpi xmlns:a14="http://schemas.microsoft.com/office/drawing/2010/main" val="0"/>
+              </a:ext>
+            </a:extLst>
+          </a:blip>
+          <a:stretch>
+            <a:fillRect/>
+          </a:stretch>
+        </p:blipFill>
+        <p:spPr>
+          <a:xfrm>
+            <a:off x="5943600" y="2743200"/>
+            <a:ext cx="2052152" cy="2626759"/>
+          </a:xfrm>
+          <a:prstGeom prst="rect">
+            <a:avLst/>
+          </a:prstGeom>
+        </p:spPr>
+      </p:pic>
+    </p:spTree>
+    <p:extLst>
+      <p:ext uri="{BB962C8B-B14F-4D97-AF65-F5344CB8AC3E}">
+        <p14:creationId xmlns:p14="http://schemas.microsoft.com/office/powerpoint/2010/main" val="4083176347"/>
+      </p:ext>
+    </p:extLst>
+  </p:cSld>
+  <p:clrMapOvr>
+    <a:masterClrMapping/>
+  </p:clrMapOvr>
+</p:sld>
+</file>
+
+<file path=ppt/slides/slide6.xml><?xml version="1.0" encoding="utf-8"?>
+<p:sld xmlns:a="http://schemas.openxmlformats.org/drawingml/2006/main" xmlns:r="http://schemas.openxmlformats.org/officeDocument/2006/relationships" xmlns:p="http://schemas.openxmlformats.org/presentationml/2006/main">
+  <p:cSld>
+    <p:spTree>
+      <p:nvGrpSpPr>
+        <p:cNvPr id="1" name=""/>
+        <p:cNvGrpSpPr/>
+        <p:nvPr/>
+      </p:nvGrpSpPr>
+      <p:grpSpPr>
+        <a:xfrm>
+          <a:off x="0" y="0"/>
+          <a:ext cx="0" cy="0"/>
+          <a:chOff x="0" y="0"/>
+          <a:chExt cx="0" cy="0"/>
+        </a:xfrm>
+      </p:grpSpPr>
+      <p:sp>
+        <p:nvSpPr>
+          <p:cNvPr id="2" name="Title 1"/>
+          <p:cNvSpPr>
+            <a:spLocks noGrp="1"/>
+          </p:cNvSpPr>
+          <p:nvPr>
+            <p:ph type="title"/>
+          </p:nvPr>
+        </p:nvSpPr>
+        <p:spPr/>
+        <p:txBody>
+          <a:bodyPr/>
+          <a:lstStyle/>
+          <a:p>
+            <a:r>
+              <a:rPr lang="en-US" sz="4000" dirty="0" smtClean="0"/>
+              <a:t>Top-Down Design</a:t>
+            </a:r>
+            <a:endParaRPr lang="en-US" sz="4000" dirty="0"/>
+          </a:p>
+        </p:txBody>
+      </p:sp>
+      <p:sp>
+        <p:nvSpPr>
+          <p:cNvPr id="3" name="Content Placeholder 2"/>
+          <p:cNvSpPr>
+            <a:spLocks noGrp="1"/>
+          </p:cNvSpPr>
+          <p:nvPr>
+            <p:ph idx="1"/>
+          </p:nvPr>
+        </p:nvSpPr>
+        <p:spPr/>
         <p:txBody>
           <a:bodyPr>
             <a:normAutofit/>
@@ -8837,6 +9124,118 @@
           <a:lstStyle/>
           <a:p>
             <a:r>
+              <a:rPr lang="en-US" sz="2800" dirty="0" smtClean="0"/>
+              <a:t>Start up the game</a:t>
+            </a:r>
+          </a:p>
+          <a:p>
+            <a:r>
+              <a:rPr lang="en-US" sz="2800" dirty="0" smtClean="0"/>
+              <a:t>Window is </a:t>
+            </a:r>
+            <a:r>
+              <a:rPr lang="en-US" sz="2800" dirty="0" smtClean="0"/>
+              <a:t>made from </a:t>
+            </a:r>
+            <a:r>
+              <a:rPr lang="en-US" sz="2800" dirty="0" smtClean="0"/>
+              <a:t>Game2 file</a:t>
+            </a:r>
+          </a:p>
+          <a:p>
+            <a:r>
+              <a:rPr lang="en-US" sz="2800" dirty="0" smtClean="0"/>
+              <a:t>Images are loaded and placed on screen</a:t>
+            </a:r>
+          </a:p>
+          <a:p>
+            <a:r>
+              <a:rPr lang="en-US" sz="2800" dirty="0" smtClean="0"/>
+              <a:t>Screen with all the </a:t>
+            </a:r>
+            <a:r>
+              <a:rPr lang="en-US" sz="2800" dirty="0" smtClean="0"/>
+              <a:t>sprites(map and character sprites) </a:t>
+            </a:r>
+            <a:r>
+              <a:rPr lang="en-US" sz="2800" dirty="0" smtClean="0"/>
+              <a:t>are displayed</a:t>
+            </a:r>
+            <a:endParaRPr lang="en-US" sz="2800" dirty="0"/>
+          </a:p>
+        </p:txBody>
+      </p:sp>
+    </p:spTree>
+  </p:cSld>
+  <p:clrMapOvr>
+    <a:masterClrMapping/>
+  </p:clrMapOvr>
+</p:sld>
+</file>
+
+<file path=ppt/slides/slide7.xml><?xml version="1.0" encoding="utf-8"?>
+<p:sld xmlns:a="http://schemas.openxmlformats.org/drawingml/2006/main" xmlns:r="http://schemas.openxmlformats.org/officeDocument/2006/relationships" xmlns:p="http://schemas.openxmlformats.org/presentationml/2006/main">
+  <p:cSld>
+    <p:spTree>
+      <p:nvGrpSpPr>
+        <p:cNvPr id="1" name=""/>
+        <p:cNvGrpSpPr/>
+        <p:nvPr/>
+      </p:nvGrpSpPr>
+      <p:grpSpPr>
+        <a:xfrm>
+          <a:off x="0" y="0"/>
+          <a:ext cx="0" cy="0"/>
+          <a:chOff x="0" y="0"/>
+          <a:chExt cx="0" cy="0"/>
+        </a:xfrm>
+      </p:grpSpPr>
+      <p:sp>
+        <p:nvSpPr>
+          <p:cNvPr id="2" name="Title 1"/>
+          <p:cNvSpPr>
+            <a:spLocks noGrp="1"/>
+          </p:cNvSpPr>
+          <p:nvPr>
+            <p:ph type="title"/>
+          </p:nvPr>
+        </p:nvSpPr>
+        <p:spPr/>
+        <p:txBody>
+          <a:bodyPr/>
+          <a:lstStyle/>
+          <a:p>
+            <a:r>
+              <a:rPr lang="en-US" sz="4000" dirty="0" smtClean="0"/>
+              <a:t>Object Oriented Programming</a:t>
+            </a:r>
+            <a:endParaRPr lang="en-US" sz="4000" dirty="0"/>
+          </a:p>
+        </p:txBody>
+      </p:sp>
+      <p:sp>
+        <p:nvSpPr>
+          <p:cNvPr id="3" name="Content Placeholder 2"/>
+          <p:cNvSpPr>
+            <a:spLocks noGrp="1"/>
+          </p:cNvSpPr>
+          <p:nvPr>
+            <p:ph idx="1"/>
+          </p:nvPr>
+        </p:nvSpPr>
+        <p:spPr>
+          <a:xfrm>
+            <a:off x="457199" y="2209800"/>
+            <a:ext cx="7638637" cy="4144963"/>
+          </a:xfrm>
+        </p:spPr>
+        <p:txBody>
+          <a:bodyPr>
+            <a:normAutofit/>
+          </a:bodyPr>
+          <a:lstStyle/>
+          <a:p>
+            <a:r>
               <a:rPr lang="en-US" dirty="0" smtClean="0"/>
               <a:t>Bomb</a:t>
             </a:r>
@@ -8845,8 +9244,20 @@
             <a:pPr lvl="1"/>
             <a:r>
               <a:rPr lang="en-US" dirty="0" smtClean="0"/>
-              <a:t>Contains the bomb sprites and draws them</a:t>
-            </a:r>
+              <a:t>Contains </a:t>
+            </a:r>
+            <a:r>
+              <a:rPr lang="en-US" dirty="0" smtClean="0"/>
+              <a:t>the variables for the bomb</a:t>
+            </a:r>
+          </a:p>
+          <a:p>
+            <a:pPr lvl="1"/>
+            <a:r>
+              <a:rPr lang="en-US" dirty="0" smtClean="0"/>
+              <a:t>Contains the images for the bomb and draws them</a:t>
+            </a:r>
+            <a:endParaRPr lang="en-US" dirty="0" smtClean="0"/>
           </a:p>
           <a:p>
             <a:r>
@@ -8858,32 +9269,88 @@
             <a:pPr lvl="1"/>
             <a:r>
               <a:rPr lang="en-US" dirty="0" smtClean="0"/>
-              <a:t>Contains character sprites and draws them</a:t>
-            </a:r>
-          </a:p>
-          <a:p>
+              <a:t>Contains </a:t>
+            </a:r>
             <a:r>
               <a:rPr lang="en-US" dirty="0" smtClean="0"/>
-              <a:t>Game2</a:t>
+              <a:t>the variables for the characters</a:t>
             </a:r>
           </a:p>
           <a:p>
             <a:pPr lvl="1"/>
             <a:r>
               <a:rPr lang="en-US" dirty="0" smtClean="0"/>
-              <a:t>Contains movement and </a:t>
-            </a:r>
+              <a:t>Contains the sprites for the character and draws them</a:t>
+            </a:r>
+          </a:p>
+          <a:p>
+            <a:pPr lvl="1"/>
             <a:r>
               <a:rPr lang="en-US" dirty="0" smtClean="0"/>
-              <a:t>updates</a:t>
+              <a:t>Updates the character </a:t>
             </a:r>
             <a:endParaRPr lang="en-US" dirty="0" smtClean="0"/>
           </a:p>
         </p:txBody>
       </p:sp>
-      <p:sp>
-        <p:nvSpPr>
-          <p:cNvPr id="6" name="Content Placeholder 2"/>
+    </p:spTree>
+  </p:cSld>
+  <p:clrMapOvr>
+    <a:masterClrMapping/>
+  </p:clrMapOvr>
+</p:sld>
+</file>
+
+<file path=ppt/slides/slide8.xml><?xml version="1.0" encoding="utf-8"?>
+<p:sld xmlns:a="http://schemas.openxmlformats.org/drawingml/2006/main" xmlns:r="http://schemas.openxmlformats.org/officeDocument/2006/relationships" xmlns:p="http://schemas.openxmlformats.org/presentationml/2006/main">
+  <p:cSld>
+    <p:spTree>
+      <p:nvGrpSpPr>
+        <p:cNvPr id="1" name=""/>
+        <p:cNvGrpSpPr/>
+        <p:nvPr/>
+      </p:nvGrpSpPr>
+      <p:grpSpPr>
+        <a:xfrm>
+          <a:off x="0" y="0"/>
+          <a:ext cx="0" cy="0"/>
+          <a:chOff x="0" y="0"/>
+          <a:chExt cx="0" cy="0"/>
+        </a:xfrm>
+      </p:grpSpPr>
+      <p:sp>
+        <p:nvSpPr>
+          <p:cNvPr id="2" name="Title 1"/>
+          <p:cNvSpPr>
+            <a:spLocks noGrp="1"/>
+          </p:cNvSpPr>
+          <p:nvPr>
+            <p:ph type="title"/>
+          </p:nvPr>
+        </p:nvSpPr>
+        <p:spPr/>
+        <p:txBody>
+          <a:bodyPr/>
+          <a:lstStyle/>
+          <a:p>
+            <a:r>
+              <a:rPr lang="en-US" sz="4000" dirty="0" smtClean="0"/>
+              <a:t>Object Oriented Programming</a:t>
+            </a:r>
+            <a:br>
+              <a:rPr lang="en-US" sz="4000" dirty="0" smtClean="0"/>
+            </a:br>
+            <a:r>
+              <a:rPr lang="en-US" sz="4000" dirty="0" smtClean="0"/>
+              <a:t>…continued</a:t>
+            </a:r>
+            <a:endParaRPr lang="en-US" sz="4000" dirty="0"/>
+          </a:p>
+        </p:txBody>
+      </p:sp>
+      <p:sp>
+        <p:nvSpPr>
+          <p:cNvPr id="4" name="Content Placeholder 2"/>
           <p:cNvSpPr txBox="1">
             <a:spLocks/>
           </p:cNvSpPr>
@@ -8891,8 +9358,8 @@
         </p:nvSpPr>
         <p:spPr>
           <a:xfrm>
-            <a:off x="4800600" y="2209800"/>
-            <a:ext cx="4149726" cy="4144963"/>
+            <a:off x="495894" y="2069721"/>
+            <a:ext cx="7852062" cy="4144963"/>
           </a:xfrm>
           <a:prstGeom prst="rect">
             <a:avLst/>
@@ -8900,7 +9367,7 @@
         </p:spPr>
         <p:txBody>
           <a:bodyPr vert="horz" lIns="91440" tIns="45720" rIns="91440" bIns="45720" rtlCol="0">
-            <a:normAutofit/>
+            <a:noAutofit/>
           </a:bodyPr>
           <a:lstStyle>
             <a:lvl1pPr marL="228600" indent="-228600" algn="l" defTabSz="914400" rtl="0" eaLnBrk="1" latinLnBrk="0" hangingPunct="1">
@@ -9116,41 +9583,116 @@
           </a:lstStyle>
           <a:p>
             <a:r>
-              <a:rPr lang="en-US" dirty="0" smtClean="0"/>
+              <a:rPr lang="en-US" sz="1800" dirty="0"/>
+              <a:t>Game2</a:t>
+            </a:r>
+          </a:p>
+          <a:p>
+            <a:pPr lvl="1"/>
+            <a:r>
+              <a:rPr lang="en-US" sz="1600" dirty="0" smtClean="0"/>
+              <a:t>Starts up the window and it’s properties</a:t>
+            </a:r>
+          </a:p>
+          <a:p>
+            <a:pPr lvl="1"/>
+            <a:r>
+              <a:rPr lang="en-US" sz="1600" dirty="0" smtClean="0"/>
+              <a:t>Contains the </a:t>
+            </a:r>
+            <a:r>
+              <a:rPr lang="en-US" sz="1600" dirty="0" err="1" smtClean="0"/>
+              <a:t>keyPressed</a:t>
+            </a:r>
+            <a:r>
+              <a:rPr lang="en-US" sz="1600" dirty="0" smtClean="0"/>
+              <a:t> and </a:t>
+            </a:r>
+            <a:r>
+              <a:rPr lang="en-US" sz="1600" dirty="0" err="1" smtClean="0"/>
+              <a:t>keyReleased</a:t>
+            </a:r>
+            <a:r>
+              <a:rPr lang="en-US" sz="1600" dirty="0" smtClean="0"/>
+              <a:t> events and updates when an action is performed</a:t>
+            </a:r>
+          </a:p>
+          <a:p>
+            <a:r>
+              <a:rPr lang="en-US" sz="1800" dirty="0" smtClean="0"/>
               <a:t>GamePanel2</a:t>
             </a:r>
+            <a:endParaRPr lang="en-US" sz="1800" dirty="0" smtClean="0"/>
           </a:p>
           <a:p>
             <a:pPr lvl="1"/>
             <a:r>
-              <a:rPr lang="en-US" dirty="0" smtClean="0"/>
-              <a:t>Contains collision and updates, some drawing</a:t>
-            </a:r>
-          </a:p>
-          <a:p>
-            <a:r>
-              <a:rPr lang="en-US" dirty="0" smtClean="0"/>
+              <a:rPr lang="en-US" sz="1600" dirty="0" smtClean="0"/>
+              <a:t>Contains the movement and the code that checks for collision</a:t>
+            </a:r>
+          </a:p>
+          <a:p>
+            <a:pPr lvl="1"/>
+            <a:r>
+              <a:rPr lang="en-US" sz="1600" dirty="0" smtClean="0"/>
+              <a:t>Contains the code that resets the game</a:t>
+            </a:r>
+          </a:p>
+          <a:p>
+            <a:pPr lvl="1"/>
+            <a:r>
+              <a:rPr lang="en-US" sz="1600" dirty="0" smtClean="0"/>
+              <a:t>Contains the biggest update of th</a:t>
+            </a:r>
+            <a:r>
+              <a:rPr lang="en-US" sz="1600" dirty="0" smtClean="0"/>
+              <a:t>e whole game</a:t>
+            </a:r>
+          </a:p>
+          <a:p>
+            <a:pPr lvl="1"/>
+            <a:r>
+              <a:rPr lang="en-US" sz="1600" dirty="0" smtClean="0"/>
+              <a:t>Contains the most important draw method</a:t>
+            </a:r>
+            <a:endParaRPr lang="en-US" sz="1600" dirty="0" smtClean="0"/>
+          </a:p>
+          <a:p>
+            <a:r>
+              <a:rPr lang="en-US" sz="1800" dirty="0" smtClean="0"/>
               <a:t>Screen2</a:t>
             </a:r>
           </a:p>
           <a:p>
             <a:pPr lvl="1"/>
             <a:r>
-              <a:rPr lang="en-US" dirty="0" smtClean="0"/>
-              <a:t>Contains level sprites and draws them</a:t>
+              <a:rPr lang="en-US" sz="1600" dirty="0" smtClean="0"/>
+              <a:t>Contains the map and the sprites for the screen</a:t>
             </a:r>
           </a:p>
           <a:p>
             <a:pPr lvl="1"/>
             <a:r>
-              <a:rPr lang="en-US" dirty="0" smtClean="0"/>
-              <a:t>Also contains level collision</a:t>
-            </a:r>
-            <a:endParaRPr lang="en-US" dirty="0"/>
+              <a:rPr lang="en-US" sz="1600" dirty="0" smtClean="0"/>
+              <a:t>Contains the code that checks the level collision</a:t>
+            </a:r>
+          </a:p>
+          <a:p>
+            <a:pPr lvl="1"/>
+            <a:r>
+              <a:rPr lang="en-US" sz="1600" dirty="0" smtClean="0"/>
+              <a:t>Draws the map, and sets the level</a:t>
+            </a:r>
+            <a:endParaRPr lang="en-US" sz="1600" dirty="0"/>
           </a:p>
         </p:txBody>
       </p:sp>
     </p:spTree>
+    <p:extLst>
+      <p:ext uri="{BB962C8B-B14F-4D97-AF65-F5344CB8AC3E}">
+        <p14:creationId xmlns:p14="http://schemas.microsoft.com/office/powerpoint/2010/main" val="2614536617"/>
+      </p:ext>
+    </p:extLst>
   </p:cSld>
   <p:clrMapOvr>
     <a:masterClrMapping/>
@@ -9158,7 +9700,7 @@
 </p:sld>
 </file>
 
-<file path=ppt/slides/slide6.xml><?xml version="1.0" encoding="utf-8"?>
+<file path=ppt/slides/slide9.xml><?xml version="1.0" encoding="utf-8"?>
 <p:sld xmlns:a="http://schemas.openxmlformats.org/drawingml/2006/main" xmlns:r="http://schemas.openxmlformats.org/officeDocument/2006/relationships" xmlns:p="http://schemas.openxmlformats.org/presentationml/2006/main">
   <p:cSld>
     <p:spTree>
@@ -9191,7 +9733,7 @@
           <a:lstStyle/>
           <a:p>
             <a:r>
-              <a:rPr lang="en-US" sz="4400" dirty="0" smtClean="0"/>
+              <a:rPr lang="en-US" sz="4000" dirty="0" smtClean="0"/>
               <a:t>Algorithm</a:t>
             </a:r>
             <a:endParaRPr lang="en-US" sz="4400" dirty="0"/>
@@ -9225,7 +9767,15 @@
             </a:pPr>
             <a:r>
               <a:rPr lang="en-US" sz="2400" dirty="0" smtClean="0"/>
-              <a:t>When key is pressed, direction is passed</a:t>
+              <a:t>When </a:t>
+            </a:r>
+            <a:r>
+              <a:rPr lang="en-US" sz="2400" dirty="0" smtClean="0"/>
+              <a:t>a key </a:t>
+            </a:r>
+            <a:r>
+              <a:rPr lang="en-US" sz="2400" dirty="0" smtClean="0"/>
+              <a:t>is pressed, direction is passed</a:t>
             </a:r>
           </a:p>
           <a:p>
@@ -9245,7 +9795,11 @@
             </a:pPr>
             <a:r>
               <a:rPr lang="en-US" sz="2400" dirty="0" smtClean="0"/>
-              <a:t>Character collision is checked with direction variable</a:t>
+              <a:t>If </a:t>
+            </a:r>
+            <a:r>
+              <a:rPr lang="en-US" sz="2400" dirty="0" smtClean="0"/>
+              <a:t>collision is found, no movement happens</a:t>
             </a:r>
           </a:p>
           <a:p>
@@ -9255,107 +9809,8 @@
             </a:pPr>
             <a:r>
               <a:rPr lang="en-US" sz="2400" dirty="0" smtClean="0"/>
-              <a:t>If collision is found, no movement happens</a:t>
-            </a:r>
-          </a:p>
-          <a:p>
-            <a:pPr marL="971550" lvl="1" indent="-514350">
-              <a:buFont typeface="+mj-lt"/>
-              <a:buAutoNum type="arabicPeriod"/>
-            </a:pPr>
-            <a:r>
-              <a:rPr lang="en-US" sz="2400" dirty="0" smtClean="0"/>
               <a:t>If collision is not found, movement happens corresponding movement variable</a:t>
             </a:r>
-          </a:p>
-        </p:txBody>
-      </p:sp>
-    </p:spTree>
-  </p:cSld>
-  <p:clrMapOvr>
-    <a:masterClrMapping/>
-  </p:clrMapOvr>
-</p:sld>
-</file>
-
-<file path=ppt/slides/slide7.xml><?xml version="1.0" encoding="utf-8"?>
-<p:sld xmlns:a="http://schemas.openxmlformats.org/drawingml/2006/main" xmlns:r="http://schemas.openxmlformats.org/officeDocument/2006/relationships" xmlns:p="http://schemas.openxmlformats.org/presentationml/2006/main">
-  <p:cSld>
-    <p:spTree>
-      <p:nvGrpSpPr>
-        <p:cNvPr id="1" name=""/>
-        <p:cNvGrpSpPr/>
-        <p:nvPr/>
-      </p:nvGrpSpPr>
-      <p:grpSpPr>
-        <a:xfrm>
-          <a:off x="0" y="0"/>
-          <a:ext cx="0" cy="0"/>
-          <a:chOff x="0" y="0"/>
-          <a:chExt cx="0" cy="0"/>
-        </a:xfrm>
-      </p:grpSpPr>
-      <p:sp>
-        <p:nvSpPr>
-          <p:cNvPr id="2" name="Title 1"/>
-          <p:cNvSpPr>
-            <a:spLocks noGrp="1"/>
-          </p:cNvSpPr>
-          <p:nvPr>
-            <p:ph type="title"/>
-          </p:nvPr>
-        </p:nvSpPr>
-        <p:spPr/>
-        <p:txBody>
-          <a:bodyPr/>
-          <a:lstStyle/>
-          <a:p>
-            <a:r>
-              <a:rPr lang="en-US" sz="4400" dirty="0" smtClean="0"/>
-              <a:t>Maintenance</a:t>
-            </a:r>
-            <a:endParaRPr lang="en-US" dirty="0"/>
-          </a:p>
-        </p:txBody>
-      </p:sp>
-      <p:sp>
-        <p:nvSpPr>
-          <p:cNvPr id="3" name="Content Placeholder 2"/>
-          <p:cNvSpPr>
-            <a:spLocks noGrp="1"/>
-          </p:cNvSpPr>
-          <p:nvPr>
-            <p:ph idx="1"/>
-          </p:nvPr>
-        </p:nvSpPr>
-        <p:spPr/>
-        <p:txBody>
-          <a:bodyPr/>
-          <a:lstStyle/>
-          <a:p>
-            <a:r>
-              <a:rPr lang="en-US" dirty="0" smtClean="0"/>
-              <a:t>Pickup upgrades</a:t>
-            </a:r>
-          </a:p>
-          <a:p>
-            <a:r>
-              <a:rPr lang="en-US" dirty="0" smtClean="0"/>
-              <a:t>Game start screen</a:t>
-            </a:r>
-          </a:p>
-          <a:p>
-            <a:r>
-              <a:rPr lang="en-US" dirty="0" smtClean="0"/>
-              <a:t>Game over screen</a:t>
-            </a:r>
-          </a:p>
-          <a:p>
-            <a:r>
-              <a:rPr lang="en-US" dirty="0" smtClean="0"/>
-              <a:t>More levels</a:t>
-            </a:r>
-            <a:endParaRPr lang="en-US" dirty="0"/>
           </a:p>
         </p:txBody>
       </p:sp>

--- a/BomberJuan.pptx
+++ b/BomberJuan.pptx
@@ -7,14 +7,15 @@
   <p:sldIdLst>
     <p:sldId id="256" r:id="rId2"/>
     <p:sldId id="257" r:id="rId3"/>
-    <p:sldId id="258" r:id="rId4"/>
-    <p:sldId id="264" r:id="rId5"/>
-    <p:sldId id="263" r:id="rId6"/>
-    <p:sldId id="259" r:id="rId7"/>
-    <p:sldId id="260" r:id="rId8"/>
-    <p:sldId id="265" r:id="rId9"/>
-    <p:sldId id="261" r:id="rId10"/>
-    <p:sldId id="262" r:id="rId11"/>
+    <p:sldId id="266" r:id="rId4"/>
+    <p:sldId id="258" r:id="rId5"/>
+    <p:sldId id="264" r:id="rId6"/>
+    <p:sldId id="263" r:id="rId7"/>
+    <p:sldId id="259" r:id="rId8"/>
+    <p:sldId id="260" r:id="rId9"/>
+    <p:sldId id="265" r:id="rId10"/>
+    <p:sldId id="261" r:id="rId11"/>
+    <p:sldId id="262" r:id="rId12"/>
   </p:sldIdLst>
   <p:sldSz cx="9144000" cy="6858000" type="screen4x3"/>
   <p:notesSz cx="6858000" cy="9144000"/>
@@ -317,7 +318,7 @@
           <a:p>
             <a:fld id="{693979EF-4621-4273-AF5F-DF6C03C4E4E7}" type="datetimeFigureOut">
               <a:rPr lang="en-US" smtClean="0"/>
-              <a:t>5/6/14</a:t>
+              <a:t>5/7/14</a:t>
             </a:fld>
             <a:endParaRPr lang="en-US"/>
           </a:p>
@@ -771,7 +772,7 @@
           <a:p>
             <a:fld id="{693979EF-4621-4273-AF5F-DF6C03C4E4E7}" type="datetimeFigureOut">
               <a:rPr lang="en-US" smtClean="0"/>
-              <a:t>5/6/14</a:t>
+              <a:t>5/7/14</a:t>
             </a:fld>
             <a:endParaRPr lang="en-US"/>
           </a:p>
@@ -1314,7 +1315,7 @@
           <a:p>
             <a:fld id="{693979EF-4621-4273-AF5F-DF6C03C4E4E7}" type="datetimeFigureOut">
               <a:rPr lang="en-US" smtClean="0"/>
-              <a:t>5/6/14</a:t>
+              <a:t>5/7/14</a:t>
             </a:fld>
             <a:endParaRPr lang="en-US"/>
           </a:p>
@@ -1450,7 +1451,7 @@
           <a:p>
             <a:fld id="{693979EF-4621-4273-AF5F-DF6C03C4E4E7}" type="datetimeFigureOut">
               <a:rPr lang="en-US" smtClean="0"/>
-              <a:t>5/6/14</a:t>
+              <a:t>5/7/14</a:t>
             </a:fld>
             <a:endParaRPr lang="en-US"/>
           </a:p>
@@ -1788,7 +1789,7 @@
           <a:p>
             <a:fld id="{693979EF-4621-4273-AF5F-DF6C03C4E4E7}" type="datetimeFigureOut">
               <a:rPr lang="en-US" smtClean="0"/>
-              <a:t>5/6/14</a:t>
+              <a:t>5/7/14</a:t>
             </a:fld>
             <a:endParaRPr lang="en-US"/>
           </a:p>
@@ -2114,7 +2115,7 @@
           <a:p>
             <a:fld id="{693979EF-4621-4273-AF5F-DF6C03C4E4E7}" type="datetimeFigureOut">
               <a:rPr lang="en-US" smtClean="0"/>
-              <a:t>5/6/14</a:t>
+              <a:t>5/7/14</a:t>
             </a:fld>
             <a:endParaRPr lang="en-US"/>
           </a:p>
@@ -2412,7 +2413,7 @@
           <a:p>
             <a:fld id="{693979EF-4621-4273-AF5F-DF6C03C4E4E7}" type="datetimeFigureOut">
               <a:rPr lang="en-US" smtClean="0"/>
-              <a:t>5/6/14</a:t>
+              <a:t>5/7/14</a:t>
             </a:fld>
             <a:endParaRPr lang="en-US"/>
           </a:p>
@@ -2799,7 +2800,7 @@
           <a:p>
             <a:fld id="{693979EF-4621-4273-AF5F-DF6C03C4E4E7}" type="datetimeFigureOut">
               <a:rPr lang="en-US" smtClean="0"/>
-              <a:t>5/6/14</a:t>
+              <a:t>5/7/14</a:t>
             </a:fld>
             <a:endParaRPr lang="en-US"/>
           </a:p>
@@ -3219,7 +3220,7 @@
           <a:p>
             <a:fld id="{693979EF-4621-4273-AF5F-DF6C03C4E4E7}" type="datetimeFigureOut">
               <a:rPr lang="en-US" smtClean="0"/>
-              <a:t>5/6/14</a:t>
+              <a:t>5/7/14</a:t>
             </a:fld>
             <a:endParaRPr lang="en-US"/>
           </a:p>
@@ -3767,7 +3768,7 @@
           <a:p>
             <a:fld id="{693979EF-4621-4273-AF5F-DF6C03C4E4E7}" type="datetimeFigureOut">
               <a:rPr lang="en-US" smtClean="0"/>
-              <a:t>5/6/14</a:t>
+              <a:t>5/7/14</a:t>
             </a:fld>
             <a:endParaRPr lang="en-US"/>
           </a:p>
@@ -4125,7 +4126,7 @@
           <a:p>
             <a:fld id="{693979EF-4621-4273-AF5F-DF6C03C4E4E7}" type="datetimeFigureOut">
               <a:rPr lang="en-US" smtClean="0"/>
-              <a:t>5/6/14</a:t>
+              <a:t>5/7/14</a:t>
             </a:fld>
             <a:endParaRPr lang="en-US"/>
           </a:p>
@@ -4340,7 +4341,7 @@
           <a:p>
             <a:fld id="{693979EF-4621-4273-AF5F-DF6C03C4E4E7}" type="datetimeFigureOut">
               <a:rPr lang="en-US" smtClean="0"/>
-              <a:t>5/6/14</a:t>
+              <a:t>5/7/14</a:t>
             </a:fld>
             <a:endParaRPr lang="en-US"/>
           </a:p>
@@ -4647,7 +4648,7 @@
           <a:p>
             <a:fld id="{693979EF-4621-4273-AF5F-DF6C03C4E4E7}" type="datetimeFigureOut">
               <a:rPr lang="en-US" smtClean="0"/>
-              <a:t>5/6/14</a:t>
+              <a:t>5/7/14</a:t>
             </a:fld>
             <a:endParaRPr lang="en-US"/>
           </a:p>
@@ -4903,7 +4904,7 @@
           <a:p>
             <a:fld id="{693979EF-4621-4273-AF5F-DF6C03C4E4E7}" type="datetimeFigureOut">
               <a:rPr lang="en-US" smtClean="0"/>
-              <a:t>5/6/14</a:t>
+              <a:t>5/7/14</a:t>
             </a:fld>
             <a:endParaRPr lang="en-US"/>
           </a:p>
@@ -5292,7 +5293,7 @@
           <a:p>
             <a:fld id="{693979EF-4621-4273-AF5F-DF6C03C4E4E7}" type="datetimeFigureOut">
               <a:rPr lang="en-US" smtClean="0"/>
-              <a:t>5/6/14</a:t>
+              <a:t>5/7/14</a:t>
             </a:fld>
             <a:endParaRPr lang="en-US"/>
           </a:p>
@@ -5881,7 +5882,7 @@
           <a:p>
             <a:fld id="{693979EF-4621-4273-AF5F-DF6C03C4E4E7}" type="datetimeFigureOut">
               <a:rPr lang="en-US" smtClean="0"/>
-              <a:t>5/6/14</a:t>
+              <a:t>5/7/14</a:t>
             </a:fld>
             <a:endParaRPr lang="en-US"/>
           </a:p>
@@ -6396,7 +6397,7 @@
           <a:p>
             <a:fld id="{693979EF-4621-4273-AF5F-DF6C03C4E4E7}" type="datetimeFigureOut">
               <a:rPr lang="en-US" smtClean="0"/>
-              <a:t>5/6/14</a:t>
+              <a:t>5/7/14</a:t>
             </a:fld>
             <a:endParaRPr lang="en-US"/>
           </a:p>
@@ -6769,7 +6770,7 @@
           <a:p>
             <a:fld id="{693979EF-4621-4273-AF5F-DF6C03C4E4E7}" type="datetimeFigureOut">
               <a:rPr lang="en-US" smtClean="0"/>
-              <a:t>5/6/14</a:t>
+              <a:t>5/7/14</a:t>
             </a:fld>
             <a:endParaRPr lang="en-US"/>
           </a:p>
@@ -7168,7 +7169,7 @@
           <a:p>
             <a:fld id="{693979EF-4621-4273-AF5F-DF6C03C4E4E7}" type="datetimeFigureOut">
               <a:rPr lang="en-US" smtClean="0"/>
-              <a:t>5/6/14</a:t>
+              <a:t>5/7/14</a:t>
             </a:fld>
             <a:endParaRPr lang="en-US"/>
           </a:p>
@@ -7588,7 +7589,7 @@
           <a:p>
             <a:fld id="{693979EF-4621-4273-AF5F-DF6C03C4E4E7}" type="datetimeFigureOut">
               <a:rPr lang="en-US" smtClean="0"/>
-              <a:t>5/6/14</a:t>
+              <a:t>5/7/14</a:t>
             </a:fld>
             <a:endParaRPr lang="en-US"/>
           </a:p>
@@ -7971,7 +7972,7 @@
           <a:p>
             <a:fld id="{693979EF-4621-4273-AF5F-DF6C03C4E4E7}" type="datetimeFigureOut">
               <a:rPr lang="en-US" smtClean="0"/>
-              <a:t>5/6/14</a:t>
+              <a:t>5/7/14</a:t>
             </a:fld>
             <a:endParaRPr lang="en-US"/>
           </a:p>
@@ -8442,18 +8443,18 @@
           <a:lstStyle/>
           <a:p>
             <a:r>
-              <a:rPr lang="en-US" dirty="0" err="1" smtClean="0"/>
+              <a:rPr lang="en-US" sz="4400" dirty="0" err="1" smtClean="0"/>
               <a:t>BomberJuan</a:t>
             </a:r>
             <a:r>
-              <a:rPr lang="en-US" dirty="0" smtClean="0"/>
+              <a:rPr lang="en-US" sz="4400" dirty="0" smtClean="0"/>
               <a:t/>
             </a:r>
             <a:br>
-              <a:rPr lang="en-US" dirty="0" smtClean="0"/>
+              <a:rPr lang="en-US" sz="4400" dirty="0" smtClean="0"/>
             </a:br>
             <a:r>
-              <a:rPr lang="en-US" sz="3600" dirty="0" smtClean="0"/>
+              <a:rPr lang="en-US" sz="3100" dirty="0" smtClean="0"/>
               <a:t>2 player game</a:t>
             </a:r>
             <a:endParaRPr lang="en-US" sz="3600" dirty="0"/>
@@ -8470,7 +8471,12 @@
             <p:ph type="subTitle" idx="1"/>
           </p:nvPr>
         </p:nvSpPr>
-        <p:spPr/>
+        <p:spPr>
+          <a:xfrm>
+            <a:off x="4800600" y="5867400"/>
+            <a:ext cx="4038600" cy="748553"/>
+          </a:xfrm>
+        </p:spPr>
         <p:txBody>
           <a:bodyPr/>
           <a:lstStyle/>
@@ -8525,6 +8531,151 @@
           <a:p>
             <a:r>
               <a:rPr lang="en-US" sz="4000" dirty="0" smtClean="0"/>
+              <a:t>Algorithm</a:t>
+            </a:r>
+            <a:endParaRPr lang="en-US" sz="4400" dirty="0"/>
+          </a:p>
+        </p:txBody>
+      </p:sp>
+      <p:sp>
+        <p:nvSpPr>
+          <p:cNvPr id="3" name="Content Placeholder 2"/>
+          <p:cNvSpPr>
+            <a:spLocks noGrp="1"/>
+          </p:cNvSpPr>
+          <p:nvPr>
+            <p:ph idx="1"/>
+          </p:nvPr>
+        </p:nvSpPr>
+        <p:spPr/>
+        <p:txBody>
+          <a:bodyPr/>
+          <a:lstStyle/>
+          <a:p>
+            <a:r>
+              <a:rPr lang="en-US" sz="2800" dirty="0" smtClean="0">
+                <a:solidFill>
+                  <a:schemeClr val="tx1">
+                    <a:lumMod val="75000"/>
+                    <a:lumOff val="25000"/>
+                  </a:schemeClr>
+                </a:solidFill>
+              </a:rPr>
+              <a:t>Collision</a:t>
+            </a:r>
+          </a:p>
+          <a:p>
+            <a:pPr marL="971550" lvl="1" indent="-514350">
+              <a:buFont typeface="+mj-lt"/>
+              <a:buAutoNum type="arabicPeriod"/>
+            </a:pPr>
+            <a:r>
+              <a:rPr lang="en-US" sz="2400" dirty="0" smtClean="0">
+                <a:solidFill>
+                  <a:schemeClr val="tx1">
+                    <a:lumMod val="75000"/>
+                    <a:lumOff val="25000"/>
+                  </a:schemeClr>
+                </a:solidFill>
+              </a:rPr>
+              <a:t>When a key is pressed, direction is passed</a:t>
+            </a:r>
+          </a:p>
+          <a:p>
+            <a:pPr marL="971550" lvl="1" indent="-514350">
+              <a:buFont typeface="+mj-lt"/>
+              <a:buAutoNum type="arabicPeriod"/>
+            </a:pPr>
+            <a:r>
+              <a:rPr lang="en-US" sz="2400" dirty="0" smtClean="0">
+                <a:solidFill>
+                  <a:schemeClr val="tx1">
+                    <a:lumMod val="75000"/>
+                    <a:lumOff val="25000"/>
+                  </a:schemeClr>
+                </a:solidFill>
+              </a:rPr>
+              <a:t>Level collision is checked with direction variable</a:t>
+            </a:r>
+          </a:p>
+          <a:p>
+            <a:pPr marL="971550" lvl="1" indent="-514350">
+              <a:buFont typeface="+mj-lt"/>
+              <a:buAutoNum type="arabicPeriod"/>
+            </a:pPr>
+            <a:r>
+              <a:rPr lang="en-US" sz="2400" dirty="0" smtClean="0">
+                <a:solidFill>
+                  <a:schemeClr val="tx1">
+                    <a:lumMod val="75000"/>
+                    <a:lumOff val="25000"/>
+                  </a:schemeClr>
+                </a:solidFill>
+              </a:rPr>
+              <a:t>If collision is found, no movement happens</a:t>
+            </a:r>
+          </a:p>
+          <a:p>
+            <a:pPr marL="971550" lvl="1" indent="-514350">
+              <a:buFont typeface="+mj-lt"/>
+              <a:buAutoNum type="arabicPeriod"/>
+            </a:pPr>
+            <a:r>
+              <a:rPr lang="en-US" sz="2400" dirty="0" smtClean="0">
+                <a:solidFill>
+                  <a:schemeClr val="tx1">
+                    <a:lumMod val="75000"/>
+                    <a:lumOff val="25000"/>
+                  </a:schemeClr>
+                </a:solidFill>
+              </a:rPr>
+              <a:t>If collision is not found, movement happens corresponding movement variable</a:t>
+            </a:r>
+          </a:p>
+        </p:txBody>
+      </p:sp>
+    </p:spTree>
+  </p:cSld>
+  <p:clrMapOvr>
+    <a:masterClrMapping/>
+  </p:clrMapOvr>
+</p:sld>
+</file>
+
+<file path=ppt/slides/slide11.xml><?xml version="1.0" encoding="utf-8"?>
+<p:sld xmlns:a="http://schemas.openxmlformats.org/drawingml/2006/main" xmlns:r="http://schemas.openxmlformats.org/officeDocument/2006/relationships" xmlns:p="http://schemas.openxmlformats.org/presentationml/2006/main">
+  <p:cSld>
+    <p:spTree>
+      <p:nvGrpSpPr>
+        <p:cNvPr id="1" name=""/>
+        <p:cNvGrpSpPr/>
+        <p:nvPr/>
+      </p:nvGrpSpPr>
+      <p:grpSpPr>
+        <a:xfrm>
+          <a:off x="0" y="0"/>
+          <a:ext cx="0" cy="0"/>
+          <a:chOff x="0" y="0"/>
+          <a:chExt cx="0" cy="0"/>
+        </a:xfrm>
+      </p:grpSpPr>
+      <p:sp>
+        <p:nvSpPr>
+          <p:cNvPr id="2" name="Title 1"/>
+          <p:cNvSpPr>
+            <a:spLocks noGrp="1"/>
+          </p:cNvSpPr>
+          <p:nvPr>
+            <p:ph type="title"/>
+          </p:nvPr>
+        </p:nvSpPr>
+        <p:spPr/>
+        <p:txBody>
+          <a:bodyPr/>
+          <a:lstStyle/>
+          <a:p>
+            <a:r>
+              <a:rPr lang="en-US" sz="4000" dirty="0" smtClean="0"/>
               <a:t>Maintenance</a:t>
             </a:r>
             <a:endParaRPr lang="en-US" sz="3200" dirty="0"/>
@@ -8547,33 +8698,63 @@
           <a:lstStyle/>
           <a:p>
             <a:r>
-              <a:rPr lang="en-US" dirty="0" smtClean="0"/>
-              <a:t>Upgrades that player </a:t>
-            </a:r>
-            <a:r>
-              <a:rPr lang="en-US" smtClean="0"/>
-              <a:t>is able to pick up</a:t>
-            </a:r>
-            <a:endParaRPr lang="en-US" dirty="0" smtClean="0"/>
-          </a:p>
-          <a:p>
-            <a:r>
-              <a:rPr lang="en-US" dirty="0" smtClean="0"/>
+              <a:rPr lang="en-US" dirty="0" smtClean="0">
+                <a:solidFill>
+                  <a:schemeClr val="tx1">
+                    <a:lumMod val="75000"/>
+                    <a:lumOff val="25000"/>
+                  </a:schemeClr>
+                </a:solidFill>
+              </a:rPr>
+              <a:t>Upgrades that player is able to pick up</a:t>
+            </a:r>
+          </a:p>
+          <a:p>
+            <a:r>
+              <a:rPr lang="en-US" dirty="0" smtClean="0">
+                <a:solidFill>
+                  <a:schemeClr val="tx1">
+                    <a:lumMod val="75000"/>
+                    <a:lumOff val="25000"/>
+                  </a:schemeClr>
+                </a:solidFill>
+              </a:rPr>
               <a:t>Game start screen</a:t>
             </a:r>
           </a:p>
           <a:p>
             <a:r>
-              <a:rPr lang="en-US" dirty="0" smtClean="0"/>
+              <a:rPr lang="en-US" dirty="0" smtClean="0">
+                <a:solidFill>
+                  <a:schemeClr val="tx1">
+                    <a:lumMod val="75000"/>
+                    <a:lumOff val="25000"/>
+                  </a:schemeClr>
+                </a:solidFill>
+              </a:rPr>
               <a:t>Game over screen</a:t>
             </a:r>
           </a:p>
           <a:p>
             <a:r>
-              <a:rPr lang="en-US" dirty="0" smtClean="0"/>
+              <a:rPr lang="en-US" dirty="0" smtClean="0">
+                <a:solidFill>
+                  <a:schemeClr val="tx1">
+                    <a:lumMod val="75000"/>
+                    <a:lumOff val="25000"/>
+                  </a:schemeClr>
+                </a:solidFill>
+              </a:rPr>
               <a:t>More levels</a:t>
             </a:r>
-            <a:endParaRPr lang="en-US" dirty="0"/>
+            <a:endParaRPr lang="en-US" dirty="0">
+              <a:solidFill>
+                <a:schemeClr val="tx1">
+                  <a:lumMod val="75000"/>
+                  <a:lumOff val="25000"/>
+                </a:schemeClr>
+              </a:solidFill>
+            </a:endParaRPr>
           </a:p>
         </p:txBody>
       </p:sp>
@@ -8618,8 +8799,8 @@
           <a:lstStyle/>
           <a:p>
             <a:r>
-              <a:rPr lang="en-US" sz="4000" dirty="0" err="1" smtClean="0"/>
-              <a:t>ToC</a:t>
+              <a:rPr lang="en-US" sz="4000" dirty="0" smtClean="0"/>
+              <a:t>Table of Contents</a:t>
             </a:r>
             <a:endParaRPr lang="en-US" dirty="0"/>
           </a:p>
@@ -8645,7 +8826,14 @@
               <a:buAutoNum type="arabicPeriod"/>
             </a:pPr>
             <a:r>
-              <a:rPr lang="en-US" dirty="0" smtClean="0"/>
+              <a:rPr lang="en-US" dirty="0" smtClean="0">
+                <a:solidFill>
+                  <a:schemeClr val="tx1">
+                    <a:lumMod val="75000"/>
+                    <a:lumOff val="25000"/>
+                  </a:schemeClr>
+                </a:solidFill>
+              </a:rPr>
               <a:t>Requirements</a:t>
             </a:r>
           </a:p>
@@ -8655,9 +8843,24 @@
               <a:buAutoNum type="arabicPeriod"/>
             </a:pPr>
             <a:r>
-              <a:rPr lang="en-US" dirty="0" smtClean="0"/>
-              <a:t>Top-Down Design</a:t>
-            </a:r>
+              <a:rPr lang="en-US" dirty="0" smtClean="0">
+                <a:solidFill>
+                  <a:schemeClr val="tx1">
+                    <a:lumMod val="75000"/>
+                    <a:lumOff val="25000"/>
+                  </a:schemeClr>
+                </a:solidFill>
+              </a:rPr>
+              <a:t>Mechanics</a:t>
+            </a:r>
+            <a:endParaRPr lang="en-US" dirty="0" smtClean="0">
+              <a:solidFill>
+                <a:schemeClr val="tx1">
+                  <a:lumMod val="75000"/>
+                  <a:lumOff val="25000"/>
+                </a:schemeClr>
+              </a:solidFill>
+            </a:endParaRPr>
           </a:p>
           <a:p>
             <a:pPr marL="514350" indent="-514350">
@@ -8665,8 +8868,15 @@
               <a:buAutoNum type="arabicPeriod"/>
             </a:pPr>
             <a:r>
-              <a:rPr lang="en-US" dirty="0" smtClean="0"/>
-              <a:t>Object Oriented Programming</a:t>
+              <a:rPr lang="en-US" dirty="0" smtClean="0">
+                <a:solidFill>
+                  <a:schemeClr val="tx1">
+                    <a:lumMod val="75000"/>
+                    <a:lumOff val="25000"/>
+                  </a:schemeClr>
+                </a:solidFill>
+              </a:rPr>
+              <a:t>Top-Down Design</a:t>
             </a:r>
           </a:p>
           <a:p>
@@ -8675,8 +8885,15 @@
               <a:buAutoNum type="arabicPeriod"/>
             </a:pPr>
             <a:r>
-              <a:rPr lang="en-US" dirty="0" smtClean="0"/>
-              <a:t>Algorithm</a:t>
+              <a:rPr lang="en-US" dirty="0" smtClean="0">
+                <a:solidFill>
+                  <a:schemeClr val="tx1">
+                    <a:lumMod val="75000"/>
+                    <a:lumOff val="25000"/>
+                  </a:schemeClr>
+                </a:solidFill>
+              </a:rPr>
+              <a:t>Object Oriented Programming</a:t>
             </a:r>
           </a:p>
           <a:p>
@@ -8685,7 +8902,31 @@
               <a:buAutoNum type="arabicPeriod"/>
             </a:pPr>
             <a:r>
-              <a:rPr lang="en-US" dirty="0" smtClean="0"/>
+              <a:rPr lang="en-US" dirty="0" smtClean="0">
+                <a:solidFill>
+                  <a:schemeClr val="tx1">
+                    <a:lumMod val="75000"/>
+                    <a:lumOff val="25000"/>
+                  </a:schemeClr>
+                </a:solidFill>
+              </a:rPr>
+              <a:t>Algorithm</a:t>
+            </a:r>
+          </a:p>
+          <a:p>
+            <a:pPr marL="514350" indent="-514350">
+              <a:buFont typeface="+mj-lt"/>
+              <a:buAutoNum type="arabicPeriod"/>
+            </a:pPr>
+            <a:r>
+              <a:rPr lang="en-US" dirty="0" smtClean="0">
+                <a:solidFill>
+                  <a:schemeClr val="tx1">
+                    <a:lumMod val="75000"/>
+                    <a:lumOff val="25000"/>
+                  </a:schemeClr>
+                </a:solidFill>
+              </a:rPr>
               <a:t>Maintenance</a:t>
             </a:r>
           </a:p>
@@ -8732,7 +8973,7 @@
           <a:lstStyle/>
           <a:p>
             <a:r>
-              <a:rPr lang="en-US" sz="4000" dirty="0" smtClean="0"/>
+              <a:rPr lang="en-US" dirty="0" smtClean="0"/>
               <a:t>Requirements</a:t>
             </a:r>
             <a:endParaRPr lang="en-US" dirty="0"/>
@@ -8749,12 +8990,7 @@
             <p:ph idx="1"/>
           </p:nvPr>
         </p:nvSpPr>
-        <p:spPr>
-          <a:xfrm>
-            <a:off x="228600" y="2438400"/>
-            <a:ext cx="4149726" cy="3230563"/>
-          </a:xfrm>
-        </p:spPr>
+        <p:spPr/>
         <p:txBody>
           <a:bodyPr>
             <a:normAutofit/>
@@ -8762,48 +8998,116 @@
           <a:lstStyle/>
           <a:p>
             <a:r>
-              <a:rPr lang="en-US" sz="2800" dirty="0" smtClean="0"/>
-              <a:t>When player hits designated movement keys, the player moves accordingly or </a:t>
-            </a:r>
-            <a:r>
-              <a:rPr lang="en-US" sz="2800" dirty="0" smtClean="0"/>
-              <a:t>collides</a:t>
-            </a:r>
-            <a:endParaRPr lang="en-US" sz="2800" dirty="0" smtClean="0"/>
-          </a:p>
-        </p:txBody>
-      </p:sp>
-      <p:pic>
-        <p:nvPicPr>
-          <p:cNvPr id="4" name="Picture 3" descr="Screen Shot 2014-05-06 at 1.46.16 PM.png"/>
-          <p:cNvPicPr>
-            <a:picLocks noChangeAspect="1"/>
-          </p:cNvPicPr>
-          <p:nvPr/>
-        </p:nvPicPr>
-        <p:blipFill>
-          <a:blip r:embed="rId2">
-            <a:extLst>
-              <a:ext uri="{28A0092B-C50C-407E-A947-70E740481C1C}">
-                <a14:useLocalDpi xmlns:a14="http://schemas.microsoft.com/office/drawing/2010/main" val="0"/>
-              </a:ext>
-            </a:extLst>
-          </a:blip>
-          <a:stretch>
-            <a:fillRect/>
-          </a:stretch>
-        </p:blipFill>
-        <p:spPr>
-          <a:xfrm>
-            <a:off x="4572000" y="2209800"/>
-            <a:ext cx="4105490" cy="4253031"/>
-          </a:xfrm>
-          <a:prstGeom prst="rect">
-            <a:avLst/>
-          </a:prstGeom>
-        </p:spPr>
-      </p:pic>
+              <a:rPr lang="en-US" sz="2800" dirty="0" smtClean="0">
+                <a:solidFill>
+                  <a:schemeClr val="tx1">
+                    <a:lumMod val="75000"/>
+                    <a:lumOff val="25000"/>
+                  </a:schemeClr>
+                </a:solidFill>
+              </a:rPr>
+              <a:t>This is an arcade game</a:t>
+            </a:r>
+          </a:p>
+          <a:p>
+            <a:r>
+              <a:rPr lang="en-US" sz="2800" dirty="0" smtClean="0">
+                <a:solidFill>
+                  <a:schemeClr val="tx1">
+                    <a:lumMod val="75000"/>
+                    <a:lumOff val="25000"/>
+                  </a:schemeClr>
+                </a:solidFill>
+              </a:rPr>
+              <a:t>This is a two player game</a:t>
+            </a:r>
+          </a:p>
+          <a:p>
+            <a:r>
+              <a:rPr lang="en-US" sz="2800" dirty="0" smtClean="0">
+                <a:solidFill>
+                  <a:schemeClr val="tx1">
+                    <a:lumMod val="75000"/>
+                    <a:lumOff val="25000"/>
+                  </a:schemeClr>
+                </a:solidFill>
+              </a:rPr>
+              <a:t>It has 2D graphics</a:t>
+            </a:r>
+          </a:p>
+          <a:p>
+            <a:r>
+              <a:rPr lang="en-US" sz="2800" dirty="0" smtClean="0">
+                <a:solidFill>
+                  <a:schemeClr val="tx1">
+                    <a:lumMod val="75000"/>
+                    <a:lumOff val="25000"/>
+                  </a:schemeClr>
+                </a:solidFill>
+              </a:rPr>
+              <a:t>It is my own version of the </a:t>
+            </a:r>
+            <a:r>
+              <a:rPr lang="en-US" sz="2800" dirty="0" err="1" smtClean="0">
+                <a:solidFill>
+                  <a:schemeClr val="tx1">
+                    <a:lumMod val="75000"/>
+                    <a:lumOff val="25000"/>
+                  </a:schemeClr>
+                </a:solidFill>
+              </a:rPr>
+              <a:t>Bomberman</a:t>
+            </a:r>
+            <a:r>
+              <a:rPr lang="en-US" sz="2800" dirty="0" smtClean="0">
+                <a:solidFill>
+                  <a:schemeClr val="tx1">
+                    <a:lumMod val="75000"/>
+                    <a:lumOff val="25000"/>
+                  </a:schemeClr>
+                </a:solidFill>
+              </a:rPr>
+              <a:t> game also known as </a:t>
+            </a:r>
+            <a:r>
+              <a:rPr lang="en-US" sz="2800" dirty="0" err="1" smtClean="0">
+                <a:solidFill>
+                  <a:schemeClr val="tx1">
+                    <a:lumMod val="75000"/>
+                    <a:lumOff val="25000"/>
+                  </a:schemeClr>
+                </a:solidFill>
+              </a:rPr>
+              <a:t>Dyna</a:t>
+            </a:r>
+            <a:r>
+              <a:rPr lang="en-US" sz="2800" dirty="0" smtClean="0">
+                <a:solidFill>
+                  <a:schemeClr val="tx1">
+                    <a:lumMod val="75000"/>
+                    <a:lumOff val="25000"/>
+                  </a:schemeClr>
+                </a:solidFill>
+              </a:rPr>
+              <a:t> Blaster</a:t>
+            </a:r>
+            <a:endParaRPr lang="en-US" sz="2800" dirty="0">
+              <a:solidFill>
+                <a:schemeClr val="tx1">
+                  <a:lumMod val="75000"/>
+                  <a:lumOff val="25000"/>
+                </a:schemeClr>
+              </a:solidFill>
+            </a:endParaRPr>
+          </a:p>
+        </p:txBody>
+      </p:sp>
     </p:spTree>
+    <p:extLst>
+      <p:ext uri="{BB962C8B-B14F-4D97-AF65-F5344CB8AC3E}">
+        <p14:creationId xmlns:p14="http://schemas.microsoft.com/office/powerpoint/2010/main" val="4146631382"/>
+      </p:ext>
+    </p:extLst>
   </p:cSld>
   <p:clrMapOvr>
     <a:masterClrMapping/>
@@ -8845,16 +9149,9 @@
           <a:p>
             <a:r>
               <a:rPr lang="en-US" sz="4000" dirty="0" smtClean="0"/>
-              <a:t>Requirements</a:t>
-            </a:r>
-            <a:br>
-              <a:rPr lang="en-US" sz="4000" dirty="0" smtClean="0"/>
-            </a:br>
-            <a:r>
-              <a:rPr lang="en-US" sz="4000" dirty="0" smtClean="0"/>
-              <a:t>…continued</a:t>
-            </a:r>
-            <a:endParaRPr lang="en-US" sz="4000" dirty="0"/>
+              <a:t>Mechanics</a:t>
+            </a:r>
+            <a:endParaRPr lang="en-US" dirty="0"/>
           </a:p>
         </p:txBody>
       </p:sp>
@@ -8870,8 +9167,8 @@
         </p:nvSpPr>
         <p:spPr>
           <a:xfrm>
-            <a:off x="457200" y="2590800"/>
-            <a:ext cx="3387726" cy="4144963"/>
+            <a:off x="228600" y="2438400"/>
+            <a:ext cx="4149726" cy="3230563"/>
           </a:xfrm>
         </p:spPr>
         <p:txBody>
@@ -8881,28 +9178,22 @@
           <a:lstStyle/>
           <a:p>
             <a:r>
-              <a:rPr lang="en-US" sz="2800" dirty="0"/>
-              <a:t>When player </a:t>
-            </a:r>
-            <a:r>
-              <a:rPr lang="en-US" sz="2800" dirty="0" smtClean="0"/>
-              <a:t>hits </a:t>
-            </a:r>
-            <a:r>
-              <a:rPr lang="en-US" sz="2800" dirty="0"/>
-              <a:t>designated bomb keys, a bomb is dropped on their location of the </a:t>
-            </a:r>
-            <a:r>
-              <a:rPr lang="en-US" sz="2800" dirty="0" smtClean="0"/>
-              <a:t>map</a:t>
-            </a:r>
-            <a:endParaRPr lang="en-US" sz="2800" dirty="0"/>
+              <a:rPr lang="en-US" sz="2800" dirty="0" smtClean="0">
+                <a:solidFill>
+                  <a:schemeClr val="tx1">
+                    <a:lumMod val="75000"/>
+                    <a:lumOff val="25000"/>
+                  </a:schemeClr>
+                </a:solidFill>
+              </a:rPr>
+              <a:t>When player hits designated movement keys, the player moves accordingly or collides</a:t>
+            </a:r>
           </a:p>
         </p:txBody>
       </p:sp>
       <p:pic>
         <p:nvPicPr>
-          <p:cNvPr id="5" name="Picture 4" descr="Screen Shot 2014-05-06 at 1.50.20 PM.png"/>
+          <p:cNvPr id="4" name="Picture 3" descr="Screen Shot 2014-05-06 at 1.46.16 PM.png"/>
           <p:cNvPicPr>
             <a:picLocks noChangeAspect="1"/>
           </p:cNvPicPr>
@@ -8922,8 +9213,8 @@
         </p:blipFill>
         <p:spPr>
           <a:xfrm>
-            <a:off x="4343400" y="2133600"/>
-            <a:ext cx="4267200" cy="4420553"/>
+            <a:off x="4572000" y="2209800"/>
+            <a:ext cx="4105490" cy="4253031"/>
           </a:xfrm>
           <a:prstGeom prst="rect">
             <a:avLst/>
@@ -8931,11 +9222,6 @@
         </p:spPr>
       </p:pic>
     </p:spTree>
-    <p:extLst>
-      <p:ext uri="{BB962C8B-B14F-4D97-AF65-F5344CB8AC3E}">
-        <p14:creationId xmlns:p14="http://schemas.microsoft.com/office/powerpoint/2010/main" val="720054615"/>
-      </p:ext>
-    </p:extLst>
   </p:cSld>
   <p:clrMapOvr>
     <a:masterClrMapping/>
@@ -8977,7 +9263,11 @@
           <a:p>
             <a:r>
               <a:rPr lang="en-US" sz="4000" dirty="0" smtClean="0"/>
-              <a:t>Requirements </a:t>
+              <a:t>Mechanics</a:t>
+            </a:r>
+            <a:r>
+              <a:rPr lang="en-US" sz="4000" dirty="0" smtClean="0"/>
+              <a:t/>
             </a:r>
             <a:br>
               <a:rPr lang="en-US" sz="4000" dirty="0" smtClean="0"/>
@@ -9002,30 +9292,74 @@
         </p:nvSpPr>
         <p:spPr>
           <a:xfrm>
-            <a:off x="533400" y="2971800"/>
-            <a:ext cx="4073526" cy="4144963"/>
-          </a:xfrm>
-        </p:spPr>
-        <p:txBody>
-          <a:bodyPr/>
-          <a:lstStyle/>
-          <a:p>
-            <a:r>
-              <a:rPr lang="en-US" sz="2800" dirty="0"/>
-              <a:t>When bomb explodes, players in the bomb’s radius are destroyed and game is reset</a:t>
-            </a:r>
-          </a:p>
-          <a:p>
-            <a:pPr marL="0" indent="0">
-              <a:buNone/>
-            </a:pPr>
-            <a:endParaRPr lang="en-US" dirty="0"/>
+            <a:off x="457200" y="2590800"/>
+            <a:ext cx="3387726" cy="4144963"/>
+          </a:xfrm>
+        </p:spPr>
+        <p:txBody>
+          <a:bodyPr>
+            <a:normAutofit/>
+          </a:bodyPr>
+          <a:lstStyle/>
+          <a:p>
+            <a:r>
+              <a:rPr lang="en-US" sz="2800" dirty="0">
+                <a:solidFill>
+                  <a:schemeClr val="tx1">
+                    <a:lumMod val="75000"/>
+                    <a:lumOff val="25000"/>
+                  </a:schemeClr>
+                </a:solidFill>
+              </a:rPr>
+              <a:t>When player </a:t>
+            </a:r>
+            <a:r>
+              <a:rPr lang="en-US" sz="2800" dirty="0" smtClean="0">
+                <a:solidFill>
+                  <a:schemeClr val="tx1">
+                    <a:lumMod val="75000"/>
+                    <a:lumOff val="25000"/>
+                  </a:schemeClr>
+                </a:solidFill>
+              </a:rPr>
+              <a:t>hits </a:t>
+            </a:r>
+            <a:r>
+              <a:rPr lang="en-US" sz="2800" dirty="0">
+                <a:solidFill>
+                  <a:schemeClr val="tx1">
+                    <a:lumMod val="75000"/>
+                    <a:lumOff val="25000"/>
+                  </a:schemeClr>
+                </a:solidFill>
+              </a:rPr>
+              <a:t>designated bomb keys, a bomb is dropped on their location of the </a:t>
+            </a:r>
+            <a:r>
+              <a:rPr lang="en-US" sz="2800" dirty="0" smtClean="0">
+                <a:solidFill>
+                  <a:schemeClr val="tx1">
+                    <a:lumMod val="75000"/>
+                    <a:lumOff val="25000"/>
+                  </a:schemeClr>
+                </a:solidFill>
+              </a:rPr>
+              <a:t>map</a:t>
+            </a:r>
+            <a:endParaRPr lang="en-US" sz="2800" dirty="0">
+              <a:solidFill>
+                <a:schemeClr val="tx1">
+                  <a:lumMod val="75000"/>
+                  <a:lumOff val="25000"/>
+                </a:schemeClr>
+              </a:solidFill>
+            </a:endParaRPr>
           </a:p>
         </p:txBody>
       </p:sp>
       <p:pic>
         <p:nvPicPr>
-          <p:cNvPr id="4" name="Picture 3" descr="BombermanDown_02.png"/>
+          <p:cNvPr id="5" name="Picture 4" descr="Screen Shot 2014-05-06 at 1.50.20 PM.png"/>
           <p:cNvPicPr>
             <a:picLocks noChangeAspect="1"/>
           </p:cNvPicPr>
@@ -9045,8 +9379,8 @@
         </p:blipFill>
         <p:spPr>
           <a:xfrm>
-            <a:off x="5943600" y="2743200"/>
-            <a:ext cx="2052152" cy="2626759"/>
+            <a:off x="4343400" y="2133600"/>
+            <a:ext cx="4267200" cy="4420553"/>
           </a:xfrm>
           <a:prstGeom prst="rect">
             <a:avLst/>
@@ -9056,7 +9390,7 @@
     </p:spTree>
     <p:extLst>
       <p:ext uri="{BB962C8B-B14F-4D97-AF65-F5344CB8AC3E}">
-        <p14:creationId xmlns:p14="http://schemas.microsoft.com/office/powerpoint/2010/main" val="4083176347"/>
+        <p14:creationId xmlns:p14="http://schemas.microsoft.com/office/powerpoint/2010/main" val="720054615"/>
       </p:ext>
     </p:extLst>
   </p:cSld>
@@ -9100,7 +9434,18 @@
           <a:p>
             <a:r>
               <a:rPr lang="en-US" sz="4000" dirty="0" smtClean="0"/>
-              <a:t>Top-Down Design</a:t>
+              <a:t>Mechanics</a:t>
+            </a:r>
+            <a:r>
+              <a:rPr lang="en-US" sz="4000" dirty="0" smtClean="0"/>
+              <a:t/>
+            </a:r>
+            <a:br>
+              <a:rPr lang="en-US" sz="4000" dirty="0" smtClean="0"/>
+            </a:br>
+            <a:r>
+              <a:rPr lang="en-US" sz="4000" dirty="0" smtClean="0"/>
+              <a:t>…continued</a:t>
             </a:r>
             <a:endParaRPr lang="en-US" sz="4000" dirty="0"/>
           </a:p>
@@ -9116,56 +9461,72 @@
             <p:ph idx="1"/>
           </p:nvPr>
         </p:nvSpPr>
-        <p:spPr/>
-        <p:txBody>
-          <a:bodyPr>
-            <a:normAutofit/>
-          </a:bodyPr>
-          <a:lstStyle/>
-          <a:p>
-            <a:r>
-              <a:rPr lang="en-US" sz="2800" dirty="0" smtClean="0"/>
-              <a:t>Start up the game</a:t>
-            </a:r>
-          </a:p>
-          <a:p>
-            <a:r>
-              <a:rPr lang="en-US" sz="2800" dirty="0" smtClean="0"/>
-              <a:t>Window is </a:t>
-            </a:r>
-            <a:r>
-              <a:rPr lang="en-US" sz="2800" dirty="0" smtClean="0"/>
-              <a:t>made from </a:t>
-            </a:r>
-            <a:r>
-              <a:rPr lang="en-US" sz="2800" dirty="0" smtClean="0"/>
-              <a:t>Game2 file</a:t>
-            </a:r>
-          </a:p>
-          <a:p>
-            <a:r>
-              <a:rPr lang="en-US" sz="2800" dirty="0" smtClean="0"/>
-              <a:t>Images are loaded and placed on screen</a:t>
-            </a:r>
-          </a:p>
-          <a:p>
-            <a:r>
-              <a:rPr lang="en-US" sz="2800" dirty="0" smtClean="0"/>
-              <a:t>Screen with all the </a:t>
-            </a:r>
-            <a:r>
-              <a:rPr lang="en-US" sz="2800" dirty="0" smtClean="0"/>
-              <a:t>sprites(map and character sprites) </a:t>
-            </a:r>
-            <a:r>
-              <a:rPr lang="en-US" sz="2800" dirty="0" smtClean="0"/>
-              <a:t>are displayed</a:t>
-            </a:r>
-            <a:endParaRPr lang="en-US" sz="2800" dirty="0"/>
-          </a:p>
-        </p:txBody>
-      </p:sp>
+        <p:spPr>
+          <a:xfrm>
+            <a:off x="533400" y="2971800"/>
+            <a:ext cx="4073526" cy="4144963"/>
+          </a:xfrm>
+        </p:spPr>
+        <p:txBody>
+          <a:bodyPr/>
+          <a:lstStyle/>
+          <a:p>
+            <a:r>
+              <a:rPr lang="en-US" sz="2800" dirty="0">
+                <a:solidFill>
+                  <a:schemeClr val="tx1">
+                    <a:lumMod val="75000"/>
+                    <a:lumOff val="25000"/>
+                  </a:schemeClr>
+                </a:solidFill>
+              </a:rPr>
+              <a:t>When bomb explodes, players in the bomb’s radius are destroyed and game is reset</a:t>
+            </a:r>
+          </a:p>
+          <a:p>
+            <a:pPr marL="0" indent="0">
+              <a:buNone/>
+            </a:pPr>
+            <a:endParaRPr lang="en-US" dirty="0"/>
+          </a:p>
+        </p:txBody>
+      </p:sp>
+      <p:pic>
+        <p:nvPicPr>
+          <p:cNvPr id="4" name="Picture 3" descr="BombermanDown_02.png"/>
+          <p:cNvPicPr>
+            <a:picLocks noChangeAspect="1"/>
+          </p:cNvPicPr>
+          <p:nvPr/>
+        </p:nvPicPr>
+        <p:blipFill>
+          <a:blip r:embed="rId2">
+            <a:extLst>
+              <a:ext uri="{28A0092B-C50C-407E-A947-70E740481C1C}">
+                <a14:useLocalDpi xmlns:a14="http://schemas.microsoft.com/office/drawing/2010/main" val="0"/>
+              </a:ext>
+            </a:extLst>
+          </a:blip>
+          <a:stretch>
+            <a:fillRect/>
+          </a:stretch>
+        </p:blipFill>
+        <p:spPr>
+          <a:xfrm>
+            <a:off x="5943600" y="2743200"/>
+            <a:ext cx="2052152" cy="2626759"/>
+          </a:xfrm>
+          <a:prstGeom prst="rect">
+            <a:avLst/>
+          </a:prstGeom>
+        </p:spPr>
+      </p:pic>
     </p:spTree>
+    <p:extLst>
+      <p:ext uri="{BB962C8B-B14F-4D97-AF65-F5344CB8AC3E}">
+        <p14:creationId xmlns:p14="http://schemas.microsoft.com/office/powerpoint/2010/main" val="4083176347"/>
+      </p:ext>
+    </p:extLst>
   </p:cSld>
   <p:clrMapOvr>
     <a:masterClrMapping/>
@@ -9207,7 +9568,7 @@
           <a:p>
             <a:r>
               <a:rPr lang="en-US" sz="4000" dirty="0" smtClean="0"/>
-              <a:t>Object Oriented Programming</a:t>
+              <a:t>Top-Down Design</a:t>
             </a:r>
             <a:endParaRPr lang="en-US" sz="4000" dirty="0"/>
           </a:p>
@@ -9223,12 +9584,7 @@
             <p:ph idx="1"/>
           </p:nvPr>
         </p:nvSpPr>
-        <p:spPr>
-          <a:xfrm>
-            <a:off x="457199" y="2209800"/>
-            <a:ext cx="7638637" cy="4144963"/>
-          </a:xfrm>
-        </p:spPr>
+        <p:spPr/>
         <p:txBody>
           <a:bodyPr>
             <a:normAutofit/>
@@ -9236,60 +9592,63 @@
           <a:lstStyle/>
           <a:p>
             <a:r>
-              <a:rPr lang="en-US" dirty="0" smtClean="0"/>
-              <a:t>Bomb</a:t>
-            </a:r>
-          </a:p>
-          <a:p>
-            <a:pPr lvl="1"/>
-            <a:r>
-              <a:rPr lang="en-US" dirty="0" smtClean="0"/>
-              <a:t>Contains </a:t>
-            </a:r>
-            <a:r>
-              <a:rPr lang="en-US" dirty="0" smtClean="0"/>
-              <a:t>the variables for the bomb</a:t>
-            </a:r>
-          </a:p>
-          <a:p>
-            <a:pPr lvl="1"/>
-            <a:r>
-              <a:rPr lang="en-US" dirty="0" smtClean="0"/>
-              <a:t>Contains the images for the bomb and draws them</a:t>
-            </a:r>
-            <a:endParaRPr lang="en-US" dirty="0" smtClean="0"/>
-          </a:p>
-          <a:p>
-            <a:r>
-              <a:rPr lang="en-US" dirty="0" smtClean="0"/>
-              <a:t>Character2</a:t>
-            </a:r>
-          </a:p>
-          <a:p>
-            <a:pPr lvl="1"/>
-            <a:r>
-              <a:rPr lang="en-US" dirty="0" smtClean="0"/>
-              <a:t>Contains </a:t>
-            </a:r>
-            <a:r>
-              <a:rPr lang="en-US" dirty="0" smtClean="0"/>
-              <a:t>the variables for the characters</a:t>
-            </a:r>
-          </a:p>
-          <a:p>
-            <a:pPr lvl="1"/>
-            <a:r>
-              <a:rPr lang="en-US" dirty="0" smtClean="0"/>
-              <a:t>Contains the sprites for the character and draws them</a:t>
-            </a:r>
-          </a:p>
-          <a:p>
-            <a:pPr lvl="1"/>
-            <a:r>
-              <a:rPr lang="en-US" dirty="0" smtClean="0"/>
-              <a:t>Updates the character </a:t>
-            </a:r>
-            <a:endParaRPr lang="en-US" dirty="0" smtClean="0"/>
+              <a:rPr lang="en-US" sz="2800" dirty="0" smtClean="0">
+                <a:solidFill>
+                  <a:schemeClr val="tx1">
+                    <a:lumMod val="75000"/>
+                    <a:lumOff val="25000"/>
+                  </a:schemeClr>
+                </a:solidFill>
+              </a:rPr>
+              <a:t>Start up the game</a:t>
+            </a:r>
+          </a:p>
+          <a:p>
+            <a:r>
+              <a:rPr lang="en-US" sz="2800" dirty="0" smtClean="0">
+                <a:solidFill>
+                  <a:schemeClr val="tx1">
+                    <a:lumMod val="75000"/>
+                    <a:lumOff val="25000"/>
+                  </a:schemeClr>
+                </a:solidFill>
+              </a:rPr>
+              <a:t>Window is made from Game2 file</a:t>
+            </a:r>
+          </a:p>
+          <a:p>
+            <a:r>
+              <a:rPr lang="en-US" sz="2800" dirty="0" smtClean="0">
+                <a:solidFill>
+                  <a:schemeClr val="tx1">
+                    <a:lumMod val="75000"/>
+                    <a:lumOff val="25000"/>
+                  </a:schemeClr>
+                </a:solidFill>
+              </a:rPr>
+              <a:t>Images are loaded and placed on screen</a:t>
+            </a:r>
+          </a:p>
+          <a:p>
+            <a:r>
+              <a:rPr lang="en-US" sz="2800" dirty="0" smtClean="0">
+                <a:solidFill>
+                  <a:schemeClr val="tx1">
+                    <a:lumMod val="75000"/>
+                    <a:lumOff val="25000"/>
+                  </a:schemeClr>
+                </a:solidFill>
+              </a:rPr>
+              <a:t>Screen with all the sprites(map and character sprites) are displayed</a:t>
+            </a:r>
+            <a:endParaRPr lang="en-US" sz="2800" dirty="0">
+              <a:solidFill>
+                <a:schemeClr val="tx1">
+                  <a:lumMod val="75000"/>
+                  <a:lumOff val="25000"/>
+                </a:schemeClr>
+              </a:solidFill>
+            </a:endParaRPr>
           </a:p>
         </p:txBody>
       </p:sp>
@@ -9337,362 +9696,130 @@
               <a:rPr lang="en-US" sz="4000" dirty="0" smtClean="0"/>
               <a:t>Object Oriented Programming</a:t>
             </a:r>
-            <a:br>
-              <a:rPr lang="en-US" sz="4000" dirty="0" smtClean="0"/>
-            </a:br>
-            <a:r>
-              <a:rPr lang="en-US" sz="4000" dirty="0" smtClean="0"/>
-              <a:t>…continued</a:t>
-            </a:r>
             <a:endParaRPr lang="en-US" sz="4000" dirty="0"/>
           </a:p>
         </p:txBody>
       </p:sp>
       <p:sp>
         <p:nvSpPr>
-          <p:cNvPr id="4" name="Content Placeholder 2"/>
-          <p:cNvSpPr txBox="1">
-            <a:spLocks/>
-          </p:cNvSpPr>
-          <p:nvPr/>
-        </p:nvSpPr>
-        <p:spPr>
-          <a:xfrm>
-            <a:off x="495894" y="2069721"/>
-            <a:ext cx="7852062" cy="4144963"/>
-          </a:xfrm>
-          <a:prstGeom prst="rect">
-            <a:avLst/>
-          </a:prstGeom>
-        </p:spPr>
-        <p:txBody>
-          <a:bodyPr vert="horz" lIns="91440" tIns="45720" rIns="91440" bIns="45720" rtlCol="0">
-            <a:noAutofit/>
+          <p:cNvPr id="3" name="Content Placeholder 2"/>
+          <p:cNvSpPr>
+            <a:spLocks noGrp="1"/>
+          </p:cNvSpPr>
+          <p:nvPr>
+            <p:ph idx="1"/>
+          </p:nvPr>
+        </p:nvSpPr>
+        <p:spPr>
+          <a:xfrm>
+            <a:off x="457199" y="2209800"/>
+            <a:ext cx="7638637" cy="4144963"/>
+          </a:xfrm>
+        </p:spPr>
+        <p:txBody>
+          <a:bodyPr>
+            <a:normAutofit/>
           </a:bodyPr>
-          <a:lstStyle>
-            <a:lvl1pPr marL="228600" indent="-228600" algn="l" defTabSz="914400" rtl="0" eaLnBrk="1" latinLnBrk="0" hangingPunct="1">
-              <a:spcBef>
-                <a:spcPts val="2000"/>
-              </a:spcBef>
-              <a:buClr>
-                <a:schemeClr val="accent1"/>
-              </a:buClr>
-              <a:buSzPct val="75000"/>
-              <a:buFont typeface="Wingdings" pitchFamily="2" charset="2"/>
-              <a:buChar char="n"/>
-              <a:defRPr sz="2000" kern="1200">
+          <a:lstStyle/>
+          <a:p>
+            <a:r>
+              <a:rPr lang="en-US" dirty="0" smtClean="0">
                 <a:solidFill>
                   <a:schemeClr val="tx1">
-                    <a:lumMod val="65000"/>
-                    <a:lumOff val="35000"/>
-                  </a:schemeClr>
-                </a:solidFill>
-                <a:latin typeface="+mn-lt"/>
-                <a:ea typeface="+mn-ea"/>
-                <a:cs typeface="+mn-cs"/>
-              </a:defRPr>
-            </a:lvl1pPr>
-            <a:lvl2pPr marL="457200" indent="-228600" algn="l" defTabSz="914400" rtl="0" eaLnBrk="1" latinLnBrk="0" hangingPunct="1">
-              <a:spcBef>
-                <a:spcPts val="600"/>
-              </a:spcBef>
-              <a:buClr>
-                <a:schemeClr val="accent1">
-                  <a:lumMod val="60000"/>
-                  <a:lumOff val="40000"/>
-                </a:schemeClr>
-              </a:buClr>
-              <a:buSzPct val="75000"/>
-              <a:buFont typeface="Wingdings" pitchFamily="2" charset="2"/>
-              <a:buChar char="n"/>
-              <a:defRPr sz="1800" kern="1200">
+                    <a:lumMod val="75000"/>
+                    <a:lumOff val="25000"/>
+                  </a:schemeClr>
+                </a:solidFill>
+              </a:rPr>
+              <a:t>Bomb</a:t>
+            </a:r>
+          </a:p>
+          <a:p>
+            <a:pPr lvl="1"/>
+            <a:r>
+              <a:rPr lang="en-US" dirty="0" smtClean="0">
                 <a:solidFill>
                   <a:schemeClr val="tx1">
-                    <a:lumMod val="65000"/>
-                    <a:lumOff val="35000"/>
-                  </a:schemeClr>
-                </a:solidFill>
-                <a:latin typeface="+mn-lt"/>
-                <a:ea typeface="+mn-ea"/>
-                <a:cs typeface="+mn-cs"/>
-              </a:defRPr>
-            </a:lvl2pPr>
-            <a:lvl3pPr marL="685800" indent="-228600" algn="l" defTabSz="914400" rtl="0" eaLnBrk="1" latinLnBrk="0" hangingPunct="1">
-              <a:spcBef>
-                <a:spcPts val="600"/>
-              </a:spcBef>
-              <a:buClr>
-                <a:schemeClr val="accent1"/>
-              </a:buClr>
-              <a:buSzPct val="75000"/>
-              <a:buFont typeface="Wingdings" pitchFamily="2" charset="2"/>
-              <a:buChar char="n"/>
-              <a:defRPr sz="1800" kern="1200">
+                    <a:lumMod val="75000"/>
+                    <a:lumOff val="25000"/>
+                  </a:schemeClr>
+                </a:solidFill>
+              </a:rPr>
+              <a:t>Contains the variables for the bomb</a:t>
+            </a:r>
+          </a:p>
+          <a:p>
+            <a:pPr lvl="1"/>
+            <a:r>
+              <a:rPr lang="en-US" dirty="0" smtClean="0">
                 <a:solidFill>
                   <a:schemeClr val="tx1">
-                    <a:lumMod val="65000"/>
-                    <a:lumOff val="35000"/>
-                  </a:schemeClr>
-                </a:solidFill>
-                <a:latin typeface="+mn-lt"/>
-                <a:ea typeface="+mn-ea"/>
-                <a:cs typeface="+mn-cs"/>
-              </a:defRPr>
-            </a:lvl3pPr>
-            <a:lvl4pPr marL="914400" indent="-228600" algn="l" defTabSz="914400" rtl="0" eaLnBrk="1" latinLnBrk="0" hangingPunct="1">
-              <a:spcBef>
-                <a:spcPts val="600"/>
-              </a:spcBef>
-              <a:buClr>
-                <a:schemeClr val="accent1">
-                  <a:lumMod val="60000"/>
-                  <a:lumOff val="40000"/>
-                </a:schemeClr>
-              </a:buClr>
-              <a:buSzPct val="75000"/>
-              <a:buFont typeface="Wingdings" pitchFamily="2" charset="2"/>
-              <a:buChar char="n"/>
-              <a:defRPr sz="1800" kern="1200">
+                    <a:lumMod val="75000"/>
+                    <a:lumOff val="25000"/>
+                  </a:schemeClr>
+                </a:solidFill>
+              </a:rPr>
+              <a:t>Contains the images for the bomb and draws them</a:t>
+            </a:r>
+          </a:p>
+          <a:p>
+            <a:r>
+              <a:rPr lang="en-US" dirty="0" smtClean="0">
                 <a:solidFill>
                   <a:schemeClr val="tx1">
-                    <a:lumMod val="65000"/>
-                    <a:lumOff val="35000"/>
-                  </a:schemeClr>
-                </a:solidFill>
-                <a:latin typeface="+mn-lt"/>
-                <a:ea typeface="+mn-ea"/>
-                <a:cs typeface="+mn-cs"/>
-              </a:defRPr>
-            </a:lvl4pPr>
-            <a:lvl5pPr marL="1143000" indent="-228600" algn="l" defTabSz="914400" rtl="0" eaLnBrk="1" latinLnBrk="0" hangingPunct="1">
-              <a:spcBef>
-                <a:spcPts val="600"/>
-              </a:spcBef>
-              <a:buClr>
-                <a:schemeClr val="accent1"/>
-              </a:buClr>
-              <a:buSzPct val="75000"/>
-              <a:buFont typeface="Wingdings" pitchFamily="2" charset="2"/>
-              <a:buChar char="n"/>
-              <a:defRPr sz="1800" kern="1200">
+                    <a:lumMod val="75000"/>
+                    <a:lumOff val="25000"/>
+                  </a:schemeClr>
+                </a:solidFill>
+              </a:rPr>
+              <a:t>Character2</a:t>
+            </a:r>
+          </a:p>
+          <a:p>
+            <a:pPr lvl="1"/>
+            <a:r>
+              <a:rPr lang="en-US" dirty="0" smtClean="0">
                 <a:solidFill>
                   <a:schemeClr val="tx1">
-                    <a:lumMod val="65000"/>
-                    <a:lumOff val="35000"/>
-                  </a:schemeClr>
-                </a:solidFill>
-                <a:latin typeface="+mn-lt"/>
-                <a:ea typeface="+mn-ea"/>
-                <a:cs typeface="+mn-cs"/>
-              </a:defRPr>
-            </a:lvl5pPr>
-            <a:lvl6pPr marL="1377950" indent="-228600" algn="l" defTabSz="914400" rtl="0" eaLnBrk="1" latinLnBrk="0" hangingPunct="1">
-              <a:spcBef>
-                <a:spcPct val="20000"/>
-              </a:spcBef>
-              <a:buClr>
-                <a:schemeClr val="accent1">
-                  <a:lumMod val="60000"/>
-                  <a:lumOff val="40000"/>
-                </a:schemeClr>
-              </a:buClr>
-              <a:buSzPct val="75000"/>
-              <a:buFont typeface="Wingdings" pitchFamily="2" charset="2"/>
-              <a:buChar char=""/>
-              <a:defRPr lang="en-US" sz="1800" kern="1200" dirty="0" smtClean="0">
+                    <a:lumMod val="75000"/>
+                    <a:lumOff val="25000"/>
+                  </a:schemeClr>
+                </a:solidFill>
+              </a:rPr>
+              <a:t>Contains the variables for the characters</a:t>
+            </a:r>
+          </a:p>
+          <a:p>
+            <a:pPr lvl="1"/>
+            <a:r>
+              <a:rPr lang="en-US" dirty="0" smtClean="0">
                 <a:solidFill>
                   <a:schemeClr val="tx1">
-                    <a:lumMod val="65000"/>
-                    <a:lumOff val="35000"/>
-                  </a:schemeClr>
-                </a:solidFill>
-                <a:latin typeface="+mn-lt"/>
-                <a:ea typeface="+mn-ea"/>
-                <a:cs typeface="+mn-cs"/>
-              </a:defRPr>
-            </a:lvl6pPr>
-            <a:lvl7pPr marL="1603375" indent="-228600" algn="l" defTabSz="914400" rtl="0" eaLnBrk="1" latinLnBrk="0" hangingPunct="1">
-              <a:spcBef>
-                <a:spcPct val="20000"/>
-              </a:spcBef>
-              <a:buClr>
-                <a:schemeClr val="accent1"/>
-              </a:buClr>
-              <a:buSzPct val="75000"/>
-              <a:buFont typeface="Wingdings" pitchFamily="2" charset="2"/>
-              <a:buChar char=""/>
-              <a:defRPr lang="en-US" sz="1800" kern="1200" baseline="0" dirty="0" smtClean="0">
+                    <a:lumMod val="75000"/>
+                    <a:lumOff val="25000"/>
+                  </a:schemeClr>
+                </a:solidFill>
+              </a:rPr>
+              <a:t>Contains the sprites for the character and draws them</a:t>
+            </a:r>
+          </a:p>
+          <a:p>
+            <a:pPr lvl="1"/>
+            <a:r>
+              <a:rPr lang="en-US" dirty="0" smtClean="0">
                 <a:solidFill>
                   <a:schemeClr val="tx1">
-                    <a:lumMod val="65000"/>
-                    <a:lumOff val="35000"/>
-                  </a:schemeClr>
-                </a:solidFill>
-                <a:latin typeface="+mn-lt"/>
-                <a:ea typeface="+mn-ea"/>
-                <a:cs typeface="+mn-cs"/>
-              </a:defRPr>
-            </a:lvl7pPr>
-            <a:lvl8pPr marL="1830388" indent="-228600" algn="l" defTabSz="914400" rtl="0" eaLnBrk="1" latinLnBrk="0" hangingPunct="1">
-              <a:spcBef>
-                <a:spcPct val="20000"/>
-              </a:spcBef>
-              <a:buClr>
-                <a:schemeClr val="accent1">
-                  <a:lumMod val="60000"/>
-                  <a:lumOff val="40000"/>
-                </a:schemeClr>
-              </a:buClr>
-              <a:buSzPct val="75000"/>
-              <a:buFont typeface="Wingdings" pitchFamily="2" charset="2"/>
-              <a:buChar char=""/>
-              <a:defRPr lang="en-US" sz="1800" kern="1200" baseline="0" dirty="0" smtClean="0">
-                <a:solidFill>
-                  <a:schemeClr val="tx1">
-                    <a:lumMod val="65000"/>
-                    <a:lumOff val="35000"/>
-                  </a:schemeClr>
-                </a:solidFill>
-                <a:latin typeface="+mn-lt"/>
-                <a:ea typeface="+mn-ea"/>
-                <a:cs typeface="+mn-cs"/>
-              </a:defRPr>
-            </a:lvl8pPr>
-            <a:lvl9pPr marL="2057400" indent="-228600" algn="l" defTabSz="914400" rtl="0" eaLnBrk="1" latinLnBrk="0" hangingPunct="1">
-              <a:spcBef>
-                <a:spcPct val="20000"/>
-              </a:spcBef>
-              <a:buClr>
-                <a:schemeClr val="accent1"/>
-              </a:buClr>
-              <a:buSzPct val="75000"/>
-              <a:buFont typeface="Wingdings" pitchFamily="2" charset="2"/>
-              <a:buChar char=""/>
-              <a:defRPr lang="en-US" sz="1800" kern="1200" baseline="0" dirty="0">
-                <a:solidFill>
-                  <a:schemeClr val="tx1">
-                    <a:lumMod val="65000"/>
-                    <a:lumOff val="35000"/>
-                  </a:schemeClr>
-                </a:solidFill>
-                <a:latin typeface="+mn-lt"/>
-                <a:ea typeface="+mn-ea"/>
-                <a:cs typeface="+mn-cs"/>
-              </a:defRPr>
-            </a:lvl9pPr>
-          </a:lstStyle>
-          <a:p>
-            <a:r>
-              <a:rPr lang="en-US" sz="1800" dirty="0"/>
-              <a:t>Game2</a:t>
-            </a:r>
-          </a:p>
-          <a:p>
-            <a:pPr lvl="1"/>
-            <a:r>
-              <a:rPr lang="en-US" sz="1600" dirty="0" smtClean="0"/>
-              <a:t>Starts up the window and it’s properties</a:t>
-            </a:r>
-          </a:p>
-          <a:p>
-            <a:pPr lvl="1"/>
-            <a:r>
-              <a:rPr lang="en-US" sz="1600" dirty="0" smtClean="0"/>
-              <a:t>Contains the </a:t>
-            </a:r>
-            <a:r>
-              <a:rPr lang="en-US" sz="1600" dirty="0" err="1" smtClean="0"/>
-              <a:t>keyPressed</a:t>
-            </a:r>
-            <a:r>
-              <a:rPr lang="en-US" sz="1600" dirty="0" smtClean="0"/>
-              <a:t> and </a:t>
-            </a:r>
-            <a:r>
-              <a:rPr lang="en-US" sz="1600" dirty="0" err="1" smtClean="0"/>
-              <a:t>keyReleased</a:t>
-            </a:r>
-            <a:r>
-              <a:rPr lang="en-US" sz="1600" dirty="0" smtClean="0"/>
-              <a:t> events and updates when an action is performed</a:t>
-            </a:r>
-          </a:p>
-          <a:p>
-            <a:r>
-              <a:rPr lang="en-US" sz="1800" dirty="0" smtClean="0"/>
-              <a:t>GamePanel2</a:t>
-            </a:r>
-            <a:endParaRPr lang="en-US" sz="1800" dirty="0" smtClean="0"/>
-          </a:p>
-          <a:p>
-            <a:pPr lvl="1"/>
-            <a:r>
-              <a:rPr lang="en-US" sz="1600" dirty="0" smtClean="0"/>
-              <a:t>Contains the movement and the code that checks for collision</a:t>
-            </a:r>
-          </a:p>
-          <a:p>
-            <a:pPr lvl="1"/>
-            <a:r>
-              <a:rPr lang="en-US" sz="1600" dirty="0" smtClean="0"/>
-              <a:t>Contains the code that resets the game</a:t>
-            </a:r>
-          </a:p>
-          <a:p>
-            <a:pPr lvl="1"/>
-            <a:r>
-              <a:rPr lang="en-US" sz="1600" dirty="0" smtClean="0"/>
-              <a:t>Contains the biggest update of th</a:t>
-            </a:r>
-            <a:r>
-              <a:rPr lang="en-US" sz="1600" dirty="0" smtClean="0"/>
-              <a:t>e whole game</a:t>
-            </a:r>
-          </a:p>
-          <a:p>
-            <a:pPr lvl="1"/>
-            <a:r>
-              <a:rPr lang="en-US" sz="1600" dirty="0" smtClean="0"/>
-              <a:t>Contains the most important draw method</a:t>
-            </a:r>
-            <a:endParaRPr lang="en-US" sz="1600" dirty="0" smtClean="0"/>
-          </a:p>
-          <a:p>
-            <a:r>
-              <a:rPr lang="en-US" sz="1800" dirty="0" smtClean="0"/>
-              <a:t>Screen2</a:t>
-            </a:r>
-          </a:p>
-          <a:p>
-            <a:pPr lvl="1"/>
-            <a:r>
-              <a:rPr lang="en-US" sz="1600" dirty="0" smtClean="0"/>
-              <a:t>Contains the map and the sprites for the screen</a:t>
-            </a:r>
-          </a:p>
-          <a:p>
-            <a:pPr lvl="1"/>
-            <a:r>
-              <a:rPr lang="en-US" sz="1600" dirty="0" smtClean="0"/>
-              <a:t>Contains the code that checks the level collision</a:t>
-            </a:r>
-          </a:p>
-          <a:p>
-            <a:pPr lvl="1"/>
-            <a:r>
-              <a:rPr lang="en-US" sz="1600" dirty="0" smtClean="0"/>
-              <a:t>Draws the map, and sets the level</a:t>
-            </a:r>
-            <a:endParaRPr lang="en-US" sz="1600" dirty="0"/>
+                    <a:lumMod val="75000"/>
+                    <a:lumOff val="25000"/>
+                  </a:schemeClr>
+                </a:solidFill>
+              </a:rPr>
+              <a:t>Updates the character </a:t>
+            </a:r>
           </a:p>
         </p:txBody>
       </p:sp>
     </p:spTree>
-    <p:extLst>
-      <p:ext uri="{BB962C8B-B14F-4D97-AF65-F5344CB8AC3E}">
-        <p14:creationId xmlns:p14="http://schemas.microsoft.com/office/powerpoint/2010/main" val="2614536617"/>
-      </p:ext>
-    </p:extLst>
   </p:cSld>
   <p:clrMapOvr>
     <a:masterClrMapping/>
@@ -9734,87 +9861,477 @@
           <a:p>
             <a:r>
               <a:rPr lang="en-US" sz="4000" dirty="0" smtClean="0"/>
-              <a:t>Algorithm</a:t>
-            </a:r>
-            <a:endParaRPr lang="en-US" sz="4400" dirty="0"/>
-          </a:p>
-        </p:txBody>
-      </p:sp>
-      <p:sp>
-        <p:nvSpPr>
-          <p:cNvPr id="3" name="Content Placeholder 2"/>
-          <p:cNvSpPr>
-            <a:spLocks noGrp="1"/>
-          </p:cNvSpPr>
-          <p:nvPr>
-            <p:ph idx="1"/>
-          </p:nvPr>
-        </p:nvSpPr>
-        <p:spPr/>
-        <p:txBody>
-          <a:bodyPr/>
-          <a:lstStyle/>
-          <a:p>
-            <a:r>
-              <a:rPr lang="en-US" sz="2800" dirty="0" smtClean="0"/>
-              <a:t>Collision</a:t>
-            </a:r>
-          </a:p>
-          <a:p>
-            <a:pPr marL="971550" lvl="1" indent="-514350">
-              <a:buFont typeface="+mj-lt"/>
-              <a:buAutoNum type="arabicPeriod"/>
-            </a:pPr>
-            <a:r>
-              <a:rPr lang="en-US" sz="2400" dirty="0" smtClean="0"/>
-              <a:t>When </a:t>
-            </a:r>
-            <a:r>
-              <a:rPr lang="en-US" sz="2400" dirty="0" smtClean="0"/>
-              <a:t>a key </a:t>
-            </a:r>
-            <a:r>
-              <a:rPr lang="en-US" sz="2400" dirty="0" smtClean="0"/>
-              <a:t>is pressed, direction is passed</a:t>
-            </a:r>
-          </a:p>
-          <a:p>
-            <a:pPr marL="971550" lvl="1" indent="-514350">
-              <a:buFont typeface="+mj-lt"/>
-              <a:buAutoNum type="arabicPeriod"/>
-            </a:pPr>
-            <a:r>
-              <a:rPr lang="en-US" sz="2400" dirty="0" smtClean="0"/>
-              <a:t>Level collision is checked with direction variable</a:t>
-            </a:r>
-          </a:p>
-          <a:p>
-            <a:pPr marL="971550" lvl="1" indent="-514350">
-              <a:buFont typeface="+mj-lt"/>
-              <a:buAutoNum type="arabicPeriod"/>
-            </a:pPr>
-            <a:r>
-              <a:rPr lang="en-US" sz="2400" dirty="0" smtClean="0"/>
-              <a:t>If </a:t>
-            </a:r>
-            <a:r>
-              <a:rPr lang="en-US" sz="2400" dirty="0" smtClean="0"/>
-              <a:t>collision is found, no movement happens</a:t>
-            </a:r>
-          </a:p>
-          <a:p>
-            <a:pPr marL="971550" lvl="1" indent="-514350">
-              <a:buFont typeface="+mj-lt"/>
-              <a:buAutoNum type="arabicPeriod"/>
-            </a:pPr>
-            <a:r>
-              <a:rPr lang="en-US" sz="2400" dirty="0" smtClean="0"/>
-              <a:t>If collision is not found, movement happens corresponding movement variable</a:t>
-            </a:r>
+              <a:t>Object Oriented Programming</a:t>
+            </a:r>
+            <a:br>
+              <a:rPr lang="en-US" sz="4000" dirty="0" smtClean="0"/>
+            </a:br>
+            <a:r>
+              <a:rPr lang="en-US" sz="4000" dirty="0" smtClean="0"/>
+              <a:t>…continued</a:t>
+            </a:r>
+            <a:endParaRPr lang="en-US" sz="4000" dirty="0"/>
+          </a:p>
+        </p:txBody>
+      </p:sp>
+      <p:sp>
+        <p:nvSpPr>
+          <p:cNvPr id="4" name="Content Placeholder 2"/>
+          <p:cNvSpPr txBox="1">
+            <a:spLocks/>
+          </p:cNvSpPr>
+          <p:nvPr/>
+        </p:nvSpPr>
+        <p:spPr>
+          <a:xfrm>
+            <a:off x="495894" y="2069721"/>
+            <a:ext cx="7852062" cy="4144963"/>
+          </a:xfrm>
+          <a:prstGeom prst="rect">
+            <a:avLst/>
+          </a:prstGeom>
+        </p:spPr>
+        <p:txBody>
+          <a:bodyPr vert="horz" lIns="91440" tIns="45720" rIns="91440" bIns="45720" rtlCol="0">
+            <a:noAutofit/>
+          </a:bodyPr>
+          <a:lstStyle>
+            <a:lvl1pPr marL="228600" indent="-228600" algn="l" defTabSz="914400" rtl="0" eaLnBrk="1" latinLnBrk="0" hangingPunct="1">
+              <a:spcBef>
+                <a:spcPts val="2000"/>
+              </a:spcBef>
+              <a:buClr>
+                <a:schemeClr val="accent1"/>
+              </a:buClr>
+              <a:buSzPct val="75000"/>
+              <a:buFont typeface="Wingdings" pitchFamily="2" charset="2"/>
+              <a:buChar char="n"/>
+              <a:defRPr sz="2000" kern="1200">
+                <a:solidFill>
+                  <a:schemeClr val="tx1">
+                    <a:lumMod val="65000"/>
+                    <a:lumOff val="35000"/>
+                  </a:schemeClr>
+                </a:solidFill>
+                <a:latin typeface="+mn-lt"/>
+                <a:ea typeface="+mn-ea"/>
+                <a:cs typeface="+mn-cs"/>
+              </a:defRPr>
+            </a:lvl1pPr>
+            <a:lvl2pPr marL="457200" indent="-228600" algn="l" defTabSz="914400" rtl="0" eaLnBrk="1" latinLnBrk="0" hangingPunct="1">
+              <a:spcBef>
+                <a:spcPts val="600"/>
+              </a:spcBef>
+              <a:buClr>
+                <a:schemeClr val="accent1">
+                  <a:lumMod val="60000"/>
+                  <a:lumOff val="40000"/>
+                </a:schemeClr>
+              </a:buClr>
+              <a:buSzPct val="75000"/>
+              <a:buFont typeface="Wingdings" pitchFamily="2" charset="2"/>
+              <a:buChar char="n"/>
+              <a:defRPr sz="1800" kern="1200">
+                <a:solidFill>
+                  <a:schemeClr val="tx1">
+                    <a:lumMod val="65000"/>
+                    <a:lumOff val="35000"/>
+                  </a:schemeClr>
+                </a:solidFill>
+                <a:latin typeface="+mn-lt"/>
+                <a:ea typeface="+mn-ea"/>
+                <a:cs typeface="+mn-cs"/>
+              </a:defRPr>
+            </a:lvl2pPr>
+            <a:lvl3pPr marL="685800" indent="-228600" algn="l" defTabSz="914400" rtl="0" eaLnBrk="1" latinLnBrk="0" hangingPunct="1">
+              <a:spcBef>
+                <a:spcPts val="600"/>
+              </a:spcBef>
+              <a:buClr>
+                <a:schemeClr val="accent1"/>
+              </a:buClr>
+              <a:buSzPct val="75000"/>
+              <a:buFont typeface="Wingdings" pitchFamily="2" charset="2"/>
+              <a:buChar char="n"/>
+              <a:defRPr sz="1800" kern="1200">
+                <a:solidFill>
+                  <a:schemeClr val="tx1">
+                    <a:lumMod val="65000"/>
+                    <a:lumOff val="35000"/>
+                  </a:schemeClr>
+                </a:solidFill>
+                <a:latin typeface="+mn-lt"/>
+                <a:ea typeface="+mn-ea"/>
+                <a:cs typeface="+mn-cs"/>
+              </a:defRPr>
+            </a:lvl3pPr>
+            <a:lvl4pPr marL="914400" indent="-228600" algn="l" defTabSz="914400" rtl="0" eaLnBrk="1" latinLnBrk="0" hangingPunct="1">
+              <a:spcBef>
+                <a:spcPts val="600"/>
+              </a:spcBef>
+              <a:buClr>
+                <a:schemeClr val="accent1">
+                  <a:lumMod val="60000"/>
+                  <a:lumOff val="40000"/>
+                </a:schemeClr>
+              </a:buClr>
+              <a:buSzPct val="75000"/>
+              <a:buFont typeface="Wingdings" pitchFamily="2" charset="2"/>
+              <a:buChar char="n"/>
+              <a:defRPr sz="1800" kern="1200">
+                <a:solidFill>
+                  <a:schemeClr val="tx1">
+                    <a:lumMod val="65000"/>
+                    <a:lumOff val="35000"/>
+                  </a:schemeClr>
+                </a:solidFill>
+                <a:latin typeface="+mn-lt"/>
+                <a:ea typeface="+mn-ea"/>
+                <a:cs typeface="+mn-cs"/>
+              </a:defRPr>
+            </a:lvl4pPr>
+            <a:lvl5pPr marL="1143000" indent="-228600" algn="l" defTabSz="914400" rtl="0" eaLnBrk="1" latinLnBrk="0" hangingPunct="1">
+              <a:spcBef>
+                <a:spcPts val="600"/>
+              </a:spcBef>
+              <a:buClr>
+                <a:schemeClr val="accent1"/>
+              </a:buClr>
+              <a:buSzPct val="75000"/>
+              <a:buFont typeface="Wingdings" pitchFamily="2" charset="2"/>
+              <a:buChar char="n"/>
+              <a:defRPr sz="1800" kern="1200">
+                <a:solidFill>
+                  <a:schemeClr val="tx1">
+                    <a:lumMod val="65000"/>
+                    <a:lumOff val="35000"/>
+                  </a:schemeClr>
+                </a:solidFill>
+                <a:latin typeface="+mn-lt"/>
+                <a:ea typeface="+mn-ea"/>
+                <a:cs typeface="+mn-cs"/>
+              </a:defRPr>
+            </a:lvl5pPr>
+            <a:lvl6pPr marL="1377950" indent="-228600" algn="l" defTabSz="914400" rtl="0" eaLnBrk="1" latinLnBrk="0" hangingPunct="1">
+              <a:spcBef>
+                <a:spcPct val="20000"/>
+              </a:spcBef>
+              <a:buClr>
+                <a:schemeClr val="accent1">
+                  <a:lumMod val="60000"/>
+                  <a:lumOff val="40000"/>
+                </a:schemeClr>
+              </a:buClr>
+              <a:buSzPct val="75000"/>
+              <a:buFont typeface="Wingdings" pitchFamily="2" charset="2"/>
+              <a:buChar char=""/>
+              <a:defRPr lang="en-US" sz="1800" kern="1200" dirty="0" smtClean="0">
+                <a:solidFill>
+                  <a:schemeClr val="tx1">
+                    <a:lumMod val="65000"/>
+                    <a:lumOff val="35000"/>
+                  </a:schemeClr>
+                </a:solidFill>
+                <a:latin typeface="+mn-lt"/>
+                <a:ea typeface="+mn-ea"/>
+                <a:cs typeface="+mn-cs"/>
+              </a:defRPr>
+            </a:lvl6pPr>
+            <a:lvl7pPr marL="1603375" indent="-228600" algn="l" defTabSz="914400" rtl="0" eaLnBrk="1" latinLnBrk="0" hangingPunct="1">
+              <a:spcBef>
+                <a:spcPct val="20000"/>
+              </a:spcBef>
+              <a:buClr>
+                <a:schemeClr val="accent1"/>
+              </a:buClr>
+              <a:buSzPct val="75000"/>
+              <a:buFont typeface="Wingdings" pitchFamily="2" charset="2"/>
+              <a:buChar char=""/>
+              <a:defRPr lang="en-US" sz="1800" kern="1200" baseline="0" dirty="0" smtClean="0">
+                <a:solidFill>
+                  <a:schemeClr val="tx1">
+                    <a:lumMod val="65000"/>
+                    <a:lumOff val="35000"/>
+                  </a:schemeClr>
+                </a:solidFill>
+                <a:latin typeface="+mn-lt"/>
+                <a:ea typeface="+mn-ea"/>
+                <a:cs typeface="+mn-cs"/>
+              </a:defRPr>
+            </a:lvl7pPr>
+            <a:lvl8pPr marL="1830388" indent="-228600" algn="l" defTabSz="914400" rtl="0" eaLnBrk="1" latinLnBrk="0" hangingPunct="1">
+              <a:spcBef>
+                <a:spcPct val="20000"/>
+              </a:spcBef>
+              <a:buClr>
+                <a:schemeClr val="accent1">
+                  <a:lumMod val="60000"/>
+                  <a:lumOff val="40000"/>
+                </a:schemeClr>
+              </a:buClr>
+              <a:buSzPct val="75000"/>
+              <a:buFont typeface="Wingdings" pitchFamily="2" charset="2"/>
+              <a:buChar char=""/>
+              <a:defRPr lang="en-US" sz="1800" kern="1200" baseline="0" dirty="0" smtClean="0">
+                <a:solidFill>
+                  <a:schemeClr val="tx1">
+                    <a:lumMod val="65000"/>
+                    <a:lumOff val="35000"/>
+                  </a:schemeClr>
+                </a:solidFill>
+                <a:latin typeface="+mn-lt"/>
+                <a:ea typeface="+mn-ea"/>
+                <a:cs typeface="+mn-cs"/>
+              </a:defRPr>
+            </a:lvl8pPr>
+            <a:lvl9pPr marL="2057400" indent="-228600" algn="l" defTabSz="914400" rtl="0" eaLnBrk="1" latinLnBrk="0" hangingPunct="1">
+              <a:spcBef>
+                <a:spcPct val="20000"/>
+              </a:spcBef>
+              <a:buClr>
+                <a:schemeClr val="accent1"/>
+              </a:buClr>
+              <a:buSzPct val="75000"/>
+              <a:buFont typeface="Wingdings" pitchFamily="2" charset="2"/>
+              <a:buChar char=""/>
+              <a:defRPr lang="en-US" sz="1800" kern="1200" baseline="0" dirty="0">
+                <a:solidFill>
+                  <a:schemeClr val="tx1">
+                    <a:lumMod val="65000"/>
+                    <a:lumOff val="35000"/>
+                  </a:schemeClr>
+                </a:solidFill>
+                <a:latin typeface="+mn-lt"/>
+                <a:ea typeface="+mn-ea"/>
+                <a:cs typeface="+mn-cs"/>
+              </a:defRPr>
+            </a:lvl9pPr>
+          </a:lstStyle>
+          <a:p>
+            <a:r>
+              <a:rPr lang="en-US" sz="1800" dirty="0">
+                <a:solidFill>
+                  <a:schemeClr val="tx1">
+                    <a:lumMod val="75000"/>
+                    <a:lumOff val="25000"/>
+                  </a:schemeClr>
+                </a:solidFill>
+              </a:rPr>
+              <a:t>Game2</a:t>
+            </a:r>
+          </a:p>
+          <a:p>
+            <a:pPr lvl="1"/>
+            <a:r>
+              <a:rPr lang="en-US" sz="1600" dirty="0" smtClean="0">
+                <a:solidFill>
+                  <a:schemeClr val="tx1">
+                    <a:lumMod val="75000"/>
+                    <a:lumOff val="25000"/>
+                  </a:schemeClr>
+                </a:solidFill>
+              </a:rPr>
+              <a:t>Starts up the window and it’s properties</a:t>
+            </a:r>
+          </a:p>
+          <a:p>
+            <a:pPr lvl="1"/>
+            <a:r>
+              <a:rPr lang="en-US" sz="1600" dirty="0" smtClean="0">
+                <a:solidFill>
+                  <a:schemeClr val="tx1">
+                    <a:lumMod val="75000"/>
+                    <a:lumOff val="25000"/>
+                  </a:schemeClr>
+                </a:solidFill>
+              </a:rPr>
+              <a:t>Contains the </a:t>
+            </a:r>
+            <a:r>
+              <a:rPr lang="en-US" sz="1600" dirty="0" err="1" smtClean="0">
+                <a:solidFill>
+                  <a:schemeClr val="tx1">
+                    <a:lumMod val="75000"/>
+                    <a:lumOff val="25000"/>
+                  </a:schemeClr>
+                </a:solidFill>
+              </a:rPr>
+              <a:t>keyPressed</a:t>
+            </a:r>
+            <a:r>
+              <a:rPr lang="en-US" sz="1600" dirty="0" smtClean="0">
+                <a:solidFill>
+                  <a:schemeClr val="tx1">
+                    <a:lumMod val="75000"/>
+                    <a:lumOff val="25000"/>
+                  </a:schemeClr>
+                </a:solidFill>
+              </a:rPr>
+              <a:t> and </a:t>
+            </a:r>
+            <a:r>
+              <a:rPr lang="en-US" sz="1600" dirty="0" err="1" smtClean="0">
+                <a:solidFill>
+                  <a:schemeClr val="tx1">
+                    <a:lumMod val="75000"/>
+                    <a:lumOff val="25000"/>
+                  </a:schemeClr>
+                </a:solidFill>
+              </a:rPr>
+              <a:t>keyReleased</a:t>
+            </a:r>
+            <a:r>
+              <a:rPr lang="en-US" sz="1600" dirty="0" smtClean="0">
+                <a:solidFill>
+                  <a:schemeClr val="tx1">
+                    <a:lumMod val="75000"/>
+                    <a:lumOff val="25000"/>
+                  </a:schemeClr>
+                </a:solidFill>
+              </a:rPr>
+              <a:t> events and updates when an action is performed</a:t>
+            </a:r>
+          </a:p>
+          <a:p>
+            <a:r>
+              <a:rPr lang="en-US" sz="1800" dirty="0" smtClean="0">
+                <a:solidFill>
+                  <a:schemeClr val="tx1">
+                    <a:lumMod val="75000"/>
+                    <a:lumOff val="25000"/>
+                  </a:schemeClr>
+                </a:solidFill>
+              </a:rPr>
+              <a:t>GamePanel2</a:t>
+            </a:r>
+          </a:p>
+          <a:p>
+            <a:pPr lvl="1"/>
+            <a:r>
+              <a:rPr lang="en-US" sz="1600" dirty="0" smtClean="0">
+                <a:solidFill>
+                  <a:schemeClr val="tx1">
+                    <a:lumMod val="75000"/>
+                    <a:lumOff val="25000"/>
+                  </a:schemeClr>
+                </a:solidFill>
+              </a:rPr>
+              <a:t>Contains the movement and the code that checks for collision</a:t>
+            </a:r>
+          </a:p>
+          <a:p>
+            <a:pPr lvl="1"/>
+            <a:r>
+              <a:rPr lang="en-US" sz="1600" dirty="0" smtClean="0">
+                <a:solidFill>
+                  <a:schemeClr val="tx1">
+                    <a:lumMod val="75000"/>
+                    <a:lumOff val="25000"/>
+                  </a:schemeClr>
+                </a:solidFill>
+              </a:rPr>
+              <a:t>Contains the code that resets the game</a:t>
+            </a:r>
+          </a:p>
+          <a:p>
+            <a:pPr lvl="1"/>
+            <a:r>
+              <a:rPr lang="en-US" sz="1600" dirty="0" smtClean="0">
+                <a:solidFill>
+                  <a:schemeClr val="tx1">
+                    <a:lumMod val="75000"/>
+                    <a:lumOff val="25000"/>
+                  </a:schemeClr>
+                </a:solidFill>
+              </a:rPr>
+              <a:t>Contains the biggest update of the whole game</a:t>
+            </a:r>
+          </a:p>
+          <a:p>
+            <a:pPr lvl="1"/>
+            <a:r>
+              <a:rPr lang="en-US" sz="1600" dirty="0" smtClean="0">
+                <a:solidFill>
+                  <a:schemeClr val="tx1">
+                    <a:lumMod val="75000"/>
+                    <a:lumOff val="25000"/>
+                  </a:schemeClr>
+                </a:solidFill>
+              </a:rPr>
+              <a:t>Contains the most important draw method</a:t>
+            </a:r>
+          </a:p>
+          <a:p>
+            <a:r>
+              <a:rPr lang="en-US" sz="1800" dirty="0" smtClean="0">
+                <a:solidFill>
+                  <a:schemeClr val="tx1">
+                    <a:lumMod val="75000"/>
+                    <a:lumOff val="25000"/>
+                  </a:schemeClr>
+                </a:solidFill>
+              </a:rPr>
+              <a:t>Screen2</a:t>
+            </a:r>
+          </a:p>
+          <a:p>
+            <a:pPr lvl="1"/>
+            <a:r>
+              <a:rPr lang="en-US" sz="1600" dirty="0" smtClean="0">
+                <a:solidFill>
+                  <a:schemeClr val="tx1">
+                    <a:lumMod val="75000"/>
+                    <a:lumOff val="25000"/>
+                  </a:schemeClr>
+                </a:solidFill>
+              </a:rPr>
+              <a:t>Contains the map and the sprites for the screen</a:t>
+            </a:r>
+          </a:p>
+          <a:p>
+            <a:pPr lvl="1"/>
+            <a:r>
+              <a:rPr lang="en-US" sz="1600" dirty="0" smtClean="0">
+                <a:solidFill>
+                  <a:schemeClr val="tx1">
+                    <a:lumMod val="75000"/>
+                    <a:lumOff val="25000"/>
+                  </a:schemeClr>
+                </a:solidFill>
+              </a:rPr>
+              <a:t>Contains the code that checks the level collision</a:t>
+            </a:r>
+          </a:p>
+          <a:p>
+            <a:pPr lvl="1"/>
+            <a:r>
+              <a:rPr lang="en-US" sz="1600" dirty="0" smtClean="0">
+                <a:solidFill>
+                  <a:schemeClr val="tx1">
+                    <a:lumMod val="75000"/>
+                    <a:lumOff val="25000"/>
+                  </a:schemeClr>
+                </a:solidFill>
+              </a:rPr>
+              <a:t>Draws the map, and sets the level</a:t>
+            </a:r>
+            <a:endParaRPr lang="en-US" sz="1600" dirty="0">
+              <a:solidFill>
+                <a:schemeClr val="tx1">
+                  <a:lumMod val="75000"/>
+                  <a:lumOff val="25000"/>
+                </a:schemeClr>
+              </a:solidFill>
+            </a:endParaRPr>
           </a:p>
         </p:txBody>
       </p:sp>
     </p:spTree>
+    <p:extLst>
+      <p:ext uri="{BB962C8B-B14F-4D97-AF65-F5344CB8AC3E}">
+        <p14:creationId xmlns:p14="http://schemas.microsoft.com/office/powerpoint/2010/main" val="2614536617"/>
+      </p:ext>
+    </p:extLst>
   </p:cSld>
   <p:clrMapOvr>
     <a:masterClrMapping/>
@@ -9825,7 +10342,7 @@
 <file path=ppt/theme/theme1.xml><?xml version="1.0" encoding="utf-8"?>
 <a:theme xmlns:a="http://schemas.openxmlformats.org/drawingml/2006/main" name="Advantage">
   <a:themeElements>
-    <a:clrScheme name="Advantage">
+    <a:clrScheme name="Venture">
       <a:dk1>
         <a:sysClr val="windowText" lastClr="000000"/>
       </a:dk1>
@@ -9833,34 +10350,34 @@
         <a:sysClr val="window" lastClr="FFFFFF"/>
       </a:lt1>
       <a:dk2>
-        <a:srgbClr val="2B142D"/>
+        <a:srgbClr val="738450"/>
       </a:dk2>
       <a:lt2>
-        <a:srgbClr val="C3AFCC"/>
+        <a:srgbClr val="E8E9D1"/>
       </a:lt2>
       <a:accent1>
-        <a:srgbClr val="663366"/>
+        <a:srgbClr val="9EB060"/>
       </a:accent1>
       <a:accent2>
-        <a:srgbClr val="330F42"/>
+        <a:srgbClr val="D09A08"/>
       </a:accent2>
       <a:accent3>
-        <a:srgbClr val="666699"/>
+        <a:srgbClr val="F2EC86"/>
       </a:accent3>
       <a:accent4>
-        <a:srgbClr val="999966"/>
+        <a:srgbClr val="824F1C"/>
       </a:accent4>
       <a:accent5>
-        <a:srgbClr val="F7901E"/>
+        <a:srgbClr val="511818"/>
       </a:accent5>
       <a:accent6>
-        <a:srgbClr val="A3A101"/>
+        <a:srgbClr val="553876"/>
       </a:accent6>
       <a:hlink>
-        <a:srgbClr val="BC5FBC"/>
+        <a:srgbClr val="929547"/>
       </a:hlink>
       <a:folHlink>
-        <a:srgbClr val="9775A7"/>
+        <a:srgbClr val="56633C"/>
       </a:folHlink>
     </a:clrScheme>
     <a:fontScheme name="Advantage">
